--- a/Assets/Class/Animation Clip/PPT Data/Animation Clip Example.pptx
+++ b/Assets/Class/Animation Clip/PPT Data/Animation Clip Example.pptx
@@ -2,21 +2,21 @@
 <file path=ppt/presentation.xml><?xml version="1.0" encoding="utf-8"?>
 <p:presentation xmlns:a="http://schemas.openxmlformats.org/drawingml/2006/main" xmlns:r="http://schemas.openxmlformats.org/officeDocument/2006/relationships" xmlns:p="http://schemas.openxmlformats.org/presentationml/2006/main" xmlns:p14="http://schemas.microsoft.com/office/powerpoint/2010/main" saveSubsetFonts="1" firstSlideNum="0">
   <p:sldMasterIdLst>
-    <p:sldMasterId id="2147486843" r:id="rId12"/>
+    <p:sldMasterId id="2147486870" r:id="rId12"/>
   </p:sldMasterIdLst>
   <p:notesMasterIdLst>
     <p:notesMasterId r:id="rId14"/>
   </p:notesMasterIdLst>
   <p:sldIdLst>
     <p:sldId id="315" r:id="rId16"/>
+    <p:sldId id="327" r:id="rId17"/>
     <p:sldId id="319" r:id="rId18"/>
-    <p:sldId id="320" r:id="rId19"/>
-    <p:sldId id="321" r:id="rId20"/>
-    <p:sldId id="322" r:id="rId22"/>
-    <p:sldId id="323" r:id="rId24"/>
-    <p:sldId id="324" r:id="rId26"/>
-    <p:sldId id="325" r:id="rId28"/>
-    <p:sldId id="326" r:id="rId30"/>
+    <p:sldId id="321" r:id="rId19"/>
+    <p:sldId id="322" r:id="rId20"/>
+    <p:sldId id="323" r:id="rId21"/>
+    <p:sldId id="324" r:id="rId22"/>
+    <p:sldId id="325" r:id="rId23"/>
+    <p:sldId id="326" r:id="rId24"/>
   </p:sldIdLst>
   <p:sldSz cx="12192000" cy="6858000"/>
   <p:notesSz cx="6858000" cy="9144000"/>
@@ -647,7 +647,7 @@
         <p:spPr>
           <a:xfrm rot="0">
             <a:off x="685800" y="1143000"/>
-            <a:ext cx="5494020" cy="3093720"/>
+            <a:ext cx="5493385" cy="3093085"/>
           </a:xfrm>
           <a:prstGeom prst="rect"/>
           <a:noFill/>
@@ -686,7 +686,7 @@
         <p:spPr>
           <a:xfrm rot="0">
             <a:off x="685800" y="4400550"/>
-            <a:ext cx="5494020" cy="3608070"/>
+            <a:ext cx="5493385" cy="3607435"/>
           </a:xfrm>
           <a:prstGeom prst="rect"/>
         </p:spPr>
@@ -716,7 +716,7 @@
         <p:spPr>
           <a:xfrm rot="0">
             <a:off x="3884930" y="8685530"/>
-            <a:ext cx="2979420" cy="466090"/>
+            <a:ext cx="2978785" cy="465455"/>
           </a:xfrm>
           <a:prstGeom prst="rect"/>
         </p:spPr>
@@ -6706,70 +6706,251 @@
           </a:p>
         </p:txBody>
       </p:sp>
-      <p:sp>
-        <p:nvSpPr>
-          <p:cNvPr id="33" name="텍스트 상자 15"/>
-          <p:cNvSpPr txBox="1">
-            <a:spLocks/>
-          </p:cNvSpPr>
-          <p:nvPr/>
-        </p:nvSpPr>
-        <p:spPr>
-          <a:xfrm>
-            <a:off x="6899275" y="1368425"/>
-            <a:ext cx="4050030" cy="1231265"/>
-          </a:xfrm>
-          <a:prstGeom prst="rect"/>
-          <a:noFill/>
-          <a:ln w="0">
-            <a:noFill/>
-            <a:prstDash/>
-          </a:ln>
-        </p:spPr>
-        <p:txBody>
-          <a:bodyPr wrap="square" lIns="89535" tIns="46355" rIns="89535" bIns="46355" numCol="1" vert="horz" anchor="t">
-            <a:spAutoFit/>
-          </a:bodyPr>
-          <a:lstStyle/>
-          <a:p>
-            <a:pPr marL="0" indent="0" algn="l" latinLnBrk="0" hangingPunct="1">
-              <a:buFontTx/>
-              <a:buNone/>
-            </a:pPr>
-            <a:r>
-              <a:rPr lang="ko-KR" sz="2000" b="1">
-                <a:solidFill>
-                  <a:srgbClr val="0611F2"/>
-                </a:solidFill>
-                <a:latin typeface="맑은 고딕" charset="0"/>
-                <a:ea typeface="맑은 고딕" charset="0"/>
-              </a:rPr>
-              <a:t>2. </a:t>
-            </a:r>
-            <a:r>
-              <a:rPr lang="ko-KR" sz="1800">
-                <a:latin typeface="맑은 고딕" charset="0"/>
-                <a:ea typeface="맑은 고딕" charset="0"/>
-              </a:rPr>
-              <a:t>그리고 Image의 이름은 Window로 설정하고 Image 하위 오브젝트에 있는 Button 이름은 Close Button으로 설정합니다.</a:t>
-            </a:r>
-            <a:endParaRPr lang="ko-KR" altLang="en-US" sz="1800">
-              <a:latin typeface="맑은 고딕" charset="0"/>
-              <a:ea typeface="맑은 고딕" charset="0"/>
-            </a:endParaRPr>
-          </a:p>
-        </p:txBody>
-      </p:sp>
       <p:pic>
         <p:nvPicPr>
-          <p:cNvPr id="35" name="그림 1" descr="C:/Users/Admin1/AppData/Roaming/PolarisOffice/ETemp/19244_19964736/fImage1850021841.png"/>
+          <p:cNvPr id="35" name="그림 1" descr="C:/Users/Admin1/AppData/Roaming/PolarisOffice/ETemp/23328_19313576/fImage1850021841.png"/>
           <p:cNvPicPr>
             <a:picLocks noChangeAspect="1"/>
           </p:cNvPicPr>
           <p:nvPr/>
         </p:nvPicPr>
         <p:blipFill rotWithShape="1">
-          <a:blip r:embed="rId11" cstate="print">
+          <a:blip r:embed="rId11" cstate="hqprint">
+            <a:extLst>
+              <a:ext uri="{28A0092B-C50C-407E-A947-70E740481C1C}">
+                <a14:useLocalDpi xmlns:a14="http://schemas.microsoft.com/office/drawing/2010/main"/>
+              </a:ext>
+            </a:extLst>
+          </a:blip>
+          <a:stretch>
+            <a:fillRect/>
+          </a:stretch>
+        </p:blipFill>
+        <p:spPr>
+          <a:xfrm rot="0">
+            <a:off x="1370330" y="1357630"/>
+            <a:ext cx="2423160" cy="3457575"/>
+          </a:xfrm>
+          <a:prstGeom prst="roundRect"/>
+          <a:solidFill>
+            <a:srgbClr val="EDEDED"/>
+          </a:solidFill>
+        </p:spPr>
+      </p:pic>
+      <p:sp>
+        <p:nvSpPr>
+          <p:cNvPr id="36" name="텍스트 상자 6"/>
+          <p:cNvSpPr txBox="1">
+            <a:spLocks/>
+          </p:cNvSpPr>
+          <p:nvPr/>
+        </p:nvSpPr>
+        <p:spPr>
+          <a:xfrm rot="0">
+            <a:off x="1367790" y="5080000"/>
+            <a:ext cx="4001770" cy="954405"/>
+          </a:xfrm>
+          <a:prstGeom prst="rect"/>
+          <a:noFill/>
+          <a:ln w="0">
+            <a:noFill/>
+            <a:prstDash/>
+          </a:ln>
+        </p:spPr>
+        <p:txBody>
+          <a:bodyPr wrap="square" lIns="89535" tIns="46355" rIns="89535" bIns="46355" numCol="1" vert="horz" anchor="t">
+            <a:spAutoFit/>
+          </a:bodyPr>
+          <a:lstStyle/>
+          <a:p>
+            <a:pPr marL="0" indent="0" algn="l" latinLnBrk="0" hangingPunct="1">
+              <a:buFontTx/>
+              <a:buNone/>
+            </a:pPr>
+            <a:r>
+              <a:rPr lang="ko-KR" sz="2000" b="1">
+                <a:solidFill>
+                  <a:srgbClr val="0611F2"/>
+                </a:solidFill>
+                <a:latin typeface="맑은 고딕" charset="0"/>
+                <a:ea typeface="맑은 고딕" charset="0"/>
+              </a:rPr>
+              <a:t>1. </a:t>
+            </a:r>
+            <a:r>
+              <a:rPr lang="ko-KR" sz="1800">
+                <a:latin typeface="맑은 고딕" charset="0"/>
+                <a:ea typeface="맑은 고딕" charset="0"/>
+              </a:rPr>
+              <a:t>첫 번째로 UI</a:t>
+            </a:r>
+            <a:r>
+              <a:rPr lang="ko-KR" sz="1800">
+                <a:latin typeface="맑은 고딕" charset="0"/>
+                <a:ea typeface="맑은 고딕" charset="0"/>
+              </a:rPr>
+              <a:t>에서 </a:t>
+            </a:r>
+            <a:r>
+              <a:rPr lang="ko-KR" sz="1800">
+                <a:latin typeface="맑은 고딕" charset="0"/>
+                <a:ea typeface="맑은 고딕" charset="0"/>
+              </a:rPr>
+              <a:t>Image를 생성하고 </a:t>
+            </a:r>
+            <a:r>
+              <a:rPr lang="ko-KR" sz="1800">
+                <a:latin typeface="맑은 고딕" charset="0"/>
+                <a:ea typeface="맑은 고딕" charset="0"/>
+              </a:rPr>
+              <a:t>이름을 Window로 정의합니다.</a:t>
+            </a:r>
+            <a:endParaRPr lang="ko-KR" altLang="en-US" sz="1800">
+              <a:latin typeface="맑은 고딕" charset="0"/>
+              <a:ea typeface="맑은 고딕" charset="0"/>
+            </a:endParaRPr>
+          </a:p>
+        </p:txBody>
+      </p:sp>
+      <p:pic>
+        <p:nvPicPr>
+          <p:cNvPr id="37" name="그림 7" descr="C:/Users/Admin1/AppData/Roaming/PolarisOffice/ETemp/23328_19313576/fImage191382218467.png"/>
+          <p:cNvPicPr>
+            <a:picLocks noChangeAspect="1"/>
+          </p:cNvPicPr>
+          <p:nvPr/>
+        </p:nvPicPr>
+        <p:blipFill rotWithShape="1">
+          <a:blip r:embed="rId12" cstate="hqprint">
+            <a:extLst>
+              <a:ext uri="{28A0092B-C50C-407E-A947-70E740481C1C}">
+                <a14:useLocalDpi xmlns:a14="http://schemas.microsoft.com/office/drawing/2010/main"/>
+              </a:ext>
+            </a:extLst>
+          </a:blip>
+          <a:stretch>
+            <a:fillRect/>
+          </a:stretch>
+        </p:blipFill>
+        <p:spPr>
+          <a:xfrm rot="0">
+            <a:off x="6999605" y="1350645"/>
+            <a:ext cx="2301240" cy="2286635"/>
+          </a:xfrm>
+          <a:prstGeom prst="roundRect"/>
+          <a:solidFill>
+            <a:srgbClr val="EDEDED"/>
+          </a:solidFill>
+        </p:spPr>
+      </p:pic>
+      <p:sp>
+        <p:nvSpPr>
+          <p:cNvPr id="41" name="텍스트 상자 18"/>
+          <p:cNvSpPr txBox="1">
+            <a:spLocks/>
+          </p:cNvSpPr>
+          <p:nvPr/>
+        </p:nvSpPr>
+        <p:spPr>
+          <a:xfrm rot="0">
+            <a:off x="7009130" y="3699510"/>
+            <a:ext cx="3945890" cy="2338705"/>
+          </a:xfrm>
+          <a:prstGeom prst="rect"/>
+          <a:noFill/>
+          <a:ln w="0">
+            <a:noFill/>
+            <a:prstDash/>
+          </a:ln>
+        </p:spPr>
+        <p:txBody>
+          <a:bodyPr wrap="square" lIns="89535" tIns="46355" rIns="89535" bIns="46355" numCol="1" vert="horz" anchor="t">
+            <a:spAutoFit/>
+          </a:bodyPr>
+          <a:lstStyle/>
+          <a:p>
+            <a:pPr marL="0" indent="0" algn="l" latinLnBrk="0" hangingPunct="1">
+              <a:buFontTx/>
+              <a:buNone/>
+            </a:pPr>
+            <a:r>
+              <a:rPr lang="ko-KR" sz="2000" b="1">
+                <a:solidFill>
+                  <a:srgbClr val="0611F2"/>
+                </a:solidFill>
+                <a:latin typeface="맑은 고딕" charset="0"/>
+                <a:ea typeface="맑은 고딕" charset="0"/>
+              </a:rPr>
+              <a:t>2</a:t>
+            </a:r>
+            <a:r>
+              <a:rPr lang="ko-KR" sz="2000" b="1">
+                <a:solidFill>
+                  <a:srgbClr val="0611F2"/>
+                </a:solidFill>
+                <a:latin typeface="맑은 고딕" charset="0"/>
+                <a:ea typeface="맑은 고딕" charset="0"/>
+              </a:rPr>
+              <a:t>. </a:t>
+            </a:r>
+            <a:r>
+              <a:rPr lang="ko-KR" sz="1800">
+                <a:latin typeface="맑은 고딕" charset="0"/>
+                <a:ea typeface="맑은 고딕" charset="0"/>
+              </a:rPr>
+              <a:t>그</a:t>
+            </a:r>
+            <a:r>
+              <a:rPr lang="ko-KR" sz="1800">
+                <a:latin typeface="맑은 고딕" charset="0"/>
+                <a:ea typeface="맑은 고딕" charset="0"/>
+              </a:rPr>
+              <a:t>리고 Window 오브젝트의 하위 오브젝트로 Button 오브젝트를 생성합니다.</a:t>
+            </a:r>
+            <a:endParaRPr lang="ko-KR" altLang="en-US" sz="1800">
+              <a:latin typeface="맑은 고딕" charset="0"/>
+              <a:ea typeface="맑은 고딕" charset="0"/>
+            </a:endParaRPr>
+          </a:p>
+          <a:p>
+            <a:pPr marL="0" indent="0" algn="l" latinLnBrk="0" hangingPunct="1">
+              <a:buFontTx/>
+              <a:buNone/>
+            </a:pPr>
+            <a:endParaRPr lang="ko-KR" altLang="en-US" sz="1800">
+              <a:latin typeface="맑은 고딕" charset="0"/>
+              <a:ea typeface="맑은 고딕" charset="0"/>
+            </a:endParaRPr>
+          </a:p>
+          <a:p>
+            <a:pPr marL="0" indent="0" algn="l" latinLnBrk="0" hangingPunct="1">
+              <a:buFontTx/>
+              <a:buNone/>
+            </a:pPr>
+            <a:r>
+              <a:rPr lang="ko-KR" sz="1800">
+                <a:latin typeface="맑은 고딕" charset="0"/>
+                <a:ea typeface="맑은 고딕" charset="0"/>
+              </a:rPr>
+              <a:t>그다음 Close Button이라는 이름으로 정의하고 Button 오브젝트 하위에 있는 텍스트의 이름을 Close Text로 정의합니다.</a:t>
+            </a:r>
+            <a:endParaRPr lang="ko-KR" altLang="en-US" sz="1800">
+              <a:latin typeface="맑은 고딕" charset="0"/>
+              <a:ea typeface="맑은 고딕" charset="0"/>
+            </a:endParaRPr>
+          </a:p>
+        </p:txBody>
+      </p:sp>
+      <p:pic>
+        <p:nvPicPr>
+          <p:cNvPr id="43" name="그림 5" descr="C:/Users/Admin1/AppData/Roaming/PolarisOffice/ETemp/23328_19313576/fImage351314041.png"/>
+          <p:cNvPicPr>
+            <a:picLocks noChangeAspect="1"/>
+          </p:cNvPicPr>
+          <p:nvPr/>
+        </p:nvPicPr>
+        <p:blipFill rotWithShape="1">
+          <a:blip r:embed="rId17" cstate="print">
             <a:extLst>
               <a:ext uri="{28A0092B-C50C-407E-A947-70E740481C1C}">
                 <a14:useLocalDpi xmlns:a14="http://schemas.microsoft.com/office/drawing/2010/main" val="0"/>
@@ -6782,77 +6963,25 @@
         </p:blipFill>
         <p:spPr>
           <a:xfrm rot="0">
-            <a:off x="1370330" y="1460500"/>
-            <a:ext cx="1822450" cy="1815465"/>
-          </a:xfrm>
-          <a:prstGeom prst="rect"/>
-          <a:noFill/>
+            <a:off x="4045585" y="2519680"/>
+            <a:ext cx="1323975" cy="1152525"/>
+          </a:xfrm>
+          <a:prstGeom prst="roundRect"/>
+          <a:solidFill>
+            <a:srgbClr val="EDEDED"/>
+          </a:solidFill>
         </p:spPr>
       </p:pic>
-      <p:sp>
-        <p:nvSpPr>
-          <p:cNvPr id="36" name="텍스트 상자 6"/>
-          <p:cNvSpPr txBox="1">
-            <a:spLocks/>
-          </p:cNvSpPr>
-          <p:nvPr/>
-        </p:nvSpPr>
-        <p:spPr>
-          <a:xfrm rot="0">
-            <a:off x="1367790" y="4923155"/>
-            <a:ext cx="3994785" cy="954405"/>
-          </a:xfrm>
-          <a:prstGeom prst="rect"/>
-          <a:noFill/>
-          <a:ln w="0">
-            <a:noFill/>
-            <a:prstDash/>
-          </a:ln>
-        </p:spPr>
-        <p:txBody>
-          <a:bodyPr wrap="square" lIns="89535" tIns="46355" rIns="89535" bIns="46355" numCol="1" vert="horz" anchor="t">
-            <a:spAutoFit/>
-          </a:bodyPr>
-          <a:lstStyle/>
-          <a:p>
-            <a:pPr marL="0" indent="0" algn="l" latinLnBrk="0" hangingPunct="1">
-              <a:buFontTx/>
-              <a:buNone/>
-            </a:pPr>
-            <a:r>
-              <a:rPr lang="ko-KR" sz="2000" b="1">
-                <a:solidFill>
-                  <a:srgbClr val="0611F2"/>
-                </a:solidFill>
-                <a:latin typeface="맑은 고딕" charset="0"/>
-                <a:ea typeface="맑은 고딕" charset="0"/>
-              </a:rPr>
-              <a:t>1. </a:t>
-            </a:r>
-            <a:r>
-              <a:rPr lang="ko-KR" sz="1800">
-                <a:latin typeface="맑은 고딕" charset="0"/>
-                <a:ea typeface="맑은 고딕" charset="0"/>
-              </a:rPr>
-              <a:t>첫 번째로 하나의 UI Image를 생성하고 Image의 하위 오브젝트로 Button을 생성합니다.</a:t>
-            </a:r>
-            <a:endParaRPr lang="ko-KR" altLang="en-US" sz="1800">
-              <a:latin typeface="맑은 고딕" charset="0"/>
-              <a:ea typeface="맑은 고딕" charset="0"/>
-            </a:endParaRPr>
-          </a:p>
-        </p:txBody>
-      </p:sp>
       <p:pic>
         <p:nvPicPr>
-          <p:cNvPr id="37" name="그림 7" descr="C:/Users/Admin1/AppData/Roaming/PolarisOffice/ETemp/19244_19964736/fImage191382218467.png"/>
+          <p:cNvPr id="44" name="그림 11" descr="C:/Users/Admin1/AppData/Roaming/PolarisOffice/ETemp/23328_19313576/fImage47872308467.png"/>
           <p:cNvPicPr>
             <a:picLocks noChangeAspect="1"/>
           </p:cNvPicPr>
           <p:nvPr/>
         </p:nvPicPr>
         <p:blipFill rotWithShape="1">
-          <a:blip r:embed="rId12" cstate="print">
+          <a:blip r:embed="rId18" cstate="print">
             <a:extLst>
               <a:ext uri="{28A0092B-C50C-407E-A947-70E740481C1C}">
                 <a14:useLocalDpi xmlns:a14="http://schemas.microsoft.com/office/drawing/2010/main" val="0"/>
@@ -6865,182 +6994,8 @@
         </p:blipFill>
         <p:spPr>
           <a:xfrm rot="0">
-            <a:off x="3449955" y="1468755"/>
-            <a:ext cx="1920875" cy="1815465"/>
-          </a:xfrm>
-          <a:prstGeom prst="rect"/>
-          <a:noFill/>
-        </p:spPr>
-      </p:pic>
-      <p:pic>
-        <p:nvPicPr>
-          <p:cNvPr id="38" name="그림 8" descr="C:/Users/Admin1/AppData/Roaming/PolarisOffice/ETemp/19244_19964736/fImage51472226334.png"/>
-          <p:cNvPicPr>
-            <a:picLocks noChangeAspect="1"/>
-          </p:cNvPicPr>
-          <p:nvPr/>
-        </p:nvPicPr>
-        <p:blipFill rotWithShape="1">
-          <a:blip r:embed="rId13" cstate="print">
-            <a:extLst>
-              <a:ext uri="{28A0092B-C50C-407E-A947-70E740481C1C}">
-                <a14:useLocalDpi xmlns:a14="http://schemas.microsoft.com/office/drawing/2010/main" val="0"/>
-              </a:ext>
-            </a:extLst>
-          </a:blip>
-          <a:stretch>
-            <a:fillRect/>
-          </a:stretch>
-        </p:blipFill>
-        <p:spPr>
-          <a:xfrm rot="0">
-            <a:off x="1575435" y="3427730"/>
-            <a:ext cx="1401445" cy="1327785"/>
-          </a:xfrm>
-          <a:prstGeom prst="roundRect"/>
-          <a:solidFill>
-            <a:srgbClr val="EDEDED"/>
-          </a:solidFill>
-        </p:spPr>
-      </p:pic>
-      <p:pic>
-        <p:nvPicPr>
-          <p:cNvPr id="39" name="그림 11" descr="C:/Users/Admin1/AppData/Roaming/PolarisOffice/ETemp/19244_19964736/fImage677302236500.png"/>
-          <p:cNvPicPr>
-            <a:picLocks noChangeAspect="1"/>
-          </p:cNvPicPr>
-          <p:nvPr/>
-        </p:nvPicPr>
-        <p:blipFill rotWithShape="1">
-          <a:blip r:embed="rId14" cstate="print">
-            <a:extLst>
-              <a:ext uri="{28A0092B-C50C-407E-A947-70E740481C1C}">
-                <a14:useLocalDpi xmlns:a14="http://schemas.microsoft.com/office/drawing/2010/main" val="0"/>
-              </a:ext>
-            </a:extLst>
-          </a:blip>
-          <a:stretch>
-            <a:fillRect/>
-          </a:stretch>
-        </p:blipFill>
-        <p:spPr>
-          <a:xfrm rot="0">
-            <a:off x="3716020" y="3425190"/>
-            <a:ext cx="1422400" cy="1313815"/>
-          </a:xfrm>
-          <a:prstGeom prst="roundRect"/>
-          <a:solidFill>
-            <a:srgbClr val="EDEDED"/>
-          </a:solidFill>
-        </p:spPr>
-      </p:pic>
-      <p:pic>
-        <p:nvPicPr>
-          <p:cNvPr id="40" name="그림 14" descr="C:/Users/Admin1/AppData/Roaming/PolarisOffice/ETemp/19244_19964736/fImage424692249169.png"/>
-          <p:cNvPicPr>
-            <a:picLocks noChangeAspect="1"/>
-          </p:cNvPicPr>
-          <p:nvPr/>
-        </p:nvPicPr>
-        <p:blipFill rotWithShape="1">
-          <a:blip r:embed="rId15" cstate="print">
-            <a:extLst>
-              <a:ext uri="{28A0092B-C50C-407E-A947-70E740481C1C}">
-                <a14:useLocalDpi xmlns:a14="http://schemas.microsoft.com/office/drawing/2010/main" val="0"/>
-              </a:ext>
-            </a:extLst>
-          </a:blip>
-          <a:stretch>
-            <a:fillRect/>
-          </a:stretch>
-        </p:blipFill>
-        <p:spPr>
-          <a:xfrm rot="0">
-            <a:off x="6903720" y="2693670"/>
-            <a:ext cx="2931160" cy="2352675"/>
-          </a:xfrm>
-          <a:prstGeom prst="rect"/>
-          <a:noFill/>
-        </p:spPr>
-      </p:pic>
-      <p:sp>
-        <p:nvSpPr>
-          <p:cNvPr id="41" name="텍스트 상자 18"/>
-          <p:cNvSpPr txBox="1">
-            <a:spLocks/>
-          </p:cNvSpPr>
-          <p:nvPr/>
-        </p:nvSpPr>
-        <p:spPr>
-          <a:xfrm rot="0">
-            <a:off x="6896100" y="5189220"/>
-            <a:ext cx="4050030" cy="677545"/>
-          </a:xfrm>
-          <a:prstGeom prst="rect"/>
-          <a:noFill/>
-          <a:ln w="0">
-            <a:noFill/>
-            <a:prstDash/>
-          </a:ln>
-        </p:spPr>
-        <p:txBody>
-          <a:bodyPr wrap="square" lIns="89535" tIns="46355" rIns="89535" bIns="46355" numCol="1" vert="horz" anchor="t">
-            <a:spAutoFit/>
-          </a:bodyPr>
-          <a:lstStyle/>
-          <a:p>
-            <a:pPr marL="0" indent="0" algn="l" latinLnBrk="0" hangingPunct="1">
-              <a:buFontTx/>
-              <a:buNone/>
-            </a:pPr>
-            <a:r>
-              <a:rPr lang="ko-KR" sz="2000" b="1">
-                <a:solidFill>
-                  <a:srgbClr val="0611F2"/>
-                </a:solidFill>
-                <a:latin typeface="맑은 고딕" charset="0"/>
-                <a:ea typeface="맑은 고딕" charset="0"/>
-              </a:rPr>
-              <a:t>3. </a:t>
-            </a:r>
-            <a:r>
-              <a:rPr lang="ko-KR" sz="1800">
-                <a:latin typeface="맑은 고딕" charset="0"/>
-                <a:ea typeface="맑은 고딕" charset="0"/>
-              </a:rPr>
-              <a:t>그다음 애니메이터 컨트롤러를 생성합니다.</a:t>
-            </a:r>
-            <a:endParaRPr lang="ko-KR" altLang="en-US" sz="1800">
-              <a:latin typeface="맑은 고딕" charset="0"/>
-              <a:ea typeface="맑은 고딕" charset="0"/>
-            </a:endParaRPr>
-          </a:p>
-        </p:txBody>
-      </p:sp>
-      <p:pic>
-        <p:nvPicPr>
-          <p:cNvPr id="42" name="그림 19" descr="C:/Users/Admin1/AppData/Roaming/PolarisOffice/ETemp/19244_19964736/fImage14202275724.png"/>
-          <p:cNvPicPr>
-            <a:picLocks noChangeAspect="1"/>
-          </p:cNvPicPr>
-          <p:nvPr/>
-        </p:nvPicPr>
-        <p:blipFill rotWithShape="1">
-          <a:blip r:embed="rId16" cstate="print">
-            <a:extLst>
-              <a:ext uri="{28A0092B-C50C-407E-A947-70E740481C1C}">
-                <a14:useLocalDpi xmlns:a14="http://schemas.microsoft.com/office/drawing/2010/main" val="0"/>
-              </a:ext>
-            </a:extLst>
-          </a:blip>
-          <a:stretch>
-            <a:fillRect/>
-          </a:stretch>
-        </p:blipFill>
-        <p:spPr>
-          <a:xfrm rot="0">
-            <a:off x="10125075" y="3427730"/>
-            <a:ext cx="821055" cy="867410"/>
+            <a:off x="9561195" y="1783715"/>
+            <a:ext cx="1381760" cy="1420495"/>
           </a:xfrm>
           <a:prstGeom prst="roundRect"/>
           <a:solidFill>
@@ -7072,7 +7027,7 @@
 </file>
 
 <file path=ppt/slides/slide2.xml><?xml version="1.0" encoding="utf-8"?>
-<p:sld xmlns:a="http://schemas.openxmlformats.org/drawingml/2006/main" xmlns:r="http://schemas.openxmlformats.org/officeDocument/2006/relationships" xmlns:p="http://schemas.openxmlformats.org/presentationml/2006/main" xmlns:p14="http://schemas.microsoft.com/office/powerpoint/2010/main">
+<p:sld xmlns:a="http://schemas.openxmlformats.org/drawingml/2006/main" xmlns:r="http://schemas.openxmlformats.org/officeDocument/2006/relationships" xmlns:p="http://schemas.openxmlformats.org/presentationml/2006/main">
   <p:cSld>
     <p:spTree>
       <p:nvGrpSpPr>
@@ -7098,8 +7053,8 @@
         </p:nvSpPr>
         <p:spPr>
           <a:xfrm rot="0">
-            <a:off x="4524375" y="419735"/>
-            <a:ext cx="3129915" cy="554990"/>
+            <a:off x="4530725" y="424180"/>
+            <a:ext cx="3123565" cy="554990"/>
           </a:xfrm>
           <a:prstGeom prst="rect"/>
           <a:noFill/>
@@ -7130,7 +7085,28 @@
                 <a:latin typeface="맑은 고딕" charset="0"/>
                 <a:ea typeface="맑은 고딕" charset="0"/>
               </a:rPr>
-              <a:t> 번째 튜토리얼 </a:t>
+              <a:t> </a:t>
+            </a:r>
+            <a:r>
+              <a:rPr lang="ko-KR" sz="3000" b="1">
+                <a:latin typeface="맑은 고딕" charset="0"/>
+                <a:ea typeface="맑은 고딕" charset="0"/>
+              </a:rPr>
+              <a:t>번째</a:t>
+            </a:r>
+            <a:r>
+              <a:rPr lang="ko-KR" sz="3000" b="1">
+                <a:latin typeface="맑은 고딕" charset="0"/>
+                <a:ea typeface="맑은 고딕" charset="0"/>
+              </a:rPr>
+              <a:t> </a:t>
+            </a:r>
+            <a:r>
+              <a:rPr lang="ko-KR" sz="3000" b="1">
+                <a:latin typeface="맑은 고딕" charset="0"/>
+                <a:ea typeface="맑은 고딕" charset="0"/>
+              </a:rPr>
+              <a:t>튜토리얼 </a:t>
             </a:r>
             <a:endParaRPr lang="ko-KR" altLang="en-US" sz="3000" b="1">
               <a:latin typeface="맑은 고딕" charset="0"/>
@@ -7139,151 +7115,180 @@
           </a:p>
         </p:txBody>
       </p:sp>
-      <p:sp>
-        <p:nvSpPr>
-          <p:cNvPr id="27" name="Rect 0"/>
-          <p:cNvSpPr txBox="1">
-            <a:spLocks/>
-          </p:cNvSpPr>
-          <p:nvPr/>
-        </p:nvSpPr>
-        <p:spPr>
-          <a:xfrm rot="0">
-            <a:off x="1590040" y="4998085"/>
-            <a:ext cx="3789045" cy="954405"/>
-          </a:xfrm>
-          <a:prstGeom prst="rect"/>
-          <a:noFill/>
-          <a:ln w="0">
-            <a:noFill/>
-            <a:prstDash/>
-          </a:ln>
-        </p:spPr>
-        <p:txBody>
-          <a:bodyPr wrap="square" lIns="89535" tIns="46355" rIns="89535" bIns="46355" numCol="1" vert="horz" anchor="t">
-            <a:spAutoFit/>
-          </a:bodyPr>
-          <a:lstStyle/>
-          <a:p>
-            <a:pPr marL="0" indent="0" algn="l" latinLnBrk="0" hangingPunct="1">
-              <a:buFontTx/>
-              <a:buNone/>
-            </a:pPr>
-            <a:r>
-              <a:rPr lang="ko-KR" sz="2000" b="1">
-                <a:solidFill>
-                  <a:srgbClr val="0611F2"/>
-                </a:solidFill>
-                <a:latin typeface="맑은 고딕" charset="0"/>
-                <a:ea typeface="맑은 고딕" charset="0"/>
-              </a:rPr>
-              <a:t>4</a:t>
-            </a:r>
-            <a:r>
-              <a:rPr lang="ko-KR" sz="2000" b="1">
-                <a:solidFill>
-                  <a:srgbClr val="0611F2"/>
-                </a:solidFill>
-                <a:latin typeface="맑은 고딕" charset="0"/>
-                <a:ea typeface="맑은 고딕" charset="0"/>
-              </a:rPr>
-              <a:t>.</a:t>
-            </a:r>
-            <a:r>
-              <a:rPr lang="ko-KR" sz="2000">
-                <a:solidFill>
-                  <a:srgbClr val="0611F2"/>
-                </a:solidFill>
-                <a:latin typeface="맑은 고딕" charset="0"/>
-                <a:ea typeface="맑은 고딕" charset="0"/>
-              </a:rPr>
-              <a:t> </a:t>
-            </a:r>
-            <a:r>
-              <a:rPr lang="ko-KR" sz="1800">
-                <a:latin typeface="맑은 고딕" charset="0"/>
-                <a:ea typeface="맑은 고딕" charset="0"/>
-              </a:rPr>
-              <a:t>그리고 Animation을 2개 생성한 다음 이름을 Close와 Open으로 설정합니다.</a:t>
-            </a:r>
-            <a:r>
-              <a:rPr lang="ko-KR" sz="1800">
-                <a:latin typeface="맑은 고딕" charset="0"/>
-                <a:ea typeface="맑은 고딕" charset="0"/>
-              </a:rPr>
-              <a:t> </a:t>
-            </a:r>
-            <a:endParaRPr lang="ko-KR" altLang="en-US" sz="1800">
-              <a:latin typeface="맑은 고딕" charset="0"/>
-              <a:ea typeface="맑은 고딕" charset="0"/>
-            </a:endParaRPr>
-          </a:p>
-        </p:txBody>
-      </p:sp>
-      <p:sp>
-        <p:nvSpPr>
-          <p:cNvPr id="29" name="Rect 0"/>
-          <p:cNvSpPr txBox="1">
-            <a:spLocks/>
-          </p:cNvSpPr>
-          <p:nvPr/>
-        </p:nvSpPr>
-        <p:spPr>
-          <a:xfrm rot="0">
-            <a:off x="6816725" y="5275580"/>
-            <a:ext cx="4111625" cy="678180"/>
-          </a:xfrm>
-          <a:prstGeom prst="rect"/>
-          <a:noFill/>
-          <a:ln w="0">
-            <a:noFill/>
-            <a:prstDash/>
-          </a:ln>
-        </p:spPr>
-        <p:txBody>
-          <a:bodyPr wrap="square" lIns="89535" tIns="46355" rIns="89535" bIns="46355" numCol="1" vert="horz" anchor="t">
-            <a:spAutoFit/>
-          </a:bodyPr>
-          <a:lstStyle/>
-          <a:p>
-            <a:pPr marL="0" indent="0" algn="l" latinLnBrk="0" hangingPunct="1">
-              <a:buFontTx/>
-              <a:buNone/>
-            </a:pPr>
-            <a:r>
-              <a:rPr lang="ko-KR" sz="2000" b="1">
-                <a:solidFill>
-                  <a:srgbClr val="0611F2"/>
-                </a:solidFill>
-                <a:latin typeface="맑은 고딕" charset="0"/>
-                <a:ea typeface="맑은 고딕" charset="0"/>
-              </a:rPr>
-              <a:t>5. </a:t>
-            </a:r>
-            <a:r>
-              <a:rPr lang="ko-KR" sz="1800">
-                <a:latin typeface="맑은 고딕" charset="0"/>
-                <a:ea typeface="맑은 고딕" charset="0"/>
-              </a:rPr>
-              <a:t>애니메이션을 생성하고 Animator Blend Layer에 넣어줍니다. </a:t>
-            </a:r>
-            <a:endParaRPr lang="ko-KR" altLang="en-US" sz="1800">
-              <a:latin typeface="맑은 고딕" charset="0"/>
-              <a:ea typeface="맑은 고딕" charset="0"/>
-            </a:endParaRPr>
-          </a:p>
-        </p:txBody>
-      </p:sp>
       <p:pic>
         <p:nvPicPr>
-          <p:cNvPr id="37" name="그림 22"/>
+          <p:cNvPr id="40" name="Picture " descr="C:/Users/Admin1/AppData/Roaming/PolarisOffice/ETemp/23328_19313576/fImage424692249169.png"/>
           <p:cNvPicPr>
             <a:picLocks noChangeAspect="1"/>
           </p:cNvPicPr>
           <p:nvPr/>
         </p:nvPicPr>
         <p:blipFill rotWithShape="1">
-          <a:blip r:embed="rId8" cstate="print">
+          <a:blip r:embed="rId2" cstate="hqprint">
+            <a:extLst>
+              <a:ext uri="{28A0092B-C50C-407E-A947-70E740481C1C}">
+                <a14:useLocalDpi xmlns:a14="http://schemas.microsoft.com/office/drawing/2010/main"/>
+              </a:ext>
+            </a:extLst>
+          </a:blip>
+          <a:stretch>
+            <a:fillRect/>
+          </a:stretch>
+        </p:blipFill>
+        <p:spPr>
+          <a:xfrm rot="0">
+            <a:off x="1474470" y="1282065"/>
+            <a:ext cx="2639695" cy="3117215"/>
+          </a:xfrm>
+          <a:prstGeom prst="roundRect"/>
+          <a:solidFill>
+            <a:srgbClr val="EDEDED"/>
+          </a:solidFill>
+        </p:spPr>
+      </p:pic>
+      <p:sp>
+        <p:nvSpPr>
+          <p:cNvPr id="41" name="Rect 0"/>
+          <p:cNvSpPr txBox="1">
+            <a:spLocks/>
+          </p:cNvSpPr>
+          <p:nvPr/>
+        </p:nvSpPr>
+        <p:spPr>
+          <a:xfrm rot="0">
+            <a:off x="1475740" y="4462145"/>
+            <a:ext cx="3902710" cy="1784985"/>
+          </a:xfrm>
+          <a:prstGeom prst="rect"/>
+          <a:noFill/>
+          <a:ln w="0">
+            <a:noFill/>
+            <a:prstDash/>
+          </a:ln>
+        </p:spPr>
+        <p:txBody>
+          <a:bodyPr wrap="square" lIns="89535" tIns="46355" rIns="89535" bIns="46355" numCol="1" vert="horz" anchor="t">
+            <a:spAutoFit/>
+          </a:bodyPr>
+          <a:lstStyle/>
+          <a:p>
+            <a:pPr marL="0" indent="0" algn="l" latinLnBrk="0" hangingPunct="1">
+              <a:buFontTx/>
+              <a:buNone/>
+            </a:pPr>
+            <a:r>
+              <a:rPr lang="ko-KR" sz="2000" b="1">
+                <a:solidFill>
+                  <a:srgbClr val="0611F2"/>
+                </a:solidFill>
+                <a:latin typeface="맑은 고딕" charset="0"/>
+                <a:ea typeface="맑은 고딕" charset="0"/>
+              </a:rPr>
+              <a:t>3. </a:t>
+            </a:r>
+            <a:r>
+              <a:rPr lang="ko-KR" sz="1800">
+                <a:latin typeface="맑은 고딕" charset="0"/>
+                <a:ea typeface="맑은 고딕" charset="0"/>
+              </a:rPr>
+              <a:t>그</a:t>
+            </a:r>
+            <a:r>
+              <a:rPr lang="ko-KR" sz="1800">
+                <a:latin typeface="맑은 고딕" charset="0"/>
+                <a:ea typeface="맑은 고딕" charset="0"/>
+              </a:rPr>
+              <a:t>런 다음</a:t>
+            </a:r>
+            <a:r>
+              <a:rPr lang="ko-KR" sz="1800">
+                <a:latin typeface="맑은 고딕" charset="0"/>
+                <a:ea typeface="맑은 고딕" charset="0"/>
+              </a:rPr>
+              <a:t> 애니메이터 컨트롤러를 생성</a:t>
+            </a:r>
+            <a:r>
+              <a:rPr lang="ko-KR" sz="1800">
+                <a:latin typeface="맑은 고딕" charset="0"/>
+                <a:ea typeface="맑은 고딕" charset="0"/>
+              </a:rPr>
+              <a:t>하고 이름을 Animator Controller로 정의합니다.</a:t>
+            </a:r>
+            <a:endParaRPr lang="ko-KR" altLang="en-US" sz="1800">
+              <a:latin typeface="맑은 고딕" charset="0"/>
+              <a:ea typeface="맑은 고딕" charset="0"/>
+            </a:endParaRPr>
+          </a:p>
+          <a:p>
+            <a:pPr marL="0" indent="0" algn="l" latinLnBrk="0" hangingPunct="1">
+              <a:buFontTx/>
+              <a:buNone/>
+            </a:pPr>
+            <a:endParaRPr lang="ko-KR" altLang="en-US" sz="1800">
+              <a:latin typeface="맑은 고딕" charset="0"/>
+              <a:ea typeface="맑은 고딕" charset="0"/>
+            </a:endParaRPr>
+          </a:p>
+          <a:p>
+            <a:pPr marL="0" indent="0" algn="l" latinLnBrk="0" hangingPunct="1">
+              <a:buFontTx/>
+              <a:buNone/>
+            </a:pPr>
+            <a:r>
+              <a:rPr lang="ko-KR" sz="1800">
+                <a:latin typeface="맑은 고딕" charset="0"/>
+                <a:ea typeface="맑은 고딕" charset="0"/>
+              </a:rPr>
+              <a:t>그리고 Window 오브젝트에 넣어줍니다.</a:t>
+            </a:r>
+            <a:endParaRPr lang="ko-KR" altLang="en-US" sz="1800">
+              <a:latin typeface="맑은 고딕" charset="0"/>
+              <a:ea typeface="맑은 고딕" charset="0"/>
+            </a:endParaRPr>
+          </a:p>
+        </p:txBody>
+      </p:sp>
+      <p:pic>
+        <p:nvPicPr>
+          <p:cNvPr id="42" name="Picture " descr="C:/Users/Admin1/AppData/Roaming/PolarisOffice/ETemp/23328_19313576/fImage14202275724.png"/>
+          <p:cNvPicPr>
+            <a:picLocks noChangeAspect="1"/>
+          </p:cNvPicPr>
+          <p:nvPr/>
+        </p:nvPicPr>
+        <p:blipFill rotWithShape="1">
+          <a:blip r:embed="rId3" cstate="hqprint">
+            <a:extLst>
+              <a:ext uri="{28A0092B-C50C-407E-A947-70E740481C1C}">
+                <a14:useLocalDpi xmlns:a14="http://schemas.microsoft.com/office/drawing/2010/main"/>
+              </a:ext>
+            </a:extLst>
+          </a:blip>
+          <a:stretch>
+            <a:fillRect/>
+          </a:stretch>
+        </p:blipFill>
+        <p:spPr>
+          <a:xfrm rot="0">
+            <a:off x="4493895" y="3359785"/>
+            <a:ext cx="736600" cy="736600"/>
+          </a:xfrm>
+          <a:prstGeom prst="roundRect"/>
+          <a:solidFill>
+            <a:srgbClr val="EDEDED"/>
+          </a:solidFill>
+        </p:spPr>
+      </p:pic>
+      <p:pic>
+        <p:nvPicPr>
+          <p:cNvPr id="43" name="그림 16" descr="C:/Users/Admin1/AppData/Roaming/PolarisOffice/ETemp/23328_19313576/fImage47152316334.png"/>
+          <p:cNvPicPr>
+            <a:picLocks noChangeAspect="1"/>
+          </p:cNvPicPr>
+          <p:nvPr/>
+        </p:nvPicPr>
+        <p:blipFill rotWithShape="1">
+          <a:blip r:embed="rId4" cstate="print">
             <a:extLst>
               <a:ext uri="{28A0092B-C50C-407E-A947-70E740481C1C}">
                 <a14:useLocalDpi xmlns:a14="http://schemas.microsoft.com/office/drawing/2010/main" val="0"/>
@@ -7296,54 +7301,89 @@
         </p:blipFill>
         <p:spPr>
           <a:xfrm rot="0">
-            <a:off x="1597025" y="1388110"/>
-            <a:ext cx="3782060" cy="3458845"/>
+            <a:off x="4346575" y="1472565"/>
+            <a:ext cx="1031240" cy="1532890"/>
+          </a:xfrm>
+          <a:prstGeom prst="roundRect"/>
+          <a:solidFill>
+            <a:srgbClr val="EDEDED"/>
+          </a:solidFill>
+        </p:spPr>
+      </p:pic>
+      <p:sp>
+        <p:nvSpPr>
+          <p:cNvPr id="45" name="텍스트 상자 23"/>
+          <p:cNvSpPr txBox="1">
+            <a:spLocks/>
+          </p:cNvSpPr>
+          <p:nvPr/>
+        </p:nvSpPr>
+        <p:spPr>
+          <a:xfrm rot="0">
+            <a:off x="7253605" y="5163185"/>
+            <a:ext cx="3770630" cy="954405"/>
           </a:xfrm>
           <a:prstGeom prst="rect"/>
           <a:noFill/>
-        </p:spPr>
-      </p:pic>
+          <a:ln w="0">
+            <a:noFill/>
+            <a:prstDash/>
+          </a:ln>
+        </p:spPr>
+        <p:txBody>
+          <a:bodyPr wrap="square" lIns="89535" tIns="46355" rIns="89535" bIns="46355" numCol="1" vert="horz" anchor="t">
+            <a:spAutoFit/>
+          </a:bodyPr>
+          <a:lstStyle/>
+          <a:p>
+            <a:pPr marL="0" indent="0" algn="l" latinLnBrk="0" hangingPunct="1">
+              <a:buFontTx/>
+              <a:buNone/>
+            </a:pPr>
+            <a:r>
+              <a:rPr lang="ko-KR" sz="2000" b="1">
+                <a:solidFill>
+                  <a:srgbClr val="0611F2"/>
+                </a:solidFill>
+                <a:latin typeface="맑은 고딕" charset="0"/>
+                <a:ea typeface="맑은 고딕" charset="0"/>
+              </a:rPr>
+              <a:t>4.</a:t>
+            </a:r>
+            <a:r>
+              <a:rPr lang="ko-KR" sz="2000">
+                <a:solidFill>
+                  <a:srgbClr val="0611F2"/>
+                </a:solidFill>
+                <a:latin typeface="맑은 고딕" charset="0"/>
+                <a:ea typeface="맑은 고딕" charset="0"/>
+              </a:rPr>
+              <a:t> </a:t>
+            </a:r>
+            <a:r>
+              <a:rPr lang="ko-KR" sz="1800">
+                <a:latin typeface="맑은 고딕" charset="0"/>
+                <a:ea typeface="맑은 고딕" charset="0"/>
+              </a:rPr>
+              <a:t>그리고 Animation을 2개 생성한 다음 이름을 Close와 Open으로 설정합니다. </a:t>
+            </a:r>
+            <a:endParaRPr lang="ko-KR" altLang="en-US" sz="1800">
+              <a:latin typeface="맑은 고딕" charset="0"/>
+              <a:ea typeface="맑은 고딕" charset="0"/>
+            </a:endParaRPr>
+          </a:p>
+        </p:txBody>
+      </p:sp>
       <p:pic>
         <p:nvPicPr>
-          <p:cNvPr id="38" name="그림 23"/>
+          <p:cNvPr id="46" name="그림 24" descr="C:/Users/Admin1/AppData/Roaming/PolarisOffice/ETemp/23328_19313576/fImage416422281478.png"/>
           <p:cNvPicPr>
             <a:picLocks noChangeAspect="1"/>
           </p:cNvPicPr>
           <p:nvPr/>
         </p:nvPicPr>
         <p:blipFill rotWithShape="1">
-          <a:blip r:embed="rId9" cstate="print">
-            <a:extLst>
-              <a:ext uri="{28A0092B-C50C-407E-A947-70E740481C1C}">
-                <a14:useLocalDpi xmlns:a14="http://schemas.microsoft.com/office/drawing/2010/main" val="0"/>
-              </a:ext>
-            </a:extLst>
-          </a:blip>
-          <a:stretch>
-            <a:fillRect/>
-          </a:stretch>
-        </p:blipFill>
-        <p:spPr>
-          <a:xfrm rot="0">
-            <a:off x="1762760" y="4131310"/>
-            <a:ext cx="1671320" cy="565785"/>
-          </a:xfrm>
-          <a:prstGeom prst="roundRect"/>
-          <a:solidFill>
-            <a:srgbClr val="EDEDED"/>
-          </a:solidFill>
-        </p:spPr>
-      </p:pic>
-      <p:pic>
-        <p:nvPicPr>
-          <p:cNvPr id="39" name="그림 26" descr="C:/Users/Admin1/AppData/Roaming/PolarisOffice/ETemp/16576_13348184/fImage69782306962.png"/>
-          <p:cNvPicPr>
-            <a:picLocks noChangeAspect="1"/>
-          </p:cNvPicPr>
-          <p:nvPr/>
-        </p:nvPicPr>
-        <p:blipFill rotWithShape="1">
-          <a:blip r:embed="rId10" cstate="hqprint">
+          <a:blip r:embed="rId5" cstate="hqprint">
             <a:extLst>
               <a:ext uri="{28A0092B-C50C-407E-A947-70E740481C1C}">
                 <a14:useLocalDpi xmlns:a14="http://schemas.microsoft.com/office/drawing/2010/main"/>
@@ -7356,8 +7396,39 @@
         </p:blipFill>
         <p:spPr>
           <a:xfrm rot="0">
-            <a:off x="6824980" y="1379855"/>
-            <a:ext cx="4107815" cy="3816350"/>
+            <a:off x="7242810" y="1283970"/>
+            <a:ext cx="3782695" cy="3721735"/>
+          </a:xfrm>
+          <a:prstGeom prst="roundRect"/>
+          <a:solidFill>
+            <a:srgbClr val="EDEDED"/>
+          </a:solidFill>
+        </p:spPr>
+      </p:pic>
+      <p:pic>
+        <p:nvPicPr>
+          <p:cNvPr id="47" name="그림 25" descr="C:/Users/Admin1/AppData/Roaming/PolarisOffice/ETemp/23328_19313576/fImage22912299358.png"/>
+          <p:cNvPicPr>
+            <a:picLocks noChangeAspect="1"/>
+          </p:cNvPicPr>
+          <p:nvPr/>
+        </p:nvPicPr>
+        <p:blipFill rotWithShape="1">
+          <a:blip r:embed="rId6" cstate="hqprint">
+            <a:extLst>
+              <a:ext uri="{28A0092B-C50C-407E-A947-70E740481C1C}">
+                <a14:useLocalDpi xmlns:a14="http://schemas.microsoft.com/office/drawing/2010/main"/>
+              </a:ext>
+            </a:extLst>
+          </a:blip>
+          <a:stretch>
+            <a:fillRect/>
+          </a:stretch>
+        </p:blipFill>
+        <p:spPr>
+          <a:xfrm rot="0">
+            <a:off x="7460615" y="4226560"/>
+            <a:ext cx="1671955" cy="566420"/>
           </a:xfrm>
           <a:prstGeom prst="roundRect"/>
           <a:solidFill>
@@ -7414,9 +7485,9 @@
           <p:nvPr/>
         </p:nvSpPr>
         <p:spPr>
-          <a:xfrm rot="0">
+          <a:xfrm>
             <a:off x="4524375" y="419735"/>
-            <a:ext cx="3129915" cy="554990"/>
+            <a:ext cx="3130550" cy="554990"/>
           </a:xfrm>
           <a:prstGeom prst="rect"/>
           <a:noFill/>
@@ -7458,7 +7529,7 @@
       </p:sp>
       <p:sp>
         <p:nvSpPr>
-          <p:cNvPr id="27" name="Rect 0"/>
+          <p:cNvPr id="29" name="Rect 0"/>
           <p:cNvSpPr txBox="1">
             <a:spLocks/>
           </p:cNvSpPr>
@@ -7466,8 +7537,8 @@
         </p:nvSpPr>
         <p:spPr>
           <a:xfrm rot="0">
-            <a:off x="1582420" y="4946650"/>
-            <a:ext cx="3796665" cy="1231265"/>
+            <a:off x="1264285" y="4471035"/>
+            <a:ext cx="4122420" cy="1784985"/>
           </a:xfrm>
           <a:prstGeom prst="rect"/>
           <a:noFill/>
@@ -7494,66 +7565,111 @@
                 <a:latin typeface="맑은 고딕" charset="0"/>
                 <a:ea typeface="맑은 고딕" charset="0"/>
               </a:rPr>
-              <a:t>6</a:t>
-            </a:r>
-            <a:r>
-              <a:rPr lang="ko-KR" sz="2000" b="1">
-                <a:solidFill>
-                  <a:srgbClr val="0611F2"/>
-                </a:solidFill>
-                <a:latin typeface="맑은 고딕" charset="0"/>
-                <a:ea typeface="맑은 고딕" charset="0"/>
-              </a:rPr>
-              <a:t>.</a:t>
-            </a:r>
-            <a:r>
-              <a:rPr lang="ko-KR" sz="2000">
-                <a:solidFill>
-                  <a:srgbClr val="0611F2"/>
-                </a:solidFill>
-                <a:latin typeface="맑은 고딕" charset="0"/>
-                <a:ea typeface="맑은 고딕" charset="0"/>
-              </a:rPr>
-              <a:t> </a:t>
+              <a:t>5. </a:t>
             </a:r>
             <a:r>
               <a:rPr lang="ko-KR" sz="1800">
                 <a:latin typeface="맑은 고딕" charset="0"/>
                 <a:ea typeface="맑은 고딕" charset="0"/>
               </a:rPr>
-              <a:t>그리고 </a:t>
-            </a:r>
-            <a:r>
-              <a:rPr lang="ko-KR" sz="1800">
-                <a:latin typeface="맑은 고딕" charset="0"/>
-                <a:ea typeface="맑은 고딕" charset="0"/>
-              </a:rPr>
-              <a:t>Window에 Animator 컴포넌트를 부착하고 Controller에 아까 생성한 애니메이터 컨트롤러를 넣습니다.</a:t>
-            </a:r>
-            <a:r>
-              <a:rPr lang="ko-KR" sz="1800">
-                <a:latin typeface="맑은 고딕" charset="0"/>
-                <a:ea typeface="맑은 고딕" charset="0"/>
-              </a:rPr>
-              <a:t> </a:t>
+              <a:t>그다음 Animator 컨트롤러를 선택합니다.</a:t>
             </a:r>
             <a:endParaRPr lang="ko-KR" altLang="en-US" sz="1800">
               <a:latin typeface="맑은 고딕" charset="0"/>
               <a:ea typeface="맑은 고딕" charset="0"/>
             </a:endParaRPr>
           </a:p>
+          <a:p>
+            <a:pPr marL="0" indent="0" algn="l" latinLnBrk="0" hangingPunct="1">
+              <a:buFontTx/>
+              <a:buNone/>
+            </a:pPr>
+            <a:endParaRPr lang="ko-KR" altLang="en-US" sz="1800">
+              <a:latin typeface="맑은 고딕" charset="0"/>
+              <a:ea typeface="맑은 고딕" charset="0"/>
+            </a:endParaRPr>
+          </a:p>
+          <a:p>
+            <a:pPr marL="0" indent="0" algn="l" latinLnBrk="0" hangingPunct="1">
+              <a:buFontTx/>
+              <a:buNone/>
+            </a:pPr>
+            <a:r>
+              <a:rPr lang="ko-KR" sz="1800">
+                <a:latin typeface="맑은 고딕" charset="0"/>
+                <a:ea typeface="맑은 고딕" charset="0"/>
+              </a:rPr>
+              <a:t>이제 </a:t>
+            </a:r>
+            <a:r>
+              <a:rPr lang="ko-KR" sz="1800">
+                <a:latin typeface="맑은 고딕" charset="0"/>
+                <a:ea typeface="맑은 고딕" charset="0"/>
+              </a:rPr>
+              <a:t>Blend Layer</a:t>
+            </a:r>
+            <a:r>
+              <a:rPr lang="ko-KR" sz="1800">
+                <a:latin typeface="맑은 고딕" charset="0"/>
+                <a:ea typeface="맑은 고딕" charset="0"/>
+              </a:rPr>
+              <a:t>에서 Open 애니메이션과 Close 애니메이션을</a:t>
+            </a:r>
+            <a:r>
+              <a:rPr lang="ko-KR" sz="1800">
+                <a:latin typeface="맑은 고딕" charset="0"/>
+                <a:ea typeface="맑은 고딕" charset="0"/>
+              </a:rPr>
+              <a:t> 넣어줍니다. </a:t>
+            </a:r>
+            <a:endParaRPr lang="ko-KR" altLang="en-US" sz="1800">
+              <a:latin typeface="맑은 고딕" charset="0"/>
+              <a:ea typeface="맑은 고딕" charset="0"/>
+            </a:endParaRPr>
+          </a:p>
         </p:txBody>
       </p:sp>
       <p:pic>
         <p:nvPicPr>
-          <p:cNvPr id="41" name="그림 32"/>
+          <p:cNvPr id="39" name="그림 26" descr="C:/Users/Admin1/AppData/Roaming/PolarisOffice/ETemp/23328_19313576/fImage69782306962.png"/>
           <p:cNvPicPr>
             <a:picLocks noChangeAspect="1"/>
           </p:cNvPicPr>
           <p:nvPr/>
         </p:nvPicPr>
         <p:blipFill rotWithShape="1">
-          <a:blip r:embed="rId6" cstate="print">
+          <a:blip r:embed="rId10" cstate="hqprint">
+            <a:extLst>
+              <a:ext uri="{28A0092B-C50C-407E-A947-70E740481C1C}">
+                <a14:useLocalDpi xmlns:a14="http://schemas.microsoft.com/office/drawing/2010/main"/>
+              </a:ext>
+            </a:extLst>
+          </a:blip>
+          <a:stretch>
+            <a:fillRect/>
+          </a:stretch>
+        </p:blipFill>
+        <p:spPr>
+          <a:xfrm rot="0">
+            <a:off x="1264285" y="1362075"/>
+            <a:ext cx="4114165" cy="2933700"/>
+          </a:xfrm>
+          <a:prstGeom prst="roundRect"/>
+          <a:solidFill>
+            <a:srgbClr val="EDEDED"/>
+          </a:solidFill>
+        </p:spPr>
+      </p:pic>
+      <p:pic>
+        <p:nvPicPr>
+          <p:cNvPr id="40" name="그림 26" descr="C:/Users/Admin1/AppData/Roaming/PolarisOffice/ETemp/23328_19313576/fImage56882376500.png"/>
+          <p:cNvPicPr>
+            <a:picLocks noChangeAspect="1"/>
+          </p:cNvPicPr>
+          <p:nvPr/>
+        </p:nvPicPr>
+        <p:blipFill rotWithShape="1">
+          <a:blip r:embed="rId11" cstate="print">
             <a:extLst>
               <a:ext uri="{28A0092B-C50C-407E-A947-70E740481C1C}">
                 <a14:useLocalDpi xmlns:a14="http://schemas.microsoft.com/office/drawing/2010/main" val="0"/>
@@ -7566,8 +7682,8 @@
         </p:blipFill>
         <p:spPr>
           <a:xfrm rot="0">
-            <a:off x="3474720" y="1388110"/>
-            <a:ext cx="1904365" cy="1480185"/>
+            <a:off x="6814820" y="1356995"/>
+            <a:ext cx="4105275" cy="903605"/>
           </a:xfrm>
           <a:prstGeom prst="roundRect"/>
           <a:solidFill>
@@ -7575,76 +7691,107 @@
           </a:solidFill>
         </p:spPr>
       </p:pic>
+      <p:sp>
+        <p:nvSpPr>
+          <p:cNvPr id="41" name="텍스트 상자 29"/>
+          <p:cNvSpPr txBox="1">
+            <a:spLocks/>
+          </p:cNvSpPr>
+          <p:nvPr/>
+        </p:nvSpPr>
+        <p:spPr>
+          <a:xfrm rot="0">
+            <a:off x="6817360" y="4464685"/>
+            <a:ext cx="4122420" cy="1784985"/>
+          </a:xfrm>
+          <a:prstGeom prst="rect"/>
+          <a:noFill/>
+          <a:ln w="0">
+            <a:noFill/>
+            <a:prstDash/>
+          </a:ln>
+        </p:spPr>
+        <p:txBody>
+          <a:bodyPr wrap="square" lIns="89535" tIns="46355" rIns="89535" bIns="46355" numCol="1" vert="horz" anchor="t">
+            <a:spAutoFit/>
+          </a:bodyPr>
+          <a:lstStyle/>
+          <a:p>
+            <a:pPr marL="0" indent="0" algn="l" latinLnBrk="0" hangingPunct="1">
+              <a:buFontTx/>
+              <a:buNone/>
+            </a:pPr>
+            <a:r>
+              <a:rPr lang="ko-KR" sz="2000" b="1">
+                <a:solidFill>
+                  <a:srgbClr val="0611F2"/>
+                </a:solidFill>
+                <a:latin typeface="맑은 고딕" charset="0"/>
+                <a:ea typeface="맑은 고딕" charset="0"/>
+              </a:rPr>
+              <a:t>6</a:t>
+            </a:r>
+            <a:r>
+              <a:rPr lang="ko-KR" sz="2000" b="1">
+                <a:solidFill>
+                  <a:srgbClr val="0611F2"/>
+                </a:solidFill>
+                <a:latin typeface="맑은 고딕" charset="0"/>
+                <a:ea typeface="맑은 고딕" charset="0"/>
+              </a:rPr>
+              <a:t>. </a:t>
+            </a:r>
+            <a:r>
+              <a:rPr lang="ko-KR" sz="1800">
+                <a:latin typeface="맑은 고딕" charset="0"/>
+                <a:ea typeface="맑은 고딕" charset="0"/>
+              </a:rPr>
+              <a:t>그리고 프로젝트 폴더에 Animator에 Open 애니메이션을 선택합니다.</a:t>
+            </a:r>
+            <a:endParaRPr lang="ko-KR" altLang="en-US" sz="1800">
+              <a:latin typeface="맑은 고딕" charset="0"/>
+              <a:ea typeface="맑은 고딕" charset="0"/>
+            </a:endParaRPr>
+          </a:p>
+          <a:p>
+            <a:pPr marL="0" indent="0" algn="l" latinLnBrk="0" hangingPunct="1">
+              <a:buFontTx/>
+              <a:buNone/>
+            </a:pPr>
+            <a:endParaRPr lang="ko-KR" altLang="en-US" sz="1800">
+              <a:latin typeface="맑은 고딕" charset="0"/>
+              <a:ea typeface="맑은 고딕" charset="0"/>
+            </a:endParaRPr>
+          </a:p>
+          <a:p>
+            <a:pPr marL="0" indent="0" algn="l" latinLnBrk="0" hangingPunct="1">
+              <a:buFontTx/>
+              <a:buNone/>
+            </a:pPr>
+            <a:r>
+              <a:rPr lang="ko-KR" sz="1800">
+                <a:latin typeface="맑은 고딕" charset="0"/>
+                <a:ea typeface="맑은 고딕" charset="0"/>
+              </a:rPr>
+              <a:t>그런 다음 Open 애니메이션의 녹화를 시작합니다.</a:t>
+            </a:r>
+            <a:endParaRPr lang="ko-KR" altLang="en-US" sz="1800">
+              <a:latin typeface="맑은 고딕" charset="0"/>
+              <a:ea typeface="맑은 고딕" charset="0"/>
+            </a:endParaRPr>
+          </a:p>
+        </p:txBody>
+      </p:sp>
       <p:pic>
         <p:nvPicPr>
-          <p:cNvPr id="42" name="그림 33"/>
+          <p:cNvPr id="42" name="그림 30" descr="C:/Users/Admin1/AppData/Roaming/PolarisOffice/ETemp/23328_19313576/fImage13818322491.png"/>
           <p:cNvPicPr>
             <a:picLocks noChangeAspect="1"/>
           </p:cNvPicPr>
           <p:nvPr/>
         </p:nvPicPr>
         <p:blipFill rotWithShape="1">
-          <a:blip r:embed="rId7" cstate="print">
-            <a:extLst>
-              <a:ext uri="{28A0092B-C50C-407E-A947-70E740481C1C}">
-                <a14:useLocalDpi xmlns:a14="http://schemas.microsoft.com/office/drawing/2010/main" val="0"/>
-              </a:ext>
-            </a:extLst>
-          </a:blip>
-          <a:stretch>
-            <a:fillRect/>
-          </a:stretch>
-        </p:blipFill>
-        <p:spPr>
-          <a:xfrm rot="0">
-            <a:off x="1581150" y="1383030"/>
-            <a:ext cx="1511935" cy="1477010"/>
-          </a:xfrm>
-          <a:prstGeom prst="roundRect"/>
-          <a:solidFill>
-            <a:srgbClr val="EDEDED"/>
-          </a:solidFill>
-        </p:spPr>
-      </p:pic>
-      <p:pic>
-        <p:nvPicPr>
-          <p:cNvPr id="43" name="그림 36"/>
-          <p:cNvPicPr>
-            <a:picLocks noChangeAspect="1"/>
-          </p:cNvPicPr>
-          <p:nvPr/>
-        </p:nvPicPr>
-        <p:blipFill rotWithShape="1">
-          <a:blip r:embed="rId8" cstate="print">
-            <a:extLst>
-              <a:ext uri="{28A0092B-C50C-407E-A947-70E740481C1C}">
-                <a14:useLocalDpi xmlns:a14="http://schemas.microsoft.com/office/drawing/2010/main" val="0"/>
-              </a:ext>
-            </a:extLst>
-          </a:blip>
-          <a:stretch>
-            <a:fillRect/>
-          </a:stretch>
-        </p:blipFill>
-        <p:spPr>
-          <a:xfrm rot="0">
-            <a:off x="1579245" y="3100705"/>
-            <a:ext cx="3799840" cy="1771650"/>
-          </a:xfrm>
-          <a:prstGeom prst="rect"/>
-          <a:noFill/>
-        </p:spPr>
-      </p:pic>
-      <p:pic>
-        <p:nvPicPr>
-          <p:cNvPr id="44" name="그림 37" descr="C:/Users/Admin1/AppData/Roaming/PolarisOffice/ETemp/16576_13348184/fImage198652353281.png"/>
-          <p:cNvPicPr>
-            <a:picLocks noChangeAspect="1"/>
-          </p:cNvPicPr>
-          <p:nvPr/>
-        </p:nvPicPr>
-        <p:blipFill rotWithShape="1">
-          <a:blip r:embed="rId9" cstate="hqprint">
+          <a:blip r:embed="rId12" cstate="hqprint">
             <a:extLst>
               <a:ext uri="{28A0092B-C50C-407E-A947-70E740481C1C}">
                 <a14:useLocalDpi xmlns:a14="http://schemas.microsoft.com/office/drawing/2010/main"/>
@@ -7657,77 +7804,13 @@
         </p:blipFill>
         <p:spPr>
           <a:xfrm rot="0">
-            <a:off x="6895465" y="1282700"/>
-            <a:ext cx="4029075" cy="4129405"/>
+            <a:off x="6810375" y="2433320"/>
+            <a:ext cx="4109720" cy="1853565"/>
           </a:xfrm>
           <a:prstGeom prst="rect"/>
           <a:noFill/>
         </p:spPr>
       </p:pic>
-      <p:sp>
-        <p:nvSpPr>
-          <p:cNvPr id="45" name="텍스트 상자 38"/>
-          <p:cNvSpPr txBox="1">
-            <a:spLocks/>
-          </p:cNvSpPr>
-          <p:nvPr/>
-        </p:nvSpPr>
-        <p:spPr>
-          <a:xfrm rot="0">
-            <a:off x="6891655" y="5500370"/>
-            <a:ext cx="4024630" cy="678180"/>
-          </a:xfrm>
-          <a:prstGeom prst="rect"/>
-          <a:noFill/>
-          <a:ln w="0">
-            <a:noFill/>
-            <a:prstDash/>
-          </a:ln>
-        </p:spPr>
-        <p:txBody>
-          <a:bodyPr wrap="square" lIns="89535" tIns="46355" rIns="89535" bIns="46355" numCol="1" vert="horz" anchor="t">
-            <a:spAutoFit/>
-          </a:bodyPr>
-          <a:lstStyle/>
-          <a:p>
-            <a:pPr marL="0" indent="0" algn="l" latinLnBrk="0" hangingPunct="1">
-              <a:buFontTx/>
-              <a:buNone/>
-            </a:pPr>
-            <a:r>
-              <a:rPr lang="ko-KR" sz="2000" b="1">
-                <a:solidFill>
-                  <a:srgbClr val="0611F2"/>
-                </a:solidFill>
-                <a:latin typeface="맑은 고딕" charset="0"/>
-                <a:ea typeface="맑은 고딕" charset="0"/>
-              </a:rPr>
-              <a:t>7.</a:t>
-            </a:r>
-            <a:r>
-              <a:rPr lang="ko-KR" sz="2000">
-                <a:solidFill>
-                  <a:srgbClr val="0611F2"/>
-                </a:solidFill>
-                <a:latin typeface="맑은 고딕" charset="0"/>
-                <a:ea typeface="맑은 고딕" charset="0"/>
-              </a:rPr>
-              <a:t> </a:t>
-            </a:r>
-            <a:r>
-              <a:rPr lang="ko-KR" sz="1800">
-                <a:latin typeface="맑은 고딕" charset="0"/>
-                <a:ea typeface="맑은 고딕" charset="0"/>
-              </a:rPr>
-              <a:t>그다음 Window에서 Animaiton을 선택합니다. </a:t>
-            </a:r>
-            <a:endParaRPr lang="ko-KR" altLang="en-US" sz="1800">
-              <a:latin typeface="맑은 고딕" charset="0"/>
-              <a:ea typeface="맑은 고딕" charset="0"/>
-            </a:endParaRPr>
-          </a:p>
-        </p:txBody>
-      </p:sp>
     </p:spTree>
   </p:cSld>
   <p:clrMapOvr>
@@ -7821,16 +7904,16 @@
       </p:sp>
       <p:sp>
         <p:nvSpPr>
-          <p:cNvPr id="27" name="Rect 0"/>
+          <p:cNvPr id="45" name="텍스트 상자 31"/>
           <p:cNvSpPr txBox="1">
             <a:spLocks/>
           </p:cNvSpPr>
           <p:nvPr/>
         </p:nvSpPr>
         <p:spPr>
-          <a:xfrm>
-            <a:off x="1582420" y="5054600"/>
-            <a:ext cx="3781425" cy="954405"/>
+          <a:xfrm rot="0">
+            <a:off x="1182370" y="4683125"/>
+            <a:ext cx="4196080" cy="1784985"/>
           </a:xfrm>
           <a:prstGeom prst="rect"/>
           <a:noFill/>
@@ -7857,7 +7940,7 @@
                 <a:latin typeface="맑은 고딕" charset="0"/>
                 <a:ea typeface="맑은 고딕" charset="0"/>
               </a:rPr>
-              <a:t>8</a:t>
+              <a:t>7</a:t>
             </a:r>
             <a:r>
               <a:rPr lang="ko-KR" sz="2000" b="1">
@@ -7884,106 +7967,263 @@
                 <a:latin typeface="맑은 고딕" charset="0"/>
                 <a:ea typeface="맑은 고딕" charset="0"/>
               </a:rPr>
-              <a:t>Window 오브젝트를 선택하고 Animation에 Open에서 녹화를 시작합니다.</a:t>
+              <a:t>그</a:t>
+            </a:r>
+            <a:r>
+              <a:rPr lang="ko-KR" sz="1800">
+                <a:latin typeface="맑은 고딕" charset="0"/>
+                <a:ea typeface="맑은 고딕" charset="0"/>
+              </a:rPr>
+              <a:t>다음</a:t>
+            </a:r>
+            <a:r>
+              <a:rPr lang="ko-KR" sz="1800">
+                <a:latin typeface="맑은 고딕" charset="0"/>
+                <a:ea typeface="맑은 고딕" charset="0"/>
+              </a:rPr>
+              <a:t> 마우스로 키 프레임</a:t>
+            </a:r>
+            <a:r>
+              <a:rPr lang="ko-KR" sz="1800">
+                <a:latin typeface="맑은 고딕" charset="0"/>
+                <a:ea typeface="맑은 고딕" charset="0"/>
+              </a:rPr>
+              <a:t>을</a:t>
+            </a:r>
+            <a:r>
+              <a:rPr lang="ko-KR" sz="1800">
+                <a:latin typeface="맑은 고딕" charset="0"/>
+                <a:ea typeface="맑은 고딕" charset="0"/>
+              </a:rPr>
+              <a:t> 선택</a:t>
+            </a:r>
+            <a:r>
+              <a:rPr lang="ko-KR" sz="1800">
+                <a:latin typeface="맑은 고딕" charset="0"/>
+                <a:ea typeface="맑은 고딕" charset="0"/>
+              </a:rPr>
+              <a:t>합니다.</a:t>
             </a:r>
             <a:endParaRPr lang="ko-KR" altLang="en-US" sz="1800">
               <a:latin typeface="맑은 고딕" charset="0"/>
               <a:ea typeface="맑은 고딕" charset="0"/>
             </a:endParaRPr>
           </a:p>
-        </p:txBody>
-      </p:sp>
-      <p:sp>
-        <p:nvSpPr>
-          <p:cNvPr id="45" name="텍스트 상자 31"/>
-          <p:cNvSpPr txBox="1">
-            <a:spLocks/>
-          </p:cNvSpPr>
-          <p:nvPr/>
-        </p:nvSpPr>
-        <p:spPr>
-          <a:xfrm rot="0">
-            <a:off x="6871335" y="4683125"/>
-            <a:ext cx="4135755" cy="1231265"/>
-          </a:xfrm>
-          <a:prstGeom prst="rect"/>
-          <a:noFill/>
-          <a:ln w="0">
-            <a:noFill/>
-            <a:prstDash/>
-          </a:ln>
-        </p:spPr>
-        <p:txBody>
-          <a:bodyPr wrap="square" lIns="89535" tIns="46355" rIns="89535" bIns="46355" numCol="1" vert="horz" anchor="t">
-            <a:spAutoFit/>
-          </a:bodyPr>
-          <a:lstStyle/>
           <a:p>
             <a:pPr marL="0" indent="0" algn="l" latinLnBrk="0" hangingPunct="1">
               <a:buFontTx/>
               <a:buNone/>
             </a:pPr>
-            <a:r>
-              <a:rPr lang="ko-KR" sz="2000" b="1">
-                <a:solidFill>
-                  <a:srgbClr val="0611F2"/>
-                </a:solidFill>
-                <a:latin typeface="맑은 고딕" charset="0"/>
-                <a:ea typeface="맑은 고딕" charset="0"/>
-              </a:rPr>
-              <a:t>9</a:t>
-            </a:r>
-            <a:r>
-              <a:rPr lang="ko-KR" sz="2000" b="1">
-                <a:solidFill>
-                  <a:srgbClr val="0611F2"/>
-                </a:solidFill>
-                <a:latin typeface="맑은 고딕" charset="0"/>
-                <a:ea typeface="맑은 고딕" charset="0"/>
-              </a:rPr>
-              <a:t>.</a:t>
-            </a:r>
-            <a:r>
-              <a:rPr lang="ko-KR" sz="2000">
-                <a:solidFill>
-                  <a:srgbClr val="0611F2"/>
-                </a:solidFill>
-                <a:latin typeface="맑은 고딕" charset="0"/>
-                <a:ea typeface="맑은 고딕" charset="0"/>
-              </a:rPr>
-              <a:t> </a:t>
-            </a:r>
-            <a:r>
-              <a:rPr lang="ko-KR" sz="1800">
-                <a:latin typeface="맑은 고딕" charset="0"/>
-                <a:ea typeface="맑은 고딕" charset="0"/>
-              </a:rPr>
-              <a:t>그</a:t>
-            </a:r>
-            <a:r>
-              <a:rPr lang="ko-KR" sz="1800">
-                <a:latin typeface="맑은 고딕" charset="0"/>
-                <a:ea typeface="맑은 고딕" charset="0"/>
-              </a:rPr>
-              <a:t>리고 마우스로 키 프레임 선택하고 키 프레임 단위로 0초일 때는 크기를 0,0,0으로 설정하고 0.45초일 때 1,1,1로 설정합니다.</a:t>
-            </a:r>
             <a:endParaRPr lang="ko-KR" altLang="en-US" sz="1800">
               <a:latin typeface="맑은 고딕" charset="0"/>
               <a:ea typeface="맑은 고딕" charset="0"/>
             </a:endParaRPr>
           </a:p>
+          <a:p>
+            <a:pPr marL="0" indent="0" algn="l" latinLnBrk="0" hangingPunct="1">
+              <a:buFontTx/>
+              <a:buNone/>
+            </a:pPr>
+            <a:r>
+              <a:rPr lang="ko-KR" sz="1800">
+                <a:latin typeface="맑은 고딕" charset="0"/>
+                <a:ea typeface="맑은 고딕" charset="0"/>
+              </a:rPr>
+              <a:t>키 프레임 단위</a:t>
+            </a:r>
+            <a:r>
+              <a:rPr lang="ko-KR" sz="1800">
+                <a:latin typeface="맑은 고딕" charset="0"/>
+                <a:ea typeface="맑은 고딕" charset="0"/>
+              </a:rPr>
+              <a:t>는</a:t>
+            </a:r>
+            <a:r>
+              <a:rPr lang="ko-KR" sz="1800">
+                <a:latin typeface="맑은 고딕" charset="0"/>
+                <a:ea typeface="맑은 고딕" charset="0"/>
+              </a:rPr>
+              <a:t> 0초일 때 크기를 0,0,0으로 설정하고 0.45초일 때 1,1,1로 설정합니다.</a:t>
+            </a:r>
+            <a:endParaRPr lang="ko-KR" altLang="en-US" sz="1800">
+              <a:latin typeface="맑은 고딕" charset="0"/>
+              <a:ea typeface="맑은 고딕" charset="0"/>
+            </a:endParaRPr>
+          </a:p>
         </p:txBody>
       </p:sp>
       <p:pic>
         <p:nvPicPr>
-          <p:cNvPr id="46" name="그림 39" descr="C:/Users/Admin1/AppData/Roaming/PolarisOffice/ETemp/19244_19964736/fImage48223196827.png"/>
+          <p:cNvPr id="50" name="그림 47" descr="C:/Users/Admin1/AppData/Roaming/PolarisOffice/ETemp/23328_19313576/fImage174903232995.png"/>
           <p:cNvPicPr>
             <a:picLocks noChangeAspect="1"/>
           </p:cNvPicPr>
           <p:nvPr/>
         </p:nvPicPr>
         <p:blipFill rotWithShape="1">
-          <a:blip r:embed="rId6" cstate="print">
+          <a:blip r:embed="rId9" cstate="hqprint">
+            <a:extLst>
+              <a:ext uri="{28A0092B-C50C-407E-A947-70E740481C1C}">
+                <a14:useLocalDpi xmlns:a14="http://schemas.microsoft.com/office/drawing/2010/main"/>
+              </a:ext>
+            </a:extLst>
+          </a:blip>
+          <a:stretch>
+            <a:fillRect/>
+          </a:stretch>
+        </p:blipFill>
+        <p:spPr>
+          <a:xfrm rot="0">
+            <a:off x="1185545" y="1388110"/>
+            <a:ext cx="4184015" cy="1539240"/>
+          </a:xfrm>
+          <a:prstGeom prst="rect"/>
+          <a:noFill/>
+        </p:spPr>
+      </p:pic>
+      <p:pic>
+        <p:nvPicPr>
+          <p:cNvPr id="51" name="그림 48" descr="C:/Users/Admin1/AppData/Roaming/PolarisOffice/ETemp/23328_19313576/fImage179493241942.png"/>
+          <p:cNvPicPr>
+            <a:picLocks noChangeAspect="1"/>
+          </p:cNvPicPr>
+          <p:nvPr/>
+        </p:nvPicPr>
+        <p:blipFill rotWithShape="1">
+          <a:blip r:embed="rId10" cstate="hqprint">
+            <a:extLst>
+              <a:ext uri="{28A0092B-C50C-407E-A947-70E740481C1C}">
+                <a14:useLocalDpi xmlns:a14="http://schemas.microsoft.com/office/drawing/2010/main"/>
+              </a:ext>
+            </a:extLst>
+          </a:blip>
+          <a:stretch>
+            <a:fillRect/>
+          </a:stretch>
+        </p:blipFill>
+        <p:spPr>
+          <a:xfrm rot="0">
+            <a:off x="1186180" y="3108960"/>
+            <a:ext cx="4183380" cy="1431290"/>
+          </a:xfrm>
+          <a:prstGeom prst="roundRect"/>
+          <a:solidFill>
+            <a:srgbClr val="EDEDED"/>
+          </a:solidFill>
+        </p:spPr>
+      </p:pic>
+      <p:sp>
+        <p:nvSpPr>
+          <p:cNvPr id="52" name="텍스트 상자 42"/>
+          <p:cNvSpPr txBox="1">
+            <a:spLocks/>
+          </p:cNvSpPr>
+          <p:nvPr/>
+        </p:nvSpPr>
+        <p:spPr>
+          <a:xfrm rot="0">
+            <a:off x="6832600" y="2976245"/>
+            <a:ext cx="4001135" cy="954405"/>
+          </a:xfrm>
+          <a:prstGeom prst="rect"/>
+          <a:noFill/>
+          <a:ln w="0">
+            <a:noFill/>
+            <a:prstDash/>
+          </a:ln>
+        </p:spPr>
+        <p:txBody>
+          <a:bodyPr wrap="square" lIns="89535" tIns="46355" rIns="89535" bIns="46355" numCol="1" vert="horz" anchor="t">
+            <a:spAutoFit/>
+          </a:bodyPr>
+          <a:lstStyle/>
+          <a:p>
+            <a:pPr marL="0" indent="0" algn="l" latinLnBrk="0" hangingPunct="1">
+              <a:buFontTx/>
+              <a:buNone/>
+            </a:pPr>
+            <a:r>
+              <a:rPr lang="ko-KR" sz="2000" b="1">
+                <a:solidFill>
+                  <a:srgbClr val="0611F2"/>
+                </a:solidFill>
+                <a:latin typeface="맑은 고딕" charset="0"/>
+                <a:ea typeface="맑은 고딕" charset="0"/>
+              </a:rPr>
+              <a:t>8</a:t>
+            </a:r>
+            <a:r>
+              <a:rPr lang="ko-KR" sz="2000" b="1">
+                <a:solidFill>
+                  <a:srgbClr val="0611F2"/>
+                </a:solidFill>
+                <a:latin typeface="맑은 고딕" charset="0"/>
+                <a:ea typeface="맑은 고딕" charset="0"/>
+              </a:rPr>
+              <a:t>.</a:t>
+            </a:r>
+            <a:r>
+              <a:rPr lang="ko-KR" sz="2000">
+                <a:solidFill>
+                  <a:srgbClr val="0611F2"/>
+                </a:solidFill>
+                <a:latin typeface="맑은 고딕" charset="0"/>
+                <a:ea typeface="맑은 고딕" charset="0"/>
+              </a:rPr>
+              <a:t> </a:t>
+            </a:r>
+            <a:r>
+              <a:rPr lang="ko-KR" sz="1800">
+                <a:latin typeface="맑은 고딕" charset="0"/>
+                <a:ea typeface="맑은 고딕" charset="0"/>
+              </a:rPr>
+              <a:t>그다음 </a:t>
+            </a:r>
+            <a:r>
+              <a:rPr lang="ko-KR" sz="1800">
+                <a:latin typeface="맑은 고딕" charset="0"/>
+                <a:ea typeface="맑은 고딕" charset="0"/>
+              </a:rPr>
+              <a:t>Open 애니메이션의 </a:t>
+            </a:r>
+            <a:r>
+              <a:rPr lang="ko-KR" sz="1800">
+                <a:latin typeface="맑은 고딕" charset="0"/>
+                <a:ea typeface="맑은 고딕" charset="0"/>
+              </a:rPr>
+              <a:t>녹화를 종료하고 </a:t>
+            </a:r>
+            <a:r>
+              <a:rPr lang="ko-KR" sz="1800">
+                <a:latin typeface="맑은 고딕" charset="0"/>
+                <a:ea typeface="맑은 고딕" charset="0"/>
+              </a:rPr>
+              <a:t>애니메이션을 </a:t>
+            </a:r>
+            <a:r>
+              <a:rPr lang="ko-KR" sz="1800">
+                <a:latin typeface="맑은 고딕" charset="0"/>
+                <a:ea typeface="맑은 고딕" charset="0"/>
+              </a:rPr>
+              <a:t>Close로 설정합니다.</a:t>
+            </a:r>
+            <a:endParaRPr lang="ko-KR" altLang="en-US" sz="1800">
+              <a:latin typeface="맑은 고딕" charset="0"/>
+              <a:ea typeface="맑은 고딕" charset="0"/>
+            </a:endParaRPr>
+          </a:p>
+        </p:txBody>
+      </p:sp>
+      <p:pic>
+        <p:nvPicPr>
+          <p:cNvPr id="53" name="그림 43" descr="C:/Users/Admin1/AppData/Roaming/PolarisOffice/ETemp/23328_19313576/fImage215422449169.png"/>
+          <p:cNvPicPr>
+            <a:picLocks noChangeAspect="1"/>
+          </p:cNvPicPr>
+          <p:nvPr/>
+        </p:nvPicPr>
+        <p:blipFill rotWithShape="1">
+          <a:blip r:embed="rId11" cstate="print">
             <a:extLst>
               <a:ext uri="{28A0092B-C50C-407E-A947-70E740481C1C}">
                 <a14:useLocalDpi xmlns:a14="http://schemas.microsoft.com/office/drawing/2010/main" val="0"/>
@@ -7996,25 +8236,23 @@
         </p:blipFill>
         <p:spPr>
           <a:xfrm rot="0">
-            <a:off x="1581150" y="1399540"/>
-            <a:ext cx="1586865" cy="1527175"/>
-          </a:xfrm>
-          <a:prstGeom prst="roundRect"/>
-          <a:solidFill>
-            <a:srgbClr val="EDEDED"/>
-          </a:solidFill>
+            <a:off x="6823710" y="1386205"/>
+            <a:ext cx="4009390" cy="1524000"/>
+          </a:xfrm>
+          <a:prstGeom prst="rect"/>
+          <a:noFill/>
         </p:spPr>
       </p:pic>
       <p:pic>
         <p:nvPicPr>
-          <p:cNvPr id="48" name="그림 43" descr="C:/Users/Admin1/AppData/Roaming/PolarisOffice/ETemp/19244_19964736/fImage18703219961.png"/>
+          <p:cNvPr id="54" name="그림 44" descr="C:/Users/Admin1/AppData/Roaming/PolarisOffice/ETemp/23328_19313576/fImage131882455724.png"/>
           <p:cNvPicPr>
             <a:picLocks noChangeAspect="1"/>
           </p:cNvPicPr>
           <p:nvPr/>
         </p:nvPicPr>
         <p:blipFill rotWithShape="1">
-          <a:blip r:embed="rId7" cstate="print">
+          <a:blip r:embed="rId12" cstate="print">
             <a:extLst>
               <a:ext uri="{28A0092B-C50C-407E-A947-70E740481C1C}">
                 <a14:useLocalDpi xmlns:a14="http://schemas.microsoft.com/office/drawing/2010/main" val="0"/>
@@ -8027,8 +8265,8 @@
         </p:blipFill>
         <p:spPr>
           <a:xfrm rot="0">
-            <a:off x="3589020" y="1621155"/>
-            <a:ext cx="1772285" cy="1089660"/>
+            <a:off x="6831330" y="4041140"/>
+            <a:ext cx="4001770" cy="1285240"/>
           </a:xfrm>
           <a:prstGeom prst="roundRect"/>
           <a:solidFill>
@@ -8036,93 +8274,87 @@
           </a:solidFill>
         </p:spPr>
       </p:pic>
-      <p:pic>
-        <p:nvPicPr>
-          <p:cNvPr id="49" name="그림 46" descr="C:/Users/Admin1/AppData/Roaming/PolarisOffice/ETemp/19244_19964736/fImage13818322491.png"/>
-          <p:cNvPicPr>
-            <a:picLocks noChangeAspect="1"/>
-          </p:cNvPicPr>
+      <p:sp>
+        <p:nvSpPr>
+          <p:cNvPr id="55" name="텍스트 상자 45"/>
+          <p:cNvSpPr txBox="1">
+            <a:spLocks/>
+          </p:cNvSpPr>
           <p:nvPr/>
-        </p:nvPicPr>
-        <p:blipFill rotWithShape="1">
-          <a:blip r:embed="rId8" cstate="print">
-            <a:extLst>
-              <a:ext uri="{28A0092B-C50C-407E-A947-70E740481C1C}">
-                <a14:useLocalDpi xmlns:a14="http://schemas.microsoft.com/office/drawing/2010/main" val="0"/>
-              </a:ext>
-            </a:extLst>
-          </a:blip>
-          <a:stretch>
-            <a:fillRect/>
-          </a:stretch>
-        </p:blipFill>
-        <p:spPr>
-          <a:xfrm rot="0">
-            <a:off x="1580515" y="3134360"/>
-            <a:ext cx="3773805" cy="1816100"/>
+        </p:nvSpPr>
+        <p:spPr>
+          <a:xfrm rot="0">
+            <a:off x="6835140" y="5507355"/>
+            <a:ext cx="4001135" cy="677545"/>
           </a:xfrm>
           <a:prstGeom prst="rect"/>
           <a:noFill/>
-        </p:spPr>
-      </p:pic>
-      <p:pic>
-        <p:nvPicPr>
-          <p:cNvPr id="50" name="그림 47" descr="C:/Users/Admin1/AppData/Roaming/PolarisOffice/ETemp/19244_19964736/fImage174903232995.png"/>
-          <p:cNvPicPr>
-            <a:picLocks noChangeAspect="1"/>
-          </p:cNvPicPr>
-          <p:nvPr/>
-        </p:nvPicPr>
-        <p:blipFill rotWithShape="1">
-          <a:blip r:embed="rId9" cstate="print">
-            <a:extLst>
-              <a:ext uri="{28A0092B-C50C-407E-A947-70E740481C1C}">
-                <a14:useLocalDpi xmlns:a14="http://schemas.microsoft.com/office/drawing/2010/main" val="0"/>
-              </a:ext>
-            </a:extLst>
-          </a:blip>
-          <a:stretch>
-            <a:fillRect/>
-          </a:stretch>
-        </p:blipFill>
-        <p:spPr>
-          <a:xfrm rot="0">
-            <a:off x="6874510" y="1388110"/>
-            <a:ext cx="4140835" cy="1538605"/>
-          </a:xfrm>
-          <a:prstGeom prst="rect"/>
-          <a:noFill/>
-        </p:spPr>
-      </p:pic>
-      <p:pic>
-        <p:nvPicPr>
-          <p:cNvPr id="51" name="그림 48" descr="C:/Users/Admin1/AppData/Roaming/PolarisOffice/ETemp/19244_19964736/fImage179493241942.png"/>
-          <p:cNvPicPr>
-            <a:picLocks noChangeAspect="1"/>
-          </p:cNvPicPr>
-          <p:nvPr/>
-        </p:nvPicPr>
-        <p:blipFill rotWithShape="1">
-          <a:blip r:embed="rId10" cstate="print">
-            <a:extLst>
-              <a:ext uri="{28A0092B-C50C-407E-A947-70E740481C1C}">
-                <a14:useLocalDpi xmlns:a14="http://schemas.microsoft.com/office/drawing/2010/main" val="0"/>
-              </a:ext>
-            </a:extLst>
-          </a:blip>
-          <a:stretch>
-            <a:fillRect/>
-          </a:stretch>
-        </p:blipFill>
-        <p:spPr>
-          <a:xfrm rot="0">
-            <a:off x="6875145" y="3108960"/>
-            <a:ext cx="4140200" cy="1430655"/>
-          </a:xfrm>
-          <a:prstGeom prst="rect"/>
-          <a:noFill/>
-        </p:spPr>
-      </p:pic>
+          <a:ln w="0">
+            <a:noFill/>
+            <a:prstDash/>
+          </a:ln>
+        </p:spPr>
+        <p:txBody>
+          <a:bodyPr wrap="square" lIns="89535" tIns="46355" rIns="89535" bIns="46355" numCol="1" vert="horz" anchor="t">
+            <a:spAutoFit/>
+          </a:bodyPr>
+          <a:lstStyle/>
+          <a:p>
+            <a:pPr marL="0" indent="0" algn="l" latinLnBrk="0" hangingPunct="1">
+              <a:buFontTx/>
+              <a:buNone/>
+            </a:pPr>
+            <a:r>
+              <a:rPr lang="ko-KR" sz="2000" b="1">
+                <a:solidFill>
+                  <a:srgbClr val="0611F2"/>
+                </a:solidFill>
+                <a:latin typeface="맑은 고딕" charset="0"/>
+                <a:ea typeface="맑은 고딕" charset="0"/>
+              </a:rPr>
+              <a:t>9</a:t>
+            </a:r>
+            <a:r>
+              <a:rPr lang="ko-KR" sz="2000" b="1">
+                <a:solidFill>
+                  <a:srgbClr val="0611F2"/>
+                </a:solidFill>
+                <a:latin typeface="맑은 고딕" charset="0"/>
+                <a:ea typeface="맑은 고딕" charset="0"/>
+              </a:rPr>
+              <a:t>.</a:t>
+            </a:r>
+            <a:r>
+              <a:rPr lang="ko-KR" sz="2000">
+                <a:solidFill>
+                  <a:srgbClr val="0611F2"/>
+                </a:solidFill>
+                <a:latin typeface="맑은 고딕" charset="0"/>
+                <a:ea typeface="맑은 고딕" charset="0"/>
+              </a:rPr>
+              <a:t> </a:t>
+            </a:r>
+            <a:r>
+              <a:rPr lang="ko-KR" sz="1800">
+                <a:latin typeface="맑은 고딕" charset="0"/>
+                <a:ea typeface="맑은 고딕" charset="0"/>
+              </a:rPr>
+              <a:t>이제 Close 버튼의 앵커와 크기를 설정합니다</a:t>
+            </a:r>
+            <a:r>
+              <a:rPr lang="ko-KR" sz="1800">
+                <a:latin typeface="맑은 고딕" charset="0"/>
+                <a:ea typeface="맑은 고딕" charset="0"/>
+              </a:rPr>
+              <a:t>.</a:t>
+            </a:r>
+            <a:endParaRPr lang="ko-KR" altLang="en-US" sz="1800">
+              <a:latin typeface="맑은 고딕" charset="0"/>
+              <a:ea typeface="맑은 고딕" charset="0"/>
+            </a:endParaRPr>
+          </a:p>
+        </p:txBody>
+      </p:sp>
     </p:spTree>
   </p:cSld>
   <p:clrMapOvr>
@@ -8216,14 +8448,244 @@
       </p:sp>
       <p:pic>
         <p:nvPicPr>
-          <p:cNvPr id="23" name="그림 50" descr="C:/Users/Admin1/AppData/Roaming/PolarisOffice/ETemp/19244_19964736/fImage99983264827.png"/>
+          <p:cNvPr id="27" name="그림 54" descr="C:/Users/Admin1/AppData/Roaming/PolarisOffice/ETemp/23328_19313576/fImage177733304604.png"/>
           <p:cNvPicPr>
             <a:picLocks noChangeAspect="1"/>
           </p:cNvPicPr>
           <p:nvPr/>
         </p:nvPicPr>
         <p:blipFill rotWithShape="1">
-          <a:blip r:embed="rId5" cstate="print">
+          <a:blip r:embed="rId8" cstate="hqprint">
+            <a:extLst>
+              <a:ext uri="{28A0092B-C50C-407E-A947-70E740481C1C}">
+                <a14:useLocalDpi xmlns:a14="http://schemas.microsoft.com/office/drawing/2010/main"/>
+              </a:ext>
+            </a:extLst>
+          </a:blip>
+          <a:stretch>
+            <a:fillRect/>
+          </a:stretch>
+        </p:blipFill>
+        <p:spPr>
+          <a:xfrm rot="0">
+            <a:off x="1377950" y="1385570"/>
+            <a:ext cx="3991610" cy="1394460"/>
+          </a:xfrm>
+          <a:prstGeom prst="rect"/>
+          <a:noFill/>
+        </p:spPr>
+      </p:pic>
+      <p:pic>
+        <p:nvPicPr>
+          <p:cNvPr id="28" name="그림 55" descr="C:/Users/Admin1/AppData/Roaming/PolarisOffice/ETemp/23328_19313576/fImage179693313902.png"/>
+          <p:cNvPicPr>
+            <a:picLocks noChangeAspect="1"/>
+          </p:cNvPicPr>
+          <p:nvPr/>
+        </p:nvPicPr>
+        <p:blipFill rotWithShape="1">
+          <a:blip r:embed="rId9" cstate="hqprint">
+            <a:extLst>
+              <a:ext uri="{28A0092B-C50C-407E-A947-70E740481C1C}">
+                <a14:useLocalDpi xmlns:a14="http://schemas.microsoft.com/office/drawing/2010/main"/>
+              </a:ext>
+            </a:extLst>
+          </a:blip>
+          <a:stretch>
+            <a:fillRect/>
+          </a:stretch>
+        </p:blipFill>
+        <p:spPr>
+          <a:xfrm rot="0">
+            <a:off x="1385570" y="2985135"/>
+            <a:ext cx="3964940" cy="1301750"/>
+          </a:xfrm>
+          <a:prstGeom prst="roundRect"/>
+          <a:solidFill>
+            <a:srgbClr val="EDEDED"/>
+          </a:solidFill>
+        </p:spPr>
+      </p:pic>
+      <p:sp>
+        <p:nvSpPr>
+          <p:cNvPr id="29" name="텍스트 상자 56"/>
+          <p:cNvSpPr txBox="1">
+            <a:spLocks/>
+          </p:cNvSpPr>
+          <p:nvPr/>
+        </p:nvSpPr>
+        <p:spPr>
+          <a:xfrm rot="0">
+            <a:off x="1386840" y="4401185"/>
+            <a:ext cx="3973830" cy="1784985"/>
+          </a:xfrm>
+          <a:prstGeom prst="rect"/>
+          <a:noFill/>
+          <a:ln w="0">
+            <a:noFill/>
+            <a:prstDash/>
+          </a:ln>
+        </p:spPr>
+        <p:txBody>
+          <a:bodyPr wrap="square" lIns="89535" tIns="46355" rIns="89535" bIns="46355" numCol="1" vert="horz" anchor="t">
+            <a:spAutoFit/>
+          </a:bodyPr>
+          <a:lstStyle/>
+          <a:p>
+            <a:pPr marL="0" indent="0" algn="l" latinLnBrk="0" hangingPunct="1">
+              <a:buFontTx/>
+              <a:buNone/>
+            </a:pPr>
+            <a:r>
+              <a:rPr lang="ko-KR" sz="2000" b="1">
+                <a:solidFill>
+                  <a:srgbClr val="0611F2"/>
+                </a:solidFill>
+                <a:latin typeface="맑은 고딕" charset="0"/>
+                <a:ea typeface="맑은 고딕" charset="0"/>
+              </a:rPr>
+              <a:t>1</a:t>
+            </a:r>
+            <a:r>
+              <a:rPr lang="ko-KR" sz="2000" b="1">
+                <a:solidFill>
+                  <a:srgbClr val="0611F2"/>
+                </a:solidFill>
+                <a:latin typeface="맑은 고딕" charset="0"/>
+                <a:ea typeface="맑은 고딕" charset="0"/>
+              </a:rPr>
+              <a:t>0</a:t>
+            </a:r>
+            <a:r>
+              <a:rPr lang="ko-KR" sz="2000" b="1">
+                <a:solidFill>
+                  <a:srgbClr val="0611F2"/>
+                </a:solidFill>
+                <a:latin typeface="맑은 고딕" charset="0"/>
+                <a:ea typeface="맑은 고딕" charset="0"/>
+              </a:rPr>
+              <a:t>.</a:t>
+            </a:r>
+            <a:r>
+              <a:rPr lang="ko-KR" sz="2000">
+                <a:solidFill>
+                  <a:srgbClr val="0611F2"/>
+                </a:solidFill>
+                <a:latin typeface="맑은 고딕" charset="0"/>
+                <a:ea typeface="맑은 고딕" charset="0"/>
+              </a:rPr>
+              <a:t> </a:t>
+            </a:r>
+            <a:r>
+              <a:rPr lang="ko-KR" sz="1800">
+                <a:latin typeface="맑은 고딕" charset="0"/>
+                <a:ea typeface="맑은 고딕" charset="0"/>
+              </a:rPr>
+              <a:t>그런 다음</a:t>
+            </a:r>
+            <a:r>
+              <a:rPr lang="ko-KR" sz="1800">
+                <a:latin typeface="맑은 고딕" charset="0"/>
+                <a:ea typeface="맑은 고딕" charset="0"/>
+              </a:rPr>
+              <a:t> 마우스로 키 프레임을 선택</a:t>
+            </a:r>
+            <a:r>
+              <a:rPr lang="ko-KR" sz="1800">
+                <a:latin typeface="맑은 고딕" charset="0"/>
+                <a:ea typeface="맑은 고딕" charset="0"/>
+              </a:rPr>
+              <a:t>합니다.</a:t>
+            </a:r>
+            <a:endParaRPr lang="ko-KR" altLang="en-US" sz="1800">
+              <a:latin typeface="맑은 고딕" charset="0"/>
+              <a:ea typeface="맑은 고딕" charset="0"/>
+            </a:endParaRPr>
+          </a:p>
+          <a:p>
+            <a:pPr marL="0" indent="0" algn="l" latinLnBrk="0" hangingPunct="1">
+              <a:buFontTx/>
+              <a:buNone/>
+            </a:pPr>
+            <a:endParaRPr lang="ko-KR" altLang="en-US" sz="1800">
+              <a:latin typeface="맑은 고딕" charset="0"/>
+              <a:ea typeface="맑은 고딕" charset="0"/>
+            </a:endParaRPr>
+          </a:p>
+          <a:p>
+            <a:pPr marL="0" indent="0" algn="l" latinLnBrk="0" hangingPunct="1">
+              <a:buFontTx/>
+              <a:buNone/>
+            </a:pPr>
+            <a:r>
+              <a:rPr lang="ko-KR" sz="1800">
+                <a:latin typeface="맑은 고딕" charset="0"/>
+                <a:ea typeface="맑은 고딕" charset="0"/>
+              </a:rPr>
+              <a:t>키 프레임 단위</a:t>
+            </a:r>
+            <a:r>
+              <a:rPr lang="ko-KR" sz="1800">
+                <a:latin typeface="맑은 고딕" charset="0"/>
+                <a:ea typeface="맑은 고딕" charset="0"/>
+              </a:rPr>
+              <a:t>는</a:t>
+            </a:r>
+            <a:r>
+              <a:rPr lang="ko-KR" sz="1800">
+                <a:latin typeface="맑은 고딕" charset="0"/>
+                <a:ea typeface="맑은 고딕" charset="0"/>
+              </a:rPr>
+              <a:t> 0초일 때 크기를 1,1,1로 설정하고 0.3초일 때 0,0,0으로 설정합니다.</a:t>
+            </a:r>
+            <a:endParaRPr lang="ko-KR" altLang="en-US" sz="1800">
+              <a:latin typeface="맑은 고딕" charset="0"/>
+              <a:ea typeface="맑은 고딕" charset="0"/>
+            </a:endParaRPr>
+          </a:p>
+        </p:txBody>
+      </p:sp>
+      <p:pic>
+        <p:nvPicPr>
+          <p:cNvPr id="30" name="그림 48" descr="C:/Users/Admin1/AppData/Roaming/PolarisOffice/ETemp/23328_19313576/fImage191382218467.png"/>
+          <p:cNvPicPr>
+            <a:picLocks noChangeAspect="1"/>
+          </p:cNvPicPr>
+          <p:nvPr/>
+        </p:nvPicPr>
+        <p:blipFill rotWithShape="1">
+          <a:blip r:embed="rId10" cstate="hqprint">
+            <a:extLst>
+              <a:ext uri="{28A0092B-C50C-407E-A947-70E740481C1C}">
+                <a14:useLocalDpi xmlns:a14="http://schemas.microsoft.com/office/drawing/2010/main"/>
+              </a:ext>
+            </a:extLst>
+          </a:blip>
+          <a:stretch>
+            <a:fillRect/>
+          </a:stretch>
+        </p:blipFill>
+        <p:spPr>
+          <a:xfrm rot="0">
+            <a:off x="6814820" y="1385570"/>
+            <a:ext cx="2520950" cy="3178810"/>
+          </a:xfrm>
+          <a:prstGeom prst="roundRect"/>
+          <a:solidFill>
+            <a:srgbClr val="EDEDED"/>
+          </a:solidFill>
+        </p:spPr>
+      </p:pic>
+      <p:pic>
+        <p:nvPicPr>
+          <p:cNvPr id="31" name="그림 49" descr="C:/Users/Admin1/AppData/Roaming/PolarisOffice/ETemp/23328_19313576/fImage43432481478.png"/>
+          <p:cNvPicPr>
+            <a:picLocks noChangeAspect="1"/>
+          </p:cNvPicPr>
+          <p:nvPr/>
+        </p:nvPicPr>
+        <p:blipFill rotWithShape="1">
+          <a:blip r:embed="rId11" cstate="print">
             <a:extLst>
               <a:ext uri="{28A0092B-C50C-407E-A947-70E740481C1C}">
                 <a14:useLocalDpi xmlns:a14="http://schemas.microsoft.com/office/drawing/2010/main" val="0"/>
@@ -8236,16 +8698,18 @@
         </p:blipFill>
         <p:spPr>
           <a:xfrm rot="0">
-            <a:off x="1579880" y="1574800"/>
-            <a:ext cx="3790950" cy="2316480"/>
-          </a:xfrm>
-          <a:prstGeom prst="rect"/>
-          <a:noFill/>
+            <a:off x="9577705" y="2216785"/>
+            <a:ext cx="1210310" cy="1550670"/>
+          </a:xfrm>
+          <a:prstGeom prst="roundRect"/>
+          <a:solidFill>
+            <a:srgbClr val="EDEDED"/>
+          </a:solidFill>
         </p:spPr>
       </p:pic>
       <p:sp>
         <p:nvSpPr>
-          <p:cNvPr id="24" name="텍스트 상자 51"/>
+          <p:cNvPr id="32" name="텍스트 상자 52"/>
           <p:cNvSpPr txBox="1">
             <a:spLocks/>
           </p:cNvSpPr>
@@ -8253,8 +8717,8 @@
         </p:nvSpPr>
         <p:spPr>
           <a:xfrm rot="0">
-            <a:off x="1576070" y="5314950"/>
-            <a:ext cx="3786505" cy="677545"/>
+            <a:off x="6818630" y="4671695"/>
+            <a:ext cx="3973830" cy="1508125"/>
           </a:xfrm>
           <a:prstGeom prst="rect"/>
           <a:noFill/>
@@ -8281,7 +8745,7 @@
                 <a:latin typeface="맑은 고딕" charset="0"/>
                 <a:ea typeface="맑은 고딕" charset="0"/>
               </a:rPr>
-              <a:t>10</a:t>
+              <a:t>1</a:t>
             </a:r>
             <a:r>
               <a:rPr lang="ko-KR" sz="2000" b="1">
@@ -8291,6 +8755,16 @@
                 <a:latin typeface="맑은 고딕" charset="0"/>
                 <a:ea typeface="맑은 고딕" charset="0"/>
               </a:rPr>
+              <a:t>1</a:t>
+            </a:r>
+            <a:r>
+              <a:rPr lang="ko-KR" sz="2000" b="1">
+                <a:solidFill>
+                  <a:srgbClr val="0611F2"/>
+                </a:solidFill>
+                <a:latin typeface="맑은 고딕" charset="0"/>
+                <a:ea typeface="맑은 고딕" charset="0"/>
+              </a:rPr>
               <a:t>.</a:t>
             </a:r>
             <a:r>
@@ -8308,197 +8782,34 @@
                 <a:latin typeface="맑은 고딕" charset="0"/>
                 <a:ea typeface="맑은 고딕" charset="0"/>
               </a:rPr>
-              <a:t>그다음 녹화를 종료하고 Close로 설정합니다.</a:t>
+              <a:t>이제 UI 에서 Button을 생성합니다.</a:t>
             </a:r>
             <a:endParaRPr lang="ko-KR" altLang="en-US" sz="1800">
               <a:latin typeface="맑은 고딕" charset="0"/>
               <a:ea typeface="맑은 고딕" charset="0"/>
             </a:endParaRPr>
           </a:p>
-        </p:txBody>
-      </p:sp>
-      <p:pic>
-        <p:nvPicPr>
-          <p:cNvPr id="25" name="그림 52" descr="C:/Users/Admin1/AppData/Roaming/PolarisOffice/ETemp/19244_19964736/fImage18633285436.png"/>
-          <p:cNvPicPr>
-            <a:picLocks noChangeAspect="1"/>
-          </p:cNvPicPr>
-          <p:nvPr/>
-        </p:nvPicPr>
-        <p:blipFill rotWithShape="1">
-          <a:blip r:embed="rId6" cstate="print">
-            <a:extLst>
-              <a:ext uri="{28A0092B-C50C-407E-A947-70E740481C1C}">
-                <a14:useLocalDpi xmlns:a14="http://schemas.microsoft.com/office/drawing/2010/main" val="0"/>
-              </a:ext>
-            </a:extLst>
-          </a:blip>
-          <a:stretch>
-            <a:fillRect/>
-          </a:stretch>
-        </p:blipFill>
-        <p:spPr>
-          <a:xfrm rot="0">
-            <a:off x="1577340" y="4100830"/>
-            <a:ext cx="1772285" cy="1078865"/>
-          </a:xfrm>
-          <a:prstGeom prst="rect"/>
-          <a:noFill/>
-        </p:spPr>
-      </p:pic>
-      <p:pic>
-        <p:nvPicPr>
-          <p:cNvPr id="26" name="그림 53" descr="C:/Users/Admin1/AppData/Roaming/PolarisOffice/ETemp/19244_19964736/fImage56443292391.png"/>
-          <p:cNvPicPr>
-            <a:picLocks noChangeAspect="1"/>
-          </p:cNvPicPr>
-          <p:nvPr/>
-        </p:nvPicPr>
-        <p:blipFill rotWithShape="1">
-          <a:blip r:embed="rId7" cstate="print">
-            <a:extLst>
-              <a:ext uri="{28A0092B-C50C-407E-A947-70E740481C1C}">
-                <a14:useLocalDpi xmlns:a14="http://schemas.microsoft.com/office/drawing/2010/main" val="0"/>
-              </a:ext>
-            </a:extLst>
-          </a:blip>
-          <a:stretch>
-            <a:fillRect/>
-          </a:stretch>
-        </p:blipFill>
-        <p:spPr>
-          <a:xfrm rot="0">
-            <a:off x="3574415" y="4099560"/>
-            <a:ext cx="1796415" cy="1080135"/>
-          </a:xfrm>
-          <a:prstGeom prst="rect"/>
-          <a:noFill/>
-        </p:spPr>
-      </p:pic>
-      <p:pic>
-        <p:nvPicPr>
-          <p:cNvPr id="27" name="그림 54" descr="C:/Users/Admin1/AppData/Roaming/PolarisOffice/ETemp/19244_19964736/fImage177733304604.png"/>
-          <p:cNvPicPr>
-            <a:picLocks noChangeAspect="1"/>
-          </p:cNvPicPr>
-          <p:nvPr/>
-        </p:nvPicPr>
-        <p:blipFill rotWithShape="1">
-          <a:blip r:embed="rId8" cstate="print">
-            <a:extLst>
-              <a:ext uri="{28A0092B-C50C-407E-A947-70E740481C1C}">
-                <a14:useLocalDpi xmlns:a14="http://schemas.microsoft.com/office/drawing/2010/main" val="0"/>
-              </a:ext>
-            </a:extLst>
-          </a:blip>
-          <a:stretch>
-            <a:fillRect/>
-          </a:stretch>
-        </p:blipFill>
-        <p:spPr>
-          <a:xfrm rot="0">
-            <a:off x="6833235" y="1570990"/>
-            <a:ext cx="3966210" cy="1247775"/>
-          </a:xfrm>
-          <a:prstGeom prst="rect"/>
-          <a:noFill/>
-        </p:spPr>
-      </p:pic>
-      <p:pic>
-        <p:nvPicPr>
-          <p:cNvPr id="28" name="그림 55" descr="C:/Users/Admin1/AppData/Roaming/PolarisOffice/ETemp/19244_19964736/fImage179693313902.png"/>
-          <p:cNvPicPr>
-            <a:picLocks noChangeAspect="1"/>
-          </p:cNvPicPr>
-          <p:nvPr/>
-        </p:nvPicPr>
-        <p:blipFill rotWithShape="1">
-          <a:blip r:embed="rId9" cstate="print">
-            <a:extLst>
-              <a:ext uri="{28A0092B-C50C-407E-A947-70E740481C1C}">
-                <a14:useLocalDpi xmlns:a14="http://schemas.microsoft.com/office/drawing/2010/main" val="0"/>
-              </a:ext>
-            </a:extLst>
-          </a:blip>
-          <a:stretch>
-            <a:fillRect/>
-          </a:stretch>
-        </p:blipFill>
-        <p:spPr>
-          <a:xfrm rot="0">
-            <a:off x="6833235" y="2999740"/>
-            <a:ext cx="3949700" cy="1373505"/>
-          </a:xfrm>
-          <a:prstGeom prst="rect"/>
-          <a:noFill/>
-        </p:spPr>
-      </p:pic>
-      <p:sp>
-        <p:nvSpPr>
-          <p:cNvPr id="29" name="텍스트 상자 56"/>
-          <p:cNvSpPr txBox="1">
-            <a:spLocks/>
-          </p:cNvSpPr>
-          <p:nvPr/>
-        </p:nvSpPr>
-        <p:spPr>
-          <a:xfrm rot="0">
-            <a:off x="6825615" y="4566285"/>
-            <a:ext cx="3957320" cy="1231265"/>
-          </a:xfrm>
-          <a:prstGeom prst="rect"/>
-          <a:noFill/>
-          <a:ln w="0">
-            <a:noFill/>
-            <a:prstDash/>
-          </a:ln>
-        </p:spPr>
-        <p:txBody>
-          <a:bodyPr wrap="square" lIns="89535" tIns="46355" rIns="89535" bIns="46355" numCol="1" vert="horz" anchor="t">
-            <a:spAutoFit/>
-          </a:bodyPr>
-          <a:lstStyle/>
           <a:p>
             <a:pPr marL="0" indent="0" algn="l" latinLnBrk="0" hangingPunct="1">
               <a:buFontTx/>
               <a:buNone/>
             </a:pPr>
-            <a:r>
-              <a:rPr lang="ko-KR" sz="2000" b="1">
-                <a:solidFill>
-                  <a:srgbClr val="0611F2"/>
-                </a:solidFill>
-                <a:latin typeface="맑은 고딕" charset="0"/>
-                <a:ea typeface="맑은 고딕" charset="0"/>
-              </a:rPr>
-              <a:t>11</a:t>
-            </a:r>
-            <a:r>
-              <a:rPr lang="ko-KR" sz="2000" b="1">
-                <a:solidFill>
-                  <a:srgbClr val="0611F2"/>
-                </a:solidFill>
-                <a:latin typeface="맑은 고딕" charset="0"/>
-                <a:ea typeface="맑은 고딕" charset="0"/>
-              </a:rPr>
-              <a:t>.</a:t>
-            </a:r>
-            <a:r>
-              <a:rPr lang="ko-KR" sz="2000">
-                <a:solidFill>
-                  <a:srgbClr val="0611F2"/>
-                </a:solidFill>
-                <a:latin typeface="맑은 고딕" charset="0"/>
-                <a:ea typeface="맑은 고딕" charset="0"/>
-              </a:rPr>
-              <a:t> </a:t>
-            </a:r>
+            <a:endParaRPr lang="ko-KR" altLang="en-US" sz="1800">
+              <a:latin typeface="맑은 고딕" charset="0"/>
+              <a:ea typeface="맑은 고딕" charset="0"/>
+            </a:endParaRPr>
+          </a:p>
+          <a:p>
+            <a:pPr marL="0" indent="0" algn="l" latinLnBrk="0" hangingPunct="1">
+              <a:buFontTx/>
+              <a:buNone/>
+            </a:pPr>
             <a:r>
               <a:rPr lang="ko-KR" sz="1800">
                 <a:latin typeface="맑은 고딕" charset="0"/>
                 <a:ea typeface="맑은 고딕" charset="0"/>
               </a:rPr>
-              <a:t>마지막으로 마우스로 키 프레임을 선택하고 키 프레임 단위로 0초일 때는 크기를 1,1,1로 설정하고 0.3초일 때 0,0,0으로 설정합니다.</a:t>
+              <a:t>Button의 이름은 Open Button으로 정의합니다.</a:t>
             </a:r>
             <a:endParaRPr lang="ko-KR" altLang="en-US" sz="1800">
               <a:latin typeface="맑은 고딕" charset="0"/>
@@ -8608,8 +8919,8 @@
         </p:nvSpPr>
         <p:spPr>
           <a:xfrm rot="0">
-            <a:off x="1388110" y="4646930"/>
-            <a:ext cx="3974465" cy="954405"/>
+            <a:off x="1388110" y="2785110"/>
+            <a:ext cx="3975100" cy="954405"/>
           </a:xfrm>
           <a:prstGeom prst="rect"/>
           <a:noFill/>
@@ -8636,17 +8947,7 @@
                 <a:latin typeface="맑은 고딕" charset="0"/>
                 <a:ea typeface="맑은 고딕" charset="0"/>
               </a:rPr>
-              <a:t>12</a:t>
-            </a:r>
-            <a:r>
-              <a:rPr lang="ko-KR" sz="2000" b="1">
-                <a:solidFill>
-                  <a:srgbClr val="0611F2"/>
-                </a:solidFill>
-                <a:latin typeface="맑은 고딕" charset="0"/>
-                <a:ea typeface="맑은 고딕" charset="0"/>
-              </a:rPr>
-              <a:t>.</a:t>
+              <a:t>12.</a:t>
             </a:r>
             <a:r>
               <a:rPr lang="ko-KR" sz="2000">
@@ -8670,7 +8971,21 @@
                 <a:latin typeface="맑은 고딕" charset="0"/>
                 <a:ea typeface="맑은 고딕" charset="0"/>
               </a:rPr>
-              <a:t>런 다음 PopUp이라는 스크립트를 생성하고 Canvas 오브젝트에 넣어줍니다.</a:t>
+              <a:t>리고</a:t>
+            </a:r>
+            <a:r>
+              <a:rPr lang="ko-KR" sz="1800">
+                <a:latin typeface="맑은 고딕" charset="0"/>
+                <a:ea typeface="맑은 고딕" charset="0"/>
+              </a:rPr>
+              <a:t> PopUp이라는 스크립트를 생성하고 </a:t>
+            </a:r>
+            <a:r>
+              <a:rPr lang="ko-KR" sz="1800">
+                <a:latin typeface="맑은 고딕" charset="0"/>
+                <a:ea typeface="맑은 고딕" charset="0"/>
+              </a:rPr>
+              <a:t>Open Button과 Close Button 오브젝트에 넣어줍니다.</a:t>
             </a:r>
             <a:endParaRPr lang="ko-KR" altLang="en-US" sz="1800">
               <a:latin typeface="맑은 고딕" charset="0"/>
@@ -8689,8 +9004,8 @@
         </p:nvSpPr>
         <p:spPr>
           <a:xfrm rot="0">
-            <a:off x="6838315" y="4644390"/>
-            <a:ext cx="3975735" cy="954405"/>
+            <a:off x="6838315" y="5086350"/>
+            <a:ext cx="3976370" cy="954405"/>
           </a:xfrm>
           <a:prstGeom prst="rect"/>
           <a:noFill/>
@@ -8717,17 +9032,7 @@
                 <a:latin typeface="맑은 고딕" charset="0"/>
                 <a:ea typeface="맑은 고딕" charset="0"/>
               </a:rPr>
-              <a:t>13</a:t>
-            </a:r>
-            <a:r>
-              <a:rPr lang="ko-KR" sz="2000" b="1">
-                <a:solidFill>
-                  <a:srgbClr val="0611F2"/>
-                </a:solidFill>
-                <a:latin typeface="맑은 고딕" charset="0"/>
-                <a:ea typeface="맑은 고딕" charset="0"/>
-              </a:rPr>
-              <a:t>.</a:t>
+              <a:t>13.</a:t>
             </a:r>
             <a:r>
               <a:rPr lang="ko-KR" sz="2000">
@@ -8744,7 +9049,28 @@
                 <a:latin typeface="맑은 고딕" charset="0"/>
                 <a:ea typeface="맑은 고딕" charset="0"/>
               </a:rPr>
-              <a:t>Animator Controller로 가서 Open에 Make Transition을 Close 애니메이션에 연결합니다.</a:t>
+              <a:t>이제 A</a:t>
+            </a:r>
+            <a:r>
+              <a:rPr lang="ko-KR" sz="1800">
+                <a:latin typeface="맑은 고딕" charset="0"/>
+                <a:ea typeface="맑은 고딕" charset="0"/>
+              </a:rPr>
+              <a:t>nimator Controller</a:t>
+            </a:r>
+            <a:r>
+              <a:rPr lang="ko-KR" sz="1800">
+                <a:latin typeface="맑은 고딕" charset="0"/>
+                <a:ea typeface="맑은 고딕" charset="0"/>
+              </a:rPr>
+              <a:t>에서</a:t>
+            </a:r>
+            <a:r>
+              <a:rPr lang="ko-KR" sz="1800">
+                <a:latin typeface="맑은 고딕" charset="0"/>
+                <a:ea typeface="맑은 고딕" charset="0"/>
+              </a:rPr>
+              <a:t> Open에 Make Transition을 Close 애니메이션에 연결합니다.</a:t>
             </a:r>
             <a:endParaRPr lang="ko-KR" altLang="en-US" sz="1800">
               <a:latin typeface="맑은 고딕" charset="0"/>
@@ -8755,14 +9081,76 @@
       </p:sp>
       <p:pic>
         <p:nvPicPr>
-          <p:cNvPr id="53" name="그림 1" descr="C:/Users/Admin1/AppData/Roaming/PolarisOffice/ETemp/14924_9275184/fImage207020141.png"/>
+          <p:cNvPr id="53" name="그림 1" descr="C:/Users/Admin1/AppData/Roaming/PolarisOffice/ETemp/23328_19313576/fImage207020141.png"/>
           <p:cNvPicPr>
             <a:picLocks noChangeAspect="1"/>
           </p:cNvPicPr>
           <p:nvPr/>
         </p:nvPicPr>
         <p:blipFill rotWithShape="1">
-          <a:blip r:embed="rId7" cstate="print">
+          <a:blip r:embed="rId7" cstate="hqprint">
+            <a:extLst>
+              <a:ext uri="{28A0092B-C50C-407E-A947-70E740481C1C}">
+                <a14:useLocalDpi xmlns:a14="http://schemas.microsoft.com/office/drawing/2010/main"/>
+              </a:ext>
+            </a:extLst>
+          </a:blip>
+          <a:stretch>
+            <a:fillRect/>
+          </a:stretch>
+        </p:blipFill>
+        <p:spPr>
+          <a:xfrm rot="0">
+            <a:off x="4666615" y="1512570"/>
+            <a:ext cx="694055" cy="896620"/>
+          </a:xfrm>
+          <a:prstGeom prst="roundRect"/>
+          <a:solidFill>
+            <a:srgbClr val="EDEDED"/>
+          </a:solidFill>
+        </p:spPr>
+      </p:pic>
+      <p:pic>
+        <p:nvPicPr>
+          <p:cNvPr id="57" name="그림 10" descr="C:/Users/Admin1/AppData/Roaming/PolarisOffice/ETemp/23328_19313576/fImage162532058467.png"/>
+          <p:cNvPicPr>
+            <a:picLocks noChangeAspect="1"/>
+          </p:cNvPicPr>
+          <p:nvPr/>
+        </p:nvPicPr>
+        <p:blipFill rotWithShape="1">
+          <a:blip r:embed="rId8" cstate="hqprint">
+            <a:extLst>
+              <a:ext uri="{28A0092B-C50C-407E-A947-70E740481C1C}">
+                <a14:useLocalDpi xmlns:a14="http://schemas.microsoft.com/office/drawing/2010/main"/>
+              </a:ext>
+            </a:extLst>
+          </a:blip>
+          <a:stretch>
+            <a:fillRect/>
+          </a:stretch>
+        </p:blipFill>
+        <p:spPr>
+          <a:xfrm rot="0">
+            <a:off x="6841490" y="1303655"/>
+            <a:ext cx="3975100" cy="3632835"/>
+          </a:xfrm>
+          <a:prstGeom prst="roundRect"/>
+          <a:solidFill>
+            <a:srgbClr val="EDEDED"/>
+          </a:solidFill>
+        </p:spPr>
+      </p:pic>
+      <p:pic>
+        <p:nvPicPr>
+          <p:cNvPr id="58" name="그림 53" descr="C:/Users/Admin1/AppData/Roaming/PolarisOffice/ETemp/23328_19313576/fImage48432509358.png"/>
+          <p:cNvPicPr>
+            <a:picLocks noChangeAspect="1"/>
+          </p:cNvPicPr>
+          <p:nvPr/>
+        </p:nvPicPr>
+        <p:blipFill rotWithShape="1">
+          <a:blip r:embed="rId11" cstate="print">
             <a:extLst>
               <a:ext uri="{28A0092B-C50C-407E-A947-70E740481C1C}">
                 <a14:useLocalDpi xmlns:a14="http://schemas.microsoft.com/office/drawing/2010/main" val="0"/>
@@ -8775,8 +9163,8 @@
         </p:blipFill>
         <p:spPr>
           <a:xfrm rot="0">
-            <a:off x="4337685" y="3521710"/>
-            <a:ext cx="686435" cy="895985"/>
+            <a:off x="1377950" y="1295400"/>
+            <a:ext cx="2510790" cy="1389380"/>
           </a:xfrm>
           <a:prstGeom prst="roundRect"/>
           <a:solidFill>
@@ -8787,13 +9175,49 @@
       <p:cxnSp>
         <p:nvCxnSpPr>
           <p:cNvPr id="55" name="도형 7"/>
-          <p:cNvCxnSpPr/>
+          <p:cNvCxnSpPr>
+            <a:stCxn id="53" idx="1"/>
+          </p:cNvCxnSpPr>
           <p:nvPr/>
         </p:nvCxnSpPr>
         <p:spPr>
-          <a:xfrm rot="0" flipV="1">
-            <a:off x="4680585" y="2917825"/>
-            <a:ext cx="2540" cy="604520"/>
+          <a:xfrm rot="0" flipH="1">
+            <a:off x="3844925" y="1960245"/>
+            <a:ext cx="822325" cy="352425"/>
+          </a:xfrm>
+          <a:prstGeom prst="straightConnector1"/>
+          <a:ln w="6350" cap="flat" cmpd="sng">
+            <a:prstDash/>
+            <a:tailEnd type="triangle" w="med" len="med"/>
+          </a:ln>
+        </p:spPr>
+        <p:style>
+          <a:lnRef idx="1">
+            <a:schemeClr val="accent1"/>
+          </a:lnRef>
+          <a:fillRef idx="0">
+            <a:schemeClr val="accent1"/>
+          </a:fillRef>
+          <a:effectRef idx="0">
+            <a:schemeClr val="accent1"/>
+          </a:effectRef>
+          <a:fontRef idx="minor">
+            <a:schemeClr val="tx1"/>
+          </a:fontRef>
+        </p:style>
+      </p:cxnSp>
+      <p:cxnSp>
+        <p:nvCxnSpPr>
+          <p:cNvPr id="59" name="도형 56"/>
+          <p:cNvCxnSpPr>
+            <a:stCxn id="53" idx="1"/>
+          </p:cNvCxnSpPr>
+          <p:nvPr/>
+        </p:nvCxnSpPr>
+        <p:spPr>
+          <a:xfrm rot="0" flipH="1">
+            <a:off x="3559175" y="1960245"/>
+            <a:ext cx="1108075" cy="612140"/>
           </a:xfrm>
           <a:prstGeom prst="straightConnector1"/>
           <a:ln w="6350" cap="flat" cmpd="sng">
@@ -8818,14 +9242,14 @@
       </p:cxnSp>
       <p:pic>
         <p:nvPicPr>
-          <p:cNvPr id="57" name="그림 10" descr="C:/Users/Admin1/AppData/Roaming/PolarisOffice/ETemp/14924_9275184/fImage162532058467.png"/>
+          <p:cNvPr id="60" name="그림 57" descr="C:/Users/Admin1/AppData/Roaming/PolarisOffice/ETemp/23328_19313576/fImage121222526962.png"/>
           <p:cNvPicPr>
             <a:picLocks noChangeAspect="1"/>
           </p:cNvPicPr>
           <p:nvPr/>
         </p:nvPicPr>
         <p:blipFill rotWithShape="1">
-          <a:blip r:embed="rId8" cstate="print">
+          <a:blip r:embed="rId12" cstate="print">
             <a:extLst>
               <a:ext uri="{28A0092B-C50C-407E-A947-70E740481C1C}">
                 <a14:useLocalDpi xmlns:a14="http://schemas.microsoft.com/office/drawing/2010/main" val="0"/>
@@ -8838,8 +9262,8 @@
         </p:blipFill>
         <p:spPr>
           <a:xfrm rot="0">
-            <a:off x="6841490" y="1303655"/>
-            <a:ext cx="3974465" cy="3219450"/>
+            <a:off x="1383665" y="3908425"/>
+            <a:ext cx="3977005" cy="1296670"/>
           </a:xfrm>
           <a:prstGeom prst="roundRect"/>
           <a:solidFill>
@@ -8847,66 +9271,84 @@
           </a:solidFill>
         </p:spPr>
       </p:pic>
-      <p:pic>
-        <p:nvPicPr>
-          <p:cNvPr id="58" name="그림 22" descr="C:/Users/Admin1/AppData/Roaming/PolarisOffice/ETemp/14924_9275184/fImage54222116334.png"/>
-          <p:cNvPicPr>
-            <a:picLocks noChangeAspect="1"/>
-          </p:cNvPicPr>
+      <p:sp>
+        <p:nvSpPr>
+          <p:cNvPr id="61" name="텍스트 상자 60"/>
+          <p:cNvSpPr txBox="1">
+            <a:spLocks/>
+          </p:cNvSpPr>
           <p:nvPr/>
-        </p:nvPicPr>
-        <p:blipFill rotWithShape="1">
-          <a:blip r:embed="rId9" cstate="print">
-            <a:extLst>
-              <a:ext uri="{28A0092B-C50C-407E-A947-70E740481C1C}">
-                <a14:useLocalDpi xmlns:a14="http://schemas.microsoft.com/office/drawing/2010/main" val="0"/>
-              </a:ext>
-            </a:extLst>
-          </a:blip>
-          <a:stretch>
-            <a:fillRect/>
-          </a:stretch>
-        </p:blipFill>
-        <p:spPr>
-          <a:xfrm rot="0">
-            <a:off x="3996690" y="1479550"/>
-            <a:ext cx="1365885" cy="1438910"/>
-          </a:xfrm>
-          <a:prstGeom prst="roundRect"/>
-          <a:solidFill>
-            <a:srgbClr val="EDEDED"/>
-          </a:solidFill>
-        </p:spPr>
-      </p:pic>
-      <p:pic>
-        <p:nvPicPr>
-          <p:cNvPr id="59" name="그림 27" descr="C:/Users/Admin1/AppData/Roaming/PolarisOffice/ETemp/14924_9275184/fImage143632136500.png"/>
-          <p:cNvPicPr>
-            <a:picLocks noChangeAspect="1"/>
-          </p:cNvPicPr>
-          <p:nvPr/>
-        </p:nvPicPr>
-        <p:blipFill rotWithShape="1">
-          <a:blip r:embed="rId10" cstate="print">
-            <a:extLst>
-              <a:ext uri="{28A0092B-C50C-407E-A947-70E740481C1C}">
-                <a14:useLocalDpi xmlns:a14="http://schemas.microsoft.com/office/drawing/2010/main" val="0"/>
-              </a:ext>
-            </a:extLst>
-          </a:blip>
-          <a:stretch>
-            <a:fillRect/>
-          </a:stretch>
-        </p:blipFill>
-        <p:spPr>
-          <a:xfrm rot="0">
-            <a:off x="1388745" y="1479550"/>
-            <a:ext cx="2161540" cy="2926715"/>
+        </p:nvSpPr>
+        <p:spPr>
+          <a:xfrm rot="0">
+            <a:off x="1381760" y="5376545"/>
+            <a:ext cx="3975100" cy="677545"/>
           </a:xfrm>
           <a:prstGeom prst="rect"/>
           <a:noFill/>
-        </p:spPr>
-      </p:pic>
+          <a:ln w="0">
+            <a:noFill/>
+            <a:prstDash/>
+          </a:ln>
+        </p:spPr>
+        <p:txBody>
+          <a:bodyPr wrap="square" lIns="89535" tIns="46355" rIns="89535" bIns="46355" numCol="1" vert="horz" anchor="t">
+            <a:spAutoFit/>
+          </a:bodyPr>
+          <a:lstStyle/>
+          <a:p>
+            <a:pPr marL="0" indent="0" algn="l" latinLnBrk="0" hangingPunct="1">
+              <a:buFontTx/>
+              <a:buNone/>
+            </a:pPr>
+            <a:r>
+              <a:rPr lang="ko-KR" sz="2000" b="1">
+                <a:solidFill>
+                  <a:srgbClr val="0611F2"/>
+                </a:solidFill>
+                <a:latin typeface="맑은 고딕" charset="0"/>
+                <a:ea typeface="맑은 고딕" charset="0"/>
+              </a:rPr>
+              <a:t>12.</a:t>
+            </a:r>
+            <a:r>
+              <a:rPr lang="ko-KR" sz="2000">
+                <a:solidFill>
+                  <a:srgbClr val="0611F2"/>
+                </a:solidFill>
+                <a:latin typeface="맑은 고딕" charset="0"/>
+                <a:ea typeface="맑은 고딕" charset="0"/>
+              </a:rPr>
+              <a:t> </a:t>
+            </a:r>
+            <a:r>
+              <a:rPr lang="ko-KR" sz="1800">
+                <a:latin typeface="맑은 고딕" charset="0"/>
+                <a:ea typeface="맑은 고딕" charset="0"/>
+              </a:rPr>
+              <a:t>그다음</a:t>
+            </a:r>
+            <a:r>
+              <a:rPr lang="ko-KR" sz="1800">
+                <a:latin typeface="맑은 고딕" charset="0"/>
+                <a:ea typeface="맑은 고딕" charset="0"/>
+              </a:rPr>
+              <a:t> </a:t>
+            </a:r>
+            <a:r>
+              <a:rPr lang="ko-KR" sz="1800">
+                <a:latin typeface="맑은 고딕" charset="0"/>
+                <a:ea typeface="맑은 고딕" charset="0"/>
+              </a:rPr>
+              <a:t>Open Button의 앵커와 크기를 설정합니다.</a:t>
+            </a:r>
+            <a:endParaRPr lang="ko-KR" altLang="en-US" sz="1800">
+              <a:latin typeface="맑은 고딕" charset="0"/>
+              <a:ea typeface="맑은 고딕" charset="0"/>
+            </a:endParaRPr>
+          </a:p>
+        </p:txBody>
+      </p:sp>
     </p:spTree>
   </p:cSld>
   <p:clrMapOvr>
@@ -9008,8 +9450,8 @@
         </p:nvSpPr>
         <p:spPr>
           <a:xfrm rot="0">
-            <a:off x="6841490" y="4547235"/>
-            <a:ext cx="3950335" cy="954405"/>
+            <a:off x="6806565" y="5231130"/>
+            <a:ext cx="4234815" cy="954405"/>
           </a:xfrm>
           <a:prstGeom prst="rect"/>
           <a:noFill/>
@@ -9046,7 +9488,7 @@
                 <a:latin typeface="맑은 고딕" charset="0"/>
                 <a:ea typeface="맑은 고딕" charset="0"/>
               </a:rPr>
-              <a:t>5</a:t>
+              <a:t>6</a:t>
             </a:r>
             <a:r>
               <a:rPr lang="ko-KR" sz="2000" b="1">
@@ -9073,14 +9515,14 @@
                 <a:latin typeface="맑은 고딕" charset="0"/>
                 <a:ea typeface="맑은 고딕" charset="0"/>
               </a:rPr>
-              <a:t>그</a:t>
+              <a:t>그다음으로 Transition을 선택하고 Has Exit Time의 설정을 해제</a:t>
             </a:r>
             <a:r>
               <a:rPr lang="ko-KR" sz="1800">
                 <a:latin typeface="맑은 고딕" charset="0"/>
                 <a:ea typeface="맑은 고딕" charset="0"/>
               </a:rPr>
-              <a:t>다음으로 Transition을 선택하고 Has Exit Time의 설정을 해제합니다.</a:t>
+              <a:t>한 다음 Conditions을 추가합니다.</a:t>
             </a:r>
             <a:endParaRPr lang="ko-KR" altLang="en-US" sz="1800">
               <a:latin typeface="맑은 고딕" charset="0"/>
@@ -9089,16 +9531,87 @@
           </a:p>
         </p:txBody>
       </p:sp>
+      <p:sp>
+        <p:nvSpPr>
+          <p:cNvPr id="64" name="텍스트 상자 14"/>
+          <p:cNvSpPr txBox="1">
+            <a:spLocks/>
+          </p:cNvSpPr>
+          <p:nvPr/>
+        </p:nvSpPr>
+        <p:spPr>
+          <a:xfrm rot="0">
+            <a:off x="1336040" y="2310130"/>
+            <a:ext cx="4051300" cy="954405"/>
+          </a:xfrm>
+          <a:prstGeom prst="rect"/>
+          <a:noFill/>
+          <a:ln w="0">
+            <a:noFill/>
+            <a:prstDash/>
+          </a:ln>
+        </p:spPr>
+        <p:txBody>
+          <a:bodyPr wrap="square" lIns="89535" tIns="46355" rIns="89535" bIns="46355" numCol="1" vert="horz" anchor="t">
+            <a:spAutoFit/>
+          </a:bodyPr>
+          <a:lstStyle/>
+          <a:p>
+            <a:pPr marL="0" indent="0" algn="l" latinLnBrk="0" hangingPunct="1">
+              <a:buFontTx/>
+              <a:buNone/>
+            </a:pPr>
+            <a:r>
+              <a:rPr lang="ko-KR" sz="2000" b="1">
+                <a:solidFill>
+                  <a:srgbClr val="0611F2"/>
+                </a:solidFill>
+                <a:latin typeface="맑은 고딕" charset="0"/>
+                <a:ea typeface="맑은 고딕" charset="0"/>
+              </a:rPr>
+              <a:t>14.</a:t>
+            </a:r>
+            <a:r>
+              <a:rPr lang="ko-KR" sz="2000">
+                <a:solidFill>
+                  <a:srgbClr val="0611F2"/>
+                </a:solidFill>
+                <a:latin typeface="맑은 고딕" charset="0"/>
+                <a:ea typeface="맑은 고딕" charset="0"/>
+              </a:rPr>
+              <a:t> </a:t>
+            </a:r>
+            <a:r>
+              <a:rPr lang="ko-KR" sz="1800">
+                <a:latin typeface="맑은 고딕" charset="0"/>
+                <a:ea typeface="맑은 고딕" charset="0"/>
+              </a:rPr>
+              <a:t>그리고 Animator Controller의 Paremeters에 Trigger 옵션을 추가</a:t>
+            </a:r>
+            <a:r>
+              <a:rPr lang="ko-KR" sz="1800">
+                <a:latin typeface="맑은 고딕" charset="0"/>
+                <a:ea typeface="맑은 고딕" charset="0"/>
+              </a:rPr>
+              <a:t>하고 이름을 Close로 정의합니다.</a:t>
+            </a:r>
+            <a:endParaRPr lang="ko-KR" altLang="en-US" sz="1800">
+              <a:latin typeface="맑은 고딕" charset="0"/>
+              <a:ea typeface="맑은 고딕" charset="0"/>
+            </a:endParaRPr>
+          </a:p>
+        </p:txBody>
+      </p:sp>
       <p:pic>
         <p:nvPicPr>
-          <p:cNvPr id="63" name="그림 13" descr="C:/Users/Admin1/AppData/Roaming/PolarisOffice/ETemp/14924_9275184/fImage219172069169.png"/>
+          <p:cNvPr id="68" name="그림 61" descr="C:/Users/Admin1/AppData/Roaming/PolarisOffice/ETemp/23328_19313576/fImage56242544464.png"/>
           <p:cNvPicPr>
             <a:picLocks noChangeAspect="1"/>
           </p:cNvPicPr>
           <p:nvPr/>
         </p:nvPicPr>
         <p:blipFill rotWithShape="1">
-          <a:blip r:embed="rId11" cstate="print">
+          <a:blip r:embed="rId15" cstate="print">
             <a:extLst>
               <a:ext uri="{28A0092B-C50C-407E-A947-70E740481C1C}">
                 <a14:useLocalDpi xmlns:a14="http://schemas.microsoft.com/office/drawing/2010/main" val="0"/>
@@ -9111,107 +9624,25 @@
         </p:blipFill>
         <p:spPr>
           <a:xfrm rot="0">
-            <a:off x="6833235" y="1537335"/>
-            <a:ext cx="3957955" cy="2777490"/>
-          </a:xfrm>
-          <a:prstGeom prst="rect"/>
-          <a:noFill/>
+            <a:off x="1329055" y="1409065"/>
+            <a:ext cx="4057650" cy="834390"/>
+          </a:xfrm>
+          <a:prstGeom prst="roundRect"/>
+          <a:solidFill>
+            <a:srgbClr val="EDEDED"/>
+          </a:solidFill>
         </p:spPr>
       </p:pic>
-      <p:sp>
-        <p:nvSpPr>
-          <p:cNvPr id="64" name="텍스트 상자 14"/>
-          <p:cNvSpPr txBox="1">
-            <a:spLocks/>
-          </p:cNvSpPr>
-          <p:nvPr/>
-        </p:nvSpPr>
-        <p:spPr>
-          <a:xfrm rot="0">
-            <a:off x="1327150" y="4544060"/>
-            <a:ext cx="3950335" cy="954405"/>
-          </a:xfrm>
-          <a:prstGeom prst="rect"/>
-          <a:noFill/>
-          <a:ln w="0">
-            <a:noFill/>
-            <a:prstDash/>
-          </a:ln>
-        </p:spPr>
-        <p:txBody>
-          <a:bodyPr wrap="square" lIns="89535" tIns="46355" rIns="89535" bIns="46355" numCol="1" vert="horz" anchor="t">
-            <a:spAutoFit/>
-          </a:bodyPr>
-          <a:lstStyle/>
-          <a:p>
-            <a:pPr marL="0" indent="0" algn="l" latinLnBrk="0" hangingPunct="1">
-              <a:buFontTx/>
-              <a:buNone/>
-            </a:pPr>
-            <a:r>
-              <a:rPr lang="ko-KR" sz="2000" b="1">
-                <a:solidFill>
-                  <a:srgbClr val="0611F2"/>
-                </a:solidFill>
-                <a:latin typeface="맑은 고딕" charset="0"/>
-                <a:ea typeface="맑은 고딕" charset="0"/>
-              </a:rPr>
-              <a:t>1</a:t>
-            </a:r>
-            <a:r>
-              <a:rPr lang="ko-KR" sz="2000" b="1">
-                <a:solidFill>
-                  <a:srgbClr val="0611F2"/>
-                </a:solidFill>
-                <a:latin typeface="맑은 고딕" charset="0"/>
-                <a:ea typeface="맑은 고딕" charset="0"/>
-              </a:rPr>
-              <a:t>4</a:t>
-            </a:r>
-            <a:r>
-              <a:rPr lang="ko-KR" sz="2000" b="1">
-                <a:solidFill>
-                  <a:srgbClr val="0611F2"/>
-                </a:solidFill>
-                <a:latin typeface="맑은 고딕" charset="0"/>
-                <a:ea typeface="맑은 고딕" charset="0"/>
-              </a:rPr>
-              <a:t>.</a:t>
-            </a:r>
-            <a:r>
-              <a:rPr lang="ko-KR" sz="2000">
-                <a:solidFill>
-                  <a:srgbClr val="0611F2"/>
-                </a:solidFill>
-                <a:latin typeface="맑은 고딕" charset="0"/>
-                <a:ea typeface="맑은 고딕" charset="0"/>
-              </a:rPr>
-              <a:t> </a:t>
-            </a:r>
-            <a:r>
-              <a:rPr lang="ko-KR" sz="1800">
-                <a:latin typeface="맑은 고딕" charset="0"/>
-                <a:ea typeface="맑은 고딕" charset="0"/>
-              </a:rPr>
-              <a:t>그리고 Animator Controller의 Paremeters에 Trigger 옵션을 추가합니다.</a:t>
-            </a:r>
-            <a:endParaRPr lang="ko-KR" altLang="en-US" sz="1800">
-              <a:latin typeface="맑은 고딕" charset="0"/>
-              <a:ea typeface="맑은 고딕" charset="0"/>
-            </a:endParaRPr>
-          </a:p>
-        </p:txBody>
-      </p:sp>
       <p:pic>
         <p:nvPicPr>
-          <p:cNvPr id="65" name="그림 15" descr="C:/Users/Admin1/AppData/Roaming/PolarisOffice/ETemp/14924_9275184/fImage40112085724.png"/>
+          <p:cNvPr id="69" name="그림 64" descr="C:/Users/Admin1/AppData/Roaming/PolarisOffice/ETemp/23328_19313576/fImage57802555705.png"/>
           <p:cNvPicPr>
             <a:picLocks noChangeAspect="1"/>
           </p:cNvPicPr>
           <p:nvPr/>
         </p:nvPicPr>
         <p:blipFill rotWithShape="1">
-          <a:blip r:embed="rId12" cstate="print">
+          <a:blip r:embed="rId16" cstate="print">
             <a:extLst>
               <a:ext uri="{28A0092B-C50C-407E-A947-70E740481C1C}">
                 <a14:useLocalDpi xmlns:a14="http://schemas.microsoft.com/office/drawing/2010/main" val="0"/>
@@ -9224,23 +9655,141 @@
         </p:blipFill>
         <p:spPr>
           <a:xfrm rot="0">
-            <a:off x="1330325" y="1521460"/>
-            <a:ext cx="3937635" cy="1729740"/>
-          </a:xfrm>
-          <a:prstGeom prst="rect"/>
-          <a:noFill/>
+            <a:off x="3542030" y="3541395"/>
+            <a:ext cx="1844675" cy="1403350"/>
+          </a:xfrm>
+          <a:prstGeom prst="roundRect"/>
+          <a:solidFill>
+            <a:srgbClr val="EDEDED"/>
+          </a:solidFill>
         </p:spPr>
       </p:pic>
       <p:pic>
         <p:nvPicPr>
-          <p:cNvPr id="66" name="그림 16" descr="C:/Users/Admin1/AppData/Roaming/PolarisOffice/ETemp/14924_9275184/fImage12312091478.png"/>
+          <p:cNvPr id="70" name="그림 68" descr="C:/Users/Admin1/AppData/Roaming/PolarisOffice/ETemp/23328_19313576/fImage85062588145.png"/>
           <p:cNvPicPr>
             <a:picLocks noChangeAspect="1"/>
           </p:cNvPicPr>
           <p:nvPr/>
         </p:nvPicPr>
         <p:blipFill rotWithShape="1">
-          <a:blip r:embed="rId13" cstate="print">
+          <a:blip r:embed="rId17" cstate="hqprint">
+            <a:extLst>
+              <a:ext uri="{28A0092B-C50C-407E-A947-70E740481C1C}">
+                <a14:useLocalDpi xmlns:a14="http://schemas.microsoft.com/office/drawing/2010/main"/>
+              </a:ext>
+            </a:extLst>
+          </a:blip>
+          <a:stretch>
+            <a:fillRect/>
+          </a:stretch>
+        </p:blipFill>
+        <p:spPr>
+          <a:xfrm rot="0">
+            <a:off x="1336040" y="3429635"/>
+            <a:ext cx="1859915" cy="1654175"/>
+          </a:xfrm>
+          <a:prstGeom prst="roundRect"/>
+          <a:solidFill>
+            <a:srgbClr val="EDEDED"/>
+          </a:solidFill>
+        </p:spPr>
+      </p:pic>
+      <p:sp>
+        <p:nvSpPr>
+          <p:cNvPr id="71" name="텍스트 상자 69"/>
+          <p:cNvSpPr txBox="1">
+            <a:spLocks/>
+          </p:cNvSpPr>
+          <p:nvPr/>
+        </p:nvSpPr>
+        <p:spPr>
+          <a:xfrm rot="0">
+            <a:off x="1336675" y="5233670"/>
+            <a:ext cx="4058920" cy="954405"/>
+          </a:xfrm>
+          <a:prstGeom prst="rect"/>
+          <a:noFill/>
+          <a:ln w="0">
+            <a:noFill/>
+            <a:prstDash/>
+          </a:ln>
+        </p:spPr>
+        <p:txBody>
+          <a:bodyPr wrap="square" lIns="89535" tIns="46355" rIns="89535" bIns="46355" numCol="1" vert="horz" anchor="t">
+            <a:spAutoFit/>
+          </a:bodyPr>
+          <a:lstStyle/>
+          <a:p>
+            <a:pPr marL="0" indent="0" algn="l" latinLnBrk="0" hangingPunct="1">
+              <a:buFontTx/>
+              <a:buNone/>
+            </a:pPr>
+            <a:r>
+              <a:rPr lang="ko-KR" sz="2000" b="1">
+                <a:solidFill>
+                  <a:srgbClr val="0611F2"/>
+                </a:solidFill>
+                <a:latin typeface="맑은 고딕" charset="0"/>
+                <a:ea typeface="맑은 고딕" charset="0"/>
+              </a:rPr>
+              <a:t>15.</a:t>
+            </a:r>
+            <a:r>
+              <a:rPr lang="ko-KR" sz="2000">
+                <a:solidFill>
+                  <a:srgbClr val="0611F2"/>
+                </a:solidFill>
+                <a:latin typeface="맑은 고딕" charset="0"/>
+                <a:ea typeface="맑은 고딕" charset="0"/>
+              </a:rPr>
+              <a:t> </a:t>
+            </a:r>
+            <a:r>
+              <a:rPr lang="ko-KR" sz="1800">
+                <a:latin typeface="맑은 고딕" charset="0"/>
+                <a:ea typeface="맑은 고딕" charset="0"/>
+              </a:rPr>
+              <a:t>그런 다음</a:t>
+            </a:r>
+            <a:r>
+              <a:rPr lang="ko-KR" sz="1800">
+                <a:latin typeface="맑은 고딕" charset="0"/>
+                <a:ea typeface="맑은 고딕" charset="0"/>
+              </a:rPr>
+              <a:t> </a:t>
+            </a:r>
+            <a:r>
+              <a:rPr lang="ko-KR" sz="1800">
+                <a:latin typeface="맑은 고딕" charset="0"/>
+                <a:ea typeface="맑은 고딕" charset="0"/>
+              </a:rPr>
+              <a:t>빈 게임 오브젝트를 생성하고 File Manager로 이름을 정의합니다.</a:t>
+            </a:r>
+            <a:r>
+              <a:rPr lang="ko-KR" sz="1800">
+                <a:latin typeface="맑은 고딕" charset="0"/>
+                <a:ea typeface="맑은 고딕" charset="0"/>
+              </a:rPr>
+              <a:t> </a:t>
+            </a:r>
+            <a:endParaRPr lang="ko-KR" altLang="en-US" sz="1800">
+              <a:latin typeface="맑은 고딕" charset="0"/>
+              <a:ea typeface="맑은 고딕" charset="0"/>
+            </a:endParaRPr>
+          </a:p>
+        </p:txBody>
+      </p:sp>
+      <p:pic>
+        <p:nvPicPr>
+          <p:cNvPr id="72" name="그림 70" descr="C:/Users/Admin1/AppData/Roaming/PolarisOffice/ETemp/23328_19313576/fImage254542603281.png"/>
+          <p:cNvPicPr>
+            <a:picLocks noChangeAspect="1"/>
+          </p:cNvPicPr>
+          <p:nvPr/>
+        </p:nvPicPr>
+        <p:blipFill rotWithShape="1">
+          <a:blip r:embed="rId18" cstate="print">
             <a:extLst>
               <a:ext uri="{28A0092B-C50C-407E-A947-70E740481C1C}">
                 <a14:useLocalDpi xmlns:a14="http://schemas.microsoft.com/office/drawing/2010/main" val="0"/>
@@ -9253,44 +9802,11 @@
         </p:blipFill>
         <p:spPr>
           <a:xfrm rot="0">
-            <a:off x="1327150" y="3500755"/>
-            <a:ext cx="1300480" cy="886460"/>
-          </a:xfrm>
-          <a:prstGeom prst="roundRect"/>
-          <a:solidFill>
-            <a:srgbClr val="EDEDED"/>
-          </a:solidFill>
-        </p:spPr>
-      </p:pic>
-      <p:pic>
-        <p:nvPicPr>
-          <p:cNvPr id="67" name="그림 17" descr="C:/Users/Admin1/AppData/Roaming/PolarisOffice/ETemp/14924_9275184/fImage26472109358.png"/>
-          <p:cNvPicPr>
-            <a:picLocks noChangeAspect="1"/>
-          </p:cNvPicPr>
-          <p:nvPr/>
-        </p:nvPicPr>
-        <p:blipFill rotWithShape="1">
-          <a:blip r:embed="rId14" cstate="print">
-            <a:extLst>
-              <a:ext uri="{28A0092B-C50C-407E-A947-70E740481C1C}">
-                <a14:useLocalDpi xmlns:a14="http://schemas.microsoft.com/office/drawing/2010/main" val="0"/>
-              </a:ext>
-            </a:extLst>
-          </a:blip>
-          <a:stretch>
-            <a:fillRect/>
-          </a:stretch>
-        </p:blipFill>
-        <p:spPr>
-          <a:xfrm rot="0">
-            <a:off x="2842895" y="3499485"/>
-            <a:ext cx="2336800" cy="898525"/>
-          </a:xfrm>
-          <a:prstGeom prst="roundRect"/>
-          <a:solidFill>
-            <a:srgbClr val="EDEDED"/>
-          </a:solidFill>
+            <a:off x="6806565" y="1402715"/>
+            <a:ext cx="4234815" cy="3672205"/>
+          </a:xfrm>
+          <a:prstGeom prst="rect"/>
+          <a:noFill/>
         </p:spPr>
       </p:pic>
     </p:spTree>
@@ -9394,8 +9910,8 @@
         </p:nvSpPr>
         <p:spPr>
           <a:xfrm rot="0">
-            <a:off x="1321435" y="3482975"/>
-            <a:ext cx="4024630" cy="2338705"/>
+            <a:off x="1312545" y="3846830"/>
+            <a:ext cx="4030980" cy="2338705"/>
           </a:xfrm>
           <a:prstGeom prst="rect"/>
           <a:noFill/>
@@ -9432,7 +9948,7 @@
                 <a:latin typeface="맑은 고딕" charset="0"/>
                 <a:ea typeface="맑은 고딕" charset="0"/>
               </a:rPr>
-              <a:t>6</a:t>
+              <a:t>7</a:t>
             </a:r>
             <a:r>
               <a:rPr lang="ko-KR" sz="2000" b="1">
@@ -9459,28 +9975,7 @@
                 <a:latin typeface="맑은 고딕" charset="0"/>
                 <a:ea typeface="맑은 고딕" charset="0"/>
               </a:rPr>
-              <a:t>그리고 PopUp</a:t>
-            </a:r>
-            <a:r>
-              <a:rPr lang="ko-KR" sz="1800">
-                <a:latin typeface="맑은 고딕" charset="0"/>
-                <a:ea typeface="맑은 고딕" charset="0"/>
-              </a:rPr>
-              <a:t> </a:t>
-            </a:r>
-            <a:r>
-              <a:rPr lang="ko-KR" sz="1800">
-                <a:latin typeface="맑은 고딕" charset="0"/>
-                <a:ea typeface="맑은 고딕" charset="0"/>
-              </a:rPr>
-              <a:t>스크립트에서 애니메이터 변수와 UI를 가져오기 위한 게임 오브젝트 변수를 선언합니다</a:t>
-            </a:r>
-            <a:r>
-              <a:rPr lang="ko-KR" sz="1800">
-                <a:latin typeface="맑은 고딕" charset="0"/>
-                <a:ea typeface="맑은 고딕" charset="0"/>
-              </a:rPr>
-              <a:t>.</a:t>
+              <a:t>그리고 PopUp 스크립트에서 애니메이터 변수와 UI를 가져오기 위한 게임 오브젝트 변수를 선언합니다.</a:t>
             </a:r>
             <a:endParaRPr lang="ko-KR" altLang="en-US" sz="1800">
               <a:latin typeface="맑은 고딕" charset="0"/>
@@ -9518,17 +10013,17 @@
       </p:sp>
       <p:pic>
         <p:nvPicPr>
-          <p:cNvPr id="71" name="그림 29" descr="C:/Users/Admin1/AppData/Roaming/PolarisOffice/ETemp/14924_9275184/fImage52252156962.png"/>
+          <p:cNvPr id="71" name="그림 29" descr="C:/Users/Admin1/AppData/Roaming/PolarisOffice/ETemp/23328_19313576/fImage52252156962.png"/>
           <p:cNvPicPr>
             <a:picLocks noChangeAspect="1"/>
           </p:cNvPicPr>
           <p:nvPr/>
         </p:nvPicPr>
         <p:blipFill rotWithShape="1">
-          <a:blip r:embed="rId8" cstate="print">
+          <a:blip r:embed="rId8" cstate="hqprint">
             <a:extLst>
               <a:ext uri="{28A0092B-C50C-407E-A947-70E740481C1C}">
-                <a14:useLocalDpi xmlns:a14="http://schemas.microsoft.com/office/drawing/2010/main" val="0"/>
+                <a14:useLocalDpi xmlns:a14="http://schemas.microsoft.com/office/drawing/2010/main"/>
               </a:ext>
             </a:extLst>
           </a:blip>
@@ -9539,7 +10034,7 @@
         <p:spPr>
           <a:xfrm rot="0">
             <a:off x="1320165" y="1377315"/>
-            <a:ext cx="4034155" cy="1998345"/>
+            <a:ext cx="4034790" cy="2320925"/>
           </a:xfrm>
           <a:prstGeom prst="rect"/>
           <a:noFill/>
@@ -9547,17 +10042,17 @@
       </p:pic>
       <p:pic>
         <p:nvPicPr>
-          <p:cNvPr id="72" name="그림 30" descr="C:/Users/Admin1/AppData/Roaming/PolarisOffice/ETemp/14924_9275184/fImage44242164464.png"/>
+          <p:cNvPr id="72" name="그림 30" descr="C:/Users/Admin1/AppData/Roaming/PolarisOffice/ETemp/23328_19313576/fImage44242164464.png"/>
           <p:cNvPicPr>
             <a:picLocks noChangeAspect="1"/>
           </p:cNvPicPr>
           <p:nvPr/>
         </p:nvPicPr>
         <p:blipFill rotWithShape="1">
-          <a:blip r:embed="rId9" cstate="print">
+          <a:blip r:embed="rId9" cstate="hqprint">
             <a:extLst>
               <a:ext uri="{28A0092B-C50C-407E-A947-70E740481C1C}">
-                <a14:useLocalDpi xmlns:a14="http://schemas.microsoft.com/office/drawing/2010/main" val="0"/>
+                <a14:useLocalDpi xmlns:a14="http://schemas.microsoft.com/office/drawing/2010/main"/>
               </a:ext>
             </a:extLst>
           </a:blip>
@@ -9568,7 +10063,7 @@
         <p:spPr>
           <a:xfrm rot="0">
             <a:off x="6866890" y="1383030"/>
-            <a:ext cx="4032250" cy="1186180"/>
+            <a:ext cx="4032885" cy="1284605"/>
           </a:xfrm>
           <a:prstGeom prst="rect"/>
           <a:noFill/>
@@ -9584,8 +10079,8 @@
         </p:nvSpPr>
         <p:spPr>
           <a:xfrm rot="0">
-            <a:off x="6863080" y="2682240"/>
-            <a:ext cx="4024630" cy="677545"/>
+            <a:off x="6863080" y="2751455"/>
+            <a:ext cx="4025265" cy="677545"/>
           </a:xfrm>
           <a:prstGeom prst="rect"/>
           <a:noFill/>
@@ -9622,7 +10117,7 @@
                 <a:latin typeface="맑은 고딕" charset="0"/>
                 <a:ea typeface="맑은 고딕" charset="0"/>
               </a:rPr>
-              <a:t>7</a:t>
+              <a:t>8</a:t>
             </a:r>
             <a:r>
               <a:rPr lang="ko-KR" sz="2000" b="1">
@@ -9660,17 +10155,17 @@
       </p:sp>
       <p:pic>
         <p:nvPicPr>
-          <p:cNvPr id="74" name="그림 32" descr="C:/Users/Admin1/AppData/Roaming/PolarisOffice/ETemp/14924_9275184/fImage126892185705.png"/>
+          <p:cNvPr id="74" name="그림 32" descr="C:/Users/Admin1/AppData/Roaming/PolarisOffice/ETemp/23328_19313576/fImage126892185705.png"/>
           <p:cNvPicPr>
             <a:picLocks noChangeAspect="1"/>
           </p:cNvPicPr>
           <p:nvPr/>
         </p:nvPicPr>
         <p:blipFill rotWithShape="1">
-          <a:blip r:embed="rId10" cstate="print">
+          <a:blip r:embed="rId10" cstate="hqprint">
             <a:extLst>
               <a:ext uri="{28A0092B-C50C-407E-A947-70E740481C1C}">
-                <a14:useLocalDpi xmlns:a14="http://schemas.microsoft.com/office/drawing/2010/main" val="0"/>
+                <a14:useLocalDpi xmlns:a14="http://schemas.microsoft.com/office/drawing/2010/main"/>
               </a:ext>
             </a:extLst>
           </a:blip>
@@ -9680,8 +10175,8 @@
         </p:blipFill>
         <p:spPr>
           <a:xfrm rot="0">
-            <a:off x="6875145" y="3482975"/>
-            <a:ext cx="4013835" cy="1555115"/>
+            <a:off x="6875145" y="3559175"/>
+            <a:ext cx="4014470" cy="1844675"/>
           </a:xfrm>
           <a:prstGeom prst="rect"/>
           <a:noFill/>
@@ -9697,8 +10192,8 @@
         </p:nvSpPr>
         <p:spPr>
           <a:xfrm rot="0">
-            <a:off x="6868160" y="5139690"/>
-            <a:ext cx="4024630" cy="677545"/>
+            <a:off x="6877050" y="5503545"/>
+            <a:ext cx="4025265" cy="677545"/>
           </a:xfrm>
           <a:prstGeom prst="rect"/>
           <a:noFill/>
@@ -9735,7 +10230,7 @@
                 <a:latin typeface="맑은 고딕" charset="0"/>
                 <a:ea typeface="맑은 고딕" charset="0"/>
               </a:rPr>
-              <a:t>8</a:t>
+              <a:t>9</a:t>
             </a:r>
             <a:r>
               <a:rPr lang="ko-KR" sz="2000" b="1">
@@ -9955,99 +10450,7 @@
       </p:sp>
       <p:pic>
         <p:nvPicPr>
-          <p:cNvPr id="68" name="그림 34" descr="C:/Users/Admin1/AppData/Roaming/PolarisOffice/ETemp/14924_9275184/fImage219392208145.png"/>
-          <p:cNvPicPr>
-            <a:picLocks noChangeAspect="1"/>
-          </p:cNvPicPr>
-          <p:nvPr/>
-        </p:nvPicPr>
-        <p:blipFill rotWithShape="1">
-          <a:blip r:embed="rId6" cstate="print">
-            <a:extLst>
-              <a:ext uri="{28A0092B-C50C-407E-A947-70E740481C1C}">
-                <a14:useLocalDpi xmlns:a14="http://schemas.microsoft.com/office/drawing/2010/main" val="0"/>
-              </a:ext>
-            </a:extLst>
-          </a:blip>
-          <a:stretch>
-            <a:fillRect/>
-          </a:stretch>
-        </p:blipFill>
-        <p:spPr>
-          <a:xfrm rot="0">
-            <a:off x="1465580" y="1304290"/>
-            <a:ext cx="2359025" cy="2670175"/>
-          </a:xfrm>
-          <a:prstGeom prst="rect"/>
-          <a:noFill/>
-        </p:spPr>
-      </p:pic>
-      <p:pic>
-        <p:nvPicPr>
-          <p:cNvPr id="69" name="그림 35" descr="C:/Users/Admin1/AppData/Roaming/PolarisOffice/ETemp/14924_9275184/fImage54222213281.png"/>
-          <p:cNvPicPr>
-            <a:picLocks noChangeAspect="1"/>
-          </p:cNvPicPr>
-          <p:nvPr/>
-        </p:nvPicPr>
-        <p:blipFill rotWithShape="1">
-          <a:blip r:embed="rId7" cstate="print">
-            <a:extLst>
-              <a:ext uri="{28A0092B-C50C-407E-A947-70E740481C1C}">
-                <a14:useLocalDpi xmlns:a14="http://schemas.microsoft.com/office/drawing/2010/main" val="0"/>
-              </a:ext>
-            </a:extLst>
-          </a:blip>
-          <a:stretch>
-            <a:fillRect/>
-          </a:stretch>
-        </p:blipFill>
-        <p:spPr>
-          <a:xfrm rot="0">
-            <a:off x="4098290" y="1813560"/>
-            <a:ext cx="1179195" cy="1670050"/>
-          </a:xfrm>
-          <a:prstGeom prst="roundRect"/>
-          <a:solidFill>
-            <a:srgbClr val="EDEDED"/>
-          </a:solidFill>
-        </p:spPr>
-      </p:pic>
-      <p:cxnSp>
-        <p:nvCxnSpPr>
-          <p:cNvPr id="70" name="도형 38"/>
-          <p:cNvCxnSpPr/>
-          <p:nvPr/>
-        </p:nvCxnSpPr>
-        <p:spPr>
-          <a:xfrm rot="0" flipH="1">
-            <a:off x="2219960" y="2360930"/>
-            <a:ext cx="2028825" cy="1339215"/>
-          </a:xfrm>
-          <a:prstGeom prst="straightConnector1"/>
-          <a:ln w="6350" cap="flat" cmpd="sng">
-            <a:prstDash/>
-            <a:tailEnd type="triangle" w="med" len="med"/>
-          </a:ln>
-        </p:spPr>
-        <p:style>
-          <a:lnRef idx="1">
-            <a:schemeClr val="accent1"/>
-          </a:lnRef>
-          <a:fillRef idx="0">
-            <a:schemeClr val="accent1"/>
-          </a:fillRef>
-          <a:effectRef idx="0">
-            <a:schemeClr val="accent1"/>
-          </a:effectRef>
-          <a:fontRef idx="minor">
-            <a:schemeClr val="tx1"/>
-          </a:fontRef>
-        </p:style>
-      </p:cxnSp>
-      <p:pic>
-        <p:nvPicPr>
-          <p:cNvPr id="71" name="그림 39" descr="C:/Users/Admin1/AppData/Roaming/PolarisOffice/ETemp/14924_9275184/fImage55342236827.png"/>
+          <p:cNvPr id="71" name="그림 39"/>
           <p:cNvPicPr>
             <a:picLocks noChangeAspect="1"/>
           </p:cNvPicPr>
@@ -10078,7 +10481,7 @@
       </p:pic>
       <p:pic>
         <p:nvPicPr>
-          <p:cNvPr id="72" name="그림 40" descr="C:/Users/Admin1/AppData/Roaming/PolarisOffice/ETemp/14924_9275184/fImage56182249961.png"/>
+          <p:cNvPr id="72" name="그림 40"/>
           <p:cNvPicPr>
             <a:picLocks noChangeAspect="1"/>
           </p:cNvPicPr>
@@ -10181,6 +10584,68 @@
           </a:p>
         </p:txBody>
       </p:sp>
+      <p:pic>
+        <p:nvPicPr>
+          <p:cNvPr id="74" name="그림 72" descr="C:/Users/Admin1/AppData/Roaming/PolarisOffice/ETemp/23328_19313576/fImage67822616827.png"/>
+          <p:cNvPicPr>
+            <a:picLocks noChangeAspect="1"/>
+          </p:cNvPicPr>
+          <p:nvPr/>
+        </p:nvPicPr>
+        <p:blipFill rotWithShape="1">
+          <a:blip r:embed="rId10" cstate="print">
+            <a:extLst>
+              <a:ext uri="{28A0092B-C50C-407E-A947-70E740481C1C}">
+                <a14:useLocalDpi xmlns:a14="http://schemas.microsoft.com/office/drawing/2010/main" val="0"/>
+              </a:ext>
+            </a:extLst>
+          </a:blip>
+          <a:stretch>
+            <a:fillRect/>
+          </a:stretch>
+        </p:blipFill>
+        <p:spPr>
+          <a:xfrm rot="0">
+            <a:off x="1463675" y="1286510"/>
+            <a:ext cx="3906520" cy="601980"/>
+          </a:xfrm>
+          <a:prstGeom prst="roundRect"/>
+          <a:solidFill>
+            <a:srgbClr val="EDEDED"/>
+          </a:solidFill>
+        </p:spPr>
+      </p:pic>
+      <p:pic>
+        <p:nvPicPr>
+          <p:cNvPr id="75" name="그림 73" descr="C:/Users/Admin1/AppData/Roaming/PolarisOffice/ETemp/23328_19313576/fImage62542629961.png"/>
+          <p:cNvPicPr>
+            <a:picLocks noChangeAspect="1"/>
+          </p:cNvPicPr>
+          <p:nvPr/>
+        </p:nvPicPr>
+        <p:blipFill rotWithShape="1">
+          <a:blip r:embed="rId11" cstate="print">
+            <a:extLst>
+              <a:ext uri="{28A0092B-C50C-407E-A947-70E740481C1C}">
+                <a14:useLocalDpi xmlns:a14="http://schemas.microsoft.com/office/drawing/2010/main" val="0"/>
+              </a:ext>
+            </a:extLst>
+          </a:blip>
+          <a:stretch>
+            <a:fillRect/>
+          </a:stretch>
+        </p:blipFill>
+        <p:spPr>
+          <a:xfrm rot="0">
+            <a:off x="1466850" y="2167255"/>
+            <a:ext cx="1343660" cy="1479550"/>
+          </a:xfrm>
+          <a:prstGeom prst="roundRect"/>
+          <a:solidFill>
+            <a:srgbClr val="EDEDED"/>
+          </a:solidFill>
+        </p:spPr>
+      </p:pic>
     </p:spTree>
   </p:cSld>
   <p:clrMapOvr>

--- a/Assets/Class/Animation Clip/PPT Data/Animation Clip Example.pptx
+++ b/Assets/Class/Animation Clip/PPT Data/Animation Clip Example.pptx
@@ -2,7 +2,7 @@
 <file path=ppt/presentation.xml><?xml version="1.0" encoding="utf-8"?>
 <p:presentation xmlns:a="http://schemas.openxmlformats.org/drawingml/2006/main" xmlns:r="http://schemas.openxmlformats.org/officeDocument/2006/relationships" xmlns:p="http://schemas.openxmlformats.org/presentationml/2006/main" xmlns:p14="http://schemas.microsoft.com/office/powerpoint/2010/main" saveSubsetFonts="1" firstSlideNum="0">
   <p:sldMasterIdLst>
-    <p:sldMasterId id="2147486870" r:id="rId12"/>
+    <p:sldMasterId id="2147486893" r:id="rId12"/>
   </p:sldMasterIdLst>
   <p:notesMasterIdLst>
     <p:notesMasterId r:id="rId14"/>
@@ -17,6 +17,9 @@
     <p:sldId id="324" r:id="rId22"/>
     <p:sldId id="325" r:id="rId23"/>
     <p:sldId id="326" r:id="rId24"/>
+    <p:sldId id="328" r:id="rId25"/>
+    <p:sldId id="329" r:id="rId26"/>
+    <p:sldId id="330" r:id="rId27"/>
   </p:sldIdLst>
   <p:sldSz cx="12192000" cy="6858000"/>
   <p:notesSz cx="6858000" cy="9144000"/>
@@ -617,6 +620,432 @@
 </p:notes>
 </file>
 
+<file path=ppt/notesSlides/notesSlide10.xml><?xml version="1.0" encoding="utf-8"?>
+<p:notes xmlns:a="http://schemas.openxmlformats.org/drawingml/2006/main" xmlns:r="http://schemas.openxmlformats.org/officeDocument/2006/relationships" xmlns:p="http://schemas.openxmlformats.org/presentationml/2006/main">
+  <p:cSld>
+    <p:spTree>
+      <p:nvGrpSpPr>
+        <p:cNvPr id="1" name=""/>
+        <p:cNvGrpSpPr/>
+        <p:nvPr/>
+      </p:nvGrpSpPr>
+      <p:grpSpPr>
+        <a:xfrm>
+          <a:off x="0" y="0"/>
+          <a:ext cx="0" cy="0"/>
+          <a:chOff x="0" y="0"/>
+          <a:chExt cx="0" cy="0"/>
+        </a:xfrm>
+      </p:grpSpPr>
+      <p:sp>
+        <p:nvSpPr>
+          <p:cNvPr id="2" name="슬라이드 이미지 개체 틀 3"/>
+          <p:cNvSpPr>
+            <a:spLocks noChangeAspect="1"/>
+          </p:cNvSpPr>
+          <p:nvPr>
+            <p:ph type="sldImg" idx="2"/>
+          </p:nvPr>
+        </p:nvSpPr>
+        <p:spPr>
+          <a:xfrm rot="0">
+            <a:off x="685800" y="1143000"/>
+            <a:ext cx="5495290" cy="3094990"/>
+          </a:xfrm>
+          <a:prstGeom prst="rect"/>
+          <a:noFill/>
+          <a:ln w="12700" cap="flat" cmpd="sng">
+            <a:solidFill>
+              <a:srgbClr val="000000">
+                <a:alpha val="100000"/>
+              </a:srgbClr>
+            </a:solidFill>
+            <a:prstDash val="solid"/>
+          </a:ln>
+        </p:spPr>
+        <p:txBody>
+          <a:bodyPr wrap="square" lIns="91440" tIns="45720" rIns="91440" bIns="45720" numCol="1" vert="horz" anchor="ctr">
+            <a:noAutofit/>
+          </a:bodyPr>
+          <a:lstStyle/>
+          <a:p>
+            <a:pPr marL="0" indent="0" latinLnBrk="0">
+              <a:buFontTx/>
+              <a:buNone/>
+            </a:pPr>
+          </a:p>
+        </p:txBody>
+      </p:sp>
+      <p:sp>
+        <p:nvSpPr>
+          <p:cNvPr id="3" name="슬라이드 노트 개체 틀 4"/>
+          <p:cNvSpPr txBox="1">
+            <a:spLocks/>
+          </p:cNvSpPr>
+          <p:nvPr>
+            <p:ph type="body" idx="3"/>
+          </p:nvPr>
+        </p:nvSpPr>
+        <p:spPr>
+          <a:xfrm rot="0">
+            <a:off x="685800" y="4400550"/>
+            <a:ext cx="5495290" cy="3609340"/>
+          </a:xfrm>
+          <a:prstGeom prst="rect"/>
+        </p:spPr>
+        <p:txBody>
+          <a:bodyPr wrap="square" lIns="91440" tIns="45720" rIns="91440" bIns="45720" numCol="1" vert="horz" anchor="t">
+            <a:noAutofit/>
+          </a:bodyPr>
+          <a:lstStyle/>
+          <a:p>
+            <a:pPr marL="0" indent="0" latinLnBrk="0">
+              <a:buFontTx/>
+              <a:buNone/>
+            </a:pPr>
+          </a:p>
+        </p:txBody>
+      </p:sp>
+      <p:sp>
+        <p:nvSpPr>
+          <p:cNvPr id="4" name="슬라이드 번호 개체 틀 6"/>
+          <p:cNvSpPr txBox="1">
+            <a:spLocks/>
+          </p:cNvSpPr>
+          <p:nvPr>
+            <p:ph type="sldNum" idx="5"/>
+          </p:nvPr>
+        </p:nvSpPr>
+        <p:spPr>
+          <a:xfrm rot="0">
+            <a:off x="3884930" y="8685530"/>
+            <a:ext cx="2980690" cy="467360"/>
+          </a:xfrm>
+          <a:prstGeom prst="rect"/>
+        </p:spPr>
+        <p:txBody>
+          <a:bodyPr wrap="square" lIns="91440" tIns="45720" rIns="91440" bIns="45720" numCol="1" vert="horz" anchor="b">
+            <a:noAutofit/>
+          </a:bodyPr>
+          <a:lstStyle>
+            <a:lvl1pPr marL="0" indent="0" algn="r" latinLnBrk="0">
+              <a:buFontTx/>
+              <a:buNone/>
+              <a:defRPr lang="en-GB" altLang="en-US" sz="1200"/>
+            </a:lvl1pPr>
+          </a:lstStyle>
+          <a:p>
+            <a:pPr marL="0" indent="0" latinLnBrk="0">
+              <a:buFontTx/>
+              <a:buNone/>
+            </a:pPr>
+            <a:fld id="{B9320F77-B9A0-41C5-862A-B4B631284C64}" type="slidenum">
+              <a:rPr lang="ko-KR" altLang="en-US"/>
+              <a:t>‹#›</a:t>
+            </a:fld>
+          </a:p>
+        </p:txBody>
+      </p:sp>
+    </p:spTree>
+  </p:cSld>
+  <p:clrMapOvr>
+    <a:masterClrMapping/>
+  </p:clrMapOvr>
+  <mc:AlternateContent xmlns:mc="http://schemas.openxmlformats.org/markup-compatibility/2006">
+    <mc:Choice xmlns:p14="http://schemas.microsoft.com/office/powerpoint/2010/main" Requires="p14">
+      <p:transition spd="slow" p14:dur="0"/>
+    </mc:Choice>
+    <mc:Fallback>
+      <p:transition spd="slow"/>
+    </mc:Fallback>
+  </mc:AlternateContent>
+</p:notes>
+</file>
+
+<file path=ppt/notesSlides/notesSlide11.xml><?xml version="1.0" encoding="utf-8"?>
+<p:notes xmlns:a="http://schemas.openxmlformats.org/drawingml/2006/main" xmlns:r="http://schemas.openxmlformats.org/officeDocument/2006/relationships" xmlns:p="http://schemas.openxmlformats.org/presentationml/2006/main">
+  <p:cSld>
+    <p:spTree>
+      <p:nvGrpSpPr>
+        <p:cNvPr id="1" name=""/>
+        <p:cNvGrpSpPr/>
+        <p:nvPr/>
+      </p:nvGrpSpPr>
+      <p:grpSpPr>
+        <a:xfrm>
+          <a:off x="0" y="0"/>
+          <a:ext cx="0" cy="0"/>
+          <a:chOff x="0" y="0"/>
+          <a:chExt cx="0" cy="0"/>
+        </a:xfrm>
+      </p:grpSpPr>
+      <p:sp>
+        <p:nvSpPr>
+          <p:cNvPr id="2" name="슬라이드 이미지 개체 틀 3"/>
+          <p:cNvSpPr>
+            <a:spLocks noChangeAspect="1"/>
+          </p:cNvSpPr>
+          <p:nvPr>
+            <p:ph type="sldImg" idx="2"/>
+          </p:nvPr>
+        </p:nvSpPr>
+        <p:spPr>
+          <a:xfrm rot="0">
+            <a:off x="685800" y="1143000"/>
+            <a:ext cx="5495925" cy="3095625"/>
+          </a:xfrm>
+          <a:prstGeom prst="rect"/>
+          <a:noFill/>
+          <a:ln w="12700" cap="flat" cmpd="sng">
+            <a:solidFill>
+              <a:srgbClr val="000000">
+                <a:alpha val="100000"/>
+              </a:srgbClr>
+            </a:solidFill>
+            <a:prstDash val="solid"/>
+          </a:ln>
+        </p:spPr>
+        <p:txBody>
+          <a:bodyPr wrap="square" lIns="91440" tIns="45720" rIns="91440" bIns="45720" numCol="1" vert="horz" anchor="ctr">
+            <a:noAutofit/>
+          </a:bodyPr>
+          <a:lstStyle/>
+          <a:p>
+            <a:pPr marL="0" indent="0" latinLnBrk="0">
+              <a:buFontTx/>
+              <a:buNone/>
+            </a:pPr>
+          </a:p>
+        </p:txBody>
+      </p:sp>
+      <p:sp>
+        <p:nvSpPr>
+          <p:cNvPr id="3" name="슬라이드 노트 개체 틀 4"/>
+          <p:cNvSpPr txBox="1">
+            <a:spLocks/>
+          </p:cNvSpPr>
+          <p:nvPr>
+            <p:ph type="body" idx="3"/>
+          </p:nvPr>
+        </p:nvSpPr>
+        <p:spPr>
+          <a:xfrm rot="0">
+            <a:off x="685800" y="4400550"/>
+            <a:ext cx="5495925" cy="3609975"/>
+          </a:xfrm>
+          <a:prstGeom prst="rect"/>
+        </p:spPr>
+        <p:txBody>
+          <a:bodyPr wrap="square" lIns="91440" tIns="45720" rIns="91440" bIns="45720" numCol="1" vert="horz" anchor="t">
+            <a:noAutofit/>
+          </a:bodyPr>
+          <a:lstStyle/>
+          <a:p>
+            <a:pPr marL="0" indent="0" latinLnBrk="0">
+              <a:buFontTx/>
+              <a:buNone/>
+            </a:pPr>
+          </a:p>
+        </p:txBody>
+      </p:sp>
+      <p:sp>
+        <p:nvSpPr>
+          <p:cNvPr id="4" name="슬라이드 번호 개체 틀 6"/>
+          <p:cNvSpPr txBox="1">
+            <a:spLocks/>
+          </p:cNvSpPr>
+          <p:nvPr>
+            <p:ph type="sldNum" idx="5"/>
+          </p:nvPr>
+        </p:nvSpPr>
+        <p:spPr>
+          <a:xfrm rot="0">
+            <a:off x="3884930" y="8685530"/>
+            <a:ext cx="2981325" cy="467995"/>
+          </a:xfrm>
+          <a:prstGeom prst="rect"/>
+        </p:spPr>
+        <p:txBody>
+          <a:bodyPr wrap="square" lIns="91440" tIns="45720" rIns="91440" bIns="45720" numCol="1" vert="horz" anchor="b">
+            <a:noAutofit/>
+          </a:bodyPr>
+          <a:lstStyle>
+            <a:lvl1pPr marL="0" indent="0" algn="r" latinLnBrk="0">
+              <a:buFontTx/>
+              <a:buNone/>
+              <a:defRPr lang="en-GB" altLang="en-US" sz="1200"/>
+            </a:lvl1pPr>
+          </a:lstStyle>
+          <a:p>
+            <a:pPr marL="0" indent="0" latinLnBrk="0">
+              <a:buFontTx/>
+              <a:buNone/>
+            </a:pPr>
+            <a:fld id="{B9320F77-B9A0-41C5-862A-B4B631284C64}" type="slidenum">
+              <a:rPr lang="ko-KR" altLang="en-US"/>
+              <a:t>‹#›</a:t>
+            </a:fld>
+          </a:p>
+        </p:txBody>
+      </p:sp>
+    </p:spTree>
+  </p:cSld>
+  <p:clrMapOvr>
+    <a:masterClrMapping/>
+  </p:clrMapOvr>
+  <mc:AlternateContent xmlns:mc="http://schemas.openxmlformats.org/markup-compatibility/2006">
+    <mc:Choice xmlns:p14="http://schemas.microsoft.com/office/powerpoint/2010/main" Requires="p14">
+      <p:transition spd="slow" p14:dur="0"/>
+    </mc:Choice>
+    <mc:Fallback>
+      <p:transition spd="slow"/>
+    </mc:Fallback>
+  </mc:AlternateContent>
+</p:notes>
+</file>
+
+<file path=ppt/notesSlides/notesSlide12.xml><?xml version="1.0" encoding="utf-8"?>
+<p:notes xmlns:a="http://schemas.openxmlformats.org/drawingml/2006/main" xmlns:r="http://schemas.openxmlformats.org/officeDocument/2006/relationships" xmlns:p="http://schemas.openxmlformats.org/presentationml/2006/main">
+  <p:cSld>
+    <p:spTree>
+      <p:nvGrpSpPr>
+        <p:cNvPr id="1" name=""/>
+        <p:cNvGrpSpPr/>
+        <p:nvPr/>
+      </p:nvGrpSpPr>
+      <p:grpSpPr>
+        <a:xfrm>
+          <a:off x="0" y="0"/>
+          <a:ext cx="0" cy="0"/>
+          <a:chOff x="0" y="0"/>
+          <a:chExt cx="0" cy="0"/>
+        </a:xfrm>
+      </p:grpSpPr>
+      <p:sp>
+        <p:nvSpPr>
+          <p:cNvPr id="2" name="슬라이드 이미지 개체 틀 3"/>
+          <p:cNvSpPr>
+            <a:spLocks noChangeAspect="1"/>
+          </p:cNvSpPr>
+          <p:nvPr>
+            <p:ph type="sldImg" idx="2"/>
+          </p:nvPr>
+        </p:nvSpPr>
+        <p:spPr>
+          <a:xfrm rot="0">
+            <a:off x="685800" y="1143000"/>
+            <a:ext cx="5495925" cy="3095625"/>
+          </a:xfrm>
+          <a:prstGeom prst="rect"/>
+          <a:noFill/>
+          <a:ln w="12700" cap="flat" cmpd="sng">
+            <a:solidFill>
+              <a:srgbClr val="000000">
+                <a:alpha val="100000"/>
+              </a:srgbClr>
+            </a:solidFill>
+            <a:prstDash val="solid"/>
+          </a:ln>
+        </p:spPr>
+        <p:txBody>
+          <a:bodyPr wrap="square" lIns="91440" tIns="45720" rIns="91440" bIns="45720" numCol="1" vert="horz" anchor="ctr">
+            <a:noAutofit/>
+          </a:bodyPr>
+          <a:lstStyle/>
+          <a:p>
+            <a:pPr marL="0" indent="0" latinLnBrk="0">
+              <a:buFontTx/>
+              <a:buNone/>
+            </a:pPr>
+          </a:p>
+        </p:txBody>
+      </p:sp>
+      <p:sp>
+        <p:nvSpPr>
+          <p:cNvPr id="3" name="슬라이드 노트 개체 틀 4"/>
+          <p:cNvSpPr txBox="1">
+            <a:spLocks/>
+          </p:cNvSpPr>
+          <p:nvPr>
+            <p:ph type="body" idx="3"/>
+          </p:nvPr>
+        </p:nvSpPr>
+        <p:spPr>
+          <a:xfrm rot="0">
+            <a:off x="685800" y="4400550"/>
+            <a:ext cx="5495925" cy="3609975"/>
+          </a:xfrm>
+          <a:prstGeom prst="rect"/>
+        </p:spPr>
+        <p:txBody>
+          <a:bodyPr wrap="square" lIns="91440" tIns="45720" rIns="91440" bIns="45720" numCol="1" vert="horz" anchor="t">
+            <a:noAutofit/>
+          </a:bodyPr>
+          <a:lstStyle/>
+          <a:p>
+            <a:pPr marL="0" indent="0" latinLnBrk="0">
+              <a:buFontTx/>
+              <a:buNone/>
+            </a:pPr>
+          </a:p>
+        </p:txBody>
+      </p:sp>
+      <p:sp>
+        <p:nvSpPr>
+          <p:cNvPr id="4" name="슬라이드 번호 개체 틀 6"/>
+          <p:cNvSpPr txBox="1">
+            <a:spLocks/>
+          </p:cNvSpPr>
+          <p:nvPr>
+            <p:ph type="sldNum" idx="5"/>
+          </p:nvPr>
+        </p:nvSpPr>
+        <p:spPr>
+          <a:xfrm rot="0">
+            <a:off x="3884930" y="8685530"/>
+            <a:ext cx="2981325" cy="467995"/>
+          </a:xfrm>
+          <a:prstGeom prst="rect"/>
+        </p:spPr>
+        <p:txBody>
+          <a:bodyPr wrap="square" lIns="91440" tIns="45720" rIns="91440" bIns="45720" numCol="1" vert="horz" anchor="b">
+            <a:noAutofit/>
+          </a:bodyPr>
+          <a:lstStyle>
+            <a:lvl1pPr marL="0" indent="0" algn="r" latinLnBrk="0">
+              <a:buFontTx/>
+              <a:buNone/>
+              <a:defRPr lang="en-GB" altLang="en-US" sz="1200"/>
+            </a:lvl1pPr>
+          </a:lstStyle>
+          <a:p>
+            <a:pPr marL="0" indent="0" latinLnBrk="0">
+              <a:buFontTx/>
+              <a:buNone/>
+            </a:pPr>
+            <a:fld id="{B9320F77-B9A0-41C5-862A-B4B631284C64}" type="slidenum">
+              <a:rPr lang="ko-KR" altLang="en-US"/>
+              <a:t>‹#›</a:t>
+            </a:fld>
+          </a:p>
+        </p:txBody>
+      </p:sp>
+    </p:spTree>
+  </p:cSld>
+  <p:clrMapOvr>
+    <a:masterClrMapping/>
+  </p:clrMapOvr>
+  <mc:AlternateContent xmlns:mc="http://schemas.openxmlformats.org/markup-compatibility/2006">
+    <mc:Choice xmlns:p14="http://schemas.microsoft.com/office/powerpoint/2010/main" Requires="p14">
+      <p:transition spd="slow" p14:dur="0"/>
+    </mc:Choice>
+    <mc:Fallback>
+      <p:transition spd="slow"/>
+    </mc:Fallback>
+  </mc:AlternateContent>
+</p:notes>
+</file>
+
 <file path=ppt/notesSlides/notesSlide2.xml><?xml version="1.0" encoding="utf-8"?>
 <p:notes xmlns:a="http://schemas.openxmlformats.org/drawingml/2006/main" xmlns:r="http://schemas.openxmlformats.org/officeDocument/2006/relationships" xmlns:p="http://schemas.openxmlformats.org/presentationml/2006/main">
   <p:cSld>
@@ -6708,7 +7137,7 @@
       </p:sp>
       <p:pic>
         <p:nvPicPr>
-          <p:cNvPr id="35" name="그림 1" descr="C:/Users/Admin1/AppData/Roaming/PolarisOffice/ETemp/23328_19313576/fImage1850021841.png"/>
+          <p:cNvPr id="35" name="그림 1"/>
           <p:cNvPicPr>
             <a:picLocks noChangeAspect="1"/>
           </p:cNvPicPr>
@@ -6814,7 +7243,7 @@
       </p:sp>
       <p:pic>
         <p:nvPicPr>
-          <p:cNvPr id="37" name="그림 7" descr="C:/Users/Admin1/AppData/Roaming/PolarisOffice/ETemp/23328_19313576/fImage191382218467.png"/>
+          <p:cNvPr id="37" name="그림 7"/>
           <p:cNvPicPr>
             <a:picLocks noChangeAspect="1"/>
           </p:cNvPicPr>
@@ -6943,7 +7372,7 @@
       </p:sp>
       <p:pic>
         <p:nvPicPr>
-          <p:cNvPr id="43" name="그림 5" descr="C:/Users/Admin1/AppData/Roaming/PolarisOffice/ETemp/23328_19313576/fImage351314041.png"/>
+          <p:cNvPr id="43" name="그림 5"/>
           <p:cNvPicPr>
             <a:picLocks noChangeAspect="1"/>
           </p:cNvPicPr>
@@ -6974,7 +7403,7 @@
       </p:pic>
       <p:pic>
         <p:nvPicPr>
-          <p:cNvPr id="44" name="그림 11" descr="C:/Users/Admin1/AppData/Roaming/PolarisOffice/ETemp/23328_19313576/fImage47872308467.png"/>
+          <p:cNvPr id="44" name="그림 11"/>
           <p:cNvPicPr>
             <a:picLocks noChangeAspect="1"/>
           </p:cNvPicPr>
@@ -7026,7 +7455,521 @@
 </p:sld>
 </file>
 
-<file path=ppt/slides/slide2.xml><?xml version="1.0" encoding="utf-8"?>
+<file path=ppt/slides/slide10.xml><?xml version="1.0" encoding="utf-8"?>
+<p:sld xmlns:a="http://schemas.openxmlformats.org/drawingml/2006/main" xmlns:r="http://schemas.openxmlformats.org/officeDocument/2006/relationships" xmlns:p="http://schemas.openxmlformats.org/presentationml/2006/main" xmlns:p14="http://schemas.microsoft.com/office/powerpoint/2010/main">
+  <p:cSld>
+    <p:spTree>
+      <p:nvGrpSpPr>
+        <p:cNvPr id="1" name=""/>
+        <p:cNvGrpSpPr/>
+        <p:nvPr/>
+      </p:nvGrpSpPr>
+      <p:grpSpPr>
+        <a:xfrm>
+          <a:off x="0" y="0"/>
+          <a:ext cx="0" cy="0"/>
+          <a:chOff x="0" y="0"/>
+          <a:chExt cx="0" cy="0"/>
+        </a:xfrm>
+      </p:grpSpPr>
+      <p:sp>
+        <p:nvSpPr>
+          <p:cNvPr id="22" name="Rect 0"/>
+          <p:cNvSpPr txBox="1">
+            <a:spLocks/>
+          </p:cNvSpPr>
+          <p:nvPr/>
+        </p:nvSpPr>
+        <p:spPr>
+          <a:xfrm rot="0">
+            <a:off x="4349750" y="452755"/>
+            <a:ext cx="3499485" cy="554990"/>
+          </a:xfrm>
+          <a:prstGeom prst="rect"/>
+          <a:noFill/>
+          <a:ln w="0">
+            <a:noFill/>
+            <a:prstDash/>
+          </a:ln>
+        </p:spPr>
+        <p:txBody>
+          <a:bodyPr wrap="square" lIns="89535" tIns="46355" rIns="89535" bIns="46355" numCol="1" vert="horz" anchor="t">
+            <a:spAutoFit/>
+          </a:bodyPr>
+          <a:lstStyle/>
+          <a:p>
+            <a:pPr marL="0" indent="0" algn="l" latinLnBrk="0" hangingPunct="1">
+              <a:buFontTx/>
+              <a:buNone/>
+            </a:pPr>
+            <a:r>
+              <a:rPr lang="ko-KR" sz="3000" b="1">
+                <a:latin typeface="맑은 고딕" charset="0"/>
+                <a:ea typeface="맑은 고딕" charset="0"/>
+              </a:rPr>
+              <a:t>열</a:t>
+            </a:r>
+            <a:r>
+              <a:rPr lang="ko-KR" sz="3000" b="1">
+                <a:latin typeface="맑은 고딕" charset="0"/>
+                <a:ea typeface="맑은 고딕" charset="0"/>
+              </a:rPr>
+              <a:t> 번째 튜토리얼 </a:t>
+            </a:r>
+            <a:endParaRPr lang="ko-KR" altLang="en-US" sz="3000" b="1">
+              <a:latin typeface="맑은 고딕" charset="0"/>
+              <a:ea typeface="맑은 고딕" charset="0"/>
+            </a:endParaRPr>
+          </a:p>
+        </p:txBody>
+      </p:sp>
+      <p:sp>
+        <p:nvSpPr>
+          <p:cNvPr id="83" name="Rect 0"/>
+          <p:cNvSpPr txBox="1">
+            <a:spLocks/>
+          </p:cNvSpPr>
+          <p:nvPr/>
+        </p:nvSpPr>
+        <p:spPr>
+          <a:xfrm rot="0">
+            <a:off x="6701790" y="5495290"/>
+            <a:ext cx="4157345" cy="677545"/>
+          </a:xfrm>
+          <a:prstGeom prst="rect"/>
+          <a:noFill/>
+          <a:ln w="0">
+            <a:noFill/>
+            <a:prstDash/>
+          </a:ln>
+        </p:spPr>
+        <p:txBody>
+          <a:bodyPr wrap="square" lIns="89535" tIns="46355" rIns="89535" bIns="46355" numCol="1" vert="horz" anchor="t">
+            <a:spAutoFit/>
+          </a:bodyPr>
+          <a:lstStyle/>
+          <a:p>
+            <a:pPr marL="0" indent="0" algn="l" latinLnBrk="0" hangingPunct="1">
+              <a:buFontTx/>
+              <a:buNone/>
+            </a:pPr>
+            <a:r>
+              <a:rPr lang="ko-KR" sz="2000" b="1">
+                <a:solidFill>
+                  <a:srgbClr val="0611F2"/>
+                </a:solidFill>
+                <a:latin typeface="맑은 고딕" charset="0"/>
+                <a:ea typeface="맑은 고딕" charset="0"/>
+              </a:rPr>
+              <a:t>25</a:t>
+            </a:r>
+            <a:r>
+              <a:rPr lang="ko-KR" sz="2000" b="1">
+                <a:solidFill>
+                  <a:srgbClr val="0611F2"/>
+                </a:solidFill>
+                <a:latin typeface="맑은 고딕" charset="0"/>
+                <a:ea typeface="맑은 고딕" charset="0"/>
+              </a:rPr>
+              <a:t>.</a:t>
+            </a:r>
+            <a:r>
+              <a:rPr lang="ko-KR" sz="2000">
+                <a:solidFill>
+                  <a:srgbClr val="0611F2"/>
+                </a:solidFill>
+                <a:latin typeface="맑은 고딕" charset="0"/>
+                <a:ea typeface="맑은 고딕" charset="0"/>
+              </a:rPr>
+              <a:t> </a:t>
+            </a:r>
+            <a:r>
+              <a:rPr lang="ko-KR" sz="1800">
+                <a:latin typeface="맑은 고딕" charset="0"/>
+                <a:ea typeface="맑은 고딕" charset="0"/>
+              </a:rPr>
+              <a:t>그다음으로 UI에 Text를 생성하고 File Data라는 이름으로 정의합니다.</a:t>
+            </a:r>
+            <a:endParaRPr lang="ko-KR" altLang="en-US" sz="1800">
+              <a:latin typeface="맑은 고딕" charset="0"/>
+              <a:ea typeface="맑은 고딕" charset="0"/>
+            </a:endParaRPr>
+          </a:p>
+        </p:txBody>
+      </p:sp>
+      <p:pic>
+        <p:nvPicPr>
+          <p:cNvPr id="84" name="그림 20"/>
+          <p:cNvPicPr>
+            <a:picLocks noChangeAspect="1"/>
+          </p:cNvPicPr>
+          <p:nvPr/>
+        </p:nvPicPr>
+        <p:blipFill rotWithShape="1">
+          <a:blip r:embed="rId2" cstate="print">
+            <a:extLst>
+              <a:ext uri="{28A0092B-C50C-407E-A947-70E740481C1C}">
+                <a14:useLocalDpi xmlns:a14="http://schemas.microsoft.com/office/drawing/2010/main" val="0"/>
+              </a:ext>
+            </a:extLst>
+          </a:blip>
+          <a:stretch>
+            <a:fillRect/>
+          </a:stretch>
+        </p:blipFill>
+        <p:spPr>
+          <a:xfrm rot="0">
+            <a:off x="1238250" y="1494790"/>
+            <a:ext cx="4140200" cy="1086485"/>
+          </a:xfrm>
+          <a:prstGeom prst="roundRect"/>
+          <a:solidFill>
+            <a:srgbClr val="EDEDED"/>
+          </a:solidFill>
+        </p:spPr>
+      </p:pic>
+      <p:sp>
+        <p:nvSpPr>
+          <p:cNvPr id="85" name="텍스트 상자 23"/>
+          <p:cNvSpPr txBox="1">
+            <a:spLocks/>
+          </p:cNvSpPr>
+          <p:nvPr/>
+        </p:nvSpPr>
+        <p:spPr>
+          <a:xfrm rot="0">
+            <a:off x="1238250" y="2657475"/>
+            <a:ext cx="4131310" cy="954405"/>
+          </a:xfrm>
+          <a:prstGeom prst="rect"/>
+          <a:noFill/>
+          <a:ln w="0">
+            <a:noFill/>
+            <a:prstDash/>
+          </a:ln>
+        </p:spPr>
+        <p:txBody>
+          <a:bodyPr wrap="square" lIns="89535" tIns="46355" rIns="89535" bIns="46355" numCol="1" vert="horz" anchor="t">
+            <a:spAutoFit/>
+          </a:bodyPr>
+          <a:lstStyle/>
+          <a:p>
+            <a:pPr marL="0" indent="0" algn="l" latinLnBrk="0" hangingPunct="1">
+              <a:buFontTx/>
+              <a:buNone/>
+            </a:pPr>
+            <a:r>
+              <a:rPr lang="ko-KR" sz="2000" b="1">
+                <a:solidFill>
+                  <a:srgbClr val="0611F2"/>
+                </a:solidFill>
+                <a:latin typeface="맑은 고딕" charset="0"/>
+                <a:ea typeface="맑은 고딕" charset="0"/>
+              </a:rPr>
+              <a:t>23</a:t>
+            </a:r>
+            <a:r>
+              <a:rPr lang="ko-KR" sz="2000" b="1">
+                <a:solidFill>
+                  <a:srgbClr val="0611F2"/>
+                </a:solidFill>
+                <a:latin typeface="맑은 고딕" charset="0"/>
+                <a:ea typeface="맑은 고딕" charset="0"/>
+              </a:rPr>
+              <a:t>.</a:t>
+            </a:r>
+            <a:r>
+              <a:rPr lang="ko-KR" sz="2000">
+                <a:solidFill>
+                  <a:srgbClr val="0611F2"/>
+                </a:solidFill>
+                <a:latin typeface="맑은 고딕" charset="0"/>
+                <a:ea typeface="맑은 고딕" charset="0"/>
+              </a:rPr>
+              <a:t> </a:t>
+            </a:r>
+            <a:r>
+              <a:rPr lang="ko-KR" sz="1800">
+                <a:latin typeface="맑은 고딕" charset="0"/>
+                <a:ea typeface="맑은 고딕" charset="0"/>
+              </a:rPr>
+              <a:t>그런 다음 Open Button의 On Click( )</a:t>
+            </a:r>
+            <a:r>
+              <a:rPr lang="ko-KR" sz="1800">
+                <a:latin typeface="맑은 고딕" charset="0"/>
+                <a:ea typeface="맑은 고딕" charset="0"/>
+              </a:rPr>
+              <a:t> </a:t>
+            </a:r>
+            <a:r>
+              <a:rPr lang="ko-KR" sz="1800">
+                <a:latin typeface="맑은 고딕" charset="0"/>
+                <a:ea typeface="맑은 고딕" charset="0"/>
+              </a:rPr>
+              <a:t>함수에 자기 자신을 넣어주고 함수를 지정합니다.</a:t>
+            </a:r>
+            <a:endParaRPr lang="ko-KR" altLang="en-US" sz="1800">
+              <a:latin typeface="맑은 고딕" charset="0"/>
+              <a:ea typeface="맑은 고딕" charset="0"/>
+            </a:endParaRPr>
+          </a:p>
+        </p:txBody>
+      </p:sp>
+      <p:pic>
+        <p:nvPicPr>
+          <p:cNvPr id="86" name="그림 24"/>
+          <p:cNvPicPr>
+            <a:picLocks noChangeAspect="1"/>
+          </p:cNvPicPr>
+          <p:nvPr/>
+        </p:nvPicPr>
+        <p:blipFill rotWithShape="1">
+          <a:blip r:embed="rId3" cstate="print">
+            <a:extLst>
+              <a:ext uri="{28A0092B-C50C-407E-A947-70E740481C1C}">
+                <a14:useLocalDpi xmlns:a14="http://schemas.microsoft.com/office/drawing/2010/main" val="0"/>
+              </a:ext>
+            </a:extLst>
+          </a:blip>
+          <a:stretch>
+            <a:fillRect/>
+          </a:stretch>
+        </p:blipFill>
+        <p:spPr>
+          <a:xfrm rot="0">
+            <a:off x="6705600" y="1506220"/>
+            <a:ext cx="2707640" cy="3811270"/>
+          </a:xfrm>
+          <a:prstGeom prst="roundRect"/>
+          <a:solidFill>
+            <a:srgbClr val="EDEDED"/>
+          </a:solidFill>
+        </p:spPr>
+      </p:pic>
+      <p:pic>
+        <p:nvPicPr>
+          <p:cNvPr id="87" name="그림 27"/>
+          <p:cNvPicPr>
+            <a:picLocks noChangeAspect="1"/>
+          </p:cNvPicPr>
+          <p:nvPr/>
+        </p:nvPicPr>
+        <p:blipFill rotWithShape="1">
+          <a:blip r:embed="rId4" cstate="print">
+            <a:extLst>
+              <a:ext uri="{28A0092B-C50C-407E-A947-70E740481C1C}">
+                <a14:useLocalDpi xmlns:a14="http://schemas.microsoft.com/office/drawing/2010/main" val="0"/>
+              </a:ext>
+            </a:extLst>
+          </a:blip>
+          <a:stretch>
+            <a:fillRect/>
+          </a:stretch>
+        </p:blipFill>
+        <p:spPr>
+          <a:xfrm rot="0">
+            <a:off x="9602470" y="2251710"/>
+            <a:ext cx="1257300" cy="2364105"/>
+          </a:xfrm>
+          <a:prstGeom prst="roundRect"/>
+          <a:solidFill>
+            <a:srgbClr val="EDEDED"/>
+          </a:solidFill>
+        </p:spPr>
+      </p:pic>
+      <p:pic>
+        <p:nvPicPr>
+          <p:cNvPr id="88" name="그림 30"/>
+          <p:cNvPicPr>
+            <a:picLocks noChangeAspect="1"/>
+          </p:cNvPicPr>
+          <p:nvPr/>
+        </p:nvPicPr>
+        <p:blipFill rotWithShape="1">
+          <a:blip r:embed="rId5" cstate="print">
+            <a:extLst>
+              <a:ext uri="{28A0092B-C50C-407E-A947-70E740481C1C}">
+                <a14:useLocalDpi xmlns:a14="http://schemas.microsoft.com/office/drawing/2010/main" val="0"/>
+              </a:ext>
+            </a:extLst>
+          </a:blip>
+          <a:stretch>
+            <a:fillRect/>
+          </a:stretch>
+        </p:blipFill>
+        <p:spPr>
+          <a:xfrm rot="0">
+            <a:off x="4572000" y="4044950"/>
+            <a:ext cx="802640" cy="1021715"/>
+          </a:xfrm>
+          <a:prstGeom prst="roundRect"/>
+          <a:solidFill>
+            <a:srgbClr val="EDEDED"/>
+          </a:solidFill>
+        </p:spPr>
+      </p:pic>
+      <p:pic>
+        <p:nvPicPr>
+          <p:cNvPr id="89" name="그림 33"/>
+          <p:cNvPicPr>
+            <a:picLocks noChangeAspect="1"/>
+          </p:cNvPicPr>
+          <p:nvPr/>
+        </p:nvPicPr>
+        <p:blipFill rotWithShape="1">
+          <a:blip r:embed="rId6" cstate="print">
+            <a:extLst>
+              <a:ext uri="{28A0092B-C50C-407E-A947-70E740481C1C}">
+                <a14:useLocalDpi xmlns:a14="http://schemas.microsoft.com/office/drawing/2010/main" val="0"/>
+              </a:ext>
+            </a:extLst>
+          </a:blip>
+          <a:stretch>
+            <a:fillRect/>
+          </a:stretch>
+        </p:blipFill>
+        <p:spPr>
+          <a:xfrm rot="0">
+            <a:off x="1242695" y="3759835"/>
+            <a:ext cx="2810510" cy="1593215"/>
+          </a:xfrm>
+          <a:prstGeom prst="roundRect"/>
+          <a:solidFill>
+            <a:srgbClr val="EDEDED"/>
+          </a:solidFill>
+        </p:spPr>
+      </p:pic>
+      <p:cxnSp>
+        <p:nvCxnSpPr>
+          <p:cNvPr id="90" name="도형 36"/>
+          <p:cNvCxnSpPr/>
+          <p:nvPr/>
+        </p:nvCxnSpPr>
+        <p:spPr>
+          <a:xfrm rot="0" flipH="1">
+            <a:off x="3446780" y="4555490"/>
+            <a:ext cx="1125855" cy="615950"/>
+          </a:xfrm>
+          <a:prstGeom prst="straightConnector1"/>
+          <a:ln w="6350" cap="flat" cmpd="sng">
+            <a:prstDash/>
+            <a:tailEnd type="triangle" w="med" len="med"/>
+          </a:ln>
+        </p:spPr>
+        <p:style>
+          <a:lnRef idx="1">
+            <a:schemeClr val="accent1"/>
+          </a:lnRef>
+          <a:fillRef idx="0">
+            <a:schemeClr val="accent1"/>
+          </a:fillRef>
+          <a:effectRef idx="0">
+            <a:schemeClr val="accent1"/>
+          </a:effectRef>
+          <a:fontRef idx="minor">
+            <a:schemeClr val="tx1"/>
+          </a:fontRef>
+        </p:style>
+      </p:cxnSp>
+      <p:sp>
+        <p:nvSpPr>
+          <p:cNvPr id="91" name="텍스트 상자 37"/>
+          <p:cNvSpPr txBox="1">
+            <a:spLocks/>
+          </p:cNvSpPr>
+          <p:nvPr/>
+        </p:nvSpPr>
+        <p:spPr>
+          <a:xfrm rot="0">
+            <a:off x="1240790" y="5491480"/>
+            <a:ext cx="4131310" cy="677545"/>
+          </a:xfrm>
+          <a:prstGeom prst="rect"/>
+          <a:noFill/>
+          <a:ln w="0">
+            <a:noFill/>
+            <a:prstDash/>
+          </a:ln>
+        </p:spPr>
+        <p:txBody>
+          <a:bodyPr wrap="square" lIns="89535" tIns="46355" rIns="89535" bIns="46355" numCol="1" vert="horz" anchor="t">
+            <a:spAutoFit/>
+          </a:bodyPr>
+          <a:lstStyle/>
+          <a:p>
+            <a:pPr marL="0" indent="0" algn="l" latinLnBrk="0" hangingPunct="1">
+              <a:buFontTx/>
+              <a:buNone/>
+            </a:pPr>
+            <a:r>
+              <a:rPr lang="ko-KR" sz="2000" b="1">
+                <a:solidFill>
+                  <a:srgbClr val="0611F2"/>
+                </a:solidFill>
+                <a:latin typeface="맑은 고딕" charset="0"/>
+                <a:ea typeface="맑은 고딕" charset="0"/>
+              </a:rPr>
+              <a:t>24</a:t>
+            </a:r>
+            <a:r>
+              <a:rPr lang="ko-KR" sz="2000" b="1">
+                <a:solidFill>
+                  <a:srgbClr val="0611F2"/>
+                </a:solidFill>
+                <a:latin typeface="맑은 고딕" charset="0"/>
+                <a:ea typeface="맑은 고딕" charset="0"/>
+              </a:rPr>
+              <a:t>.</a:t>
+            </a:r>
+            <a:r>
+              <a:rPr lang="ko-KR" sz="2000">
+                <a:solidFill>
+                  <a:srgbClr val="0611F2"/>
+                </a:solidFill>
+                <a:latin typeface="맑은 고딕" charset="0"/>
+                <a:ea typeface="맑은 고딕" charset="0"/>
+              </a:rPr>
+              <a:t> </a:t>
+            </a:r>
+            <a:r>
+              <a:rPr lang="ko-KR" sz="1800">
+                <a:latin typeface="맑은 고딕" charset="0"/>
+                <a:ea typeface="맑은 고딕" charset="0"/>
+              </a:rPr>
+              <a:t>이제 FileLoad 스크립트를 생성하고 File Manager에 넣어줍니다.</a:t>
+            </a:r>
+            <a:endParaRPr lang="ko-KR" altLang="en-US" sz="1800">
+              <a:latin typeface="맑은 고딕" charset="0"/>
+              <a:ea typeface="맑은 고딕" charset="0"/>
+            </a:endParaRPr>
+          </a:p>
+        </p:txBody>
+      </p:sp>
+    </p:spTree>
+  </p:cSld>
+  <p:clrMapOvr>
+    <a:masterClrMapping/>
+  </p:clrMapOvr>
+  <mc:AlternateContent xmlns:mc="http://schemas.openxmlformats.org/markup-compatibility/2006">
+    <mc:Choice xmlns:p14="http://schemas.microsoft.com/office/powerpoint/2010/main" Requires="p14">
+      <p:transition spd="slow" p14:dur="2000"/>
+    </mc:Choice>
+    <mc:Fallback>
+      <p:transition spd="slow"/>
+    </mc:Fallback>
+  </mc:AlternateContent>
+  <p:timing>
+    <p:tnLst>
+      <p:par>
+        <p:cTn id="1" dur="indefinite" restart="never" nodeType="tmRoot"/>
+      </p:par>
+    </p:tnLst>
+  </p:timing>
+</p:sld>
+</file>
+
+<file path=ppt/slides/slide11.xml><?xml version="1.0" encoding="utf-8"?>
 <p:sld xmlns:a="http://schemas.openxmlformats.org/drawingml/2006/main" xmlns:r="http://schemas.openxmlformats.org/officeDocument/2006/relationships" xmlns:p="http://schemas.openxmlformats.org/presentationml/2006/main">
   <p:cSld>
     <p:spTree>
@@ -7053,8 +7996,8 @@
         </p:nvSpPr>
         <p:spPr>
           <a:xfrm rot="0">
-            <a:off x="4530725" y="424180"/>
-            <a:ext cx="3123565" cy="554990"/>
+            <a:off x="4349750" y="452755"/>
+            <a:ext cx="3500120" cy="554990"/>
           </a:xfrm>
           <a:prstGeom prst="rect"/>
           <a:noFill/>
@@ -7078,35 +8021,21 @@
                 <a:latin typeface="맑은 고딕" charset="0"/>
                 <a:ea typeface="맑은 고딕" charset="0"/>
               </a:rPr>
-              <a:t>두</a:t>
+              <a:t>열</a:t>
             </a:r>
             <a:r>
               <a:rPr lang="ko-KR" sz="3000" b="1">
                 <a:latin typeface="맑은 고딕" charset="0"/>
                 <a:ea typeface="맑은 고딕" charset="0"/>
               </a:rPr>
-              <a:t> </a:t>
+              <a:t>한</a:t>
             </a:r>
             <a:r>
               <a:rPr lang="ko-KR" sz="3000" b="1">
                 <a:latin typeface="맑은 고딕" charset="0"/>
                 <a:ea typeface="맑은 고딕" charset="0"/>
               </a:rPr>
-              <a:t>번째</a:t>
-            </a:r>
-            <a:r>
-              <a:rPr lang="ko-KR" sz="3000" b="1">
-                <a:latin typeface="맑은 고딕" charset="0"/>
-                <a:ea typeface="맑은 고딕" charset="0"/>
-              </a:rPr>
-              <a:t> </a:t>
-            </a:r>
-            <a:r>
-              <a:rPr lang="ko-KR" sz="3000" b="1">
-                <a:latin typeface="맑은 고딕" charset="0"/>
-                <a:ea typeface="맑은 고딕" charset="0"/>
-              </a:rPr>
-              <a:t>튜토리얼 </a:t>
+              <a:t> 번째 튜토리얼 </a:t>
             </a:r>
             <a:endParaRPr lang="ko-KR" altLang="en-US" sz="3000" b="1">
               <a:latin typeface="맑은 고딕" charset="0"/>
@@ -7115,9 +8044,981 @@
           </a:p>
         </p:txBody>
       </p:sp>
+      <p:sp>
+        <p:nvSpPr>
+          <p:cNvPr id="83" name="Rect 0"/>
+          <p:cNvSpPr txBox="1">
+            <a:spLocks/>
+          </p:cNvSpPr>
+          <p:nvPr/>
+        </p:nvSpPr>
+        <p:spPr>
+          <a:xfrm rot="0">
+            <a:off x="6816725" y="5146040"/>
+            <a:ext cx="4043045" cy="954405"/>
+          </a:xfrm>
+          <a:prstGeom prst="rect"/>
+          <a:noFill/>
+          <a:ln w="0">
+            <a:noFill/>
+            <a:prstDash/>
+          </a:ln>
+        </p:spPr>
+        <p:txBody>
+          <a:bodyPr wrap="square" lIns="89535" tIns="46355" rIns="89535" bIns="46355" numCol="1" vert="horz" anchor="t">
+            <a:spAutoFit/>
+          </a:bodyPr>
+          <a:lstStyle/>
+          <a:p>
+            <a:pPr marL="0" indent="0" algn="l" latinLnBrk="0" hangingPunct="1">
+              <a:buFontTx/>
+              <a:buNone/>
+            </a:pPr>
+            <a:r>
+              <a:rPr lang="ko-KR" sz="2000" b="1">
+                <a:solidFill>
+                  <a:srgbClr val="0611F2"/>
+                </a:solidFill>
+                <a:latin typeface="맑은 고딕" charset="0"/>
+                <a:ea typeface="맑은 고딕" charset="0"/>
+              </a:rPr>
+              <a:t>2</a:t>
+            </a:r>
+            <a:r>
+              <a:rPr lang="ko-KR" sz="2000" b="1">
+                <a:solidFill>
+                  <a:srgbClr val="0611F2"/>
+                </a:solidFill>
+                <a:latin typeface="맑은 고딕" charset="0"/>
+                <a:ea typeface="맑은 고딕" charset="0"/>
+              </a:rPr>
+              <a:t>7</a:t>
+            </a:r>
+            <a:r>
+              <a:rPr lang="ko-KR" sz="2000" b="1">
+                <a:solidFill>
+                  <a:srgbClr val="0611F2"/>
+                </a:solidFill>
+                <a:latin typeface="맑은 고딕" charset="0"/>
+                <a:ea typeface="맑은 고딕" charset="0"/>
+              </a:rPr>
+              <a:t>.</a:t>
+            </a:r>
+            <a:r>
+              <a:rPr lang="ko-KR" sz="2000">
+                <a:solidFill>
+                  <a:srgbClr val="0611F2"/>
+                </a:solidFill>
+                <a:latin typeface="맑은 고딕" charset="0"/>
+                <a:ea typeface="맑은 고딕" charset="0"/>
+              </a:rPr>
+              <a:t> </a:t>
+            </a:r>
+            <a:r>
+              <a:rPr lang="ko-KR" sz="1800">
+                <a:latin typeface="맑은 고딕" charset="0"/>
+                <a:ea typeface="맑은 고딕" charset="0"/>
+              </a:rPr>
+              <a:t>이제 File Manager 오브젝트에 있는 FileLoad 스크립트에 path와 TextGUI를 설정합니다.</a:t>
+            </a:r>
+            <a:endParaRPr lang="ko-KR" altLang="en-US" sz="1800">
+              <a:latin typeface="맑은 고딕" charset="0"/>
+              <a:ea typeface="맑은 고딕" charset="0"/>
+            </a:endParaRPr>
+          </a:p>
+        </p:txBody>
+      </p:sp>
+      <p:sp>
+        <p:nvSpPr>
+          <p:cNvPr id="91" name="Rect 0"/>
+          <p:cNvSpPr txBox="1">
+            <a:spLocks/>
+          </p:cNvSpPr>
+          <p:nvPr/>
+        </p:nvSpPr>
+        <p:spPr>
+          <a:xfrm rot="0">
+            <a:off x="1240790" y="3288665"/>
+            <a:ext cx="4130040" cy="2892425"/>
+          </a:xfrm>
+          <a:prstGeom prst="rect"/>
+          <a:noFill/>
+          <a:ln w="0">
+            <a:noFill/>
+            <a:prstDash/>
+          </a:ln>
+        </p:spPr>
+        <p:txBody>
+          <a:bodyPr wrap="square" lIns="89535" tIns="46355" rIns="89535" bIns="46355" numCol="1" vert="horz" anchor="t">
+            <a:spAutoFit/>
+          </a:bodyPr>
+          <a:lstStyle/>
+          <a:p>
+            <a:pPr marL="0" indent="0" algn="l" latinLnBrk="0" hangingPunct="1">
+              <a:buFontTx/>
+              <a:buNone/>
+            </a:pPr>
+            <a:r>
+              <a:rPr lang="ko-KR" sz="2000" b="1">
+                <a:solidFill>
+                  <a:srgbClr val="0611F2"/>
+                </a:solidFill>
+                <a:latin typeface="맑은 고딕" charset="0"/>
+                <a:ea typeface="맑은 고딕" charset="0"/>
+              </a:rPr>
+              <a:t>2</a:t>
+            </a:r>
+            <a:r>
+              <a:rPr lang="ko-KR" sz="2000" b="1">
+                <a:solidFill>
+                  <a:srgbClr val="0611F2"/>
+                </a:solidFill>
+                <a:latin typeface="맑은 고딕" charset="0"/>
+                <a:ea typeface="맑은 고딕" charset="0"/>
+              </a:rPr>
+              <a:t>6</a:t>
+            </a:r>
+            <a:r>
+              <a:rPr lang="ko-KR" sz="2000" b="1">
+                <a:solidFill>
+                  <a:srgbClr val="0611F2"/>
+                </a:solidFill>
+                <a:latin typeface="맑은 고딕" charset="0"/>
+                <a:ea typeface="맑은 고딕" charset="0"/>
+              </a:rPr>
+              <a:t>.</a:t>
+            </a:r>
+            <a:r>
+              <a:rPr lang="ko-KR" sz="2000">
+                <a:solidFill>
+                  <a:srgbClr val="0611F2"/>
+                </a:solidFill>
+                <a:latin typeface="맑은 고딕" charset="0"/>
+                <a:ea typeface="맑은 고딕" charset="0"/>
+              </a:rPr>
+              <a:t> </a:t>
+            </a:r>
+            <a:r>
+              <a:rPr lang="ko-KR" sz="1800">
+                <a:latin typeface="맑은 고딕" charset="0"/>
+                <a:ea typeface="맑은 고딕" charset="0"/>
+              </a:rPr>
+              <a:t>그리고 FileLoad 스크립트에서 텍스트 변수를 배열로 선언합니다.</a:t>
+            </a:r>
+            <a:endParaRPr lang="ko-KR" altLang="en-US" sz="1800">
+              <a:latin typeface="맑은 고딕" charset="0"/>
+              <a:ea typeface="맑은 고딕" charset="0"/>
+            </a:endParaRPr>
+          </a:p>
+          <a:p>
+            <a:pPr marL="0" indent="0" algn="l" latinLnBrk="0" hangingPunct="1">
+              <a:buFontTx/>
+              <a:buNone/>
+            </a:pPr>
+            <a:endParaRPr lang="ko-KR" altLang="en-US" sz="1800">
+              <a:latin typeface="맑은 고딕" charset="0"/>
+              <a:ea typeface="맑은 고딕" charset="0"/>
+            </a:endParaRPr>
+          </a:p>
+          <a:p>
+            <a:pPr marL="0" indent="0" algn="l" latinLnBrk="0" hangingPunct="1">
+              <a:buFontTx/>
+              <a:buNone/>
+            </a:pPr>
+            <a:r>
+              <a:rPr lang="ko-KR" sz="1800">
+                <a:latin typeface="맑은 고딕" charset="0"/>
+                <a:ea typeface="맑은 고딕" charset="0"/>
+              </a:rPr>
+              <a:t>그런 다음 파일의 경로를 지정하기 위한 string 변수도 배열로 선언합니다.</a:t>
+            </a:r>
+            <a:endParaRPr lang="ko-KR" altLang="en-US" sz="1800">
+              <a:latin typeface="맑은 고딕" charset="0"/>
+              <a:ea typeface="맑은 고딕" charset="0"/>
+            </a:endParaRPr>
+          </a:p>
+          <a:p>
+            <a:pPr marL="0" indent="0" algn="l" latinLnBrk="0" hangingPunct="1">
+              <a:buFontTx/>
+              <a:buNone/>
+            </a:pPr>
+            <a:endParaRPr lang="ko-KR" altLang="en-US" sz="1800">
+              <a:latin typeface="맑은 고딕" charset="0"/>
+              <a:ea typeface="맑은 고딕" charset="0"/>
+            </a:endParaRPr>
+          </a:p>
+          <a:p>
+            <a:pPr marL="0" indent="0" algn="l" latinLnBrk="0" hangingPunct="1">
+              <a:buFontTx/>
+              <a:buNone/>
+            </a:pPr>
+            <a:r>
+              <a:rPr lang="ko-KR" sz="1800">
+                <a:latin typeface="맑은 고딕" charset="0"/>
+                <a:ea typeface="맑은 고딕" charset="0"/>
+              </a:rPr>
+              <a:t>그다음 Start( ) 함수에서 텍스트 배열의 길이만큼 텍스트 파일에 저장한 데이터를 출력하도록 설정합니다.</a:t>
+            </a:r>
+            <a:endParaRPr lang="ko-KR" altLang="en-US" sz="1800">
+              <a:latin typeface="맑은 고딕" charset="0"/>
+              <a:ea typeface="맑은 고딕" charset="0"/>
+            </a:endParaRPr>
+          </a:p>
+        </p:txBody>
+      </p:sp>
       <p:pic>
         <p:nvPicPr>
-          <p:cNvPr id="40" name="Picture " descr="C:/Users/Admin1/AppData/Roaming/PolarisOffice/ETemp/23328_19313576/fImage424692249169.png"/>
+          <p:cNvPr id="92" name="그림 1" descr="C:/Users/Admin1/AppData/Roaming/PolarisOffice/ETemp/24400_17556656/fImage769224541.png"/>
+          <p:cNvPicPr>
+            <a:picLocks noChangeAspect="1"/>
+          </p:cNvPicPr>
+          <p:nvPr/>
+        </p:nvPicPr>
+        <p:blipFill rotWithShape="1">
+          <a:blip r:embed="rId2" cstate="print">
+            <a:extLst>
+              <a:ext uri="{28A0092B-C50C-407E-A947-70E740481C1C}">
+                <a14:useLocalDpi xmlns:a14="http://schemas.microsoft.com/office/drawing/2010/main" val="0"/>
+              </a:ext>
+            </a:extLst>
+          </a:blip>
+          <a:stretch>
+            <a:fillRect/>
+          </a:stretch>
+        </p:blipFill>
+        <p:spPr>
+          <a:xfrm rot="0">
+            <a:off x="1250315" y="1390650"/>
+            <a:ext cx="4120515" cy="1835150"/>
+          </a:xfrm>
+          <a:prstGeom prst="roundRect"/>
+          <a:solidFill>
+            <a:srgbClr val="EDEDED"/>
+          </a:solidFill>
+        </p:spPr>
+      </p:pic>
+      <p:pic>
+        <p:nvPicPr>
+          <p:cNvPr id="93" name="그림 4" descr="C:/Users/Admin1/AppData/Roaming/PolarisOffice/ETemp/24400_17556656/fImage180682468467.png"/>
+          <p:cNvPicPr>
+            <a:picLocks noChangeAspect="1"/>
+          </p:cNvPicPr>
+          <p:nvPr/>
+        </p:nvPicPr>
+        <p:blipFill rotWithShape="1">
+          <a:blip r:embed="rId3" cstate="print">
+            <a:extLst>
+              <a:ext uri="{28A0092B-C50C-407E-A947-70E740481C1C}">
+                <a14:useLocalDpi xmlns:a14="http://schemas.microsoft.com/office/drawing/2010/main" val="0"/>
+              </a:ext>
+            </a:extLst>
+          </a:blip>
+          <a:stretch>
+            <a:fillRect/>
+          </a:stretch>
+        </p:blipFill>
+        <p:spPr>
+          <a:xfrm rot="0">
+            <a:off x="8121650" y="1390015"/>
+            <a:ext cx="2854960" cy="1379855"/>
+          </a:xfrm>
+          <a:prstGeom prst="roundRect"/>
+          <a:solidFill>
+            <a:srgbClr val="EDEDED"/>
+          </a:solidFill>
+        </p:spPr>
+      </p:pic>
+      <p:pic>
+        <p:nvPicPr>
+          <p:cNvPr id="94" name="그림 7" descr="C:/Users/Admin1/AppData/Roaming/PolarisOffice/ETemp/24400_17556656/fImage76422476334.png"/>
+          <p:cNvPicPr>
+            <a:picLocks noChangeAspect="1"/>
+          </p:cNvPicPr>
+          <p:nvPr/>
+        </p:nvPicPr>
+        <p:blipFill rotWithShape="1">
+          <a:blip r:embed="rId4" cstate="print">
+            <a:extLst>
+              <a:ext uri="{28A0092B-C50C-407E-A947-70E740481C1C}">
+                <a14:useLocalDpi xmlns:a14="http://schemas.microsoft.com/office/drawing/2010/main" val="0"/>
+              </a:ext>
+            </a:extLst>
+          </a:blip>
+          <a:stretch>
+            <a:fillRect/>
+          </a:stretch>
+        </p:blipFill>
+        <p:spPr>
+          <a:xfrm rot="0">
+            <a:off x="6819900" y="1393190"/>
+            <a:ext cx="1136650" cy="1368425"/>
+          </a:xfrm>
+          <a:prstGeom prst="roundRect"/>
+          <a:solidFill>
+            <a:srgbClr val="EDEDED"/>
+          </a:solidFill>
+        </p:spPr>
+      </p:pic>
+      <p:cxnSp>
+        <p:nvCxnSpPr>
+          <p:cNvPr id="95" name="도형 10"/>
+          <p:cNvCxnSpPr/>
+          <p:nvPr/>
+        </p:nvCxnSpPr>
+        <p:spPr>
+          <a:xfrm rot="0" flipV="1">
+            <a:off x="7714615" y="1912620"/>
+            <a:ext cx="3209290" cy="283210"/>
+          </a:xfrm>
+          <a:prstGeom prst="straightConnector1"/>
+          <a:ln w="6350" cap="flat" cmpd="sng">
+            <a:prstDash/>
+            <a:tailEnd type="triangle" w="med" len="med"/>
+          </a:ln>
+        </p:spPr>
+        <p:style>
+          <a:lnRef idx="1">
+            <a:schemeClr val="accent1"/>
+          </a:lnRef>
+          <a:fillRef idx="0">
+            <a:schemeClr val="accent1"/>
+          </a:fillRef>
+          <a:effectRef idx="0">
+            <a:schemeClr val="accent1"/>
+          </a:effectRef>
+          <a:fontRef idx="minor">
+            <a:schemeClr val="tx1"/>
+          </a:fontRef>
+        </p:style>
+      </p:cxnSp>
+      <p:cxnSp>
+        <p:nvCxnSpPr>
+          <p:cNvPr id="96" name="도형 11"/>
+          <p:cNvCxnSpPr/>
+          <p:nvPr/>
+        </p:nvCxnSpPr>
+        <p:spPr>
+          <a:xfrm rot="0">
+            <a:off x="7914005" y="2070735"/>
+            <a:ext cx="3009900" cy="75565"/>
+          </a:xfrm>
+          <a:prstGeom prst="straightConnector1"/>
+          <a:ln w="6350" cap="flat" cmpd="sng">
+            <a:prstDash/>
+            <a:tailEnd type="triangle" w="med" len="med"/>
+          </a:ln>
+        </p:spPr>
+        <p:style>
+          <a:lnRef idx="1">
+            <a:schemeClr val="accent1"/>
+          </a:lnRef>
+          <a:fillRef idx="0">
+            <a:schemeClr val="accent1"/>
+          </a:fillRef>
+          <a:effectRef idx="0">
+            <a:schemeClr val="accent1"/>
+          </a:effectRef>
+          <a:fontRef idx="minor">
+            <a:schemeClr val="tx1"/>
+          </a:fontRef>
+        </p:style>
+      </p:cxnSp>
+      <p:cxnSp>
+        <p:nvCxnSpPr>
+          <p:cNvPr id="97" name="도형 12"/>
+          <p:cNvCxnSpPr/>
+          <p:nvPr/>
+        </p:nvCxnSpPr>
+        <p:spPr>
+          <a:xfrm rot="0" flipV="1">
+            <a:off x="7789545" y="2020570"/>
+            <a:ext cx="3134360" cy="416560"/>
+          </a:xfrm>
+          <a:prstGeom prst="straightConnector1"/>
+          <a:ln w="6350" cap="flat" cmpd="sng">
+            <a:prstDash/>
+            <a:tailEnd type="triangle" w="med" len="med"/>
+          </a:ln>
+        </p:spPr>
+        <p:style>
+          <a:lnRef idx="1">
+            <a:schemeClr val="accent1"/>
+          </a:lnRef>
+          <a:fillRef idx="0">
+            <a:schemeClr val="accent1"/>
+          </a:fillRef>
+          <a:effectRef idx="0">
+            <a:schemeClr val="accent1"/>
+          </a:effectRef>
+          <a:fontRef idx="minor">
+            <a:schemeClr val="tx1"/>
+          </a:fontRef>
+        </p:style>
+      </p:cxnSp>
+      <p:pic>
+        <p:nvPicPr>
+          <p:cNvPr id="98" name="그림 16" descr="C:/Users/Admin1/AppData/Roaming/PolarisOffice/ETemp/24400_17556656/fImage252452526500.png"/>
+          <p:cNvPicPr>
+            <a:picLocks noChangeAspect="1"/>
+          </p:cNvPicPr>
+          <p:nvPr/>
+        </p:nvPicPr>
+        <p:blipFill rotWithShape="1">
+          <a:blip r:embed="rId5" cstate="print">
+            <a:extLst>
+              <a:ext uri="{28A0092B-C50C-407E-A947-70E740481C1C}">
+                <a14:useLocalDpi xmlns:a14="http://schemas.microsoft.com/office/drawing/2010/main" val="0"/>
+              </a:ext>
+            </a:extLst>
+          </a:blip>
+          <a:stretch>
+            <a:fillRect/>
+          </a:stretch>
+        </p:blipFill>
+        <p:spPr>
+          <a:xfrm rot="0">
+            <a:off x="6816725" y="2950845"/>
+            <a:ext cx="4161155" cy="2112645"/>
+          </a:xfrm>
+          <a:prstGeom prst="roundRect"/>
+          <a:solidFill>
+            <a:srgbClr val="EDEDED"/>
+          </a:solidFill>
+        </p:spPr>
+      </p:pic>
+    </p:spTree>
+  </p:cSld>
+  <p:clrMapOvr>
+    <a:masterClrMapping/>
+  </p:clrMapOvr>
+  <mc:AlternateContent xmlns:mc="http://schemas.openxmlformats.org/markup-compatibility/2006">
+    <mc:Choice xmlns:p14="http://schemas.microsoft.com/office/powerpoint/2010/main" Requires="p14">
+      <p:transition spd="slow" p14:dur="2000"/>
+    </mc:Choice>
+    <mc:Fallback>
+      <p:transition spd="slow"/>
+    </mc:Fallback>
+  </mc:AlternateContent>
+  <p:timing>
+    <p:tnLst>
+      <p:par>
+        <p:cTn id="1" dur="indefinite" restart="never" nodeType="tmRoot"/>
+      </p:par>
+    </p:tnLst>
+  </p:timing>
+</p:sld>
+</file>
+
+<file path=ppt/slides/slide12.xml><?xml version="1.0" encoding="utf-8"?>
+<p:sld xmlns:a="http://schemas.openxmlformats.org/drawingml/2006/main" xmlns:r="http://schemas.openxmlformats.org/officeDocument/2006/relationships" xmlns:p="http://schemas.openxmlformats.org/presentationml/2006/main">
+  <p:cSld>
+    <p:spTree>
+      <p:nvGrpSpPr>
+        <p:cNvPr id="1" name=""/>
+        <p:cNvGrpSpPr/>
+        <p:nvPr/>
+      </p:nvGrpSpPr>
+      <p:grpSpPr>
+        <a:xfrm>
+          <a:off x="0" y="0"/>
+          <a:ext cx="0" cy="0"/>
+          <a:chOff x="0" y="0"/>
+          <a:chExt cx="0" cy="0"/>
+        </a:xfrm>
+      </p:grpSpPr>
+      <p:sp>
+        <p:nvSpPr>
+          <p:cNvPr id="22" name="Rect 0"/>
+          <p:cNvSpPr txBox="1">
+            <a:spLocks/>
+          </p:cNvSpPr>
+          <p:nvPr/>
+        </p:nvSpPr>
+        <p:spPr>
+          <a:xfrm rot="0">
+            <a:off x="4349750" y="452755"/>
+            <a:ext cx="3500120" cy="554990"/>
+          </a:xfrm>
+          <a:prstGeom prst="rect"/>
+          <a:noFill/>
+          <a:ln w="0">
+            <a:noFill/>
+            <a:prstDash/>
+          </a:ln>
+        </p:spPr>
+        <p:txBody>
+          <a:bodyPr wrap="square" lIns="89535" tIns="46355" rIns="89535" bIns="46355" numCol="1" vert="horz" anchor="t">
+            <a:spAutoFit/>
+          </a:bodyPr>
+          <a:lstStyle/>
+          <a:p>
+            <a:pPr marL="0" indent="0" algn="l" latinLnBrk="0" hangingPunct="1">
+              <a:buFontTx/>
+              <a:buNone/>
+            </a:pPr>
+            <a:r>
+              <a:rPr lang="ko-KR" sz="3000" b="1">
+                <a:latin typeface="맑은 고딕" charset="0"/>
+                <a:ea typeface="맑은 고딕" charset="0"/>
+              </a:rPr>
+              <a:t>열</a:t>
+            </a:r>
+            <a:r>
+              <a:rPr lang="ko-KR" sz="3000" b="1">
+                <a:latin typeface="맑은 고딕" charset="0"/>
+                <a:ea typeface="맑은 고딕" charset="0"/>
+              </a:rPr>
+              <a:t>두</a:t>
+            </a:r>
+            <a:r>
+              <a:rPr lang="ko-KR" sz="3000" b="1">
+                <a:latin typeface="맑은 고딕" charset="0"/>
+                <a:ea typeface="맑은 고딕" charset="0"/>
+              </a:rPr>
+              <a:t> 번째 튜토리얼 </a:t>
+            </a:r>
+            <a:endParaRPr lang="ko-KR" altLang="en-US" sz="3000" b="1">
+              <a:latin typeface="맑은 고딕" charset="0"/>
+              <a:ea typeface="맑은 고딕" charset="0"/>
+            </a:endParaRPr>
+          </a:p>
+        </p:txBody>
+      </p:sp>
+      <p:sp>
+        <p:nvSpPr>
+          <p:cNvPr id="83" name="Rect 0"/>
+          <p:cNvSpPr txBox="1">
+            <a:spLocks/>
+          </p:cNvSpPr>
+          <p:nvPr/>
+        </p:nvSpPr>
+        <p:spPr>
+          <a:xfrm rot="0">
+            <a:off x="6808470" y="4871720"/>
+            <a:ext cx="4043045" cy="1231265"/>
+          </a:xfrm>
+          <a:prstGeom prst="rect"/>
+          <a:noFill/>
+          <a:ln w="0">
+            <a:noFill/>
+            <a:prstDash/>
+          </a:ln>
+        </p:spPr>
+        <p:txBody>
+          <a:bodyPr wrap="square" lIns="89535" tIns="46355" rIns="89535" bIns="46355" numCol="1" vert="horz" anchor="t">
+            <a:spAutoFit/>
+          </a:bodyPr>
+          <a:lstStyle/>
+          <a:p>
+            <a:pPr marL="0" indent="0" algn="l" latinLnBrk="0" hangingPunct="1">
+              <a:buFontTx/>
+              <a:buNone/>
+            </a:pPr>
+            <a:r>
+              <a:rPr lang="ko-KR" sz="2000" b="1">
+                <a:solidFill>
+                  <a:srgbClr val="0611F2"/>
+                </a:solidFill>
+                <a:latin typeface="맑은 고딕" charset="0"/>
+                <a:ea typeface="맑은 고딕" charset="0"/>
+              </a:rPr>
+              <a:t>2</a:t>
+            </a:r>
+            <a:r>
+              <a:rPr lang="ko-KR" sz="2000" b="1">
+                <a:solidFill>
+                  <a:srgbClr val="0611F2"/>
+                </a:solidFill>
+                <a:latin typeface="맑은 고딕" charset="0"/>
+                <a:ea typeface="맑은 고딕" charset="0"/>
+              </a:rPr>
+              <a:t>9</a:t>
+            </a:r>
+            <a:r>
+              <a:rPr lang="ko-KR" sz="2000" b="1">
+                <a:solidFill>
+                  <a:srgbClr val="0611F2"/>
+                </a:solidFill>
+                <a:latin typeface="맑은 고딕" charset="0"/>
+                <a:ea typeface="맑은 고딕" charset="0"/>
+              </a:rPr>
+              <a:t>.</a:t>
+            </a:r>
+            <a:r>
+              <a:rPr lang="ko-KR" sz="2000">
+                <a:solidFill>
+                  <a:srgbClr val="0611F2"/>
+                </a:solidFill>
+                <a:latin typeface="맑은 고딕" charset="0"/>
+                <a:ea typeface="맑은 고딕" charset="0"/>
+              </a:rPr>
+              <a:t> </a:t>
+            </a:r>
+            <a:r>
+              <a:rPr lang="ko-KR" sz="1800">
+                <a:latin typeface="맑은 고딕" charset="0"/>
+                <a:ea typeface="맑은 고딕" charset="0"/>
+              </a:rPr>
+              <a:t>마지막으로 Window 오브젝트를 선택하고 Source Image에 Project 폴더에 있는 Texture의 Window를 넣어줍니다.</a:t>
+            </a:r>
+            <a:endParaRPr lang="ko-KR" altLang="en-US" sz="1800">
+              <a:latin typeface="맑은 고딕" charset="0"/>
+              <a:ea typeface="맑은 고딕" charset="0"/>
+            </a:endParaRPr>
+          </a:p>
+        </p:txBody>
+      </p:sp>
+      <p:sp>
+        <p:nvSpPr>
+          <p:cNvPr id="91" name="Rect 0"/>
+          <p:cNvSpPr txBox="1">
+            <a:spLocks/>
+          </p:cNvSpPr>
+          <p:nvPr/>
+        </p:nvSpPr>
+        <p:spPr>
+          <a:xfrm rot="0">
+            <a:off x="1240790" y="4036695"/>
+            <a:ext cx="4130040" cy="2061845"/>
+          </a:xfrm>
+          <a:prstGeom prst="rect"/>
+          <a:noFill/>
+          <a:ln w="0">
+            <a:noFill/>
+            <a:prstDash/>
+          </a:ln>
+        </p:spPr>
+        <p:txBody>
+          <a:bodyPr wrap="square" lIns="89535" tIns="46355" rIns="89535" bIns="46355" numCol="1" vert="horz" anchor="t">
+            <a:spAutoFit/>
+          </a:bodyPr>
+          <a:lstStyle/>
+          <a:p>
+            <a:pPr marL="0" indent="0" algn="l" latinLnBrk="0" hangingPunct="1">
+              <a:buFontTx/>
+              <a:buNone/>
+            </a:pPr>
+            <a:r>
+              <a:rPr lang="ko-KR" sz="2000" b="1">
+                <a:solidFill>
+                  <a:srgbClr val="0611F2"/>
+                </a:solidFill>
+                <a:latin typeface="맑은 고딕" charset="0"/>
+                <a:ea typeface="맑은 고딕" charset="0"/>
+              </a:rPr>
+              <a:t>2</a:t>
+            </a:r>
+            <a:r>
+              <a:rPr lang="ko-KR" sz="2000" b="1">
+                <a:solidFill>
+                  <a:srgbClr val="0611F2"/>
+                </a:solidFill>
+                <a:latin typeface="맑은 고딕" charset="0"/>
+                <a:ea typeface="맑은 고딕" charset="0"/>
+              </a:rPr>
+              <a:t>8</a:t>
+            </a:r>
+            <a:r>
+              <a:rPr lang="ko-KR" sz="2000" b="1">
+                <a:solidFill>
+                  <a:srgbClr val="0611F2"/>
+                </a:solidFill>
+                <a:latin typeface="맑은 고딕" charset="0"/>
+                <a:ea typeface="맑은 고딕" charset="0"/>
+              </a:rPr>
+              <a:t>.</a:t>
+            </a:r>
+            <a:r>
+              <a:rPr lang="ko-KR" sz="2000">
+                <a:solidFill>
+                  <a:srgbClr val="0611F2"/>
+                </a:solidFill>
+                <a:latin typeface="맑은 고딕" charset="0"/>
+                <a:ea typeface="맑은 고딕" charset="0"/>
+              </a:rPr>
+              <a:t> </a:t>
+            </a:r>
+            <a:r>
+              <a:rPr lang="ko-KR" sz="1800">
+                <a:latin typeface="맑은 고딕" charset="0"/>
+                <a:ea typeface="맑은 고딕" charset="0"/>
+              </a:rPr>
+              <a:t>그리고 텍스트 파일을 불러오기 위해 Project 폴더에서 File에 텍스트 파일을 배치합니다.</a:t>
+            </a:r>
+            <a:endParaRPr lang="ko-KR" altLang="en-US" sz="1800">
+              <a:latin typeface="맑은 고딕" charset="0"/>
+              <a:ea typeface="맑은 고딕" charset="0"/>
+            </a:endParaRPr>
+          </a:p>
+          <a:p>
+            <a:pPr marL="0" indent="0" algn="l" latinLnBrk="0" hangingPunct="1">
+              <a:buFontTx/>
+              <a:buNone/>
+            </a:pPr>
+            <a:endParaRPr lang="ko-KR" altLang="en-US" sz="1800">
+              <a:latin typeface="맑은 고딕" charset="0"/>
+              <a:ea typeface="맑은 고딕" charset="0"/>
+            </a:endParaRPr>
+          </a:p>
+          <a:p>
+            <a:pPr marL="0" indent="0" algn="l" latinLnBrk="0" hangingPunct="1">
+              <a:buFontTx/>
+              <a:buNone/>
+            </a:pPr>
+            <a:r>
+              <a:rPr lang="ko-KR" sz="1800">
+                <a:latin typeface="맑은 고딕" charset="0"/>
+                <a:ea typeface="맑은 고딕" charset="0"/>
+              </a:rPr>
+              <a:t>경로는 상대 경로로 설정하였고, 파일의 이름과 폴더의 이름을 정확하게 넣어주어야 합니다. </a:t>
+            </a:r>
+            <a:endParaRPr lang="ko-KR" altLang="en-US" sz="1800">
+              <a:latin typeface="맑은 고딕" charset="0"/>
+              <a:ea typeface="맑은 고딕" charset="0"/>
+            </a:endParaRPr>
+          </a:p>
+        </p:txBody>
+      </p:sp>
+      <p:pic>
+        <p:nvPicPr>
+          <p:cNvPr id="99" name="그림 19" descr="C:/Users/Admin1/AppData/Roaming/PolarisOffice/ETemp/24400_17556656/fImage45032669169.png"/>
+          <p:cNvPicPr>
+            <a:picLocks noChangeAspect="1"/>
+          </p:cNvPicPr>
+          <p:nvPr/>
+        </p:nvPicPr>
+        <p:blipFill rotWithShape="1">
+          <a:blip r:embed="rId2" cstate="print">
+            <a:extLst>
+              <a:ext uri="{28A0092B-C50C-407E-A947-70E740481C1C}">
+                <a14:useLocalDpi xmlns:a14="http://schemas.microsoft.com/office/drawing/2010/main" val="0"/>
+              </a:ext>
+            </a:extLst>
+          </a:blip>
+          <a:stretch>
+            <a:fillRect/>
+          </a:stretch>
+        </p:blipFill>
+        <p:spPr>
+          <a:xfrm rot="0">
+            <a:off x="1241425" y="1391920"/>
+            <a:ext cx="4121150" cy="2590800"/>
+          </a:xfrm>
+          <a:prstGeom prst="roundRect"/>
+          <a:solidFill>
+            <a:srgbClr val="EDEDED"/>
+          </a:solidFill>
+        </p:spPr>
+      </p:pic>
+      <p:pic>
+        <p:nvPicPr>
+          <p:cNvPr id="100" name="그림 22" descr="C:/Users/Admin1/AppData/Roaming/PolarisOffice/ETemp/24400_17556656/fImage44242675724.png"/>
+          <p:cNvPicPr>
+            <a:picLocks noChangeAspect="1"/>
+          </p:cNvPicPr>
+          <p:nvPr/>
+        </p:nvPicPr>
+        <p:blipFill rotWithShape="1">
+          <a:blip r:embed="rId3" cstate="print">
+            <a:extLst>
+              <a:ext uri="{28A0092B-C50C-407E-A947-70E740481C1C}">
+                <a14:useLocalDpi xmlns:a14="http://schemas.microsoft.com/office/drawing/2010/main" val="0"/>
+              </a:ext>
+            </a:extLst>
+          </a:blip>
+          <a:stretch>
+            <a:fillRect/>
+          </a:stretch>
+        </p:blipFill>
+        <p:spPr>
+          <a:xfrm rot="0">
+            <a:off x="6817995" y="3545205"/>
+            <a:ext cx="4048125" cy="1160780"/>
+          </a:xfrm>
+          <a:prstGeom prst="roundRect"/>
+          <a:solidFill>
+            <a:srgbClr val="EDEDED"/>
+          </a:solidFill>
+        </p:spPr>
+      </p:pic>
+      <p:pic>
+        <p:nvPicPr>
+          <p:cNvPr id="101" name="그림 23" descr="C:/Users/Admin1/AppData/Roaming/PolarisOffice/ETemp/24400_17556656/fImage250552681478.png"/>
+          <p:cNvPicPr>
+            <a:picLocks noChangeAspect="1"/>
+          </p:cNvPicPr>
+          <p:nvPr/>
+        </p:nvPicPr>
+        <p:blipFill rotWithShape="1">
+          <a:blip r:embed="rId4" cstate="print">
+            <a:extLst>
+              <a:ext uri="{28A0092B-C50C-407E-A947-70E740481C1C}">
+                <a14:useLocalDpi xmlns:a14="http://schemas.microsoft.com/office/drawing/2010/main" val="0"/>
+              </a:ext>
+            </a:extLst>
+          </a:blip>
+          <a:stretch>
+            <a:fillRect/>
+          </a:stretch>
+        </p:blipFill>
+        <p:spPr>
+          <a:xfrm rot="0">
+            <a:off x="6808470" y="1394460"/>
+            <a:ext cx="4052570" cy="2039620"/>
+          </a:xfrm>
+          <a:prstGeom prst="roundRect"/>
+          <a:solidFill>
+            <a:srgbClr val="EDEDED"/>
+          </a:solidFill>
+        </p:spPr>
+      </p:pic>
+      <p:cxnSp>
+        <p:nvCxnSpPr>
+          <p:cNvPr id="102" name="도형 28"/>
+          <p:cNvCxnSpPr/>
+          <p:nvPr/>
+        </p:nvCxnSpPr>
+        <p:spPr>
+          <a:xfrm rot="0" flipV="1">
+            <a:off x="8138795" y="2352675"/>
+            <a:ext cx="2660650" cy="1463675"/>
+          </a:xfrm>
+          <a:prstGeom prst="straightConnector1"/>
+          <a:ln w="6350" cap="flat" cmpd="sng">
+            <a:prstDash/>
+            <a:tailEnd type="triangle" w="med" len="med"/>
+          </a:ln>
+        </p:spPr>
+        <p:style>
+          <a:lnRef idx="1">
+            <a:schemeClr val="accent1"/>
+          </a:lnRef>
+          <a:fillRef idx="0">
+            <a:schemeClr val="accent1"/>
+          </a:fillRef>
+          <a:effectRef idx="0">
+            <a:schemeClr val="accent1"/>
+          </a:effectRef>
+          <a:fontRef idx="minor">
+            <a:schemeClr val="tx1"/>
+          </a:fontRef>
+        </p:style>
+      </p:cxnSp>
+    </p:spTree>
+  </p:cSld>
+  <p:clrMapOvr>
+    <a:masterClrMapping/>
+  </p:clrMapOvr>
+  <mc:AlternateContent xmlns:mc="http://schemas.openxmlformats.org/markup-compatibility/2006">
+    <mc:Choice xmlns:p14="http://schemas.microsoft.com/office/powerpoint/2010/main" Requires="p14">
+      <p:transition spd="slow" p14:dur="2000"/>
+    </mc:Choice>
+    <mc:Fallback>
+      <p:transition spd="slow"/>
+    </mc:Fallback>
+  </mc:AlternateContent>
+  <p:timing>
+    <p:tnLst>
+      <p:par>
+        <p:cTn id="1" dur="indefinite" restart="never" nodeType="tmRoot"/>
+      </p:par>
+    </p:tnLst>
+  </p:timing>
+</p:sld>
+</file>
+
+<file path=ppt/slides/slide2.xml><?xml version="1.0" encoding="utf-8"?>
+<p:sld xmlns:a="http://schemas.openxmlformats.org/drawingml/2006/main" xmlns:r="http://schemas.openxmlformats.org/officeDocument/2006/relationships" xmlns:p="http://schemas.openxmlformats.org/presentationml/2006/main" xmlns:p14="http://schemas.microsoft.com/office/powerpoint/2010/main">
+  <p:cSld>
+    <p:spTree>
+      <p:nvGrpSpPr>
+        <p:cNvPr id="1" name=""/>
+        <p:cNvGrpSpPr/>
+        <p:nvPr/>
+      </p:nvGrpSpPr>
+      <p:grpSpPr>
+        <a:xfrm>
+          <a:off x="0" y="0"/>
+          <a:ext cx="0" cy="0"/>
+          <a:chOff x="0" y="0"/>
+          <a:chExt cx="0" cy="0"/>
+        </a:xfrm>
+      </p:grpSpPr>
+      <p:sp>
+        <p:nvSpPr>
+          <p:cNvPr id="22" name="Rect 0"/>
+          <p:cNvSpPr txBox="1">
+            <a:spLocks/>
+          </p:cNvSpPr>
+          <p:nvPr/>
+        </p:nvSpPr>
+        <p:spPr>
+          <a:xfrm rot="0">
+            <a:off x="4530725" y="424180"/>
+            <a:ext cx="3123565" cy="554990"/>
+          </a:xfrm>
+          <a:prstGeom prst="rect"/>
+          <a:noFill/>
+          <a:ln w="0">
+            <a:noFill/>
+            <a:prstDash/>
+          </a:ln>
+        </p:spPr>
+        <p:txBody>
+          <a:bodyPr wrap="square" lIns="89535" tIns="46355" rIns="89535" bIns="46355" numCol="1" vert="horz" anchor="t">
+            <a:spAutoFit/>
+          </a:bodyPr>
+          <a:lstStyle/>
+          <a:p>
+            <a:pPr marL="0" indent="0" algn="l" latinLnBrk="0" hangingPunct="1">
+              <a:buFontTx/>
+              <a:buNone/>
+            </a:pPr>
+            <a:r>
+              <a:rPr lang="ko-KR" sz="3000" b="1">
+                <a:latin typeface="맑은 고딕" charset="0"/>
+                <a:ea typeface="맑은 고딕" charset="0"/>
+              </a:rPr>
+              <a:t>두</a:t>
+            </a:r>
+            <a:r>
+              <a:rPr lang="ko-KR" sz="3000" b="1">
+                <a:latin typeface="맑은 고딕" charset="0"/>
+                <a:ea typeface="맑은 고딕" charset="0"/>
+              </a:rPr>
+              <a:t> </a:t>
+            </a:r>
+            <a:r>
+              <a:rPr lang="ko-KR" sz="3000" b="1">
+                <a:latin typeface="맑은 고딕" charset="0"/>
+                <a:ea typeface="맑은 고딕" charset="0"/>
+              </a:rPr>
+              <a:t>번째</a:t>
+            </a:r>
+            <a:r>
+              <a:rPr lang="ko-KR" sz="3000" b="1">
+                <a:latin typeface="맑은 고딕" charset="0"/>
+                <a:ea typeface="맑은 고딕" charset="0"/>
+              </a:rPr>
+              <a:t> </a:t>
+            </a:r>
+            <a:r>
+              <a:rPr lang="ko-KR" sz="3000" b="1">
+                <a:latin typeface="맑은 고딕" charset="0"/>
+                <a:ea typeface="맑은 고딕" charset="0"/>
+              </a:rPr>
+              <a:t>튜토리얼 </a:t>
+            </a:r>
+            <a:endParaRPr lang="ko-KR" altLang="en-US" sz="3000" b="1">
+              <a:latin typeface="맑은 고딕" charset="0"/>
+              <a:ea typeface="맑은 고딕" charset="0"/>
+            </a:endParaRPr>
+          </a:p>
+        </p:txBody>
+      </p:sp>
+      <p:pic>
+        <p:nvPicPr>
+          <p:cNvPr id="40" name="Picture "/>
           <p:cNvPicPr>
             <a:picLocks noChangeAspect="1"/>
           </p:cNvPicPr>
@@ -7250,7 +9151,7 @@
       </p:sp>
       <p:pic>
         <p:nvPicPr>
-          <p:cNvPr id="42" name="Picture " descr="C:/Users/Admin1/AppData/Roaming/PolarisOffice/ETemp/23328_19313576/fImage14202275724.png"/>
+          <p:cNvPr id="42" name="Picture "/>
           <p:cNvPicPr>
             <a:picLocks noChangeAspect="1"/>
           </p:cNvPicPr>
@@ -7281,7 +9182,7 @@
       </p:pic>
       <p:pic>
         <p:nvPicPr>
-          <p:cNvPr id="43" name="그림 16" descr="C:/Users/Admin1/AppData/Roaming/PolarisOffice/ETemp/23328_19313576/fImage47152316334.png"/>
+          <p:cNvPr id="43" name="그림 16"/>
           <p:cNvPicPr>
             <a:picLocks noChangeAspect="1"/>
           </p:cNvPicPr>
@@ -7376,7 +9277,7 @@
       </p:sp>
       <p:pic>
         <p:nvPicPr>
-          <p:cNvPr id="46" name="그림 24" descr="C:/Users/Admin1/AppData/Roaming/PolarisOffice/ETemp/23328_19313576/fImage416422281478.png"/>
+          <p:cNvPr id="46" name="그림 24"/>
           <p:cNvPicPr>
             <a:picLocks noChangeAspect="1"/>
           </p:cNvPicPr>
@@ -7407,7 +9308,7 @@
       </p:pic>
       <p:pic>
         <p:nvPicPr>
-          <p:cNvPr id="47" name="그림 25" descr="C:/Users/Admin1/AppData/Roaming/PolarisOffice/ETemp/23328_19313576/fImage22912299358.png"/>
+          <p:cNvPr id="47" name="그림 25"/>
           <p:cNvPicPr>
             <a:picLocks noChangeAspect="1"/>
           </p:cNvPicPr>
@@ -7631,7 +9532,7 @@
       </p:sp>
       <p:pic>
         <p:nvPicPr>
-          <p:cNvPr id="39" name="그림 26" descr="C:/Users/Admin1/AppData/Roaming/PolarisOffice/ETemp/23328_19313576/fImage69782306962.png"/>
+          <p:cNvPr id="39" name="그림 26"/>
           <p:cNvPicPr>
             <a:picLocks noChangeAspect="1"/>
           </p:cNvPicPr>
@@ -7662,7 +9563,7 @@
       </p:pic>
       <p:pic>
         <p:nvPicPr>
-          <p:cNvPr id="40" name="그림 26" descr="C:/Users/Admin1/AppData/Roaming/PolarisOffice/ETemp/23328_19313576/fImage56882376500.png"/>
+          <p:cNvPr id="40" name="그림 26"/>
           <p:cNvPicPr>
             <a:picLocks noChangeAspect="1"/>
           </p:cNvPicPr>
@@ -7784,7 +9685,7 @@
       </p:sp>
       <p:pic>
         <p:nvPicPr>
-          <p:cNvPr id="42" name="그림 30" descr="C:/Users/Admin1/AppData/Roaming/PolarisOffice/ETemp/23328_19313576/fImage13818322491.png"/>
+          <p:cNvPr id="42" name="그림 30"/>
           <p:cNvPicPr>
             <a:picLocks noChangeAspect="1"/>
           </p:cNvPicPr>
@@ -8054,7 +9955,7 @@
       </p:sp>
       <p:pic>
         <p:nvPicPr>
-          <p:cNvPr id="50" name="그림 47" descr="C:/Users/Admin1/AppData/Roaming/PolarisOffice/ETemp/23328_19313576/fImage174903232995.png"/>
+          <p:cNvPr id="50" name="그림 47"/>
           <p:cNvPicPr>
             <a:picLocks noChangeAspect="1"/>
           </p:cNvPicPr>
@@ -8083,7 +9984,7 @@
       </p:pic>
       <p:pic>
         <p:nvPicPr>
-          <p:cNvPr id="51" name="그림 48" descr="C:/Users/Admin1/AppData/Roaming/PolarisOffice/ETemp/23328_19313576/fImage179493241942.png"/>
+          <p:cNvPr id="51" name="그림 48"/>
           <p:cNvPicPr>
             <a:picLocks noChangeAspect="1"/>
           </p:cNvPicPr>
@@ -8216,7 +10117,7 @@
       </p:sp>
       <p:pic>
         <p:nvPicPr>
-          <p:cNvPr id="53" name="그림 43" descr="C:/Users/Admin1/AppData/Roaming/PolarisOffice/ETemp/23328_19313576/fImage215422449169.png"/>
+          <p:cNvPr id="53" name="그림 43"/>
           <p:cNvPicPr>
             <a:picLocks noChangeAspect="1"/>
           </p:cNvPicPr>
@@ -8245,7 +10146,7 @@
       </p:pic>
       <p:pic>
         <p:nvPicPr>
-          <p:cNvPr id="54" name="그림 44" descr="C:/Users/Admin1/AppData/Roaming/PolarisOffice/ETemp/23328_19313576/fImage131882455724.png"/>
+          <p:cNvPr id="54" name="그림 44"/>
           <p:cNvPicPr>
             <a:picLocks noChangeAspect="1"/>
           </p:cNvPicPr>
@@ -8448,7 +10349,7 @@
       </p:sp>
       <p:pic>
         <p:nvPicPr>
-          <p:cNvPr id="27" name="그림 54" descr="C:/Users/Admin1/AppData/Roaming/PolarisOffice/ETemp/23328_19313576/fImage177733304604.png"/>
+          <p:cNvPr id="27" name="그림 54"/>
           <p:cNvPicPr>
             <a:picLocks noChangeAspect="1"/>
           </p:cNvPicPr>
@@ -8477,7 +10378,7 @@
       </p:pic>
       <p:pic>
         <p:nvPicPr>
-          <p:cNvPr id="28" name="그림 55" descr="C:/Users/Admin1/AppData/Roaming/PolarisOffice/ETemp/23328_19313576/fImage179693313902.png"/>
+          <p:cNvPr id="28" name="그림 55"/>
           <p:cNvPicPr>
             <a:picLocks noChangeAspect="1"/>
           </p:cNvPicPr>
@@ -8647,7 +10548,7 @@
       </p:sp>
       <p:pic>
         <p:nvPicPr>
-          <p:cNvPr id="30" name="그림 48" descr="C:/Users/Admin1/AppData/Roaming/PolarisOffice/ETemp/23328_19313576/fImage191382218467.png"/>
+          <p:cNvPr id="30" name="그림 48"/>
           <p:cNvPicPr>
             <a:picLocks noChangeAspect="1"/>
           </p:cNvPicPr>
@@ -8678,7 +10579,7 @@
       </p:pic>
       <p:pic>
         <p:nvPicPr>
-          <p:cNvPr id="31" name="그림 49" descr="C:/Users/Admin1/AppData/Roaming/PolarisOffice/ETemp/23328_19313576/fImage43432481478.png"/>
+          <p:cNvPr id="31" name="그림 49"/>
           <p:cNvPicPr>
             <a:picLocks noChangeAspect="1"/>
           </p:cNvPicPr>
@@ -9081,7 +10982,7 @@
       </p:sp>
       <p:pic>
         <p:nvPicPr>
-          <p:cNvPr id="53" name="그림 1" descr="C:/Users/Admin1/AppData/Roaming/PolarisOffice/ETemp/23328_19313576/fImage207020141.png"/>
+          <p:cNvPr id="53" name="그림 1"/>
           <p:cNvPicPr>
             <a:picLocks noChangeAspect="1"/>
           </p:cNvPicPr>
@@ -9112,7 +11013,7 @@
       </p:pic>
       <p:pic>
         <p:nvPicPr>
-          <p:cNvPr id="57" name="그림 10" descr="C:/Users/Admin1/AppData/Roaming/PolarisOffice/ETemp/23328_19313576/fImage162532058467.png"/>
+          <p:cNvPr id="57" name="그림 10"/>
           <p:cNvPicPr>
             <a:picLocks noChangeAspect="1"/>
           </p:cNvPicPr>
@@ -9143,7 +11044,7 @@
       </p:pic>
       <p:pic>
         <p:nvPicPr>
-          <p:cNvPr id="58" name="그림 53" descr="C:/Users/Admin1/AppData/Roaming/PolarisOffice/ETemp/23328_19313576/fImage48432509358.png"/>
+          <p:cNvPr id="58" name="그림 53"/>
           <p:cNvPicPr>
             <a:picLocks noChangeAspect="1"/>
           </p:cNvPicPr>
@@ -9242,7 +11143,7 @@
       </p:cxnSp>
       <p:pic>
         <p:nvPicPr>
-          <p:cNvPr id="60" name="그림 57" descr="C:/Users/Admin1/AppData/Roaming/PolarisOffice/ETemp/23328_19313576/fImage121222526962.png"/>
+          <p:cNvPr id="60" name="그림 57"/>
           <p:cNvPicPr>
             <a:picLocks noChangeAspect="1"/>
           </p:cNvPicPr>
@@ -9604,7 +11505,7 @@
       </p:sp>
       <p:pic>
         <p:nvPicPr>
-          <p:cNvPr id="68" name="그림 61" descr="C:/Users/Admin1/AppData/Roaming/PolarisOffice/ETemp/23328_19313576/fImage56242544464.png"/>
+          <p:cNvPr id="68" name="그림 61"/>
           <p:cNvPicPr>
             <a:picLocks noChangeAspect="1"/>
           </p:cNvPicPr>
@@ -9635,7 +11536,7 @@
       </p:pic>
       <p:pic>
         <p:nvPicPr>
-          <p:cNvPr id="69" name="그림 64" descr="C:/Users/Admin1/AppData/Roaming/PolarisOffice/ETemp/23328_19313576/fImage57802555705.png"/>
+          <p:cNvPr id="69" name="그림 64"/>
           <p:cNvPicPr>
             <a:picLocks noChangeAspect="1"/>
           </p:cNvPicPr>
@@ -9666,7 +11567,7 @@
       </p:pic>
       <p:pic>
         <p:nvPicPr>
-          <p:cNvPr id="70" name="그림 68" descr="C:/Users/Admin1/AppData/Roaming/PolarisOffice/ETemp/23328_19313576/fImage85062588145.png"/>
+          <p:cNvPr id="70" name="그림 68"/>
           <p:cNvPicPr>
             <a:picLocks noChangeAspect="1"/>
           </p:cNvPicPr>
@@ -9782,7 +11683,7 @@
       </p:sp>
       <p:pic>
         <p:nvPicPr>
-          <p:cNvPr id="72" name="그림 70" descr="C:/Users/Admin1/AppData/Roaming/PolarisOffice/ETemp/23328_19313576/fImage254542603281.png"/>
+          <p:cNvPr id="72" name="그림 70"/>
           <p:cNvPicPr>
             <a:picLocks noChangeAspect="1"/>
           </p:cNvPicPr>
@@ -10013,7 +11914,7 @@
       </p:sp>
       <p:pic>
         <p:nvPicPr>
-          <p:cNvPr id="71" name="그림 29" descr="C:/Users/Admin1/AppData/Roaming/PolarisOffice/ETemp/23328_19313576/fImage52252156962.png"/>
+          <p:cNvPr id="71" name="그림 29"/>
           <p:cNvPicPr>
             <a:picLocks noChangeAspect="1"/>
           </p:cNvPicPr>
@@ -10042,7 +11943,7 @@
       </p:pic>
       <p:pic>
         <p:nvPicPr>
-          <p:cNvPr id="72" name="그림 30" descr="C:/Users/Admin1/AppData/Roaming/PolarisOffice/ETemp/23328_19313576/fImage44242164464.png"/>
+          <p:cNvPr id="72" name="그림 30"/>
           <p:cNvPicPr>
             <a:picLocks noChangeAspect="1"/>
           </p:cNvPicPr>
@@ -10155,7 +12056,7 @@
       </p:sp>
       <p:pic>
         <p:nvPicPr>
-          <p:cNvPr id="74" name="그림 32" descr="C:/Users/Admin1/AppData/Roaming/PolarisOffice/ETemp/23328_19313576/fImage126892185705.png"/>
+          <p:cNvPr id="74" name="그림 32"/>
           <p:cNvPicPr>
             <a:picLocks noChangeAspect="1"/>
           </p:cNvPicPr>
@@ -10367,8 +12268,8 @@
         </p:nvSpPr>
         <p:spPr>
           <a:xfrm rot="0">
-            <a:off x="1464945" y="4113530"/>
-            <a:ext cx="3940175" cy="954405"/>
+            <a:off x="1464945" y="5162550"/>
+            <a:ext cx="3926840" cy="954405"/>
           </a:xfrm>
           <a:prstGeom prst="rect"/>
           <a:noFill/>
@@ -10395,7 +12296,7 @@
                 <a:latin typeface="맑은 고딕" charset="0"/>
                 <a:ea typeface="맑은 고딕" charset="0"/>
               </a:rPr>
-              <a:t>1</a:t>
+              <a:t>20</a:t>
             </a:r>
             <a:r>
               <a:rPr lang="ko-KR" sz="2000" b="1">
@@ -10405,8 +12306,83 @@
                 <a:latin typeface="맑은 고딕" charset="0"/>
                 <a:ea typeface="맑은 고딕" charset="0"/>
               </a:rPr>
-              <a:t>9</a:t>
-            </a:r>
+              <a:t>.</a:t>
+            </a:r>
+            <a:r>
+              <a:rPr lang="ko-KR" sz="2000">
+                <a:solidFill>
+                  <a:srgbClr val="0611F2"/>
+                </a:solidFill>
+                <a:latin typeface="맑은 고딕" charset="0"/>
+                <a:ea typeface="맑은 고딕" charset="0"/>
+              </a:rPr>
+              <a:t> </a:t>
+            </a:r>
+            <a:r>
+              <a:rPr lang="ko-KR" sz="1800">
+                <a:latin typeface="맑은 고딕" charset="0"/>
+                <a:ea typeface="맑은 고딕" charset="0"/>
+              </a:rPr>
+              <a:t>그</a:t>
+            </a:r>
+            <a:r>
+              <a:rPr lang="ko-KR" sz="1800">
+                <a:latin typeface="맑은 고딕" charset="0"/>
+                <a:ea typeface="맑은 고딕" charset="0"/>
+              </a:rPr>
+              <a:t>리고</a:t>
+            </a:r>
+            <a:r>
+              <a:rPr lang="ko-KR" sz="1800">
+                <a:latin typeface="맑은 고딕" charset="0"/>
+                <a:ea typeface="맑은 고딕" charset="0"/>
+              </a:rPr>
+              <a:t> </a:t>
+            </a:r>
+            <a:r>
+              <a:rPr lang="ko-KR" sz="1800">
+                <a:latin typeface="맑은 고딕" charset="0"/>
+                <a:ea typeface="맑은 고딕" charset="0"/>
+              </a:rPr>
+              <a:t>Close Button과 Open Button에 있는 PopUp 스크립트에 Window를 넣어줍니다.</a:t>
+            </a:r>
+            <a:endParaRPr lang="ko-KR" altLang="en-US" sz="1800">
+              <a:latin typeface="맑은 고딕" charset="0"/>
+              <a:ea typeface="맑은 고딕" charset="0"/>
+            </a:endParaRPr>
+          </a:p>
+        </p:txBody>
+      </p:sp>
+      <p:sp>
+        <p:nvSpPr>
+          <p:cNvPr id="73" name="텍스트 상자 45"/>
+          <p:cNvSpPr txBox="1">
+            <a:spLocks/>
+          </p:cNvSpPr>
+          <p:nvPr/>
+        </p:nvSpPr>
+        <p:spPr>
+          <a:xfrm rot="0">
+            <a:off x="6699250" y="3275965"/>
+            <a:ext cx="4334510" cy="677545"/>
+          </a:xfrm>
+          <a:prstGeom prst="rect"/>
+          <a:noFill/>
+          <a:ln w="0">
+            <a:noFill/>
+            <a:prstDash/>
+          </a:ln>
+        </p:spPr>
+        <p:txBody>
+          <a:bodyPr wrap="square" lIns="89535" tIns="46355" rIns="89535" bIns="46355" numCol="1" vert="horz" anchor="t">
+            <a:spAutoFit/>
+          </a:bodyPr>
+          <a:lstStyle/>
+          <a:p>
+            <a:pPr marL="0" indent="0" algn="l" latinLnBrk="0" hangingPunct="1">
+              <a:buFontTx/>
+              <a:buNone/>
+            </a:pPr>
             <a:r>
               <a:rPr lang="ko-KR" sz="2000" b="1">
                 <a:solidFill>
@@ -10415,6 +12391,16 @@
                 <a:latin typeface="맑은 고딕" charset="0"/>
                 <a:ea typeface="맑은 고딕" charset="0"/>
               </a:rPr>
+              <a:t>21</a:t>
+            </a:r>
+            <a:r>
+              <a:rPr lang="ko-KR" sz="2000" b="1">
+                <a:solidFill>
+                  <a:srgbClr val="0611F2"/>
+                </a:solidFill>
+                <a:latin typeface="맑은 고딕" charset="0"/>
+                <a:ea typeface="맑은 고딕" charset="0"/>
+              </a:rPr>
               <a:t>.</a:t>
             </a:r>
             <a:r>
@@ -10432,14 +12418,21 @@
                 <a:latin typeface="맑은 고딕" charset="0"/>
                 <a:ea typeface="맑은 고딕" charset="0"/>
               </a:rPr>
-              <a:t>그다음 </a:t>
+              <a:t>이제 Close Button과 Open Button에 On Click( )</a:t>
             </a:r>
             <a:r>
               <a:rPr lang="ko-KR" sz="1800">
                 <a:latin typeface="맑은 고딕" charset="0"/>
                 <a:ea typeface="맑은 고딕" charset="0"/>
               </a:rPr>
-              <a:t>각각의 버튼에 On Click 함수에 PopUp 스크립트를 가지고 있는 Canvas 오브젝트를 넣어줍니다.</a:t>
+              <a:t> </a:t>
+            </a:r>
+            <a:r>
+              <a:rPr lang="ko-KR" sz="1800">
+                <a:latin typeface="맑은 고딕" charset="0"/>
+                <a:ea typeface="맑은 고딕" charset="0"/>
+              </a:rPr>
+              <a:t>함수를 추가합니다.</a:t>
             </a:r>
             <a:endParaRPr lang="ko-KR" altLang="en-US" sz="1800">
               <a:latin typeface="맑은 고딕" charset="0"/>
@@ -10450,14 +12443,76 @@
       </p:sp>
       <p:pic>
         <p:nvPicPr>
-          <p:cNvPr id="71" name="그림 39"/>
+          <p:cNvPr id="74" name="그림 72"/>
           <p:cNvPicPr>
             <a:picLocks noChangeAspect="1"/>
           </p:cNvPicPr>
           <p:nvPr/>
         </p:nvPicPr>
         <p:blipFill rotWithShape="1">
-          <a:blip r:embed="rId8" cstate="print">
+          <a:blip r:embed="rId10" cstate="hqprint">
+            <a:extLst>
+              <a:ext uri="{28A0092B-C50C-407E-A947-70E740481C1C}">
+                <a14:useLocalDpi xmlns:a14="http://schemas.microsoft.com/office/drawing/2010/main"/>
+              </a:ext>
+            </a:extLst>
+          </a:blip>
+          <a:stretch>
+            <a:fillRect/>
+          </a:stretch>
+        </p:blipFill>
+        <p:spPr>
+          <a:xfrm rot="0">
+            <a:off x="1466850" y="4114800"/>
+            <a:ext cx="3915410" cy="886460"/>
+          </a:xfrm>
+          <a:prstGeom prst="roundRect"/>
+          <a:solidFill>
+            <a:srgbClr val="EDEDED"/>
+          </a:solidFill>
+        </p:spPr>
+      </p:pic>
+      <p:pic>
+        <p:nvPicPr>
+          <p:cNvPr id="75" name="그림 73"/>
+          <p:cNvPicPr>
+            <a:picLocks noChangeAspect="1"/>
+          </p:cNvPicPr>
+          <p:nvPr/>
+        </p:nvPicPr>
+        <p:blipFill rotWithShape="1">
+          <a:blip r:embed="rId11" cstate="hqprint">
+            <a:extLst>
+              <a:ext uri="{28A0092B-C50C-407E-A947-70E740481C1C}">
+                <a14:useLocalDpi xmlns:a14="http://schemas.microsoft.com/office/drawing/2010/main"/>
+              </a:ext>
+            </a:extLst>
+          </a:blip>
+          <a:stretch>
+            <a:fillRect/>
+          </a:stretch>
+        </p:blipFill>
+        <p:spPr>
+          <a:xfrm rot="0">
+            <a:off x="1457325" y="1314450"/>
+            <a:ext cx="1753235" cy="2562860"/>
+          </a:xfrm>
+          <a:prstGeom prst="roundRect"/>
+          <a:solidFill>
+            <a:srgbClr val="EDEDED"/>
+          </a:solidFill>
+        </p:spPr>
+      </p:pic>
+      <p:pic>
+        <p:nvPicPr>
+          <p:cNvPr id="76" name="그림 6"/>
+          <p:cNvPicPr>
+            <a:picLocks noChangeAspect="1"/>
+          </p:cNvPicPr>
+          <p:nvPr/>
+        </p:nvPicPr>
+        <p:blipFill rotWithShape="1">
+          <a:blip r:embed="rId12" cstate="print">
             <a:extLst>
               <a:ext uri="{28A0092B-C50C-407E-A947-70E740481C1C}">
                 <a14:useLocalDpi xmlns:a14="http://schemas.microsoft.com/office/drawing/2010/main" val="0"/>
@@ -10470,8 +12525,8 @@
         </p:blipFill>
         <p:spPr>
           <a:xfrm rot="0">
-            <a:off x="6868160" y="1301750"/>
-            <a:ext cx="3856355" cy="1367155"/>
+            <a:off x="3829050" y="1514475"/>
+            <a:ext cx="1562735" cy="2181860"/>
           </a:xfrm>
           <a:prstGeom prst="roundRect"/>
           <a:solidFill>
@@ -10479,16 +12534,82 @@
           </a:solidFill>
         </p:spPr>
       </p:pic>
+      <p:cxnSp>
+        <p:nvCxnSpPr>
+          <p:cNvPr id="77" name="도형 9"/>
+          <p:cNvCxnSpPr/>
+          <p:nvPr/>
+        </p:nvCxnSpPr>
+        <p:spPr>
+          <a:xfrm rot="0" flipH="1" flipV="1">
+            <a:off x="2667000" y="2400300"/>
+            <a:ext cx="1505585" cy="295910"/>
+          </a:xfrm>
+          <a:prstGeom prst="straightConnector1"/>
+          <a:ln w="6350" cap="flat" cmpd="sng">
+            <a:prstDash/>
+            <a:headEnd type="none" w="med" len="med"/>
+            <a:tailEnd type="triangle" w="med" len="med"/>
+          </a:ln>
+        </p:spPr>
+        <p:style>
+          <a:lnRef idx="1">
+            <a:schemeClr val="accent1"/>
+          </a:lnRef>
+          <a:fillRef idx="0">
+            <a:schemeClr val="accent1"/>
+          </a:fillRef>
+          <a:effectRef idx="0">
+            <a:schemeClr val="accent1"/>
+          </a:effectRef>
+          <a:fontRef idx="minor">
+            <a:schemeClr val="tx1"/>
+          </a:fontRef>
+        </p:style>
+      </p:cxnSp>
+      <p:cxnSp>
+        <p:nvCxnSpPr>
+          <p:cNvPr id="78" name="도형 10"/>
+          <p:cNvCxnSpPr/>
+          <p:nvPr/>
+        </p:nvCxnSpPr>
+        <p:spPr>
+          <a:xfrm rot="0" flipH="1" flipV="1">
+            <a:off x="2676525" y="2400300"/>
+            <a:ext cx="1305560" cy="600710"/>
+          </a:xfrm>
+          <a:prstGeom prst="straightConnector1"/>
+          <a:ln w="6350" cap="flat" cmpd="sng">
+            <a:prstDash/>
+            <a:headEnd type="none" w="med" len="med"/>
+            <a:tailEnd type="triangle" w="med" len="med"/>
+          </a:ln>
+        </p:spPr>
+        <p:style>
+          <a:lnRef idx="1">
+            <a:schemeClr val="accent1"/>
+          </a:lnRef>
+          <a:fillRef idx="0">
+            <a:schemeClr val="accent1"/>
+          </a:fillRef>
+          <a:effectRef idx="0">
+            <a:schemeClr val="accent1"/>
+          </a:effectRef>
+          <a:fontRef idx="minor">
+            <a:schemeClr val="tx1"/>
+          </a:fontRef>
+        </p:style>
+      </p:cxnSp>
       <p:pic>
         <p:nvPicPr>
-          <p:cNvPr id="72" name="그림 40"/>
+          <p:cNvPr id="79" name="그림 11"/>
           <p:cNvPicPr>
             <a:picLocks noChangeAspect="1"/>
           </p:cNvPicPr>
           <p:nvPr/>
         </p:nvPicPr>
         <p:blipFill rotWithShape="1">
-          <a:blip r:embed="rId9" cstate="print">
+          <a:blip r:embed="rId13" cstate="print">
             <a:extLst>
               <a:ext uri="{28A0092B-C50C-407E-A947-70E740481C1C}">
                 <a14:useLocalDpi xmlns:a14="http://schemas.microsoft.com/office/drawing/2010/main" val="0"/>
@@ -10501,8 +12622,8 @@
         </p:blipFill>
         <p:spPr>
           <a:xfrm rot="0">
-            <a:off x="6858635" y="2926080"/>
-            <a:ext cx="3865245" cy="1355725"/>
+            <a:off x="8020050" y="1557020"/>
+            <a:ext cx="3143885" cy="705485"/>
           </a:xfrm>
           <a:prstGeom prst="roundRect"/>
           <a:solidFill>
@@ -10510,90 +12631,16 @@
           </a:solidFill>
         </p:spPr>
       </p:pic>
-      <p:sp>
-        <p:nvSpPr>
-          <p:cNvPr id="73" name="텍스트 상자 45"/>
-          <p:cNvSpPr txBox="1">
-            <a:spLocks/>
-          </p:cNvSpPr>
-          <p:nvPr/>
-        </p:nvSpPr>
-        <p:spPr>
-          <a:xfrm rot="0">
-            <a:off x="6873875" y="4392930"/>
-            <a:ext cx="3850640" cy="677545"/>
-          </a:xfrm>
-          <a:prstGeom prst="rect"/>
-          <a:noFill/>
-          <a:ln w="0">
-            <a:noFill/>
-            <a:prstDash/>
-          </a:ln>
-        </p:spPr>
-        <p:txBody>
-          <a:bodyPr wrap="square" lIns="89535" tIns="46355" rIns="89535" bIns="46355" numCol="1" vert="horz" anchor="t">
-            <a:spAutoFit/>
-          </a:bodyPr>
-          <a:lstStyle/>
-          <a:p>
-            <a:pPr marL="0" indent="0" algn="l" latinLnBrk="0" hangingPunct="1">
-              <a:buFontTx/>
-              <a:buNone/>
-            </a:pPr>
-            <a:r>
-              <a:rPr lang="ko-KR" sz="2000" b="1">
-                <a:solidFill>
-                  <a:srgbClr val="0611F2"/>
-                </a:solidFill>
-                <a:latin typeface="맑은 고딕" charset="0"/>
-                <a:ea typeface="맑은 고딕" charset="0"/>
-              </a:rPr>
-              <a:t>20</a:t>
-            </a:r>
-            <a:r>
-              <a:rPr lang="ko-KR" sz="2000" b="1">
-                <a:solidFill>
-                  <a:srgbClr val="0611F2"/>
-                </a:solidFill>
-                <a:latin typeface="맑은 고딕" charset="0"/>
-                <a:ea typeface="맑은 고딕" charset="0"/>
-              </a:rPr>
-              <a:t>.</a:t>
-            </a:r>
-            <a:r>
-              <a:rPr lang="ko-KR" sz="2000">
-                <a:solidFill>
-                  <a:srgbClr val="0611F2"/>
-                </a:solidFill>
-                <a:latin typeface="맑은 고딕" charset="0"/>
-                <a:ea typeface="맑은 고딕" charset="0"/>
-              </a:rPr>
-              <a:t> </a:t>
-            </a:r>
-            <a:r>
-              <a:rPr lang="ko-KR" sz="1800">
-                <a:latin typeface="맑은 고딕" charset="0"/>
-                <a:ea typeface="맑은 고딕" charset="0"/>
-              </a:rPr>
-              <a:t>마지막으로 각각의 버튼에 원하는 함수를 설정합니다. </a:t>
-            </a:r>
-            <a:endParaRPr lang="ko-KR" altLang="en-US" sz="1800">
-              <a:latin typeface="맑은 고딕" charset="0"/>
-              <a:ea typeface="맑은 고딕" charset="0"/>
-            </a:endParaRPr>
-          </a:p>
-        </p:txBody>
-      </p:sp>
       <p:pic>
         <p:nvPicPr>
-          <p:cNvPr id="74" name="그림 72" descr="C:/Users/Admin1/AppData/Roaming/PolarisOffice/ETemp/23328_19313576/fImage67822616827.png"/>
+          <p:cNvPr id="80" name="그림 14"/>
           <p:cNvPicPr>
             <a:picLocks noChangeAspect="1"/>
           </p:cNvPicPr>
           <p:nvPr/>
         </p:nvPicPr>
         <p:blipFill rotWithShape="1">
-          <a:blip r:embed="rId10" cstate="print">
+          <a:blip r:embed="rId14" cstate="print">
             <a:extLst>
               <a:ext uri="{28A0092B-C50C-407E-A947-70E740481C1C}">
                 <a14:useLocalDpi xmlns:a14="http://schemas.microsoft.com/office/drawing/2010/main" val="0"/>
@@ -10606,8 +12653,8 @@
         </p:blipFill>
         <p:spPr>
           <a:xfrm rot="0">
-            <a:off x="1463675" y="1286510"/>
-            <a:ext cx="3906520" cy="601980"/>
+            <a:off x="6701155" y="1500505"/>
+            <a:ext cx="1195705" cy="1638300"/>
           </a:xfrm>
           <a:prstGeom prst="roundRect"/>
           <a:solidFill>
@@ -10617,14 +12664,14 @@
       </p:pic>
       <p:pic>
         <p:nvPicPr>
-          <p:cNvPr id="75" name="그림 73" descr="C:/Users/Admin1/AppData/Roaming/PolarisOffice/ETemp/23328_19313576/fImage62542629961.png"/>
+          <p:cNvPr id="81" name="그림 15"/>
           <p:cNvPicPr>
             <a:picLocks noChangeAspect="1"/>
           </p:cNvPicPr>
           <p:nvPr/>
         </p:nvPicPr>
         <p:blipFill rotWithShape="1">
-          <a:blip r:embed="rId11" cstate="print">
+          <a:blip r:embed="rId15" cstate="print">
             <a:extLst>
               <a:ext uri="{28A0092B-C50C-407E-A947-70E740481C1C}">
                 <a14:useLocalDpi xmlns:a14="http://schemas.microsoft.com/office/drawing/2010/main" val="0"/>
@@ -10637,8 +12684,8 @@
         </p:blipFill>
         <p:spPr>
           <a:xfrm rot="0">
-            <a:off x="1466850" y="2167255"/>
-            <a:ext cx="1343660" cy="1479550"/>
+            <a:off x="8015605" y="2419350"/>
+            <a:ext cx="3143885" cy="705485"/>
           </a:xfrm>
           <a:prstGeom prst="roundRect"/>
           <a:solidFill>
@@ -10646,6 +12693,125 @@
           </a:solidFill>
         </p:spPr>
       </p:pic>
+      <p:pic>
+        <p:nvPicPr>
+          <p:cNvPr id="82" name="그림 16"/>
+          <p:cNvPicPr>
+            <a:picLocks noChangeAspect="1"/>
+          </p:cNvPicPr>
+          <p:nvPr/>
+        </p:nvPicPr>
+        <p:blipFill rotWithShape="1">
+          <a:blip r:embed="rId16" cstate="print">
+            <a:extLst>
+              <a:ext uri="{28A0092B-C50C-407E-A947-70E740481C1C}">
+                <a14:useLocalDpi xmlns:a14="http://schemas.microsoft.com/office/drawing/2010/main" val="0"/>
+              </a:ext>
+            </a:extLst>
+          </a:blip>
+          <a:stretch>
+            <a:fillRect/>
+          </a:stretch>
+        </p:blipFill>
+        <p:spPr>
+          <a:xfrm rot="0">
+            <a:off x="6702425" y="4026535"/>
+            <a:ext cx="4467860" cy="1014095"/>
+          </a:xfrm>
+          <a:prstGeom prst="roundRect"/>
+          <a:solidFill>
+            <a:srgbClr val="EDEDED"/>
+          </a:solidFill>
+        </p:spPr>
+      </p:pic>
+      <p:sp>
+        <p:nvSpPr>
+          <p:cNvPr id="83" name="텍스트 상자 19"/>
+          <p:cNvSpPr txBox="1">
+            <a:spLocks/>
+          </p:cNvSpPr>
+          <p:nvPr/>
+        </p:nvSpPr>
+        <p:spPr>
+          <a:xfrm rot="0">
+            <a:off x="6701790" y="5157470"/>
+            <a:ext cx="4460875" cy="954405"/>
+          </a:xfrm>
+          <a:prstGeom prst="rect"/>
+          <a:noFill/>
+          <a:ln w="0">
+            <a:noFill/>
+            <a:prstDash/>
+          </a:ln>
+        </p:spPr>
+        <p:txBody>
+          <a:bodyPr wrap="square" lIns="89535" tIns="46355" rIns="89535" bIns="46355" numCol="1" vert="horz" anchor="t">
+            <a:spAutoFit/>
+          </a:bodyPr>
+          <a:lstStyle/>
+          <a:p>
+            <a:pPr marL="0" indent="0" algn="l" latinLnBrk="0" hangingPunct="1">
+              <a:buFontTx/>
+              <a:buNone/>
+            </a:pPr>
+            <a:r>
+              <a:rPr lang="ko-KR" sz="2000" b="1">
+                <a:solidFill>
+                  <a:srgbClr val="0611F2"/>
+                </a:solidFill>
+                <a:latin typeface="맑은 고딕" charset="0"/>
+                <a:ea typeface="맑은 고딕" charset="0"/>
+              </a:rPr>
+              <a:t>22</a:t>
+            </a:r>
+            <a:r>
+              <a:rPr lang="ko-KR" sz="2000" b="1">
+                <a:solidFill>
+                  <a:srgbClr val="0611F2"/>
+                </a:solidFill>
+                <a:latin typeface="맑은 고딕" charset="0"/>
+                <a:ea typeface="맑은 고딕" charset="0"/>
+              </a:rPr>
+              <a:t>.</a:t>
+            </a:r>
+            <a:r>
+              <a:rPr lang="ko-KR" sz="2000">
+                <a:solidFill>
+                  <a:srgbClr val="0611F2"/>
+                </a:solidFill>
+                <a:latin typeface="맑은 고딕" charset="0"/>
+                <a:ea typeface="맑은 고딕" charset="0"/>
+              </a:rPr>
+              <a:t> </a:t>
+            </a:r>
+            <a:r>
+              <a:rPr lang="ko-KR" sz="1800">
+                <a:latin typeface="맑은 고딕" charset="0"/>
+                <a:ea typeface="맑은 고딕" charset="0"/>
+              </a:rPr>
+              <a:t>그다음 Close Button의 On Click( )</a:t>
+            </a:r>
+            <a:r>
+              <a:rPr lang="ko-KR" sz="1800">
+                <a:latin typeface="맑은 고딕" charset="0"/>
+                <a:ea typeface="맑은 고딕" charset="0"/>
+              </a:rPr>
+              <a:t> </a:t>
+            </a:r>
+            <a:r>
+              <a:rPr lang="ko-KR" sz="1800">
+                <a:latin typeface="맑은 고딕" charset="0"/>
+                <a:ea typeface="맑은 고딕" charset="0"/>
+              </a:rPr>
+              <a:t>함수에 자기 자신을 넣어주고 함수를 지정합니다.</a:t>
+            </a:r>
+            <a:endParaRPr lang="ko-KR" altLang="en-US" sz="1800">
+              <a:latin typeface="맑은 고딕" charset="0"/>
+              <a:ea typeface="맑은 고딕" charset="0"/>
+            </a:endParaRPr>
+          </a:p>
+        </p:txBody>
+      </p:sp>
     </p:spTree>
   </p:cSld>
   <p:clrMapOvr>

--- a/Assets/Class/Animation Clip/PPT Data/Animation Clip Example.pptx
+++ b/Assets/Class/Animation Clip/PPT Data/Animation Clip Example.pptx
@@ -2,7 +2,7 @@
 <file path=ppt/presentation.xml><?xml version="1.0" encoding="utf-8"?>
 <p:presentation xmlns:a="http://schemas.openxmlformats.org/drawingml/2006/main" xmlns:r="http://schemas.openxmlformats.org/officeDocument/2006/relationships" xmlns:p="http://schemas.openxmlformats.org/presentationml/2006/main" xmlns:p14="http://schemas.microsoft.com/office/powerpoint/2010/main" saveSubsetFonts="1" firstSlideNum="0">
   <p:sldMasterIdLst>
-    <p:sldMasterId id="2147486893" r:id="rId12"/>
+    <p:sldMasterId id="2147486957" r:id="rId12"/>
   </p:sldMasterIdLst>
   <p:notesMasterIdLst>
     <p:notesMasterId r:id="rId14"/>
@@ -10,16 +10,20 @@
   <p:sldIdLst>
     <p:sldId id="315" r:id="rId16"/>
     <p:sldId id="327" r:id="rId17"/>
-    <p:sldId id="319" r:id="rId18"/>
-    <p:sldId id="321" r:id="rId19"/>
-    <p:sldId id="322" r:id="rId20"/>
-    <p:sldId id="323" r:id="rId21"/>
-    <p:sldId id="324" r:id="rId22"/>
-    <p:sldId id="325" r:id="rId23"/>
-    <p:sldId id="326" r:id="rId24"/>
-    <p:sldId id="328" r:id="rId25"/>
-    <p:sldId id="329" r:id="rId26"/>
-    <p:sldId id="330" r:id="rId27"/>
+    <p:sldId id="331" r:id="rId18"/>
+    <p:sldId id="319" r:id="rId19"/>
+    <p:sldId id="321" r:id="rId20"/>
+    <p:sldId id="333" r:id="rId21"/>
+    <p:sldId id="334" r:id="rId22"/>
+    <p:sldId id="335" r:id="rId23"/>
+    <p:sldId id="322" r:id="rId24"/>
+    <p:sldId id="323" r:id="rId25"/>
+    <p:sldId id="324" r:id="rId26"/>
+    <p:sldId id="332" r:id="rId27"/>
+    <p:sldId id="326" r:id="rId28"/>
+    <p:sldId id="328" r:id="rId29"/>
+    <p:sldId id="329" r:id="rId30"/>
+    <p:sldId id="330" r:id="rId31"/>
   </p:sldIdLst>
   <p:sldSz cx="12192000" cy="6858000"/>
   <p:notesSz cx="6858000" cy="9144000"/>
@@ -650,7 +654,7 @@
         <p:spPr>
           <a:xfrm rot="0">
             <a:off x="685800" y="1143000"/>
-            <a:ext cx="5495290" cy="3094990"/>
+            <a:ext cx="5494655" cy="3094355"/>
           </a:xfrm>
           <a:prstGeom prst="rect"/>
           <a:noFill/>
@@ -689,7 +693,7 @@
         <p:spPr>
           <a:xfrm rot="0">
             <a:off x="685800" y="4400550"/>
-            <a:ext cx="5495290" cy="3609340"/>
+            <a:ext cx="5494655" cy="3608705"/>
           </a:xfrm>
           <a:prstGeom prst="rect"/>
         </p:spPr>
@@ -719,7 +723,7 @@
         <p:spPr>
           <a:xfrm rot="0">
             <a:off x="3884930" y="8685530"/>
-            <a:ext cx="2980690" cy="467360"/>
+            <a:ext cx="2980055" cy="466725"/>
           </a:xfrm>
           <a:prstGeom prst="rect"/>
         </p:spPr>
@@ -792,7 +796,7 @@
         <p:spPr>
           <a:xfrm rot="0">
             <a:off x="685800" y="1143000"/>
-            <a:ext cx="5495925" cy="3095625"/>
+            <a:ext cx="5494655" cy="3094355"/>
           </a:xfrm>
           <a:prstGeom prst="rect"/>
           <a:noFill/>
@@ -831,7 +835,7 @@
         <p:spPr>
           <a:xfrm rot="0">
             <a:off x="685800" y="4400550"/>
-            <a:ext cx="5495925" cy="3609975"/>
+            <a:ext cx="5494655" cy="3608705"/>
           </a:xfrm>
           <a:prstGeom prst="rect"/>
         </p:spPr>
@@ -861,7 +865,7 @@
         <p:spPr>
           <a:xfrm rot="0">
             <a:off x="3884930" y="8685530"/>
-            <a:ext cx="2981325" cy="467995"/>
+            <a:ext cx="2980055" cy="466725"/>
           </a:xfrm>
           <a:prstGeom prst="rect"/>
         </p:spPr>
@@ -934,6 +938,574 @@
         <p:spPr>
           <a:xfrm rot="0">
             <a:off x="685800" y="1143000"/>
+            <a:ext cx="5495290" cy="3094990"/>
+          </a:xfrm>
+          <a:prstGeom prst="rect"/>
+          <a:noFill/>
+          <a:ln w="12700" cap="flat" cmpd="sng">
+            <a:solidFill>
+              <a:srgbClr val="000000">
+                <a:alpha val="100000"/>
+              </a:srgbClr>
+            </a:solidFill>
+            <a:prstDash val="solid"/>
+          </a:ln>
+        </p:spPr>
+        <p:txBody>
+          <a:bodyPr wrap="square" lIns="91440" tIns="45720" rIns="91440" bIns="45720" numCol="1" vert="horz" anchor="ctr">
+            <a:noAutofit/>
+          </a:bodyPr>
+          <a:lstStyle/>
+          <a:p>
+            <a:pPr marL="0" indent="0" latinLnBrk="0">
+              <a:buFontTx/>
+              <a:buNone/>
+            </a:pPr>
+          </a:p>
+        </p:txBody>
+      </p:sp>
+      <p:sp>
+        <p:nvSpPr>
+          <p:cNvPr id="3" name="슬라이드 노트 개체 틀 4"/>
+          <p:cNvSpPr txBox="1">
+            <a:spLocks/>
+          </p:cNvSpPr>
+          <p:nvPr>
+            <p:ph type="body" idx="3"/>
+          </p:nvPr>
+        </p:nvSpPr>
+        <p:spPr>
+          <a:xfrm rot="0">
+            <a:off x="685800" y="4400550"/>
+            <a:ext cx="5495290" cy="3609340"/>
+          </a:xfrm>
+          <a:prstGeom prst="rect"/>
+        </p:spPr>
+        <p:txBody>
+          <a:bodyPr wrap="square" lIns="91440" tIns="45720" rIns="91440" bIns="45720" numCol="1" vert="horz" anchor="t">
+            <a:noAutofit/>
+          </a:bodyPr>
+          <a:lstStyle/>
+          <a:p>
+            <a:pPr marL="0" indent="0" latinLnBrk="0">
+              <a:buFontTx/>
+              <a:buNone/>
+            </a:pPr>
+          </a:p>
+        </p:txBody>
+      </p:sp>
+      <p:sp>
+        <p:nvSpPr>
+          <p:cNvPr id="4" name="슬라이드 번호 개체 틀 6"/>
+          <p:cNvSpPr txBox="1">
+            <a:spLocks/>
+          </p:cNvSpPr>
+          <p:nvPr>
+            <p:ph type="sldNum" idx="5"/>
+          </p:nvPr>
+        </p:nvSpPr>
+        <p:spPr>
+          <a:xfrm rot="0">
+            <a:off x="3884930" y="8685530"/>
+            <a:ext cx="2980690" cy="467360"/>
+          </a:xfrm>
+          <a:prstGeom prst="rect"/>
+        </p:spPr>
+        <p:txBody>
+          <a:bodyPr wrap="square" lIns="91440" tIns="45720" rIns="91440" bIns="45720" numCol="1" vert="horz" anchor="b">
+            <a:noAutofit/>
+          </a:bodyPr>
+          <a:lstStyle>
+            <a:lvl1pPr marL="0" indent="0" algn="r" latinLnBrk="0">
+              <a:buFontTx/>
+              <a:buNone/>
+              <a:defRPr lang="en-GB" altLang="en-US" sz="1200"/>
+            </a:lvl1pPr>
+          </a:lstStyle>
+          <a:p>
+            <a:pPr marL="0" indent="0" latinLnBrk="0">
+              <a:buFontTx/>
+              <a:buNone/>
+            </a:pPr>
+            <a:fld id="{B9320F77-B9A0-41C5-862A-B4B631284C64}" type="slidenum">
+              <a:rPr lang="ko-KR" altLang="en-US"/>
+              <a:t>‹#›</a:t>
+            </a:fld>
+          </a:p>
+        </p:txBody>
+      </p:sp>
+    </p:spTree>
+  </p:cSld>
+  <p:clrMapOvr>
+    <a:masterClrMapping/>
+  </p:clrMapOvr>
+  <mc:AlternateContent xmlns:mc="http://schemas.openxmlformats.org/markup-compatibility/2006">
+    <mc:Choice xmlns:p14="http://schemas.microsoft.com/office/powerpoint/2010/main" Requires="p14">
+      <p:transition spd="slow" p14:dur="0"/>
+    </mc:Choice>
+    <mc:Fallback>
+      <p:transition spd="slow"/>
+    </mc:Fallback>
+  </mc:AlternateContent>
+</p:notes>
+</file>
+
+<file path=ppt/notesSlides/notesSlide13.xml><?xml version="1.0" encoding="utf-8"?>
+<p:notes xmlns:a="http://schemas.openxmlformats.org/drawingml/2006/main" xmlns:r="http://schemas.openxmlformats.org/officeDocument/2006/relationships" xmlns:p="http://schemas.openxmlformats.org/presentationml/2006/main">
+  <p:cSld>
+    <p:spTree>
+      <p:nvGrpSpPr>
+        <p:cNvPr id="1" name=""/>
+        <p:cNvGrpSpPr/>
+        <p:nvPr/>
+      </p:nvGrpSpPr>
+      <p:grpSpPr>
+        <a:xfrm>
+          <a:off x="0" y="0"/>
+          <a:ext cx="0" cy="0"/>
+          <a:chOff x="0" y="0"/>
+          <a:chExt cx="0" cy="0"/>
+        </a:xfrm>
+      </p:grpSpPr>
+      <p:sp>
+        <p:nvSpPr>
+          <p:cNvPr id="2" name="슬라이드 이미지 개체 틀 3"/>
+          <p:cNvSpPr>
+            <a:spLocks noChangeAspect="1"/>
+          </p:cNvSpPr>
+          <p:nvPr>
+            <p:ph type="sldImg" idx="2"/>
+          </p:nvPr>
+        </p:nvSpPr>
+        <p:spPr>
+          <a:xfrm rot="0">
+            <a:off x="685800" y="1143000"/>
+            <a:ext cx="5494655" cy="3094355"/>
+          </a:xfrm>
+          <a:prstGeom prst="rect"/>
+          <a:noFill/>
+          <a:ln w="12700" cap="flat" cmpd="sng">
+            <a:solidFill>
+              <a:srgbClr val="000000">
+                <a:alpha val="100000"/>
+              </a:srgbClr>
+            </a:solidFill>
+            <a:prstDash val="solid"/>
+          </a:ln>
+        </p:spPr>
+        <p:txBody>
+          <a:bodyPr wrap="square" lIns="91440" tIns="45720" rIns="91440" bIns="45720" numCol="1" vert="horz" anchor="ctr">
+            <a:noAutofit/>
+          </a:bodyPr>
+          <a:lstStyle/>
+          <a:p>
+            <a:pPr marL="0" indent="0" latinLnBrk="0">
+              <a:buFontTx/>
+              <a:buNone/>
+            </a:pPr>
+          </a:p>
+        </p:txBody>
+      </p:sp>
+      <p:sp>
+        <p:nvSpPr>
+          <p:cNvPr id="3" name="슬라이드 노트 개체 틀 4"/>
+          <p:cNvSpPr txBox="1">
+            <a:spLocks/>
+          </p:cNvSpPr>
+          <p:nvPr>
+            <p:ph type="body" idx="3"/>
+          </p:nvPr>
+        </p:nvSpPr>
+        <p:spPr>
+          <a:xfrm rot="0">
+            <a:off x="685800" y="4400550"/>
+            <a:ext cx="5494655" cy="3608705"/>
+          </a:xfrm>
+          <a:prstGeom prst="rect"/>
+        </p:spPr>
+        <p:txBody>
+          <a:bodyPr wrap="square" lIns="91440" tIns="45720" rIns="91440" bIns="45720" numCol="1" vert="horz" anchor="t">
+            <a:noAutofit/>
+          </a:bodyPr>
+          <a:lstStyle/>
+          <a:p>
+            <a:pPr marL="0" indent="0" latinLnBrk="0">
+              <a:buFontTx/>
+              <a:buNone/>
+            </a:pPr>
+          </a:p>
+        </p:txBody>
+      </p:sp>
+      <p:sp>
+        <p:nvSpPr>
+          <p:cNvPr id="4" name="슬라이드 번호 개체 틀 6"/>
+          <p:cNvSpPr txBox="1">
+            <a:spLocks/>
+          </p:cNvSpPr>
+          <p:nvPr>
+            <p:ph type="sldNum" idx="5"/>
+          </p:nvPr>
+        </p:nvSpPr>
+        <p:spPr>
+          <a:xfrm rot="0">
+            <a:off x="3884930" y="8685530"/>
+            <a:ext cx="2980055" cy="466725"/>
+          </a:xfrm>
+          <a:prstGeom prst="rect"/>
+        </p:spPr>
+        <p:txBody>
+          <a:bodyPr wrap="square" lIns="91440" tIns="45720" rIns="91440" bIns="45720" numCol="1" vert="horz" anchor="b">
+            <a:noAutofit/>
+          </a:bodyPr>
+          <a:lstStyle>
+            <a:lvl1pPr marL="0" indent="0" algn="r" latinLnBrk="0">
+              <a:buFontTx/>
+              <a:buNone/>
+              <a:defRPr lang="en-GB" altLang="en-US" sz="1200"/>
+            </a:lvl1pPr>
+          </a:lstStyle>
+          <a:p>
+            <a:pPr marL="0" indent="0" latinLnBrk="0">
+              <a:buFontTx/>
+              <a:buNone/>
+            </a:pPr>
+            <a:fld id="{B9320F77-B9A0-41C5-862A-B4B631284C64}" type="slidenum">
+              <a:rPr lang="ko-KR" altLang="en-US"/>
+              <a:t>‹#›</a:t>
+            </a:fld>
+          </a:p>
+        </p:txBody>
+      </p:sp>
+    </p:spTree>
+  </p:cSld>
+  <p:clrMapOvr>
+    <a:masterClrMapping/>
+  </p:clrMapOvr>
+  <mc:AlternateContent xmlns:mc="http://schemas.openxmlformats.org/markup-compatibility/2006">
+    <mc:Choice xmlns:p14="http://schemas.microsoft.com/office/powerpoint/2010/main" Requires="p14">
+      <p:transition spd="slow" p14:dur="0"/>
+    </mc:Choice>
+    <mc:Fallback>
+      <p:transition spd="slow"/>
+    </mc:Fallback>
+  </mc:AlternateContent>
+</p:notes>
+</file>
+
+<file path=ppt/notesSlides/notesSlide14.xml><?xml version="1.0" encoding="utf-8"?>
+<p:notes xmlns:a="http://schemas.openxmlformats.org/drawingml/2006/main" xmlns:r="http://schemas.openxmlformats.org/officeDocument/2006/relationships" xmlns:p="http://schemas.openxmlformats.org/presentationml/2006/main">
+  <p:cSld>
+    <p:spTree>
+      <p:nvGrpSpPr>
+        <p:cNvPr id="1" name=""/>
+        <p:cNvGrpSpPr/>
+        <p:nvPr/>
+      </p:nvGrpSpPr>
+      <p:grpSpPr>
+        <a:xfrm>
+          <a:off x="0" y="0"/>
+          <a:ext cx="0" cy="0"/>
+          <a:chOff x="0" y="0"/>
+          <a:chExt cx="0" cy="0"/>
+        </a:xfrm>
+      </p:grpSpPr>
+      <p:sp>
+        <p:nvSpPr>
+          <p:cNvPr id="2" name="슬라이드 이미지 개체 틀 3"/>
+          <p:cNvSpPr>
+            <a:spLocks noChangeAspect="1"/>
+          </p:cNvSpPr>
+          <p:nvPr>
+            <p:ph type="sldImg" idx="2"/>
+          </p:nvPr>
+        </p:nvSpPr>
+        <p:spPr>
+          <a:xfrm rot="0">
+            <a:off x="685800" y="1143000"/>
+            <a:ext cx="5495290" cy="3094990"/>
+          </a:xfrm>
+          <a:prstGeom prst="rect"/>
+          <a:noFill/>
+          <a:ln w="12700" cap="flat" cmpd="sng">
+            <a:solidFill>
+              <a:srgbClr val="000000">
+                <a:alpha val="100000"/>
+              </a:srgbClr>
+            </a:solidFill>
+            <a:prstDash val="solid"/>
+          </a:ln>
+        </p:spPr>
+        <p:txBody>
+          <a:bodyPr wrap="square" lIns="91440" tIns="45720" rIns="91440" bIns="45720" numCol="1" vert="horz" anchor="ctr">
+            <a:noAutofit/>
+          </a:bodyPr>
+          <a:lstStyle/>
+          <a:p>
+            <a:pPr marL="0" indent="0" latinLnBrk="0">
+              <a:buFontTx/>
+              <a:buNone/>
+            </a:pPr>
+          </a:p>
+        </p:txBody>
+      </p:sp>
+      <p:sp>
+        <p:nvSpPr>
+          <p:cNvPr id="3" name="슬라이드 노트 개체 틀 4"/>
+          <p:cNvSpPr txBox="1">
+            <a:spLocks/>
+          </p:cNvSpPr>
+          <p:nvPr>
+            <p:ph type="body" idx="3"/>
+          </p:nvPr>
+        </p:nvSpPr>
+        <p:spPr>
+          <a:xfrm rot="0">
+            <a:off x="685800" y="4400550"/>
+            <a:ext cx="5495290" cy="3609340"/>
+          </a:xfrm>
+          <a:prstGeom prst="rect"/>
+        </p:spPr>
+        <p:txBody>
+          <a:bodyPr wrap="square" lIns="91440" tIns="45720" rIns="91440" bIns="45720" numCol="1" vert="horz" anchor="t">
+            <a:noAutofit/>
+          </a:bodyPr>
+          <a:lstStyle/>
+          <a:p>
+            <a:pPr marL="0" indent="0" latinLnBrk="0">
+              <a:buFontTx/>
+              <a:buNone/>
+            </a:pPr>
+          </a:p>
+        </p:txBody>
+      </p:sp>
+      <p:sp>
+        <p:nvSpPr>
+          <p:cNvPr id="4" name="슬라이드 번호 개체 틀 6"/>
+          <p:cNvSpPr txBox="1">
+            <a:spLocks/>
+          </p:cNvSpPr>
+          <p:nvPr>
+            <p:ph type="sldNum" idx="5"/>
+          </p:nvPr>
+        </p:nvSpPr>
+        <p:spPr>
+          <a:xfrm rot="0">
+            <a:off x="3884930" y="8685530"/>
+            <a:ext cx="2980690" cy="467360"/>
+          </a:xfrm>
+          <a:prstGeom prst="rect"/>
+        </p:spPr>
+        <p:txBody>
+          <a:bodyPr wrap="square" lIns="91440" tIns="45720" rIns="91440" bIns="45720" numCol="1" vert="horz" anchor="b">
+            <a:noAutofit/>
+          </a:bodyPr>
+          <a:lstStyle>
+            <a:lvl1pPr marL="0" indent="0" algn="r" latinLnBrk="0">
+              <a:buFontTx/>
+              <a:buNone/>
+              <a:defRPr lang="en-GB" altLang="en-US" sz="1200"/>
+            </a:lvl1pPr>
+          </a:lstStyle>
+          <a:p>
+            <a:pPr marL="0" indent="0" latinLnBrk="0">
+              <a:buFontTx/>
+              <a:buNone/>
+            </a:pPr>
+            <a:fld id="{B9320F77-B9A0-41C5-862A-B4B631284C64}" type="slidenum">
+              <a:rPr lang="ko-KR" altLang="en-US"/>
+              <a:t>‹#›</a:t>
+            </a:fld>
+          </a:p>
+        </p:txBody>
+      </p:sp>
+    </p:spTree>
+  </p:cSld>
+  <p:clrMapOvr>
+    <a:masterClrMapping/>
+  </p:clrMapOvr>
+  <mc:AlternateContent xmlns:mc="http://schemas.openxmlformats.org/markup-compatibility/2006">
+    <mc:Choice xmlns:p14="http://schemas.microsoft.com/office/powerpoint/2010/main" Requires="p14">
+      <p:transition spd="slow" p14:dur="0"/>
+    </mc:Choice>
+    <mc:Fallback>
+      <p:transition spd="slow"/>
+    </mc:Fallback>
+  </mc:AlternateContent>
+</p:notes>
+</file>
+
+<file path=ppt/notesSlides/notesSlide15.xml><?xml version="1.0" encoding="utf-8"?>
+<p:notes xmlns:a="http://schemas.openxmlformats.org/drawingml/2006/main" xmlns:r="http://schemas.openxmlformats.org/officeDocument/2006/relationships" xmlns:p="http://schemas.openxmlformats.org/presentationml/2006/main">
+  <p:cSld>
+    <p:spTree>
+      <p:nvGrpSpPr>
+        <p:cNvPr id="1" name=""/>
+        <p:cNvGrpSpPr/>
+        <p:nvPr/>
+      </p:nvGrpSpPr>
+      <p:grpSpPr>
+        <a:xfrm>
+          <a:off x="0" y="0"/>
+          <a:ext cx="0" cy="0"/>
+          <a:chOff x="0" y="0"/>
+          <a:chExt cx="0" cy="0"/>
+        </a:xfrm>
+      </p:grpSpPr>
+      <p:sp>
+        <p:nvSpPr>
+          <p:cNvPr id="2" name="슬라이드 이미지 개체 틀 3"/>
+          <p:cNvSpPr>
+            <a:spLocks noChangeAspect="1"/>
+          </p:cNvSpPr>
+          <p:nvPr>
+            <p:ph type="sldImg" idx="2"/>
+          </p:nvPr>
+        </p:nvSpPr>
+        <p:spPr>
+          <a:xfrm rot="0">
+            <a:off x="685800" y="1143000"/>
+            <a:ext cx="5495925" cy="3095625"/>
+          </a:xfrm>
+          <a:prstGeom prst="rect"/>
+          <a:noFill/>
+          <a:ln w="12700" cap="flat" cmpd="sng">
+            <a:solidFill>
+              <a:srgbClr val="000000">
+                <a:alpha val="100000"/>
+              </a:srgbClr>
+            </a:solidFill>
+            <a:prstDash val="solid"/>
+          </a:ln>
+        </p:spPr>
+        <p:txBody>
+          <a:bodyPr wrap="square" lIns="91440" tIns="45720" rIns="91440" bIns="45720" numCol="1" vert="horz" anchor="ctr">
+            <a:noAutofit/>
+          </a:bodyPr>
+          <a:lstStyle/>
+          <a:p>
+            <a:pPr marL="0" indent="0" latinLnBrk="0">
+              <a:buFontTx/>
+              <a:buNone/>
+            </a:pPr>
+          </a:p>
+        </p:txBody>
+      </p:sp>
+      <p:sp>
+        <p:nvSpPr>
+          <p:cNvPr id="3" name="슬라이드 노트 개체 틀 4"/>
+          <p:cNvSpPr txBox="1">
+            <a:spLocks/>
+          </p:cNvSpPr>
+          <p:nvPr>
+            <p:ph type="body" idx="3"/>
+          </p:nvPr>
+        </p:nvSpPr>
+        <p:spPr>
+          <a:xfrm rot="0">
+            <a:off x="685800" y="4400550"/>
+            <a:ext cx="5495925" cy="3609975"/>
+          </a:xfrm>
+          <a:prstGeom prst="rect"/>
+        </p:spPr>
+        <p:txBody>
+          <a:bodyPr wrap="square" lIns="91440" tIns="45720" rIns="91440" bIns="45720" numCol="1" vert="horz" anchor="t">
+            <a:noAutofit/>
+          </a:bodyPr>
+          <a:lstStyle/>
+          <a:p>
+            <a:pPr marL="0" indent="0" latinLnBrk="0">
+              <a:buFontTx/>
+              <a:buNone/>
+            </a:pPr>
+          </a:p>
+        </p:txBody>
+      </p:sp>
+      <p:sp>
+        <p:nvSpPr>
+          <p:cNvPr id="4" name="슬라이드 번호 개체 틀 6"/>
+          <p:cNvSpPr txBox="1">
+            <a:spLocks/>
+          </p:cNvSpPr>
+          <p:nvPr>
+            <p:ph type="sldNum" idx="5"/>
+          </p:nvPr>
+        </p:nvSpPr>
+        <p:spPr>
+          <a:xfrm rot="0">
+            <a:off x="3884930" y="8685530"/>
+            <a:ext cx="2981325" cy="467995"/>
+          </a:xfrm>
+          <a:prstGeom prst="rect"/>
+        </p:spPr>
+        <p:txBody>
+          <a:bodyPr wrap="square" lIns="91440" tIns="45720" rIns="91440" bIns="45720" numCol="1" vert="horz" anchor="b">
+            <a:noAutofit/>
+          </a:bodyPr>
+          <a:lstStyle>
+            <a:lvl1pPr marL="0" indent="0" algn="r" latinLnBrk="0">
+              <a:buFontTx/>
+              <a:buNone/>
+              <a:defRPr lang="en-GB" altLang="en-US" sz="1200"/>
+            </a:lvl1pPr>
+          </a:lstStyle>
+          <a:p>
+            <a:pPr marL="0" indent="0" latinLnBrk="0">
+              <a:buFontTx/>
+              <a:buNone/>
+            </a:pPr>
+            <a:fld id="{B9320F77-B9A0-41C5-862A-B4B631284C64}" type="slidenum">
+              <a:rPr lang="ko-KR" altLang="en-US"/>
+              <a:t>‹#›</a:t>
+            </a:fld>
+          </a:p>
+        </p:txBody>
+      </p:sp>
+    </p:spTree>
+  </p:cSld>
+  <p:clrMapOvr>
+    <a:masterClrMapping/>
+  </p:clrMapOvr>
+  <mc:AlternateContent xmlns:mc="http://schemas.openxmlformats.org/markup-compatibility/2006">
+    <mc:Choice xmlns:p14="http://schemas.microsoft.com/office/powerpoint/2010/main" Requires="p14">
+      <p:transition spd="slow" p14:dur="0"/>
+    </mc:Choice>
+    <mc:Fallback>
+      <p:transition spd="slow"/>
+    </mc:Fallback>
+  </mc:AlternateContent>
+</p:notes>
+</file>
+
+<file path=ppt/notesSlides/notesSlide16.xml><?xml version="1.0" encoding="utf-8"?>
+<p:notes xmlns:a="http://schemas.openxmlformats.org/drawingml/2006/main" xmlns:r="http://schemas.openxmlformats.org/officeDocument/2006/relationships" xmlns:p="http://schemas.openxmlformats.org/presentationml/2006/main">
+  <p:cSld>
+    <p:spTree>
+      <p:nvGrpSpPr>
+        <p:cNvPr id="1" name=""/>
+        <p:cNvGrpSpPr/>
+        <p:nvPr/>
+      </p:nvGrpSpPr>
+      <p:grpSpPr>
+        <a:xfrm>
+          <a:off x="0" y="0"/>
+          <a:ext cx="0" cy="0"/>
+          <a:chOff x="0" y="0"/>
+          <a:chExt cx="0" cy="0"/>
+        </a:xfrm>
+      </p:grpSpPr>
+      <p:sp>
+        <p:nvSpPr>
+          <p:cNvPr id="2" name="슬라이드 이미지 개체 틀 3"/>
+          <p:cNvSpPr>
+            <a:spLocks noChangeAspect="1"/>
+          </p:cNvSpPr>
+          <p:nvPr>
+            <p:ph type="sldImg" idx="2"/>
+          </p:nvPr>
+        </p:nvSpPr>
+        <p:spPr>
+          <a:xfrm rot="0">
+            <a:off x="685800" y="1143000"/>
             <a:ext cx="5495925" cy="3095625"/>
           </a:xfrm>
           <a:prstGeom prst="rect"/>
@@ -1218,7 +1790,7 @@
         <p:spPr>
           <a:xfrm rot="0">
             <a:off x="685800" y="1143000"/>
-            <a:ext cx="5494020" cy="3093720"/>
+            <a:ext cx="5494655" cy="3094355"/>
           </a:xfrm>
           <a:prstGeom prst="rect"/>
           <a:noFill/>
@@ -1257,7 +1829,7 @@
         <p:spPr>
           <a:xfrm rot="0">
             <a:off x="685800" y="4400550"/>
-            <a:ext cx="5494020" cy="3608070"/>
+            <a:ext cx="5494655" cy="3608705"/>
           </a:xfrm>
           <a:prstGeom prst="rect"/>
         </p:spPr>
@@ -1287,7 +1859,7 @@
         <p:spPr>
           <a:xfrm rot="0">
             <a:off x="3884930" y="8685530"/>
-            <a:ext cx="2979420" cy="466090"/>
+            <a:ext cx="2980055" cy="466725"/>
           </a:xfrm>
           <a:prstGeom prst="rect"/>
         </p:spPr>
@@ -2070,7 +2642,7 @@
         <p:spPr>
           <a:xfrm rot="0">
             <a:off x="685800" y="1143000"/>
-            <a:ext cx="5494655" cy="3094355"/>
+            <a:ext cx="5494020" cy="3093720"/>
           </a:xfrm>
           <a:prstGeom prst="rect"/>
           <a:noFill/>
@@ -2109,7 +2681,7 @@
         <p:spPr>
           <a:xfrm rot="0">
             <a:off x="685800" y="4400550"/>
-            <a:ext cx="5494655" cy="3608705"/>
+            <a:ext cx="5494020" cy="3608070"/>
           </a:xfrm>
           <a:prstGeom prst="rect"/>
         </p:spPr>
@@ -2139,7 +2711,7 @@
         <p:spPr>
           <a:xfrm rot="0">
             <a:off x="3884930" y="8685530"/>
-            <a:ext cx="2980055" cy="466725"/>
+            <a:ext cx="2979420" cy="466090"/>
           </a:xfrm>
           <a:prstGeom prst="rect"/>
         </p:spPr>
@@ -7137,7 +7709,7 @@
       </p:sp>
       <p:pic>
         <p:nvPicPr>
-          <p:cNvPr id="35" name="그림 1"/>
+          <p:cNvPr id="35" name="그림 1" descr="C:/Users/Admin1/AppData/Roaming/PolarisOffice/ETemp/4076_20445776/fImage1850021841.png"/>
           <p:cNvPicPr>
             <a:picLocks noChangeAspect="1"/>
           </p:cNvPicPr>
@@ -7158,7 +7730,7 @@
         <p:spPr>
           <a:xfrm rot="0">
             <a:off x="1370330" y="1357630"/>
-            <a:ext cx="2423160" cy="3457575"/>
+            <a:ext cx="2643505" cy="3624580"/>
           </a:xfrm>
           <a:prstGeom prst="roundRect"/>
           <a:solidFill>
@@ -7176,8 +7748,8 @@
         </p:nvSpPr>
         <p:spPr>
           <a:xfrm rot="0">
-            <a:off x="1367790" y="5080000"/>
-            <a:ext cx="4001770" cy="954405"/>
+            <a:off x="1356995" y="5080000"/>
+            <a:ext cx="4013200" cy="954405"/>
           </a:xfrm>
           <a:prstGeom prst="rect"/>
           <a:noFill/>
@@ -7204,35 +7776,52 @@
                 <a:latin typeface="맑은 고딕" charset="0"/>
                 <a:ea typeface="맑은 고딕" charset="0"/>
               </a:rPr>
-              <a:t>1. </a:t>
+              <a:t>1.</a:t>
+            </a:r>
+            <a:r>
+              <a:rPr lang="ko-KR" sz="2000" b="1">
+                <a:solidFill>
+                  <a:srgbClr val="0611F2"/>
+                </a:solidFill>
+                <a:latin typeface="맑은 고딕" charset="0"/>
+                <a:ea typeface="맑은 고딕" charset="0"/>
+              </a:rPr>
+              <a:t> </a:t>
             </a:r>
             <a:r>
               <a:rPr lang="ko-KR" sz="1800">
                 <a:latin typeface="맑은 고딕" charset="0"/>
                 <a:ea typeface="맑은 고딕" charset="0"/>
               </a:rPr>
-              <a:t>첫 번째로 UI</a:t>
+              <a:t>첫</a:t>
             </a:r>
             <a:r>
               <a:rPr lang="ko-KR" sz="1800">
                 <a:latin typeface="맑은 고딕" charset="0"/>
                 <a:ea typeface="맑은 고딕" charset="0"/>
               </a:rPr>
-              <a:t>에서 </a:t>
+              <a:t> </a:t>
             </a:r>
             <a:r>
               <a:rPr lang="ko-KR" sz="1800">
                 <a:latin typeface="맑은 고딕" charset="0"/>
                 <a:ea typeface="맑은 고딕" charset="0"/>
               </a:rPr>
-              <a:t>Image를 생성하고 </a:t>
+              <a:t>번째로</a:t>
             </a:r>
             <a:r>
               <a:rPr lang="ko-KR" sz="1800">
                 <a:latin typeface="맑은 고딕" charset="0"/>
                 <a:ea typeface="맑은 고딕" charset="0"/>
               </a:rPr>
-              <a:t>이름을 Window로 정의합니다.</a:t>
+              <a:t> </a:t>
+            </a:r>
+            <a:r>
+              <a:rPr lang="ko-KR" sz="1800">
+                <a:latin typeface="맑은 고딕" charset="0"/>
+                <a:ea typeface="맑은 고딕" charset="0"/>
+              </a:rPr>
+              <a:t>UI에서 Image를 생성하고 이름을 Window로 정의합니다.</a:t>
             </a:r>
             <a:endParaRPr lang="ko-KR" altLang="en-US" sz="1800">
               <a:latin typeface="맑은 고딕" charset="0"/>
@@ -7372,17 +7961,17 @@
       </p:sp>
       <p:pic>
         <p:nvPicPr>
-          <p:cNvPr id="43" name="그림 5"/>
+          <p:cNvPr id="43" name="그림 5" descr="C:/Users/Admin1/AppData/Roaming/PolarisOffice/ETemp/4076_20445776/fImage351314041.png"/>
           <p:cNvPicPr>
             <a:picLocks noChangeAspect="1"/>
           </p:cNvPicPr>
           <p:nvPr/>
         </p:nvPicPr>
         <p:blipFill rotWithShape="1">
-          <a:blip r:embed="rId17" cstate="print">
+          <a:blip r:embed="rId17" cstate="hqprint">
             <a:extLst>
               <a:ext uri="{28A0092B-C50C-407E-A947-70E740481C1C}">
-                <a14:useLocalDpi xmlns:a14="http://schemas.microsoft.com/office/drawing/2010/main" val="0"/>
+                <a14:useLocalDpi xmlns:a14="http://schemas.microsoft.com/office/drawing/2010/main"/>
               </a:ext>
             </a:extLst>
           </a:blip>
@@ -7392,8 +7981,8 @@
         </p:blipFill>
         <p:spPr>
           <a:xfrm rot="0">
-            <a:off x="4045585" y="2519680"/>
-            <a:ext cx="1323975" cy="1152525"/>
+            <a:off x="4211955" y="2516505"/>
+            <a:ext cx="1158240" cy="1289685"/>
           </a:xfrm>
           <a:prstGeom prst="roundRect"/>
           <a:solidFill>
@@ -7482,8 +8071,8 @@
         </p:nvSpPr>
         <p:spPr>
           <a:xfrm rot="0">
-            <a:off x="4349750" y="452755"/>
-            <a:ext cx="3499485" cy="554990"/>
+            <a:off x="4492625" y="452755"/>
+            <a:ext cx="3213735" cy="554990"/>
           </a:xfrm>
           <a:prstGeom prst="rect"/>
           <a:noFill/>
@@ -7525,7 +8114,7 @@
       </p:sp>
       <p:sp>
         <p:nvSpPr>
-          <p:cNvPr id="83" name="Rect 0"/>
+          <p:cNvPr id="52" name="텍스트 상자 11"/>
           <p:cNvSpPr txBox="1">
             <a:spLocks/>
           </p:cNvSpPr>
@@ -7533,8 +8122,8 @@
         </p:nvSpPr>
         <p:spPr>
           <a:xfrm rot="0">
-            <a:off x="6701790" y="5495290"/>
-            <a:ext cx="4157345" cy="677545"/>
+            <a:off x="1513840" y="5124450"/>
+            <a:ext cx="3846830" cy="954405"/>
           </a:xfrm>
           <a:prstGeom prst="rect"/>
           <a:noFill/>
@@ -7561,7 +8150,7 @@
                 <a:latin typeface="맑은 고딕" charset="0"/>
                 <a:ea typeface="맑은 고딕" charset="0"/>
               </a:rPr>
-              <a:t>25</a:t>
+              <a:t>26</a:t>
             </a:r>
             <a:r>
               <a:rPr lang="ko-KR" sz="2000" b="1">
@@ -7588,7 +8177,7 @@
                 <a:latin typeface="맑은 고딕" charset="0"/>
                 <a:ea typeface="맑은 고딕" charset="0"/>
               </a:rPr>
-              <a:t>그다음으로 UI에 Text를 생성하고 File Data라는 이름으로 정의합니다.</a:t>
+              <a:t>이제 Animator Controller에서 Open에 Make Transition을 Close 애니메이션에 연결합니다.</a:t>
             </a:r>
             <a:endParaRPr lang="ko-KR" altLang="en-US" sz="1800">
               <a:latin typeface="맑은 고딕" charset="0"/>
@@ -7599,17 +8188,17 @@
       </p:sp>
       <p:pic>
         <p:nvPicPr>
-          <p:cNvPr id="84" name="그림 20"/>
+          <p:cNvPr id="57" name="그림 10" descr="C:/Users/Admin1/AppData/Roaming/PolarisOffice/ETemp/4076_20445776/fImage162532058467.png"/>
           <p:cNvPicPr>
             <a:picLocks noChangeAspect="1"/>
           </p:cNvPicPr>
           <p:nvPr/>
         </p:nvPicPr>
         <p:blipFill rotWithShape="1">
-          <a:blip r:embed="rId2" cstate="print">
+          <a:blip r:embed="rId8" cstate="hqprint">
             <a:extLst>
               <a:ext uri="{28A0092B-C50C-407E-A947-70E740481C1C}">
-                <a14:useLocalDpi xmlns:a14="http://schemas.microsoft.com/office/drawing/2010/main" val="0"/>
+                <a14:useLocalDpi xmlns:a14="http://schemas.microsoft.com/office/drawing/2010/main"/>
               </a:ext>
             </a:extLst>
           </a:blip>
@@ -7619,8 +8208,8 @@
         </p:blipFill>
         <p:spPr>
           <a:xfrm rot="0">
-            <a:off x="1238250" y="1494790"/>
-            <a:ext cx="4140200" cy="1086485"/>
+            <a:off x="1517015" y="1446530"/>
+            <a:ext cx="3855720" cy="3545205"/>
           </a:xfrm>
           <a:prstGeom prst="roundRect"/>
           <a:solidFill>
@@ -7628,107 +8217,19 @@
           </a:solidFill>
         </p:spPr>
       </p:pic>
-      <p:sp>
-        <p:nvSpPr>
-          <p:cNvPr id="85" name="텍스트 상자 23"/>
-          <p:cNvSpPr txBox="1">
-            <a:spLocks/>
-          </p:cNvSpPr>
-          <p:nvPr/>
-        </p:nvSpPr>
-        <p:spPr>
-          <a:xfrm rot="0">
-            <a:off x="1238250" y="2657475"/>
-            <a:ext cx="4131310" cy="954405"/>
-          </a:xfrm>
-          <a:prstGeom prst="rect"/>
-          <a:noFill/>
-          <a:ln w="0">
-            <a:noFill/>
-            <a:prstDash/>
-          </a:ln>
-        </p:spPr>
-        <p:txBody>
-          <a:bodyPr wrap="square" lIns="89535" tIns="46355" rIns="89535" bIns="46355" numCol="1" vert="horz" anchor="t">
-            <a:spAutoFit/>
-          </a:bodyPr>
-          <a:lstStyle/>
-          <a:p>
-            <a:pPr marL="0" indent="0" algn="l" latinLnBrk="0" hangingPunct="1">
-              <a:buFontTx/>
-              <a:buNone/>
-            </a:pPr>
-            <a:r>
-              <a:rPr lang="ko-KR" sz="2000" b="1">
-                <a:solidFill>
-                  <a:srgbClr val="0611F2"/>
-                </a:solidFill>
-                <a:latin typeface="맑은 고딕" charset="0"/>
-                <a:ea typeface="맑은 고딕" charset="0"/>
-              </a:rPr>
-              <a:t>23</a:t>
-            </a:r>
-            <a:r>
-              <a:rPr lang="ko-KR" sz="2000" b="1">
-                <a:solidFill>
-                  <a:srgbClr val="0611F2"/>
-                </a:solidFill>
-                <a:latin typeface="맑은 고딕" charset="0"/>
-                <a:ea typeface="맑은 고딕" charset="0"/>
-              </a:rPr>
-              <a:t>.</a:t>
-            </a:r>
-            <a:r>
-              <a:rPr lang="ko-KR" sz="2000">
-                <a:solidFill>
-                  <a:srgbClr val="0611F2"/>
-                </a:solidFill>
-                <a:latin typeface="맑은 고딕" charset="0"/>
-                <a:ea typeface="맑은 고딕" charset="0"/>
-              </a:rPr>
-              <a:t> </a:t>
-            </a:r>
-            <a:r>
-              <a:rPr lang="ko-KR" sz="1800">
-                <a:latin typeface="맑은 고딕" charset="0"/>
-                <a:ea typeface="맑은 고딕" charset="0"/>
-              </a:rPr>
-              <a:t>그런 다음 Open Button의 On Click( )</a:t>
-            </a:r>
-            <a:r>
-              <a:rPr lang="ko-KR" sz="1800">
-                <a:latin typeface="맑은 고딕" charset="0"/>
-                <a:ea typeface="맑은 고딕" charset="0"/>
-              </a:rPr>
-              <a:t> </a:t>
-            </a:r>
-            <a:r>
-              <a:rPr lang="ko-KR" sz="1800">
-                <a:latin typeface="맑은 고딕" charset="0"/>
-                <a:ea typeface="맑은 고딕" charset="0"/>
-              </a:rPr>
-              <a:t>함수에 자기 자신을 넣어주고 함수를 지정합니다.</a:t>
-            </a:r>
-            <a:endParaRPr lang="ko-KR" altLang="en-US" sz="1800">
-              <a:latin typeface="맑은 고딕" charset="0"/>
-              <a:ea typeface="맑은 고딕" charset="0"/>
-            </a:endParaRPr>
-          </a:p>
-        </p:txBody>
-      </p:sp>
       <p:pic>
         <p:nvPicPr>
-          <p:cNvPr id="86" name="그림 24"/>
+          <p:cNvPr id="58" name="그림 127" descr="C:/Users/Admin1/AppData/Roaming/PolarisOffice/ETemp/4076_20445776/fImage57802555705.png"/>
           <p:cNvPicPr>
             <a:picLocks noChangeAspect="1"/>
           </p:cNvPicPr>
           <p:nvPr/>
         </p:nvPicPr>
         <p:blipFill rotWithShape="1">
-          <a:blip r:embed="rId3" cstate="print">
+          <a:blip r:embed="rId13" cstate="hqprint">
             <a:extLst>
               <a:ext uri="{28A0092B-C50C-407E-A947-70E740481C1C}">
-                <a14:useLocalDpi xmlns:a14="http://schemas.microsoft.com/office/drawing/2010/main" val="0"/>
+                <a14:useLocalDpi xmlns:a14="http://schemas.microsoft.com/office/drawing/2010/main"/>
               </a:ext>
             </a:extLst>
           </a:blip>
@@ -7738,8 +8239,8 @@
         </p:blipFill>
         <p:spPr>
           <a:xfrm rot="0">
-            <a:off x="6705600" y="1506220"/>
-            <a:ext cx="2707640" cy="3811270"/>
+            <a:off x="9702800" y="2133600"/>
+            <a:ext cx="1218565" cy="2181860"/>
           </a:xfrm>
           <a:prstGeom prst="roundRect"/>
           <a:solidFill>
@@ -7749,17 +8250,17 @@
       </p:pic>
       <p:pic>
         <p:nvPicPr>
-          <p:cNvPr id="87" name="그림 27"/>
+          <p:cNvPr id="59" name="그림 128" descr="C:/Users/Admin1/AppData/Roaming/PolarisOffice/ETemp/4076_20445776/fImage85062588145.png"/>
           <p:cNvPicPr>
             <a:picLocks noChangeAspect="1"/>
           </p:cNvPicPr>
           <p:nvPr/>
         </p:nvPicPr>
         <p:blipFill rotWithShape="1">
-          <a:blip r:embed="rId4" cstate="print">
+          <a:blip r:embed="rId14" cstate="hqprint">
             <a:extLst>
               <a:ext uri="{28A0092B-C50C-407E-A947-70E740481C1C}">
-                <a14:useLocalDpi xmlns:a14="http://schemas.microsoft.com/office/drawing/2010/main" val="0"/>
+                <a14:useLocalDpi xmlns:a14="http://schemas.microsoft.com/office/drawing/2010/main"/>
               </a:ext>
             </a:extLst>
           </a:blip>
@@ -7769,8 +8270,8 @@
         </p:blipFill>
         <p:spPr>
           <a:xfrm rot="0">
-            <a:off x="9602470" y="2251710"/>
-            <a:ext cx="1257300" cy="2364105"/>
+            <a:off x="6829425" y="1447800"/>
+            <a:ext cx="2762885" cy="3534410"/>
           </a:xfrm>
           <a:prstGeom prst="roundRect"/>
           <a:solidFill>
@@ -7778,103 +8279,9 @@
           </a:solidFill>
         </p:spPr>
       </p:pic>
-      <p:pic>
-        <p:nvPicPr>
-          <p:cNvPr id="88" name="그림 30"/>
-          <p:cNvPicPr>
-            <a:picLocks noChangeAspect="1"/>
-          </p:cNvPicPr>
-          <p:nvPr/>
-        </p:nvPicPr>
-        <p:blipFill rotWithShape="1">
-          <a:blip r:embed="rId5" cstate="print">
-            <a:extLst>
-              <a:ext uri="{28A0092B-C50C-407E-A947-70E740481C1C}">
-                <a14:useLocalDpi xmlns:a14="http://schemas.microsoft.com/office/drawing/2010/main" val="0"/>
-              </a:ext>
-            </a:extLst>
-          </a:blip>
-          <a:stretch>
-            <a:fillRect/>
-          </a:stretch>
-        </p:blipFill>
-        <p:spPr>
-          <a:xfrm rot="0">
-            <a:off x="4572000" y="4044950"/>
-            <a:ext cx="802640" cy="1021715"/>
-          </a:xfrm>
-          <a:prstGeom prst="roundRect"/>
-          <a:solidFill>
-            <a:srgbClr val="EDEDED"/>
-          </a:solidFill>
-        </p:spPr>
-      </p:pic>
-      <p:pic>
-        <p:nvPicPr>
-          <p:cNvPr id="89" name="그림 33"/>
-          <p:cNvPicPr>
-            <a:picLocks noChangeAspect="1"/>
-          </p:cNvPicPr>
-          <p:nvPr/>
-        </p:nvPicPr>
-        <p:blipFill rotWithShape="1">
-          <a:blip r:embed="rId6" cstate="print">
-            <a:extLst>
-              <a:ext uri="{28A0092B-C50C-407E-A947-70E740481C1C}">
-                <a14:useLocalDpi xmlns:a14="http://schemas.microsoft.com/office/drawing/2010/main" val="0"/>
-              </a:ext>
-            </a:extLst>
-          </a:blip>
-          <a:stretch>
-            <a:fillRect/>
-          </a:stretch>
-        </p:blipFill>
-        <p:spPr>
-          <a:xfrm rot="0">
-            <a:off x="1242695" y="3759835"/>
-            <a:ext cx="2810510" cy="1593215"/>
-          </a:xfrm>
-          <a:prstGeom prst="roundRect"/>
-          <a:solidFill>
-            <a:srgbClr val="EDEDED"/>
-          </a:solidFill>
-        </p:spPr>
-      </p:pic>
-      <p:cxnSp>
-        <p:nvCxnSpPr>
-          <p:cNvPr id="90" name="도형 36"/>
-          <p:cNvCxnSpPr/>
-          <p:nvPr/>
-        </p:nvCxnSpPr>
-        <p:spPr>
-          <a:xfrm rot="0" flipH="1">
-            <a:off x="3446780" y="4555490"/>
-            <a:ext cx="1125855" cy="615950"/>
-          </a:xfrm>
-          <a:prstGeom prst="straightConnector1"/>
-          <a:ln w="6350" cap="flat" cmpd="sng">
-            <a:prstDash/>
-            <a:tailEnd type="triangle" w="med" len="med"/>
-          </a:ln>
-        </p:spPr>
-        <p:style>
-          <a:lnRef idx="1">
-            <a:schemeClr val="accent1"/>
-          </a:lnRef>
-          <a:fillRef idx="0">
-            <a:schemeClr val="accent1"/>
-          </a:fillRef>
-          <a:effectRef idx="0">
-            <a:schemeClr val="accent1"/>
-          </a:effectRef>
-          <a:fontRef idx="minor">
-            <a:schemeClr val="tx1"/>
-          </a:fontRef>
-        </p:style>
-      </p:cxnSp>
-      <p:sp>
-        <p:nvSpPr>
-          <p:cNvPr id="91" name="텍스트 상자 37"/>
+      <p:sp>
+        <p:nvSpPr>
+          <p:cNvPr id="60" name="텍스트 상자 129"/>
           <p:cNvSpPr txBox="1">
             <a:spLocks/>
           </p:cNvSpPr>
@@ -7882,8 +8289,8 @@
         </p:nvSpPr>
         <p:spPr>
           <a:xfrm rot="0">
-            <a:off x="1240790" y="5491480"/>
-            <a:ext cx="4131310" cy="677545"/>
+            <a:off x="6818630" y="5128895"/>
+            <a:ext cx="4102100" cy="954405"/>
           </a:xfrm>
           <a:prstGeom prst="rect"/>
           <a:noFill/>
@@ -7910,7 +8317,7 @@
                 <a:latin typeface="맑은 고딕" charset="0"/>
                 <a:ea typeface="맑은 고딕" charset="0"/>
               </a:rPr>
-              <a:t>24</a:t>
+              <a:t>27</a:t>
             </a:r>
             <a:r>
               <a:rPr lang="ko-KR" sz="2000" b="1">
@@ -7937,7 +8344,7 @@
                 <a:latin typeface="맑은 고딕" charset="0"/>
                 <a:ea typeface="맑은 고딕" charset="0"/>
               </a:rPr>
-              <a:t>이제 FileLoad 스크립트를 생성하고 File Manager에 넣어줍니다.</a:t>
+              <a:t>그런 다음 빈 게임 오브젝트를 생성하고 File Manager로 이름을 정의합니다. </a:t>
             </a:r>
             <a:endParaRPr lang="ko-KR" altLang="en-US" sz="1800">
               <a:latin typeface="맑은 고딕" charset="0"/>
@@ -7970,7 +8377,7 @@
 </file>
 
 <file path=ppt/slides/slide11.xml><?xml version="1.0" encoding="utf-8"?>
-<p:sld xmlns:a="http://schemas.openxmlformats.org/drawingml/2006/main" xmlns:r="http://schemas.openxmlformats.org/officeDocument/2006/relationships" xmlns:p="http://schemas.openxmlformats.org/presentationml/2006/main">
+<p:sld xmlns:a="http://schemas.openxmlformats.org/drawingml/2006/main" xmlns:r="http://schemas.openxmlformats.org/officeDocument/2006/relationships" xmlns:p="http://schemas.openxmlformats.org/presentationml/2006/main" xmlns:p14="http://schemas.microsoft.com/office/powerpoint/2010/main">
   <p:cSld>
     <p:spTree>
       <p:nvGrpSpPr>
@@ -7995,9 +8402,9 @@
           <p:nvPr/>
         </p:nvSpPr>
         <p:spPr>
-          <a:xfrm rot="0">
+          <a:xfrm>
             <a:off x="4349750" y="452755"/>
-            <a:ext cx="3500120" cy="554990"/>
+            <a:ext cx="3499485" cy="554990"/>
           </a:xfrm>
           <a:prstGeom prst="rect"/>
           <a:noFill/>
@@ -8021,14 +8428,7 @@
                 <a:latin typeface="맑은 고딕" charset="0"/>
                 <a:ea typeface="맑은 고딕" charset="0"/>
               </a:rPr>
-              <a:t>열</a:t>
-            </a:r>
-            <a:r>
-              <a:rPr lang="ko-KR" sz="3000" b="1">
-                <a:latin typeface="맑은 고딕" charset="0"/>
-                <a:ea typeface="맑은 고딕" charset="0"/>
-              </a:rPr>
-              <a:t>한</a:t>
+              <a:t>열한</a:t>
             </a:r>
             <a:r>
               <a:rPr lang="ko-KR" sz="3000" b="1">
@@ -8046,7 +8446,7 @@
       </p:sp>
       <p:sp>
         <p:nvSpPr>
-          <p:cNvPr id="83" name="Rect 0"/>
+          <p:cNvPr id="27" name="Rect 0"/>
           <p:cNvSpPr txBox="1">
             <a:spLocks/>
           </p:cNvSpPr>
@@ -8054,8 +8454,8 @@
         </p:nvSpPr>
         <p:spPr>
           <a:xfrm rot="0">
-            <a:off x="6816725" y="5146040"/>
-            <a:ext cx="4043045" cy="954405"/>
+            <a:off x="1333500" y="5097780"/>
+            <a:ext cx="4048760" cy="954405"/>
           </a:xfrm>
           <a:prstGeom prst="rect"/>
           <a:noFill/>
@@ -8082,7 +8482,7 @@
                 <a:latin typeface="맑은 고딕" charset="0"/>
                 <a:ea typeface="맑은 고딕" charset="0"/>
               </a:rPr>
-              <a:t>2</a:t>
+              <a:t>28</a:t>
             </a:r>
             <a:r>
               <a:rPr lang="ko-KR" sz="2000" b="1">
@@ -8092,16 +8492,6 @@
                 <a:latin typeface="맑은 고딕" charset="0"/>
                 <a:ea typeface="맑은 고딕" charset="0"/>
               </a:rPr>
-              <a:t>7</a:t>
-            </a:r>
-            <a:r>
-              <a:rPr lang="ko-KR" sz="2000" b="1">
-                <a:solidFill>
-                  <a:srgbClr val="0611F2"/>
-                </a:solidFill>
-                <a:latin typeface="맑은 고딕" charset="0"/>
-                <a:ea typeface="맑은 고딕" charset="0"/>
-              </a:rPr>
               <a:t>.</a:t>
             </a:r>
             <a:r>
@@ -8119,7 +8509,7 @@
                 <a:latin typeface="맑은 고딕" charset="0"/>
                 <a:ea typeface="맑은 고딕" charset="0"/>
               </a:rPr>
-              <a:t>이제 File Manager 오브젝트에 있는 FileLoad 스크립트에 path와 TextGUI를 설정합니다.</a:t>
+              <a:t>그다음으로 Transition을 선택하고 Has Exit Time의 설정을 해제한 다음 Conditions을 추가합니다.</a:t>
             </a:r>
             <a:endParaRPr lang="ko-KR" altLang="en-US" sz="1800">
               <a:latin typeface="맑은 고딕" charset="0"/>
@@ -8128,157 +8518,19 @@
           </a:p>
         </p:txBody>
       </p:sp>
-      <p:sp>
-        <p:nvSpPr>
-          <p:cNvPr id="91" name="Rect 0"/>
-          <p:cNvSpPr txBox="1">
-            <a:spLocks/>
-          </p:cNvSpPr>
-          <p:nvPr/>
-        </p:nvSpPr>
-        <p:spPr>
-          <a:xfrm rot="0">
-            <a:off x="1240790" y="3288665"/>
-            <a:ext cx="4130040" cy="2892425"/>
-          </a:xfrm>
-          <a:prstGeom prst="rect"/>
-          <a:noFill/>
-          <a:ln w="0">
-            <a:noFill/>
-            <a:prstDash/>
-          </a:ln>
-        </p:spPr>
-        <p:txBody>
-          <a:bodyPr wrap="square" lIns="89535" tIns="46355" rIns="89535" bIns="46355" numCol="1" vert="horz" anchor="t">
-            <a:spAutoFit/>
-          </a:bodyPr>
-          <a:lstStyle/>
-          <a:p>
-            <a:pPr marL="0" indent="0" algn="l" latinLnBrk="0" hangingPunct="1">
-              <a:buFontTx/>
-              <a:buNone/>
-            </a:pPr>
-            <a:r>
-              <a:rPr lang="ko-KR" sz="2000" b="1">
-                <a:solidFill>
-                  <a:srgbClr val="0611F2"/>
-                </a:solidFill>
-                <a:latin typeface="맑은 고딕" charset="0"/>
-                <a:ea typeface="맑은 고딕" charset="0"/>
-              </a:rPr>
-              <a:t>2</a:t>
-            </a:r>
-            <a:r>
-              <a:rPr lang="ko-KR" sz="2000" b="1">
-                <a:solidFill>
-                  <a:srgbClr val="0611F2"/>
-                </a:solidFill>
-                <a:latin typeface="맑은 고딕" charset="0"/>
-                <a:ea typeface="맑은 고딕" charset="0"/>
-              </a:rPr>
-              <a:t>6</a:t>
-            </a:r>
-            <a:r>
-              <a:rPr lang="ko-KR" sz="2000" b="1">
-                <a:solidFill>
-                  <a:srgbClr val="0611F2"/>
-                </a:solidFill>
-                <a:latin typeface="맑은 고딕" charset="0"/>
-                <a:ea typeface="맑은 고딕" charset="0"/>
-              </a:rPr>
-              <a:t>.</a:t>
-            </a:r>
-            <a:r>
-              <a:rPr lang="ko-KR" sz="2000">
-                <a:solidFill>
-                  <a:srgbClr val="0611F2"/>
-                </a:solidFill>
-                <a:latin typeface="맑은 고딕" charset="0"/>
-                <a:ea typeface="맑은 고딕" charset="0"/>
-              </a:rPr>
-              <a:t> </a:t>
-            </a:r>
-            <a:r>
-              <a:rPr lang="ko-KR" sz="1800">
-                <a:latin typeface="맑은 고딕" charset="0"/>
-                <a:ea typeface="맑은 고딕" charset="0"/>
-              </a:rPr>
-              <a:t>그리고 FileLoad 스크립트에서 텍스트 변수를 배열로 선언합니다.</a:t>
-            </a:r>
-            <a:endParaRPr lang="ko-KR" altLang="en-US" sz="1800">
-              <a:latin typeface="맑은 고딕" charset="0"/>
-              <a:ea typeface="맑은 고딕" charset="0"/>
-            </a:endParaRPr>
-          </a:p>
-          <a:p>
-            <a:pPr marL="0" indent="0" algn="l" latinLnBrk="0" hangingPunct="1">
-              <a:buFontTx/>
-              <a:buNone/>
-            </a:pPr>
-            <a:endParaRPr lang="ko-KR" altLang="en-US" sz="1800">
-              <a:latin typeface="맑은 고딕" charset="0"/>
-              <a:ea typeface="맑은 고딕" charset="0"/>
-            </a:endParaRPr>
-          </a:p>
-          <a:p>
-            <a:pPr marL="0" indent="0" algn="l" latinLnBrk="0" hangingPunct="1">
-              <a:buFontTx/>
-              <a:buNone/>
-            </a:pPr>
-            <a:r>
-              <a:rPr lang="ko-KR" sz="1800">
-                <a:latin typeface="맑은 고딕" charset="0"/>
-                <a:ea typeface="맑은 고딕" charset="0"/>
-              </a:rPr>
-              <a:t>그런 다음 파일의 경로를 지정하기 위한 string 변수도 배열로 선언합니다.</a:t>
-            </a:r>
-            <a:endParaRPr lang="ko-KR" altLang="en-US" sz="1800">
-              <a:latin typeface="맑은 고딕" charset="0"/>
-              <a:ea typeface="맑은 고딕" charset="0"/>
-            </a:endParaRPr>
-          </a:p>
-          <a:p>
-            <a:pPr marL="0" indent="0" algn="l" latinLnBrk="0" hangingPunct="1">
-              <a:buFontTx/>
-              <a:buNone/>
-            </a:pPr>
-            <a:endParaRPr lang="ko-KR" altLang="en-US" sz="1800">
-              <a:latin typeface="맑은 고딕" charset="0"/>
-              <a:ea typeface="맑은 고딕" charset="0"/>
-            </a:endParaRPr>
-          </a:p>
-          <a:p>
-            <a:pPr marL="0" indent="0" algn="l" latinLnBrk="0" hangingPunct="1">
-              <a:buFontTx/>
-              <a:buNone/>
-            </a:pPr>
-            <a:r>
-              <a:rPr lang="ko-KR" sz="1800">
-                <a:latin typeface="맑은 고딕" charset="0"/>
-                <a:ea typeface="맑은 고딕" charset="0"/>
-              </a:rPr>
-              <a:t>그다음 Start( ) 함수에서 텍스트 배열의 길이만큼 텍스트 파일에 저장한 데이터를 출력하도록 설정합니다.</a:t>
-            </a:r>
-            <a:endParaRPr lang="ko-KR" altLang="en-US" sz="1800">
-              <a:latin typeface="맑은 고딕" charset="0"/>
-              <a:ea typeface="맑은 고딕" charset="0"/>
-            </a:endParaRPr>
-          </a:p>
-        </p:txBody>
-      </p:sp>
       <p:pic>
         <p:nvPicPr>
-          <p:cNvPr id="92" name="그림 1" descr="C:/Users/Admin1/AppData/Roaming/PolarisOffice/ETemp/24400_17556656/fImage769224541.png"/>
+          <p:cNvPr id="72" name="그림 70" descr="C:/Users/Admin1/AppData/Roaming/PolarisOffice/ETemp/4076_20445776/fImage254542603281.png"/>
           <p:cNvPicPr>
             <a:picLocks noChangeAspect="1"/>
           </p:cNvPicPr>
           <p:nvPr/>
         </p:nvPicPr>
         <p:blipFill rotWithShape="1">
-          <a:blip r:embed="rId2" cstate="print">
+          <a:blip r:embed="rId18" cstate="hqprint">
             <a:extLst>
               <a:ext uri="{28A0092B-C50C-407E-A947-70E740481C1C}">
-                <a14:useLocalDpi xmlns:a14="http://schemas.microsoft.com/office/drawing/2010/main" val="0"/>
+                <a14:useLocalDpi xmlns:a14="http://schemas.microsoft.com/office/drawing/2010/main"/>
               </a:ext>
             </a:extLst>
           </a:blip>
@@ -8288,28 +8540,107 @@
         </p:blipFill>
         <p:spPr>
           <a:xfrm rot="0">
-            <a:off x="1250315" y="1390650"/>
-            <a:ext cx="4120515" cy="1835150"/>
-          </a:xfrm>
-          <a:prstGeom prst="roundRect"/>
-          <a:solidFill>
-            <a:srgbClr val="EDEDED"/>
-          </a:solidFill>
+            <a:off x="1333500" y="1393190"/>
+            <a:ext cx="4048760" cy="3589020"/>
+          </a:xfrm>
+          <a:prstGeom prst="rect"/>
+          <a:noFill/>
         </p:spPr>
       </p:pic>
+      <p:sp>
+        <p:nvSpPr>
+          <p:cNvPr id="73" name="텍스트 상자 134"/>
+          <p:cNvSpPr txBox="1">
+            <a:spLocks/>
+          </p:cNvSpPr>
+          <p:nvPr/>
+        </p:nvSpPr>
+        <p:spPr>
+          <a:xfrm rot="0">
+            <a:off x="6701790" y="5371465"/>
+            <a:ext cx="4157980" cy="677545"/>
+          </a:xfrm>
+          <a:prstGeom prst="rect"/>
+          <a:noFill/>
+          <a:ln w="0">
+            <a:noFill/>
+            <a:prstDash/>
+          </a:ln>
+        </p:spPr>
+        <p:txBody>
+          <a:bodyPr wrap="square" lIns="89535" tIns="46355" rIns="89535" bIns="46355" numCol="1" vert="horz" anchor="t">
+            <a:spAutoFit/>
+          </a:bodyPr>
+          <a:lstStyle/>
+          <a:p>
+            <a:pPr marL="0" indent="0" algn="l" latinLnBrk="0" hangingPunct="1">
+              <a:buFontTx/>
+              <a:buNone/>
+            </a:pPr>
+            <a:r>
+              <a:rPr lang="ko-KR" sz="2000" b="1">
+                <a:solidFill>
+                  <a:srgbClr val="0611F2"/>
+                </a:solidFill>
+                <a:latin typeface="맑은 고딕" charset="0"/>
+                <a:ea typeface="맑은 고딕" charset="0"/>
+              </a:rPr>
+              <a:t>29</a:t>
+            </a:r>
+            <a:r>
+              <a:rPr lang="ko-KR" sz="2000" b="1">
+                <a:solidFill>
+                  <a:srgbClr val="0611F2"/>
+                </a:solidFill>
+                <a:latin typeface="맑은 고딕" charset="0"/>
+                <a:ea typeface="맑은 고딕" charset="0"/>
+              </a:rPr>
+              <a:t>.</a:t>
+            </a:r>
+            <a:r>
+              <a:rPr lang="ko-KR" sz="2000">
+                <a:solidFill>
+                  <a:srgbClr val="0611F2"/>
+                </a:solidFill>
+                <a:latin typeface="맑은 고딕" charset="0"/>
+                <a:ea typeface="맑은 고딕" charset="0"/>
+              </a:rPr>
+              <a:t> </a:t>
+            </a:r>
+            <a:r>
+              <a:rPr lang="ko-KR" sz="1800">
+                <a:latin typeface="맑은 고딕" charset="0"/>
+                <a:ea typeface="맑은 고딕" charset="0"/>
+              </a:rPr>
+              <a:t>마지막으로</a:t>
+            </a:r>
+            <a:r>
+              <a:rPr lang="ko-KR" sz="1800">
+                <a:latin typeface="맑은 고딕" charset="0"/>
+                <a:ea typeface="맑은 고딕" charset="0"/>
+              </a:rPr>
+              <a:t> UI에 Text를 생성하고 File Data라는 이름으로 정의합니다.</a:t>
+            </a:r>
+            <a:endParaRPr lang="ko-KR" altLang="en-US" sz="1800">
+              <a:latin typeface="맑은 고딕" charset="0"/>
+              <a:ea typeface="맑은 고딕" charset="0"/>
+            </a:endParaRPr>
+          </a:p>
+        </p:txBody>
+      </p:sp>
       <p:pic>
         <p:nvPicPr>
-          <p:cNvPr id="93" name="그림 4" descr="C:/Users/Admin1/AppData/Roaming/PolarisOffice/ETemp/24400_17556656/fImage180682468467.png"/>
+          <p:cNvPr id="74" name="그림 135" descr="C:/Users/Admin1/AppData/Roaming/PolarisOffice/ETemp/4076_20445776/fImage218652421478.png"/>
           <p:cNvPicPr>
             <a:picLocks noChangeAspect="1"/>
           </p:cNvPicPr>
           <p:nvPr/>
         </p:nvPicPr>
         <p:blipFill rotWithShape="1">
-          <a:blip r:embed="rId3" cstate="print">
+          <a:blip r:embed="rId19" cstate="hqprint">
             <a:extLst>
               <a:ext uri="{28A0092B-C50C-407E-A947-70E740481C1C}">
-                <a14:useLocalDpi xmlns:a14="http://schemas.microsoft.com/office/drawing/2010/main" val="0"/>
+                <a14:useLocalDpi xmlns:a14="http://schemas.microsoft.com/office/drawing/2010/main"/>
               </a:ext>
             </a:extLst>
           </a:blip>
@@ -8319,8 +8650,8 @@
         </p:blipFill>
         <p:spPr>
           <a:xfrm rot="0">
-            <a:off x="8121650" y="1390015"/>
-            <a:ext cx="2854960" cy="1379855"/>
+            <a:off x="6705600" y="1382395"/>
+            <a:ext cx="2708275" cy="3811905"/>
           </a:xfrm>
           <a:prstGeom prst="roundRect"/>
           <a:solidFill>
@@ -8330,17 +8661,17 @@
       </p:pic>
       <p:pic>
         <p:nvPicPr>
-          <p:cNvPr id="94" name="그림 7" descr="C:/Users/Admin1/AppData/Roaming/PolarisOffice/ETemp/24400_17556656/fImage76422476334.png"/>
+          <p:cNvPr id="75" name="그림 136" descr="C:/Users/Admin1/AppData/Roaming/PolarisOffice/ETemp/4076_20445776/fImage65832439358.png"/>
           <p:cNvPicPr>
             <a:picLocks noChangeAspect="1"/>
           </p:cNvPicPr>
           <p:nvPr/>
         </p:nvPicPr>
         <p:blipFill rotWithShape="1">
-          <a:blip r:embed="rId4" cstate="print">
+          <a:blip r:embed="rId20" cstate="hqprint">
             <a:extLst>
               <a:ext uri="{28A0092B-C50C-407E-A947-70E740481C1C}">
-                <a14:useLocalDpi xmlns:a14="http://schemas.microsoft.com/office/drawing/2010/main" val="0"/>
+                <a14:useLocalDpi xmlns:a14="http://schemas.microsoft.com/office/drawing/2010/main"/>
               </a:ext>
             </a:extLst>
           </a:blip>
@@ -8350,135 +8681,8 @@
         </p:blipFill>
         <p:spPr>
           <a:xfrm rot="0">
-            <a:off x="6819900" y="1393190"/>
-            <a:ext cx="1136650" cy="1368425"/>
-          </a:xfrm>
-          <a:prstGeom prst="roundRect"/>
-          <a:solidFill>
-            <a:srgbClr val="EDEDED"/>
-          </a:solidFill>
-        </p:spPr>
-      </p:pic>
-      <p:cxnSp>
-        <p:nvCxnSpPr>
-          <p:cNvPr id="95" name="도형 10"/>
-          <p:cNvCxnSpPr/>
-          <p:nvPr/>
-        </p:nvCxnSpPr>
-        <p:spPr>
-          <a:xfrm rot="0" flipV="1">
-            <a:off x="7714615" y="1912620"/>
-            <a:ext cx="3209290" cy="283210"/>
-          </a:xfrm>
-          <a:prstGeom prst="straightConnector1"/>
-          <a:ln w="6350" cap="flat" cmpd="sng">
-            <a:prstDash/>
-            <a:tailEnd type="triangle" w="med" len="med"/>
-          </a:ln>
-        </p:spPr>
-        <p:style>
-          <a:lnRef idx="1">
-            <a:schemeClr val="accent1"/>
-          </a:lnRef>
-          <a:fillRef idx="0">
-            <a:schemeClr val="accent1"/>
-          </a:fillRef>
-          <a:effectRef idx="0">
-            <a:schemeClr val="accent1"/>
-          </a:effectRef>
-          <a:fontRef idx="minor">
-            <a:schemeClr val="tx1"/>
-          </a:fontRef>
-        </p:style>
-      </p:cxnSp>
-      <p:cxnSp>
-        <p:nvCxnSpPr>
-          <p:cNvPr id="96" name="도형 11"/>
-          <p:cNvCxnSpPr/>
-          <p:nvPr/>
-        </p:nvCxnSpPr>
-        <p:spPr>
-          <a:xfrm rot="0">
-            <a:off x="7914005" y="2070735"/>
-            <a:ext cx="3009900" cy="75565"/>
-          </a:xfrm>
-          <a:prstGeom prst="straightConnector1"/>
-          <a:ln w="6350" cap="flat" cmpd="sng">
-            <a:prstDash/>
-            <a:tailEnd type="triangle" w="med" len="med"/>
-          </a:ln>
-        </p:spPr>
-        <p:style>
-          <a:lnRef idx="1">
-            <a:schemeClr val="accent1"/>
-          </a:lnRef>
-          <a:fillRef idx="0">
-            <a:schemeClr val="accent1"/>
-          </a:fillRef>
-          <a:effectRef idx="0">
-            <a:schemeClr val="accent1"/>
-          </a:effectRef>
-          <a:fontRef idx="minor">
-            <a:schemeClr val="tx1"/>
-          </a:fontRef>
-        </p:style>
-      </p:cxnSp>
-      <p:cxnSp>
-        <p:nvCxnSpPr>
-          <p:cNvPr id="97" name="도형 12"/>
-          <p:cNvCxnSpPr/>
-          <p:nvPr/>
-        </p:nvCxnSpPr>
-        <p:spPr>
-          <a:xfrm rot="0" flipV="1">
-            <a:off x="7789545" y="2020570"/>
-            <a:ext cx="3134360" cy="416560"/>
-          </a:xfrm>
-          <a:prstGeom prst="straightConnector1"/>
-          <a:ln w="6350" cap="flat" cmpd="sng">
-            <a:prstDash/>
-            <a:tailEnd type="triangle" w="med" len="med"/>
-          </a:ln>
-        </p:spPr>
-        <p:style>
-          <a:lnRef idx="1">
-            <a:schemeClr val="accent1"/>
-          </a:lnRef>
-          <a:fillRef idx="0">
-            <a:schemeClr val="accent1"/>
-          </a:fillRef>
-          <a:effectRef idx="0">
-            <a:schemeClr val="accent1"/>
-          </a:effectRef>
-          <a:fontRef idx="minor">
-            <a:schemeClr val="tx1"/>
-          </a:fontRef>
-        </p:style>
-      </p:cxnSp>
-      <p:pic>
-        <p:nvPicPr>
-          <p:cNvPr id="98" name="그림 16" descr="C:/Users/Admin1/AppData/Roaming/PolarisOffice/ETemp/24400_17556656/fImage252452526500.png"/>
-          <p:cNvPicPr>
-            <a:picLocks noChangeAspect="1"/>
-          </p:cNvPicPr>
-          <p:nvPr/>
-        </p:nvPicPr>
-        <p:blipFill rotWithShape="1">
-          <a:blip r:embed="rId5" cstate="print">
-            <a:extLst>
-              <a:ext uri="{28A0092B-C50C-407E-A947-70E740481C1C}">
-                <a14:useLocalDpi xmlns:a14="http://schemas.microsoft.com/office/drawing/2010/main" val="0"/>
-              </a:ext>
-            </a:extLst>
-          </a:blip>
-          <a:stretch>
-            <a:fillRect/>
-          </a:stretch>
-        </p:blipFill>
-        <p:spPr>
-          <a:xfrm rot="0">
-            <a:off x="6816725" y="2950845"/>
-            <a:ext cx="4161155" cy="2112645"/>
+            <a:off x="9602470" y="2127885"/>
+            <a:ext cx="1257935" cy="2364740"/>
           </a:xfrm>
           <a:prstGeom prst="roundRect"/>
           <a:solidFill>
@@ -8536,8 +8740,8 @@
         </p:nvSpPr>
         <p:spPr>
           <a:xfrm rot="0">
-            <a:off x="4349750" y="452755"/>
-            <a:ext cx="3500120" cy="554990"/>
+            <a:off x="4340225" y="414655"/>
+            <a:ext cx="3518535" cy="554990"/>
           </a:xfrm>
           <a:prstGeom prst="rect"/>
           <a:noFill/>
@@ -8561,14 +8765,7 @@
                 <a:latin typeface="맑은 고딕" charset="0"/>
                 <a:ea typeface="맑은 고딕" charset="0"/>
               </a:rPr>
-              <a:t>열</a:t>
-            </a:r>
-            <a:r>
-              <a:rPr lang="ko-KR" sz="3000" b="1">
-                <a:latin typeface="맑은 고딕" charset="0"/>
-                <a:ea typeface="맑은 고딕" charset="0"/>
-              </a:rPr>
-              <a:t>두</a:t>
+              <a:t>열두</a:t>
             </a:r>
             <a:r>
               <a:rPr lang="ko-KR" sz="3000" b="1">
@@ -8586,7 +8783,7 @@
       </p:sp>
       <p:sp>
         <p:nvSpPr>
-          <p:cNvPr id="83" name="Rect 0"/>
+          <p:cNvPr id="27" name="Rect 0"/>
           <p:cNvSpPr txBox="1">
             <a:spLocks/>
           </p:cNvSpPr>
@@ -8594,8 +8791,8 @@
         </p:nvSpPr>
         <p:spPr>
           <a:xfrm rot="0">
-            <a:off x="6808470" y="4871720"/>
-            <a:ext cx="4043045" cy="1231265"/>
+            <a:off x="1312545" y="2406015"/>
+            <a:ext cx="4031615" cy="954405"/>
           </a:xfrm>
           <a:prstGeom prst="rect"/>
           <a:noFill/>
@@ -8622,7 +8819,7 @@
                 <a:latin typeface="맑은 고딕" charset="0"/>
                 <a:ea typeface="맑은 고딕" charset="0"/>
               </a:rPr>
-              <a:t>2</a:t>
+              <a:t>30</a:t>
             </a:r>
             <a:r>
               <a:rPr lang="ko-KR" sz="2000" b="1">
@@ -8632,16 +8829,6 @@
                 <a:latin typeface="맑은 고딕" charset="0"/>
                 <a:ea typeface="맑은 고딕" charset="0"/>
               </a:rPr>
-              <a:t>9</a:t>
-            </a:r>
-            <a:r>
-              <a:rPr lang="ko-KR" sz="2000" b="1">
-                <a:solidFill>
-                  <a:srgbClr val="0611F2"/>
-                </a:solidFill>
-                <a:latin typeface="맑은 고딕" charset="0"/>
-                <a:ea typeface="맑은 고딕" charset="0"/>
-              </a:rPr>
               <a:t>.</a:t>
             </a:r>
             <a:r>
@@ -8659,7 +8846,7 @@
                 <a:latin typeface="맑은 고딕" charset="0"/>
                 <a:ea typeface="맑은 고딕" charset="0"/>
               </a:rPr>
-              <a:t>마지막으로 Window 오브젝트를 선택하고 Source Image에 Project 폴더에 있는 Texture의 Window를 넣어줍니다.</a:t>
+              <a:t>그리고 PopUp 스크립트에서 애니메이터 변수와 게임 오브젝트 변수를 선언합니다.</a:t>
             </a:r>
             <a:endParaRPr lang="ko-KR" altLang="en-US" sz="1800">
               <a:latin typeface="맑은 고딕" charset="0"/>
@@ -8670,7 +8857,7 @@
       </p:sp>
       <p:sp>
         <p:nvSpPr>
-          <p:cNvPr id="91" name="Rect 0"/>
+          <p:cNvPr id="73" name="Rect 0"/>
           <p:cNvSpPr txBox="1">
             <a:spLocks/>
           </p:cNvSpPr>
@@ -8678,8 +8865,8 @@
         </p:nvSpPr>
         <p:spPr>
           <a:xfrm rot="0">
-            <a:off x="1240790" y="4036695"/>
-            <a:ext cx="4130040" cy="2061845"/>
+            <a:off x="6819900" y="3592830"/>
+            <a:ext cx="4102735" cy="2615565"/>
           </a:xfrm>
           <a:prstGeom prst="rect"/>
           <a:noFill/>
@@ -8706,7 +8893,7 @@
                 <a:latin typeface="맑은 고딕" charset="0"/>
                 <a:ea typeface="맑은 고딕" charset="0"/>
               </a:rPr>
-              <a:t>2</a:t>
+              <a:t>32</a:t>
             </a:r>
             <a:r>
               <a:rPr lang="ko-KR" sz="2000" b="1">
@@ -8716,16 +8903,6 @@
                 <a:latin typeface="맑은 고딕" charset="0"/>
                 <a:ea typeface="맑은 고딕" charset="0"/>
               </a:rPr>
-              <a:t>8</a:t>
-            </a:r>
-            <a:r>
-              <a:rPr lang="ko-KR" sz="2000" b="1">
-                <a:solidFill>
-                  <a:srgbClr val="0611F2"/>
-                </a:solidFill>
-                <a:latin typeface="맑은 고딕" charset="0"/>
-                <a:ea typeface="맑은 고딕" charset="0"/>
-              </a:rPr>
               <a:t>.</a:t>
             </a:r>
             <a:r>
@@ -8743,7 +8920,42 @@
                 <a:latin typeface="맑은 고딕" charset="0"/>
                 <a:ea typeface="맑은 고딕" charset="0"/>
               </a:rPr>
-              <a:t>그리고 텍스트 파일을 불러오기 위해 Project 폴더에서 File에 텍스트 파일을 배치합니다.</a:t>
+              <a:t>이제 </a:t>
+            </a:r>
+            <a:r>
+              <a:rPr lang="ko-KR" sz="1800">
+                <a:latin typeface="맑은 고딕" charset="0"/>
+                <a:ea typeface="맑은 고딕" charset="0"/>
+              </a:rPr>
+              <a:t>Ui를</a:t>
+            </a:r>
+            <a:r>
+              <a:rPr lang="ko-KR" sz="1800">
+                <a:latin typeface="맑은 고딕" charset="0"/>
+                <a:ea typeface="맑은 고딕" charset="0"/>
+              </a:rPr>
+              <a:t> 여는 함수와 </a:t>
+            </a:r>
+            <a:r>
+              <a:rPr lang="ko-KR" sz="1800">
+                <a:latin typeface="맑은 고딕" charset="0"/>
+                <a:ea typeface="맑은 고딕" charset="0"/>
+              </a:rPr>
+              <a:t>Ui</a:t>
+            </a:r>
+            <a:r>
+              <a:rPr lang="ko-KR" sz="1800">
+                <a:latin typeface="맑은 고딕" charset="0"/>
+                <a:ea typeface="맑은 고딕" charset="0"/>
+              </a:rPr>
+              <a:t>을 닫는 함수를 </a:t>
+            </a:r>
+            <a:r>
+              <a:rPr lang="ko-KR" sz="1800">
+                <a:latin typeface="맑은 고딕" charset="0"/>
+                <a:ea typeface="맑은 고딕" charset="0"/>
+              </a:rPr>
+              <a:t>선언합니다.</a:t>
             </a:r>
             <a:endParaRPr lang="ko-KR" altLang="en-US" sz="1800">
               <a:latin typeface="맑은 고딕" charset="0"/>
@@ -8770,18 +8982,45 @@
                 <a:latin typeface="맑은 고딕" charset="0"/>
                 <a:ea typeface="맑은 고딕" charset="0"/>
               </a:rPr>
-              <a:t>경로는 상대 경로로 설정하였고, 파일의 이름과 폴더의 이름을 정확하게 넣어주어야 합니다. </a:t>
+              <a:t>그런 다음 Ui을 닫는 함수는 애니메이터의 SetTrigger 조건을 발동시키도록 설정합니다.</a:t>
             </a:r>
             <a:endParaRPr lang="ko-KR" altLang="en-US" sz="1800">
               <a:latin typeface="맑은 고딕" charset="0"/>
               <a:ea typeface="맑은 고딕" charset="0"/>
             </a:endParaRPr>
           </a:p>
+          <a:p>
+            <a:pPr marL="0" indent="0" algn="l" latinLnBrk="0" hangingPunct="1">
+              <a:buFontTx/>
+              <a:buNone/>
+            </a:pPr>
+            <a:endParaRPr lang="ko-KR" altLang="en-US" sz="1800">
+              <a:latin typeface="맑은 고딕" charset="0"/>
+              <a:ea typeface="맑은 고딕" charset="0"/>
+            </a:endParaRPr>
+          </a:p>
+          <a:p>
+            <a:pPr marL="0" indent="0" algn="l" latinLnBrk="0" hangingPunct="1">
+              <a:buFontTx/>
+              <a:buNone/>
+            </a:pPr>
+            <a:r>
+              <a:rPr lang="ko-KR" sz="1800">
+                <a:latin typeface="맑은 고딕" charset="0"/>
+                <a:ea typeface="맑은 고딕" charset="0"/>
+              </a:rPr>
+              <a:t>마지막으로 Ui를 여는 함수는 게임 오브젝트를 활성화도록 설정합니다.</a:t>
+            </a:r>
+            <a:endParaRPr lang="ko-KR" altLang="en-US" sz="1800">
+              <a:latin typeface="맑은 고딕" charset="0"/>
+              <a:ea typeface="맑은 고딕" charset="0"/>
+            </a:endParaRPr>
+          </a:p>
         </p:txBody>
       </p:sp>
       <p:pic>
         <p:nvPicPr>
-          <p:cNvPr id="99" name="그림 19" descr="C:/Users/Admin1/AppData/Roaming/PolarisOffice/ETemp/24400_17556656/fImage45032669169.png"/>
+          <p:cNvPr id="76" name="Picture " descr="C:/Users/Admin1/AppData/Roaming/PolarisOffice/ETemp/4076_20445776/fImage35042963902.png"/>
           <p:cNvPicPr>
             <a:picLocks noChangeAspect="1"/>
           </p:cNvPicPr>
@@ -8801,8 +9040,8 @@
         </p:blipFill>
         <p:spPr>
           <a:xfrm rot="0">
-            <a:off x="1241425" y="1391920"/>
-            <a:ext cx="4121150" cy="2590800"/>
+            <a:off x="1314450" y="1457325"/>
+            <a:ext cx="4029710" cy="889635"/>
           </a:xfrm>
           <a:prstGeom prst="roundRect"/>
           <a:solidFill>
@@ -8812,7 +9051,7 @@
       </p:pic>
       <p:pic>
         <p:nvPicPr>
-          <p:cNvPr id="100" name="그림 22" descr="C:/Users/Admin1/AppData/Roaming/PolarisOffice/ETemp/24400_17556656/fImage44242675724.png"/>
+          <p:cNvPr id="77" name="그림 44" descr="C:/Users/Admin1/AppData/Roaming/PolarisOffice/ETemp/4076_20445776/fImage4399300153.png"/>
           <p:cNvPicPr>
             <a:picLocks noChangeAspect="1"/>
           </p:cNvPicPr>
@@ -8832,8 +9071,8 @@
         </p:blipFill>
         <p:spPr>
           <a:xfrm rot="0">
-            <a:off x="6817995" y="3545205"/>
-            <a:ext cx="4048125" cy="1160780"/>
+            <a:off x="6819900" y="1457325"/>
+            <a:ext cx="4113530" cy="2014855"/>
           </a:xfrm>
           <a:prstGeom prst="roundRect"/>
           <a:solidFill>
@@ -8843,7 +9082,2175 @@
       </p:pic>
       <p:pic>
         <p:nvPicPr>
-          <p:cNvPr id="101" name="그림 23" descr="C:/Users/Admin1/AppData/Roaming/PolarisOffice/ETemp/24400_17556656/fImage250552681478.png"/>
+          <p:cNvPr id="78" name="그림 67" descr="C:/Users/Admin1/AppData/Roaming/PolarisOffice/ETemp/4076_20445776/fImage12195326292.png"/>
+          <p:cNvPicPr>
+            <a:picLocks noChangeAspect="1"/>
+          </p:cNvPicPr>
+          <p:nvPr/>
+        </p:nvPicPr>
+        <p:blipFill rotWithShape="1">
+          <a:blip r:embed="rId4" cstate="print">
+            <a:extLst>
+              <a:ext uri="{28A0092B-C50C-407E-A947-70E740481C1C}">
+                <a14:useLocalDpi xmlns:a14="http://schemas.microsoft.com/office/drawing/2010/main" val="0"/>
+              </a:ext>
+            </a:extLst>
+          </a:blip>
+          <a:stretch>
+            <a:fillRect/>
+          </a:stretch>
+        </p:blipFill>
+        <p:spPr>
+          <a:xfrm rot="0">
+            <a:off x="1316355" y="3492500"/>
+            <a:ext cx="4027170" cy="1969135"/>
+          </a:xfrm>
+          <a:prstGeom prst="roundRect"/>
+          <a:solidFill>
+            <a:srgbClr val="EDEDED"/>
+          </a:solidFill>
+        </p:spPr>
+      </p:pic>
+      <p:sp>
+        <p:nvSpPr>
+          <p:cNvPr id="79" name="텍스트 상자 68"/>
+          <p:cNvSpPr txBox="1">
+            <a:spLocks/>
+          </p:cNvSpPr>
+          <p:nvPr/>
+        </p:nvSpPr>
+        <p:spPr>
+          <a:xfrm rot="0">
+            <a:off x="1317625" y="5537835"/>
+            <a:ext cx="4025900" cy="677545"/>
+          </a:xfrm>
+          <a:prstGeom prst="rect"/>
+          <a:noFill/>
+          <a:ln w="0">
+            <a:noFill/>
+            <a:prstDash/>
+          </a:ln>
+        </p:spPr>
+        <p:txBody>
+          <a:bodyPr wrap="square" lIns="89535" tIns="46355" rIns="89535" bIns="46355" numCol="1" vert="horz" anchor="t">
+            <a:spAutoFit/>
+          </a:bodyPr>
+          <a:lstStyle/>
+          <a:p>
+            <a:pPr marL="0" indent="0" algn="l" latinLnBrk="0" hangingPunct="1">
+              <a:buFontTx/>
+              <a:buNone/>
+            </a:pPr>
+            <a:r>
+              <a:rPr lang="ko-KR" sz="2000" b="1">
+                <a:solidFill>
+                  <a:srgbClr val="0611F2"/>
+                </a:solidFill>
+                <a:latin typeface="맑은 고딕" charset="0"/>
+                <a:ea typeface="맑은 고딕" charset="0"/>
+              </a:rPr>
+              <a:t>31</a:t>
+            </a:r>
+            <a:r>
+              <a:rPr lang="ko-KR" sz="2000" b="1">
+                <a:solidFill>
+                  <a:srgbClr val="0611F2"/>
+                </a:solidFill>
+                <a:latin typeface="맑은 고딕" charset="0"/>
+                <a:ea typeface="맑은 고딕" charset="0"/>
+              </a:rPr>
+              <a:t>.</a:t>
+            </a:r>
+            <a:r>
+              <a:rPr lang="ko-KR" sz="2000">
+                <a:solidFill>
+                  <a:srgbClr val="0611F2"/>
+                </a:solidFill>
+                <a:latin typeface="맑은 고딕" charset="0"/>
+                <a:ea typeface="맑은 고딕" charset="0"/>
+              </a:rPr>
+              <a:t> </a:t>
+            </a:r>
+            <a:r>
+              <a:rPr lang="ko-KR" sz="1800">
+                <a:latin typeface="맑은 고딕" charset="0"/>
+                <a:ea typeface="맑은 고딕" charset="0"/>
+              </a:rPr>
+              <a:t>마지막으로 팝업이 종료되는 조건을 업데이트 함수에 설정합니다.</a:t>
+            </a:r>
+            <a:endParaRPr lang="ko-KR" altLang="en-US" sz="1800">
+              <a:latin typeface="맑은 고딕" charset="0"/>
+              <a:ea typeface="맑은 고딕" charset="0"/>
+            </a:endParaRPr>
+          </a:p>
+        </p:txBody>
+      </p:sp>
+    </p:spTree>
+  </p:cSld>
+  <p:clrMapOvr>
+    <a:masterClrMapping/>
+  </p:clrMapOvr>
+  <mc:AlternateContent xmlns:mc="http://schemas.openxmlformats.org/markup-compatibility/2006">
+    <mc:Choice xmlns:p14="http://schemas.microsoft.com/office/powerpoint/2010/main" Requires="p14">
+      <p:transition spd="slow" p14:dur="2000"/>
+    </mc:Choice>
+    <mc:Fallback>
+      <p:transition spd="slow"/>
+    </mc:Fallback>
+  </mc:AlternateContent>
+  <p:timing>
+    <p:tnLst>
+      <p:par>
+        <p:cTn id="1" dur="indefinite" restart="never" nodeType="tmRoot"/>
+      </p:par>
+    </p:tnLst>
+  </p:timing>
+</p:sld>
+</file>
+
+<file path=ppt/slides/slide13.xml><?xml version="1.0" encoding="utf-8"?>
+<p:sld xmlns:a="http://schemas.openxmlformats.org/drawingml/2006/main" xmlns:r="http://schemas.openxmlformats.org/officeDocument/2006/relationships" xmlns:p="http://schemas.openxmlformats.org/presentationml/2006/main" xmlns:p14="http://schemas.microsoft.com/office/powerpoint/2010/main">
+  <p:cSld>
+    <p:spTree>
+      <p:nvGrpSpPr>
+        <p:cNvPr id="1" name=""/>
+        <p:cNvGrpSpPr/>
+        <p:nvPr/>
+      </p:nvGrpSpPr>
+      <p:grpSpPr>
+        <a:xfrm>
+          <a:off x="0" y="0"/>
+          <a:ext cx="0" cy="0"/>
+          <a:chOff x="0" y="0"/>
+          <a:chExt cx="0" cy="0"/>
+        </a:xfrm>
+      </p:grpSpPr>
+      <p:sp>
+        <p:nvSpPr>
+          <p:cNvPr id="22" name="Rect 0"/>
+          <p:cNvSpPr txBox="1">
+            <a:spLocks/>
+          </p:cNvSpPr>
+          <p:nvPr/>
+        </p:nvSpPr>
+        <p:spPr>
+          <a:xfrm>
+            <a:off x="4349750" y="452755"/>
+            <a:ext cx="3499485" cy="554990"/>
+          </a:xfrm>
+          <a:prstGeom prst="rect"/>
+          <a:noFill/>
+          <a:ln w="0">
+            <a:noFill/>
+            <a:prstDash/>
+          </a:ln>
+        </p:spPr>
+        <p:txBody>
+          <a:bodyPr wrap="square" lIns="89535" tIns="46355" rIns="89535" bIns="46355" numCol="1" vert="horz" anchor="t">
+            <a:spAutoFit/>
+          </a:bodyPr>
+          <a:lstStyle/>
+          <a:p>
+            <a:pPr marL="0" indent="0" algn="l" latinLnBrk="0" hangingPunct="1">
+              <a:buFontTx/>
+              <a:buNone/>
+            </a:pPr>
+            <a:r>
+              <a:rPr lang="ko-KR" sz="3000" b="1">
+                <a:latin typeface="맑은 고딕" charset="0"/>
+                <a:ea typeface="맑은 고딕" charset="0"/>
+              </a:rPr>
+              <a:t>열세</a:t>
+            </a:r>
+            <a:r>
+              <a:rPr lang="ko-KR" sz="3000" b="1">
+                <a:latin typeface="맑은 고딕" charset="0"/>
+                <a:ea typeface="맑은 고딕" charset="0"/>
+              </a:rPr>
+              <a:t> 번째 튜토리얼 </a:t>
+            </a:r>
+            <a:endParaRPr lang="ko-KR" altLang="en-US" sz="3000" b="1">
+              <a:latin typeface="맑은 고딕" charset="0"/>
+              <a:ea typeface="맑은 고딕" charset="0"/>
+            </a:endParaRPr>
+          </a:p>
+        </p:txBody>
+      </p:sp>
+      <p:sp>
+        <p:nvSpPr>
+          <p:cNvPr id="67" name="텍스트 상자 61"/>
+          <p:cNvSpPr txBox="1">
+            <a:spLocks/>
+          </p:cNvSpPr>
+          <p:nvPr/>
+        </p:nvSpPr>
+        <p:spPr>
+          <a:xfrm>
+            <a:off x="1464945" y="5162550"/>
+            <a:ext cx="3927475" cy="954405"/>
+          </a:xfrm>
+          <a:prstGeom prst="rect"/>
+          <a:noFill/>
+          <a:ln w="0">
+            <a:noFill/>
+            <a:prstDash/>
+          </a:ln>
+        </p:spPr>
+        <p:txBody>
+          <a:bodyPr wrap="square" lIns="89535" tIns="46355" rIns="89535" bIns="46355" numCol="1" vert="horz" anchor="t">
+            <a:spAutoFit/>
+          </a:bodyPr>
+          <a:lstStyle/>
+          <a:p>
+            <a:pPr marL="0" indent="0" algn="l" latinLnBrk="0" hangingPunct="1">
+              <a:buFontTx/>
+              <a:buNone/>
+            </a:pPr>
+            <a:r>
+              <a:rPr lang="ko-KR" sz="2000" b="1">
+                <a:solidFill>
+                  <a:srgbClr val="0611F2"/>
+                </a:solidFill>
+                <a:latin typeface="맑은 고딕" charset="0"/>
+                <a:ea typeface="맑은 고딕" charset="0"/>
+              </a:rPr>
+              <a:t>33</a:t>
+            </a:r>
+            <a:r>
+              <a:rPr lang="ko-KR" sz="2000" b="1">
+                <a:solidFill>
+                  <a:srgbClr val="0611F2"/>
+                </a:solidFill>
+                <a:latin typeface="맑은 고딕" charset="0"/>
+                <a:ea typeface="맑은 고딕" charset="0"/>
+              </a:rPr>
+              <a:t>.</a:t>
+            </a:r>
+            <a:r>
+              <a:rPr lang="ko-KR" sz="2000">
+                <a:solidFill>
+                  <a:srgbClr val="0611F2"/>
+                </a:solidFill>
+                <a:latin typeface="맑은 고딕" charset="0"/>
+                <a:ea typeface="맑은 고딕" charset="0"/>
+              </a:rPr>
+              <a:t> </a:t>
+            </a:r>
+            <a:r>
+              <a:rPr lang="ko-KR" sz="1800">
+                <a:latin typeface="맑은 고딕" charset="0"/>
+                <a:ea typeface="맑은 고딕" charset="0"/>
+              </a:rPr>
+              <a:t>그리고 Close Button과 Open Button에 있는 PopUp 스크립트에 Window를 넣어줍니다.</a:t>
+            </a:r>
+            <a:endParaRPr lang="ko-KR" altLang="en-US" sz="1800">
+              <a:latin typeface="맑은 고딕" charset="0"/>
+              <a:ea typeface="맑은 고딕" charset="0"/>
+            </a:endParaRPr>
+          </a:p>
+        </p:txBody>
+      </p:sp>
+      <p:sp>
+        <p:nvSpPr>
+          <p:cNvPr id="73" name="텍스트 상자 45"/>
+          <p:cNvSpPr txBox="1">
+            <a:spLocks/>
+          </p:cNvSpPr>
+          <p:nvPr/>
+        </p:nvSpPr>
+        <p:spPr>
+          <a:xfrm>
+            <a:off x="6699250" y="3275965"/>
+            <a:ext cx="4335145" cy="677545"/>
+          </a:xfrm>
+          <a:prstGeom prst="rect"/>
+          <a:noFill/>
+          <a:ln w="0">
+            <a:noFill/>
+            <a:prstDash/>
+          </a:ln>
+        </p:spPr>
+        <p:txBody>
+          <a:bodyPr wrap="square" lIns="89535" tIns="46355" rIns="89535" bIns="46355" numCol="1" vert="horz" anchor="t">
+            <a:spAutoFit/>
+          </a:bodyPr>
+          <a:lstStyle/>
+          <a:p>
+            <a:pPr marL="0" indent="0" algn="l" latinLnBrk="0" hangingPunct="1">
+              <a:buFontTx/>
+              <a:buNone/>
+            </a:pPr>
+            <a:r>
+              <a:rPr lang="ko-KR" sz="2000" b="1">
+                <a:solidFill>
+                  <a:srgbClr val="0611F2"/>
+                </a:solidFill>
+                <a:latin typeface="맑은 고딕" charset="0"/>
+                <a:ea typeface="맑은 고딕" charset="0"/>
+              </a:rPr>
+              <a:t>34</a:t>
+            </a:r>
+            <a:r>
+              <a:rPr lang="ko-KR" sz="2000" b="1">
+                <a:solidFill>
+                  <a:srgbClr val="0611F2"/>
+                </a:solidFill>
+                <a:latin typeface="맑은 고딕" charset="0"/>
+                <a:ea typeface="맑은 고딕" charset="0"/>
+              </a:rPr>
+              <a:t>.</a:t>
+            </a:r>
+            <a:r>
+              <a:rPr lang="ko-KR" sz="2000">
+                <a:solidFill>
+                  <a:srgbClr val="0611F2"/>
+                </a:solidFill>
+                <a:latin typeface="맑은 고딕" charset="0"/>
+                <a:ea typeface="맑은 고딕" charset="0"/>
+              </a:rPr>
+              <a:t> </a:t>
+            </a:r>
+            <a:r>
+              <a:rPr lang="ko-KR" sz="1800">
+                <a:latin typeface="맑은 고딕" charset="0"/>
+                <a:ea typeface="맑은 고딕" charset="0"/>
+              </a:rPr>
+              <a:t>이제 Close Button과 Open Button에 On Click( ) 함수를 추가합니다.</a:t>
+            </a:r>
+            <a:endParaRPr lang="ko-KR" altLang="en-US" sz="1800">
+              <a:latin typeface="맑은 고딕" charset="0"/>
+              <a:ea typeface="맑은 고딕" charset="0"/>
+            </a:endParaRPr>
+          </a:p>
+        </p:txBody>
+      </p:sp>
+      <p:pic>
+        <p:nvPicPr>
+          <p:cNvPr id="75" name="그림 73"/>
+          <p:cNvPicPr>
+            <a:picLocks noChangeAspect="1"/>
+          </p:cNvPicPr>
+          <p:nvPr/>
+        </p:nvPicPr>
+        <p:blipFill rotWithShape="1">
+          <a:blip r:embed="rId11" cstate="hqprint">
+            <a:extLst>
+              <a:ext uri="{28A0092B-C50C-407E-A947-70E740481C1C}">
+                <a14:useLocalDpi xmlns:a14="http://schemas.microsoft.com/office/drawing/2010/main"/>
+              </a:ext>
+            </a:extLst>
+          </a:blip>
+          <a:stretch>
+            <a:fillRect/>
+          </a:stretch>
+        </p:blipFill>
+        <p:spPr>
+          <a:xfrm rot="0">
+            <a:off x="1457325" y="1314450"/>
+            <a:ext cx="1753235" cy="2562860"/>
+          </a:xfrm>
+          <a:prstGeom prst="roundRect"/>
+          <a:solidFill>
+            <a:srgbClr val="EDEDED"/>
+          </a:solidFill>
+        </p:spPr>
+      </p:pic>
+      <p:pic>
+        <p:nvPicPr>
+          <p:cNvPr id="76" name="그림 6"/>
+          <p:cNvPicPr>
+            <a:picLocks noChangeAspect="1"/>
+          </p:cNvPicPr>
+          <p:nvPr/>
+        </p:nvPicPr>
+        <p:blipFill rotWithShape="1">
+          <a:blip r:embed="rId12" cstate="print">
+            <a:extLst>
+              <a:ext uri="{28A0092B-C50C-407E-A947-70E740481C1C}">
+                <a14:useLocalDpi xmlns:a14="http://schemas.microsoft.com/office/drawing/2010/main" val="0"/>
+              </a:ext>
+            </a:extLst>
+          </a:blip>
+          <a:stretch>
+            <a:fillRect/>
+          </a:stretch>
+        </p:blipFill>
+        <p:spPr>
+          <a:xfrm rot="0">
+            <a:off x="3829050" y="1514475"/>
+            <a:ext cx="1562735" cy="2181860"/>
+          </a:xfrm>
+          <a:prstGeom prst="roundRect"/>
+          <a:solidFill>
+            <a:srgbClr val="EDEDED"/>
+          </a:solidFill>
+        </p:spPr>
+      </p:pic>
+      <p:pic>
+        <p:nvPicPr>
+          <p:cNvPr id="79" name="그림 11"/>
+          <p:cNvPicPr>
+            <a:picLocks noChangeAspect="1"/>
+          </p:cNvPicPr>
+          <p:nvPr/>
+        </p:nvPicPr>
+        <p:blipFill rotWithShape="1">
+          <a:blip r:embed="rId13" cstate="print">
+            <a:extLst>
+              <a:ext uri="{28A0092B-C50C-407E-A947-70E740481C1C}">
+                <a14:useLocalDpi xmlns:a14="http://schemas.microsoft.com/office/drawing/2010/main" val="0"/>
+              </a:ext>
+            </a:extLst>
+          </a:blip>
+          <a:stretch>
+            <a:fillRect/>
+          </a:stretch>
+        </p:blipFill>
+        <p:spPr>
+          <a:xfrm rot="0">
+            <a:off x="8020050" y="1557020"/>
+            <a:ext cx="3143885" cy="705485"/>
+          </a:xfrm>
+          <a:prstGeom prst="roundRect"/>
+          <a:solidFill>
+            <a:srgbClr val="EDEDED"/>
+          </a:solidFill>
+        </p:spPr>
+      </p:pic>
+      <p:pic>
+        <p:nvPicPr>
+          <p:cNvPr id="80" name="그림 14"/>
+          <p:cNvPicPr>
+            <a:picLocks noChangeAspect="1"/>
+          </p:cNvPicPr>
+          <p:nvPr/>
+        </p:nvPicPr>
+        <p:blipFill rotWithShape="1">
+          <a:blip r:embed="rId14" cstate="print">
+            <a:extLst>
+              <a:ext uri="{28A0092B-C50C-407E-A947-70E740481C1C}">
+                <a14:useLocalDpi xmlns:a14="http://schemas.microsoft.com/office/drawing/2010/main" val="0"/>
+              </a:ext>
+            </a:extLst>
+          </a:blip>
+          <a:stretch>
+            <a:fillRect/>
+          </a:stretch>
+        </p:blipFill>
+        <p:spPr>
+          <a:xfrm rot="0">
+            <a:off x="6701155" y="1500505"/>
+            <a:ext cx="1195705" cy="1638300"/>
+          </a:xfrm>
+          <a:prstGeom prst="roundRect"/>
+          <a:solidFill>
+            <a:srgbClr val="EDEDED"/>
+          </a:solidFill>
+        </p:spPr>
+      </p:pic>
+      <p:pic>
+        <p:nvPicPr>
+          <p:cNvPr id="81" name="그림 15"/>
+          <p:cNvPicPr>
+            <a:picLocks noChangeAspect="1"/>
+          </p:cNvPicPr>
+          <p:nvPr/>
+        </p:nvPicPr>
+        <p:blipFill rotWithShape="1">
+          <a:blip r:embed="rId15" cstate="print">
+            <a:extLst>
+              <a:ext uri="{28A0092B-C50C-407E-A947-70E740481C1C}">
+                <a14:useLocalDpi xmlns:a14="http://schemas.microsoft.com/office/drawing/2010/main" val="0"/>
+              </a:ext>
+            </a:extLst>
+          </a:blip>
+          <a:stretch>
+            <a:fillRect/>
+          </a:stretch>
+        </p:blipFill>
+        <p:spPr>
+          <a:xfrm rot="0">
+            <a:off x="8015605" y="2419350"/>
+            <a:ext cx="3143885" cy="705485"/>
+          </a:xfrm>
+          <a:prstGeom prst="roundRect"/>
+          <a:solidFill>
+            <a:srgbClr val="EDEDED"/>
+          </a:solidFill>
+        </p:spPr>
+      </p:pic>
+      <p:pic>
+        <p:nvPicPr>
+          <p:cNvPr id="82" name="그림 16"/>
+          <p:cNvPicPr>
+            <a:picLocks noChangeAspect="1"/>
+          </p:cNvPicPr>
+          <p:nvPr/>
+        </p:nvPicPr>
+        <p:blipFill rotWithShape="1">
+          <a:blip r:embed="rId16" cstate="print">
+            <a:extLst>
+              <a:ext uri="{28A0092B-C50C-407E-A947-70E740481C1C}">
+                <a14:useLocalDpi xmlns:a14="http://schemas.microsoft.com/office/drawing/2010/main" val="0"/>
+              </a:ext>
+            </a:extLst>
+          </a:blip>
+          <a:stretch>
+            <a:fillRect/>
+          </a:stretch>
+        </p:blipFill>
+        <p:spPr>
+          <a:xfrm rot="0">
+            <a:off x="6702425" y="4026535"/>
+            <a:ext cx="4467860" cy="1014095"/>
+          </a:xfrm>
+          <a:prstGeom prst="roundRect"/>
+          <a:solidFill>
+            <a:srgbClr val="EDEDED"/>
+          </a:solidFill>
+        </p:spPr>
+      </p:pic>
+      <p:sp>
+        <p:nvSpPr>
+          <p:cNvPr id="83" name="텍스트 상자 19"/>
+          <p:cNvSpPr txBox="1">
+            <a:spLocks/>
+          </p:cNvSpPr>
+          <p:nvPr/>
+        </p:nvSpPr>
+        <p:spPr>
+          <a:xfrm>
+            <a:off x="6701790" y="5157470"/>
+            <a:ext cx="4461510" cy="954405"/>
+          </a:xfrm>
+          <a:prstGeom prst="rect"/>
+          <a:noFill/>
+          <a:ln w="0">
+            <a:noFill/>
+            <a:prstDash/>
+          </a:ln>
+        </p:spPr>
+        <p:txBody>
+          <a:bodyPr wrap="square" lIns="89535" tIns="46355" rIns="89535" bIns="46355" numCol="1" vert="horz" anchor="t">
+            <a:spAutoFit/>
+          </a:bodyPr>
+          <a:lstStyle/>
+          <a:p>
+            <a:pPr marL="0" indent="0" algn="l" latinLnBrk="0" hangingPunct="1">
+              <a:buFontTx/>
+              <a:buNone/>
+            </a:pPr>
+            <a:r>
+              <a:rPr lang="ko-KR" sz="2000" b="1">
+                <a:solidFill>
+                  <a:srgbClr val="0611F2"/>
+                </a:solidFill>
+                <a:latin typeface="맑은 고딕" charset="0"/>
+                <a:ea typeface="맑은 고딕" charset="0"/>
+              </a:rPr>
+              <a:t>35</a:t>
+            </a:r>
+            <a:r>
+              <a:rPr lang="ko-KR" sz="2000" b="1">
+                <a:solidFill>
+                  <a:srgbClr val="0611F2"/>
+                </a:solidFill>
+                <a:latin typeface="맑은 고딕" charset="0"/>
+                <a:ea typeface="맑은 고딕" charset="0"/>
+              </a:rPr>
+              <a:t>.</a:t>
+            </a:r>
+            <a:r>
+              <a:rPr lang="ko-KR" sz="2000">
+                <a:solidFill>
+                  <a:srgbClr val="0611F2"/>
+                </a:solidFill>
+                <a:latin typeface="맑은 고딕" charset="0"/>
+                <a:ea typeface="맑은 고딕" charset="0"/>
+              </a:rPr>
+              <a:t> </a:t>
+            </a:r>
+            <a:r>
+              <a:rPr lang="ko-KR" sz="1800">
+                <a:latin typeface="맑은 고딕" charset="0"/>
+                <a:ea typeface="맑은 고딕" charset="0"/>
+              </a:rPr>
+              <a:t>그다음 Close Button의 On Click( ) 함수에 자기 자신을 넣어주고 함수를 지정합니다.</a:t>
+            </a:r>
+            <a:endParaRPr lang="ko-KR" altLang="en-US" sz="1800">
+              <a:latin typeface="맑은 고딕" charset="0"/>
+              <a:ea typeface="맑은 고딕" charset="0"/>
+            </a:endParaRPr>
+          </a:p>
+        </p:txBody>
+      </p:sp>
+      <p:pic>
+        <p:nvPicPr>
+          <p:cNvPr id="84" name="그림 130" descr="C:/Users/Admin1/AppData/Roaming/PolarisOffice/ETemp/4076_20445776/fImage92233882382.png"/>
+          <p:cNvPicPr>
+            <a:picLocks noChangeAspect="1"/>
+          </p:cNvPicPr>
+          <p:nvPr/>
+        </p:nvPicPr>
+        <p:blipFill rotWithShape="1">
+          <a:blip r:embed="rId17" cstate="print">
+            <a:extLst>
+              <a:ext uri="{28A0092B-C50C-407E-A947-70E740481C1C}">
+                <a14:useLocalDpi xmlns:a14="http://schemas.microsoft.com/office/drawing/2010/main" val="0"/>
+              </a:ext>
+            </a:extLst>
+          </a:blip>
+          <a:stretch>
+            <a:fillRect/>
+          </a:stretch>
+        </p:blipFill>
+        <p:spPr>
+          <a:xfrm rot="0">
+            <a:off x="1471295" y="4052570"/>
+            <a:ext cx="3920490" cy="986790"/>
+          </a:xfrm>
+          <a:prstGeom prst="roundRect"/>
+          <a:solidFill>
+            <a:srgbClr val="EDEDED"/>
+          </a:solidFill>
+        </p:spPr>
+      </p:pic>
+      <p:cxnSp>
+        <p:nvCxnSpPr>
+          <p:cNvPr id="77" name="도형 9"/>
+          <p:cNvCxnSpPr/>
+          <p:nvPr/>
+        </p:nvCxnSpPr>
+        <p:spPr>
+          <a:xfrm rot="0">
+            <a:off x="2638425" y="2543175"/>
+            <a:ext cx="2629535" cy="2086610"/>
+          </a:xfrm>
+          <a:prstGeom prst="straightConnector1"/>
+          <a:ln w="6350" cap="flat" cmpd="sng">
+            <a:prstDash/>
+            <a:tailEnd type="triangle" w="med" len="med"/>
+          </a:ln>
+        </p:spPr>
+        <p:style>
+          <a:lnRef idx="1">
+            <a:schemeClr val="accent1"/>
+          </a:lnRef>
+          <a:fillRef idx="0">
+            <a:schemeClr val="accent1"/>
+          </a:fillRef>
+          <a:effectRef idx="0">
+            <a:schemeClr val="accent1"/>
+          </a:effectRef>
+          <a:fontRef idx="minor">
+            <a:schemeClr val="tx1"/>
+          </a:fontRef>
+        </p:style>
+      </p:cxnSp>
+      <p:cxnSp>
+        <p:nvCxnSpPr>
+          <p:cNvPr id="85" name="도형 133"/>
+          <p:cNvCxnSpPr/>
+          <p:nvPr/>
+        </p:nvCxnSpPr>
+        <p:spPr>
+          <a:xfrm rot="0">
+            <a:off x="2638425" y="2533650"/>
+            <a:ext cx="2658110" cy="2334260"/>
+          </a:xfrm>
+          <a:prstGeom prst="straightConnector1"/>
+          <a:ln w="6350" cap="flat" cmpd="sng">
+            <a:prstDash/>
+            <a:tailEnd type="triangle" w="med" len="med"/>
+          </a:ln>
+        </p:spPr>
+        <p:style>
+          <a:lnRef idx="1">
+            <a:schemeClr val="accent1"/>
+          </a:lnRef>
+          <a:fillRef idx="0">
+            <a:schemeClr val="accent1"/>
+          </a:fillRef>
+          <a:effectRef idx="0">
+            <a:schemeClr val="accent1"/>
+          </a:effectRef>
+          <a:fontRef idx="minor">
+            <a:schemeClr val="tx1"/>
+          </a:fontRef>
+        </p:style>
+      </p:cxnSp>
+    </p:spTree>
+  </p:cSld>
+  <p:clrMapOvr>
+    <a:masterClrMapping/>
+  </p:clrMapOvr>
+  <mc:AlternateContent xmlns:mc="http://schemas.openxmlformats.org/markup-compatibility/2006">
+    <mc:Choice xmlns:p14="http://schemas.microsoft.com/office/powerpoint/2010/main" Requires="p14">
+      <p:transition spd="slow" p14:dur="2000"/>
+    </mc:Choice>
+    <mc:Fallback>
+      <p:transition spd="slow"/>
+    </mc:Fallback>
+  </mc:AlternateContent>
+  <p:timing>
+    <p:tnLst>
+      <p:par>
+        <p:cTn id="1" dur="indefinite" restart="never" nodeType="tmRoot"/>
+      </p:par>
+    </p:tnLst>
+  </p:timing>
+</p:sld>
+</file>
+
+<file path=ppt/slides/slide14.xml><?xml version="1.0" encoding="utf-8"?>
+<p:sld xmlns:a="http://schemas.openxmlformats.org/drawingml/2006/main" xmlns:r="http://schemas.openxmlformats.org/officeDocument/2006/relationships" xmlns:p="http://schemas.openxmlformats.org/presentationml/2006/main" xmlns:p14="http://schemas.microsoft.com/office/powerpoint/2010/main">
+  <p:cSld>
+    <p:spTree>
+      <p:nvGrpSpPr>
+        <p:cNvPr id="1" name=""/>
+        <p:cNvGrpSpPr/>
+        <p:nvPr/>
+      </p:nvGrpSpPr>
+      <p:grpSpPr>
+        <a:xfrm>
+          <a:off x="0" y="0"/>
+          <a:ext cx="0" cy="0"/>
+          <a:chOff x="0" y="0"/>
+          <a:chExt cx="0" cy="0"/>
+        </a:xfrm>
+      </p:grpSpPr>
+      <p:sp>
+        <p:nvSpPr>
+          <p:cNvPr id="22" name="Rect 0"/>
+          <p:cNvSpPr txBox="1">
+            <a:spLocks/>
+          </p:cNvSpPr>
+          <p:nvPr/>
+        </p:nvSpPr>
+        <p:spPr>
+          <a:xfrm rot="0">
+            <a:off x="4302125" y="452755"/>
+            <a:ext cx="3594735" cy="554990"/>
+          </a:xfrm>
+          <a:prstGeom prst="rect"/>
+          <a:noFill/>
+          <a:ln w="0">
+            <a:noFill/>
+            <a:prstDash/>
+          </a:ln>
+        </p:spPr>
+        <p:txBody>
+          <a:bodyPr wrap="square" lIns="89535" tIns="46355" rIns="89535" bIns="46355" numCol="1" vert="horz" anchor="t">
+            <a:spAutoFit/>
+          </a:bodyPr>
+          <a:lstStyle/>
+          <a:p>
+            <a:pPr marL="0" indent="0" algn="l" latinLnBrk="0" hangingPunct="1">
+              <a:buFontTx/>
+              <a:buNone/>
+            </a:pPr>
+            <a:r>
+              <a:rPr lang="ko-KR" sz="3000" b="1">
+                <a:latin typeface="맑은 고딕" charset="0"/>
+                <a:ea typeface="맑은 고딕" charset="0"/>
+              </a:rPr>
+              <a:t>열</a:t>
+            </a:r>
+            <a:r>
+              <a:rPr lang="ko-KR" sz="3000" b="1">
+                <a:latin typeface="맑은 고딕" charset="0"/>
+                <a:ea typeface="맑은 고딕" charset="0"/>
+              </a:rPr>
+              <a:t>네</a:t>
+            </a:r>
+            <a:r>
+              <a:rPr lang="ko-KR" sz="3000" b="1">
+                <a:latin typeface="맑은 고딕" charset="0"/>
+                <a:ea typeface="맑은 고딕" charset="0"/>
+              </a:rPr>
+              <a:t> 번째 튜토리얼 </a:t>
+            </a:r>
+            <a:endParaRPr lang="ko-KR" altLang="en-US" sz="3000" b="1">
+              <a:latin typeface="맑은 고딕" charset="0"/>
+              <a:ea typeface="맑은 고딕" charset="0"/>
+            </a:endParaRPr>
+          </a:p>
+        </p:txBody>
+      </p:sp>
+      <p:sp>
+        <p:nvSpPr>
+          <p:cNvPr id="83" name="Rect 0"/>
+          <p:cNvSpPr txBox="1">
+            <a:spLocks/>
+          </p:cNvSpPr>
+          <p:nvPr/>
+        </p:nvSpPr>
+        <p:spPr>
+          <a:xfrm rot="0">
+            <a:off x="6810375" y="2752090"/>
+            <a:ext cx="4049395" cy="677545"/>
+          </a:xfrm>
+          <a:prstGeom prst="rect"/>
+          <a:noFill/>
+          <a:ln w="0">
+            <a:noFill/>
+            <a:prstDash/>
+          </a:ln>
+        </p:spPr>
+        <p:txBody>
+          <a:bodyPr wrap="square" lIns="89535" tIns="46355" rIns="89535" bIns="46355" numCol="1" vert="horz" anchor="t">
+            <a:spAutoFit/>
+          </a:bodyPr>
+          <a:lstStyle/>
+          <a:p>
+            <a:pPr marL="0" indent="0" algn="l" latinLnBrk="0" hangingPunct="1">
+              <a:buFontTx/>
+              <a:buNone/>
+            </a:pPr>
+            <a:r>
+              <a:rPr lang="ko-KR" sz="2000" b="1">
+                <a:solidFill>
+                  <a:srgbClr val="0611F2"/>
+                </a:solidFill>
+                <a:latin typeface="맑은 고딕" charset="0"/>
+                <a:ea typeface="맑은 고딕" charset="0"/>
+              </a:rPr>
+              <a:t>38</a:t>
+            </a:r>
+            <a:r>
+              <a:rPr lang="ko-KR" sz="2000" b="1">
+                <a:solidFill>
+                  <a:srgbClr val="0611F2"/>
+                </a:solidFill>
+                <a:latin typeface="맑은 고딕" charset="0"/>
+                <a:ea typeface="맑은 고딕" charset="0"/>
+              </a:rPr>
+              <a:t>.</a:t>
+            </a:r>
+            <a:r>
+              <a:rPr lang="ko-KR" sz="2000">
+                <a:solidFill>
+                  <a:srgbClr val="0611F2"/>
+                </a:solidFill>
+                <a:latin typeface="맑은 고딕" charset="0"/>
+                <a:ea typeface="맑은 고딕" charset="0"/>
+              </a:rPr>
+              <a:t> </a:t>
+            </a:r>
+            <a:r>
+              <a:rPr lang="ko-KR" sz="1800">
+                <a:latin typeface="맑은 고딕" charset="0"/>
+                <a:ea typeface="맑은 고딕" charset="0"/>
+              </a:rPr>
+              <a:t>그다음으로</a:t>
+            </a:r>
+            <a:r>
+              <a:rPr lang="ko-KR" sz="1800">
+                <a:latin typeface="맑은 고딕" charset="0"/>
+                <a:ea typeface="맑은 고딕" charset="0"/>
+              </a:rPr>
+              <a:t> File Data 오브젝트의 앵커와 위치를 조절합니다.</a:t>
+            </a:r>
+            <a:endParaRPr lang="ko-KR" altLang="en-US" sz="1800">
+              <a:latin typeface="맑은 고딕" charset="0"/>
+              <a:ea typeface="맑은 고딕" charset="0"/>
+            </a:endParaRPr>
+          </a:p>
+        </p:txBody>
+      </p:sp>
+      <p:pic>
+        <p:nvPicPr>
+          <p:cNvPr id="84" name="그림 20"/>
+          <p:cNvPicPr>
+            <a:picLocks noChangeAspect="1"/>
+          </p:cNvPicPr>
+          <p:nvPr/>
+        </p:nvPicPr>
+        <p:blipFill rotWithShape="1">
+          <a:blip r:embed="rId2" cstate="print">
+            <a:extLst>
+              <a:ext uri="{28A0092B-C50C-407E-A947-70E740481C1C}">
+                <a14:useLocalDpi xmlns:a14="http://schemas.microsoft.com/office/drawing/2010/main" val="0"/>
+              </a:ext>
+            </a:extLst>
+          </a:blip>
+          <a:stretch>
+            <a:fillRect/>
+          </a:stretch>
+        </p:blipFill>
+        <p:spPr>
+          <a:xfrm rot="0">
+            <a:off x="1238250" y="1494790"/>
+            <a:ext cx="4140200" cy="1086485"/>
+          </a:xfrm>
+          <a:prstGeom prst="roundRect"/>
+          <a:solidFill>
+            <a:srgbClr val="EDEDED"/>
+          </a:solidFill>
+        </p:spPr>
+      </p:pic>
+      <p:sp>
+        <p:nvSpPr>
+          <p:cNvPr id="85" name="텍스트 상자 23"/>
+          <p:cNvSpPr txBox="1">
+            <a:spLocks/>
+          </p:cNvSpPr>
+          <p:nvPr/>
+        </p:nvSpPr>
+        <p:spPr>
+          <a:xfrm>
+            <a:off x="1238250" y="2657475"/>
+            <a:ext cx="4131945" cy="954405"/>
+          </a:xfrm>
+          <a:prstGeom prst="rect"/>
+          <a:noFill/>
+          <a:ln w="0">
+            <a:noFill/>
+            <a:prstDash/>
+          </a:ln>
+        </p:spPr>
+        <p:txBody>
+          <a:bodyPr wrap="square" lIns="89535" tIns="46355" rIns="89535" bIns="46355" numCol="1" vert="horz" anchor="t">
+            <a:spAutoFit/>
+          </a:bodyPr>
+          <a:lstStyle/>
+          <a:p>
+            <a:pPr marL="0" indent="0" algn="l" latinLnBrk="0" hangingPunct="1">
+              <a:buFontTx/>
+              <a:buNone/>
+            </a:pPr>
+            <a:r>
+              <a:rPr lang="ko-KR" sz="2000" b="1">
+                <a:solidFill>
+                  <a:srgbClr val="0611F2"/>
+                </a:solidFill>
+                <a:latin typeface="맑은 고딕" charset="0"/>
+                <a:ea typeface="맑은 고딕" charset="0"/>
+              </a:rPr>
+              <a:t>36</a:t>
+            </a:r>
+            <a:r>
+              <a:rPr lang="ko-KR" sz="2000" b="1">
+                <a:solidFill>
+                  <a:srgbClr val="0611F2"/>
+                </a:solidFill>
+                <a:latin typeface="맑은 고딕" charset="0"/>
+                <a:ea typeface="맑은 고딕" charset="0"/>
+              </a:rPr>
+              <a:t>.</a:t>
+            </a:r>
+            <a:r>
+              <a:rPr lang="ko-KR" sz="2000">
+                <a:solidFill>
+                  <a:srgbClr val="0611F2"/>
+                </a:solidFill>
+                <a:latin typeface="맑은 고딕" charset="0"/>
+                <a:ea typeface="맑은 고딕" charset="0"/>
+              </a:rPr>
+              <a:t> </a:t>
+            </a:r>
+            <a:r>
+              <a:rPr lang="ko-KR" sz="1800">
+                <a:latin typeface="맑은 고딕" charset="0"/>
+                <a:ea typeface="맑은 고딕" charset="0"/>
+              </a:rPr>
+              <a:t>그런 다음 Open Button의 On Click( ) 함수에 자기 자신을 넣어주고 함수를 지정합니다.</a:t>
+            </a:r>
+            <a:endParaRPr lang="ko-KR" altLang="en-US" sz="1800">
+              <a:latin typeface="맑은 고딕" charset="0"/>
+              <a:ea typeface="맑은 고딕" charset="0"/>
+            </a:endParaRPr>
+          </a:p>
+        </p:txBody>
+      </p:sp>
+      <p:pic>
+        <p:nvPicPr>
+          <p:cNvPr id="88" name="그림 30"/>
+          <p:cNvPicPr>
+            <a:picLocks noChangeAspect="1"/>
+          </p:cNvPicPr>
+          <p:nvPr/>
+        </p:nvPicPr>
+        <p:blipFill rotWithShape="1">
+          <a:blip r:embed="rId5" cstate="print">
+            <a:extLst>
+              <a:ext uri="{28A0092B-C50C-407E-A947-70E740481C1C}">
+                <a14:useLocalDpi xmlns:a14="http://schemas.microsoft.com/office/drawing/2010/main" val="0"/>
+              </a:ext>
+            </a:extLst>
+          </a:blip>
+          <a:stretch>
+            <a:fillRect/>
+          </a:stretch>
+        </p:blipFill>
+        <p:spPr>
+          <a:xfrm rot="0">
+            <a:off x="4572000" y="4044950"/>
+            <a:ext cx="802640" cy="1021715"/>
+          </a:xfrm>
+          <a:prstGeom prst="roundRect"/>
+          <a:solidFill>
+            <a:srgbClr val="EDEDED"/>
+          </a:solidFill>
+        </p:spPr>
+      </p:pic>
+      <p:pic>
+        <p:nvPicPr>
+          <p:cNvPr id="89" name="그림 33"/>
+          <p:cNvPicPr>
+            <a:picLocks noChangeAspect="1"/>
+          </p:cNvPicPr>
+          <p:nvPr/>
+        </p:nvPicPr>
+        <p:blipFill rotWithShape="1">
+          <a:blip r:embed="rId6" cstate="print">
+            <a:extLst>
+              <a:ext uri="{28A0092B-C50C-407E-A947-70E740481C1C}">
+                <a14:useLocalDpi xmlns:a14="http://schemas.microsoft.com/office/drawing/2010/main" val="0"/>
+              </a:ext>
+            </a:extLst>
+          </a:blip>
+          <a:stretch>
+            <a:fillRect/>
+          </a:stretch>
+        </p:blipFill>
+        <p:spPr>
+          <a:xfrm rot="0">
+            <a:off x="1242695" y="3759835"/>
+            <a:ext cx="2810510" cy="1593215"/>
+          </a:xfrm>
+          <a:prstGeom prst="roundRect"/>
+          <a:solidFill>
+            <a:srgbClr val="EDEDED"/>
+          </a:solidFill>
+        </p:spPr>
+      </p:pic>
+      <p:cxnSp>
+        <p:nvCxnSpPr>
+          <p:cNvPr id="90" name="도형 36"/>
+          <p:cNvCxnSpPr/>
+          <p:nvPr/>
+        </p:nvCxnSpPr>
+        <p:spPr>
+          <a:xfrm rot="0" flipH="1">
+            <a:off x="3446780" y="4555490"/>
+            <a:ext cx="1125855" cy="615950"/>
+          </a:xfrm>
+          <a:prstGeom prst="straightConnector1"/>
+          <a:ln w="6350" cap="flat" cmpd="sng">
+            <a:prstDash/>
+            <a:tailEnd type="triangle" w="med" len="med"/>
+          </a:ln>
+        </p:spPr>
+        <p:style>
+          <a:lnRef idx="1">
+            <a:schemeClr val="accent1"/>
+          </a:lnRef>
+          <a:fillRef idx="0">
+            <a:schemeClr val="accent1"/>
+          </a:fillRef>
+          <a:effectRef idx="0">
+            <a:schemeClr val="accent1"/>
+          </a:effectRef>
+          <a:fontRef idx="minor">
+            <a:schemeClr val="tx1"/>
+          </a:fontRef>
+        </p:style>
+      </p:cxnSp>
+      <p:sp>
+        <p:nvSpPr>
+          <p:cNvPr id="91" name="텍스트 상자 37"/>
+          <p:cNvSpPr txBox="1">
+            <a:spLocks/>
+          </p:cNvSpPr>
+          <p:nvPr/>
+        </p:nvSpPr>
+        <p:spPr>
+          <a:xfrm>
+            <a:off x="1240790" y="5491480"/>
+            <a:ext cx="4131945" cy="677545"/>
+          </a:xfrm>
+          <a:prstGeom prst="rect"/>
+          <a:noFill/>
+          <a:ln w="0">
+            <a:noFill/>
+            <a:prstDash/>
+          </a:ln>
+        </p:spPr>
+        <p:txBody>
+          <a:bodyPr wrap="square" lIns="89535" tIns="46355" rIns="89535" bIns="46355" numCol="1" vert="horz" anchor="t">
+            <a:spAutoFit/>
+          </a:bodyPr>
+          <a:lstStyle/>
+          <a:p>
+            <a:pPr marL="0" indent="0" algn="l" latinLnBrk="0" hangingPunct="1">
+              <a:buFontTx/>
+              <a:buNone/>
+            </a:pPr>
+            <a:r>
+              <a:rPr lang="ko-KR" sz="2000" b="1">
+                <a:solidFill>
+                  <a:srgbClr val="0611F2"/>
+                </a:solidFill>
+                <a:latin typeface="맑은 고딕" charset="0"/>
+                <a:ea typeface="맑은 고딕" charset="0"/>
+              </a:rPr>
+              <a:t>37</a:t>
+            </a:r>
+            <a:r>
+              <a:rPr lang="ko-KR" sz="2000" b="1">
+                <a:solidFill>
+                  <a:srgbClr val="0611F2"/>
+                </a:solidFill>
+                <a:latin typeface="맑은 고딕" charset="0"/>
+                <a:ea typeface="맑은 고딕" charset="0"/>
+              </a:rPr>
+              <a:t>.</a:t>
+            </a:r>
+            <a:r>
+              <a:rPr lang="ko-KR" sz="2000">
+                <a:solidFill>
+                  <a:srgbClr val="0611F2"/>
+                </a:solidFill>
+                <a:latin typeface="맑은 고딕" charset="0"/>
+                <a:ea typeface="맑은 고딕" charset="0"/>
+              </a:rPr>
+              <a:t> </a:t>
+            </a:r>
+            <a:r>
+              <a:rPr lang="ko-KR" sz="1800">
+                <a:latin typeface="맑은 고딕" charset="0"/>
+                <a:ea typeface="맑은 고딕" charset="0"/>
+              </a:rPr>
+              <a:t>이제 FileLoad 스크립트를 생성하고 File Manager에 넣어줍니다.</a:t>
+            </a:r>
+            <a:endParaRPr lang="ko-KR" altLang="en-US" sz="1800">
+              <a:latin typeface="맑은 고딕" charset="0"/>
+              <a:ea typeface="맑은 고딕" charset="0"/>
+            </a:endParaRPr>
+          </a:p>
+        </p:txBody>
+      </p:sp>
+      <p:pic>
+        <p:nvPicPr>
+          <p:cNvPr id="92" name="그림 137" descr="C:/Users/Admin1/AppData/Roaming/PolarisOffice/ETemp/4076_20445776/fImage124813937421.png"/>
+          <p:cNvPicPr>
+            <a:picLocks noChangeAspect="1"/>
+          </p:cNvPicPr>
+          <p:nvPr/>
+        </p:nvPicPr>
+        <p:blipFill rotWithShape="1">
+          <a:blip r:embed="rId8" cstate="print">
+            <a:extLst>
+              <a:ext uri="{28A0092B-C50C-407E-A947-70E740481C1C}">
+                <a14:useLocalDpi xmlns:a14="http://schemas.microsoft.com/office/drawing/2010/main" val="0"/>
+              </a:ext>
+            </a:extLst>
+          </a:blip>
+          <a:stretch>
+            <a:fillRect/>
+          </a:stretch>
+        </p:blipFill>
+        <p:spPr>
+          <a:xfrm rot="0">
+            <a:off x="6810375" y="1499870"/>
+            <a:ext cx="4048760" cy="1082040"/>
+          </a:xfrm>
+          <a:prstGeom prst="roundRect"/>
+          <a:solidFill>
+            <a:srgbClr val="EDEDED"/>
+          </a:solidFill>
+        </p:spPr>
+      </p:pic>
+      <p:pic>
+        <p:nvPicPr>
+          <p:cNvPr id="93" name="그림 143" descr="C:/Users/Admin1/AppData/Roaming/PolarisOffice/ETemp/4076_20445776/fImage111143948716.png"/>
+          <p:cNvPicPr>
+            <a:picLocks noChangeAspect="1"/>
+          </p:cNvPicPr>
+          <p:nvPr/>
+        </p:nvPicPr>
+        <p:blipFill rotWithShape="1">
+          <a:blip r:embed="rId9" cstate="print">
+            <a:extLst>
+              <a:ext uri="{28A0092B-C50C-407E-A947-70E740481C1C}">
+                <a14:useLocalDpi xmlns:a14="http://schemas.microsoft.com/office/drawing/2010/main" val="0"/>
+              </a:ext>
+            </a:extLst>
+          </a:blip>
+          <a:stretch>
+            <a:fillRect/>
+          </a:stretch>
+        </p:blipFill>
+        <p:spPr>
+          <a:xfrm rot="0">
+            <a:off x="6810375" y="3619500"/>
+            <a:ext cx="4062730" cy="1743710"/>
+          </a:xfrm>
+          <a:prstGeom prst="roundRect"/>
+          <a:solidFill>
+            <a:srgbClr val="EDEDED"/>
+          </a:solidFill>
+        </p:spPr>
+      </p:pic>
+      <p:sp>
+        <p:nvSpPr>
+          <p:cNvPr id="94" name="텍스트 상자 146"/>
+          <p:cNvSpPr txBox="1">
+            <a:spLocks/>
+          </p:cNvSpPr>
+          <p:nvPr/>
+        </p:nvSpPr>
+        <p:spPr>
+          <a:xfrm rot="0">
+            <a:off x="6805930" y="5500370"/>
+            <a:ext cx="4049395" cy="677545"/>
+          </a:xfrm>
+          <a:prstGeom prst="rect"/>
+          <a:noFill/>
+          <a:ln w="0">
+            <a:noFill/>
+            <a:prstDash/>
+          </a:ln>
+        </p:spPr>
+        <p:txBody>
+          <a:bodyPr wrap="square" lIns="89535" tIns="46355" rIns="89535" bIns="46355" numCol="1" vert="horz" anchor="t">
+            <a:spAutoFit/>
+          </a:bodyPr>
+          <a:lstStyle/>
+          <a:p>
+            <a:pPr marL="0" indent="0" algn="l" latinLnBrk="0" hangingPunct="1">
+              <a:buFontTx/>
+              <a:buNone/>
+            </a:pPr>
+            <a:r>
+              <a:rPr lang="ko-KR" sz="2000" b="1">
+                <a:solidFill>
+                  <a:srgbClr val="0611F2"/>
+                </a:solidFill>
+                <a:latin typeface="맑은 고딕" charset="0"/>
+                <a:ea typeface="맑은 고딕" charset="0"/>
+              </a:rPr>
+              <a:t>39</a:t>
+            </a:r>
+            <a:r>
+              <a:rPr lang="ko-KR" sz="2000" b="1">
+                <a:solidFill>
+                  <a:srgbClr val="0611F2"/>
+                </a:solidFill>
+                <a:latin typeface="맑은 고딕" charset="0"/>
+                <a:ea typeface="맑은 고딕" charset="0"/>
+              </a:rPr>
+              <a:t>.</a:t>
+            </a:r>
+            <a:r>
+              <a:rPr lang="ko-KR" sz="2000">
+                <a:solidFill>
+                  <a:srgbClr val="0611F2"/>
+                </a:solidFill>
+                <a:latin typeface="맑은 고딕" charset="0"/>
+                <a:ea typeface="맑은 고딕" charset="0"/>
+              </a:rPr>
+              <a:t> </a:t>
+            </a:r>
+            <a:r>
+              <a:rPr lang="ko-KR" sz="1800">
+                <a:latin typeface="맑은 고딕" charset="0"/>
+                <a:ea typeface="맑은 고딕" charset="0"/>
+              </a:rPr>
+              <a:t>마지막으로</a:t>
+            </a:r>
+            <a:r>
+              <a:rPr lang="ko-KR" sz="1800">
+                <a:latin typeface="맑은 고딕" charset="0"/>
+                <a:ea typeface="맑은 고딕" charset="0"/>
+              </a:rPr>
+              <a:t> </a:t>
+            </a:r>
+            <a:r>
+              <a:rPr lang="ko-KR" sz="1800">
+                <a:latin typeface="맑은 고딕" charset="0"/>
+                <a:ea typeface="맑은 고딕" charset="0"/>
+              </a:rPr>
+              <a:t>File Data의 텍스트의 속성을 설정합니다.</a:t>
+            </a:r>
+            <a:endParaRPr lang="ko-KR" altLang="en-US" sz="1800">
+              <a:latin typeface="맑은 고딕" charset="0"/>
+              <a:ea typeface="맑은 고딕" charset="0"/>
+            </a:endParaRPr>
+          </a:p>
+        </p:txBody>
+      </p:sp>
+    </p:spTree>
+  </p:cSld>
+  <p:clrMapOvr>
+    <a:masterClrMapping/>
+  </p:clrMapOvr>
+  <mc:AlternateContent xmlns:mc="http://schemas.openxmlformats.org/markup-compatibility/2006">
+    <mc:Choice xmlns:p14="http://schemas.microsoft.com/office/powerpoint/2010/main" Requires="p14">
+      <p:transition spd="slow" p14:dur="2000"/>
+    </mc:Choice>
+    <mc:Fallback>
+      <p:transition spd="slow"/>
+    </mc:Fallback>
+  </mc:AlternateContent>
+  <p:timing>
+    <p:tnLst>
+      <p:par>
+        <p:cTn id="1" dur="indefinite" restart="never" nodeType="tmRoot"/>
+      </p:par>
+    </p:tnLst>
+  </p:timing>
+</p:sld>
+</file>
+
+<file path=ppt/slides/slide15.xml><?xml version="1.0" encoding="utf-8"?>
+<p:sld xmlns:a="http://schemas.openxmlformats.org/drawingml/2006/main" xmlns:r="http://schemas.openxmlformats.org/officeDocument/2006/relationships" xmlns:p="http://schemas.openxmlformats.org/presentationml/2006/main" xmlns:p14="http://schemas.microsoft.com/office/powerpoint/2010/main">
+  <p:cSld>
+    <p:spTree>
+      <p:nvGrpSpPr>
+        <p:cNvPr id="1" name=""/>
+        <p:cNvGrpSpPr/>
+        <p:nvPr/>
+      </p:nvGrpSpPr>
+      <p:grpSpPr>
+        <a:xfrm>
+          <a:off x="0" y="0"/>
+          <a:ext cx="0" cy="0"/>
+          <a:chOff x="0" y="0"/>
+          <a:chExt cx="0" cy="0"/>
+        </a:xfrm>
+      </p:grpSpPr>
+      <p:sp>
+        <p:nvSpPr>
+          <p:cNvPr id="22" name="Rect 0"/>
+          <p:cNvSpPr txBox="1">
+            <a:spLocks/>
+          </p:cNvSpPr>
+          <p:nvPr/>
+        </p:nvSpPr>
+        <p:spPr>
+          <a:xfrm rot="0">
+            <a:off x="4130675" y="424180"/>
+            <a:ext cx="3937635" cy="554990"/>
+          </a:xfrm>
+          <a:prstGeom prst="rect"/>
+          <a:noFill/>
+          <a:ln w="0">
+            <a:noFill/>
+            <a:prstDash/>
+          </a:ln>
+        </p:spPr>
+        <p:txBody>
+          <a:bodyPr wrap="square" lIns="89535" tIns="46355" rIns="89535" bIns="46355" numCol="1" vert="horz" anchor="t">
+            <a:spAutoFit/>
+          </a:bodyPr>
+          <a:lstStyle/>
+          <a:p>
+            <a:pPr marL="0" indent="0" algn="l" latinLnBrk="0" hangingPunct="1">
+              <a:buFontTx/>
+              <a:buNone/>
+            </a:pPr>
+            <a:r>
+              <a:rPr lang="ko-KR" sz="3000" b="1">
+                <a:latin typeface="맑은 고딕" charset="0"/>
+                <a:ea typeface="맑은 고딕" charset="0"/>
+              </a:rPr>
+              <a:t>열</a:t>
+            </a:r>
+            <a:r>
+              <a:rPr lang="ko-KR" sz="3000" b="1">
+                <a:latin typeface="맑은 고딕" charset="0"/>
+                <a:ea typeface="맑은 고딕" charset="0"/>
+              </a:rPr>
+              <a:t>다섯</a:t>
+            </a:r>
+            <a:r>
+              <a:rPr lang="ko-KR" sz="3000" b="1">
+                <a:latin typeface="맑은 고딕" charset="0"/>
+                <a:ea typeface="맑은 고딕" charset="0"/>
+              </a:rPr>
+              <a:t> 번째 튜토리얼 </a:t>
+            </a:r>
+            <a:endParaRPr lang="ko-KR" altLang="en-US" sz="3000" b="1">
+              <a:latin typeface="맑은 고딕" charset="0"/>
+              <a:ea typeface="맑은 고딕" charset="0"/>
+            </a:endParaRPr>
+          </a:p>
+        </p:txBody>
+      </p:sp>
+      <p:sp>
+        <p:nvSpPr>
+          <p:cNvPr id="83" name="Rect 0"/>
+          <p:cNvSpPr txBox="1">
+            <a:spLocks/>
+          </p:cNvSpPr>
+          <p:nvPr/>
+        </p:nvSpPr>
+        <p:spPr>
+          <a:xfrm rot="0">
+            <a:off x="6826250" y="5231765"/>
+            <a:ext cx="4156710" cy="954405"/>
+          </a:xfrm>
+          <a:prstGeom prst="rect"/>
+          <a:noFill/>
+          <a:ln w="0">
+            <a:noFill/>
+            <a:prstDash/>
+          </a:ln>
+        </p:spPr>
+        <p:txBody>
+          <a:bodyPr wrap="square" lIns="89535" tIns="46355" rIns="89535" bIns="46355" numCol="1" vert="horz" anchor="t">
+            <a:spAutoFit/>
+          </a:bodyPr>
+          <a:lstStyle/>
+          <a:p>
+            <a:pPr marL="0" indent="0" algn="l" latinLnBrk="0" hangingPunct="1">
+              <a:buFontTx/>
+              <a:buNone/>
+            </a:pPr>
+            <a:r>
+              <a:rPr lang="ko-KR" sz="2000" b="1">
+                <a:solidFill>
+                  <a:srgbClr val="0611F2"/>
+                </a:solidFill>
+                <a:latin typeface="맑은 고딕" charset="0"/>
+                <a:ea typeface="맑은 고딕" charset="0"/>
+              </a:rPr>
+              <a:t>41</a:t>
+            </a:r>
+            <a:r>
+              <a:rPr lang="ko-KR" sz="2000" b="1">
+                <a:solidFill>
+                  <a:srgbClr val="0611F2"/>
+                </a:solidFill>
+                <a:latin typeface="맑은 고딕" charset="0"/>
+                <a:ea typeface="맑은 고딕" charset="0"/>
+              </a:rPr>
+              <a:t>.</a:t>
+            </a:r>
+            <a:r>
+              <a:rPr lang="ko-KR" sz="2000">
+                <a:solidFill>
+                  <a:srgbClr val="0611F2"/>
+                </a:solidFill>
+                <a:latin typeface="맑은 고딕" charset="0"/>
+                <a:ea typeface="맑은 고딕" charset="0"/>
+              </a:rPr>
+              <a:t> </a:t>
+            </a:r>
+            <a:r>
+              <a:rPr lang="ko-KR" sz="1800">
+                <a:latin typeface="맑은 고딕" charset="0"/>
+                <a:ea typeface="맑은 고딕" charset="0"/>
+              </a:rPr>
+              <a:t>이제 File Manager 오브젝트에 있는 FileLoad 스크립트에 path와 TextGUI를 설정합니다.</a:t>
+            </a:r>
+            <a:endParaRPr lang="ko-KR" altLang="en-US" sz="1800">
+              <a:latin typeface="맑은 고딕" charset="0"/>
+              <a:ea typeface="맑은 고딕" charset="0"/>
+            </a:endParaRPr>
+          </a:p>
+        </p:txBody>
+      </p:sp>
+      <p:sp>
+        <p:nvSpPr>
+          <p:cNvPr id="91" name="Rect 0"/>
+          <p:cNvSpPr txBox="1">
+            <a:spLocks/>
+          </p:cNvSpPr>
+          <p:nvPr/>
+        </p:nvSpPr>
+        <p:spPr>
+          <a:xfrm rot="0">
+            <a:off x="1240790" y="3288665"/>
+            <a:ext cx="4131945" cy="2892425"/>
+          </a:xfrm>
+          <a:prstGeom prst="rect"/>
+          <a:noFill/>
+          <a:ln w="0">
+            <a:noFill/>
+            <a:prstDash/>
+          </a:ln>
+        </p:spPr>
+        <p:txBody>
+          <a:bodyPr wrap="square" lIns="89535" tIns="46355" rIns="89535" bIns="46355" numCol="1" vert="horz" anchor="t">
+            <a:spAutoFit/>
+          </a:bodyPr>
+          <a:lstStyle/>
+          <a:p>
+            <a:pPr marL="0" indent="0" algn="l" latinLnBrk="0" hangingPunct="1">
+              <a:buFontTx/>
+              <a:buNone/>
+            </a:pPr>
+            <a:r>
+              <a:rPr lang="ko-KR" sz="2000" b="1">
+                <a:solidFill>
+                  <a:srgbClr val="0611F2"/>
+                </a:solidFill>
+                <a:latin typeface="맑은 고딕" charset="0"/>
+                <a:ea typeface="맑은 고딕" charset="0"/>
+              </a:rPr>
+              <a:t>40</a:t>
+            </a:r>
+            <a:r>
+              <a:rPr lang="ko-KR" sz="2000" b="1">
+                <a:solidFill>
+                  <a:srgbClr val="0611F2"/>
+                </a:solidFill>
+                <a:latin typeface="맑은 고딕" charset="0"/>
+                <a:ea typeface="맑은 고딕" charset="0"/>
+              </a:rPr>
+              <a:t>.</a:t>
+            </a:r>
+            <a:r>
+              <a:rPr lang="ko-KR" sz="2000">
+                <a:solidFill>
+                  <a:srgbClr val="0611F2"/>
+                </a:solidFill>
+                <a:latin typeface="맑은 고딕" charset="0"/>
+                <a:ea typeface="맑은 고딕" charset="0"/>
+              </a:rPr>
+              <a:t> </a:t>
+            </a:r>
+            <a:r>
+              <a:rPr lang="ko-KR" sz="1800">
+                <a:latin typeface="맑은 고딕" charset="0"/>
+                <a:ea typeface="맑은 고딕" charset="0"/>
+              </a:rPr>
+              <a:t>그리고 FileLoad 스크립트에서 텍스트 변수를 배열로 선언합니다.</a:t>
+            </a:r>
+            <a:endParaRPr lang="ko-KR" altLang="en-US" sz="1800">
+              <a:latin typeface="맑은 고딕" charset="0"/>
+              <a:ea typeface="맑은 고딕" charset="0"/>
+            </a:endParaRPr>
+          </a:p>
+          <a:p>
+            <a:pPr marL="0" indent="0" algn="l" latinLnBrk="0" hangingPunct="1">
+              <a:buFontTx/>
+              <a:buNone/>
+            </a:pPr>
+            <a:endParaRPr lang="ko-KR" altLang="en-US" sz="1800">
+              <a:latin typeface="맑은 고딕" charset="0"/>
+              <a:ea typeface="맑은 고딕" charset="0"/>
+            </a:endParaRPr>
+          </a:p>
+          <a:p>
+            <a:pPr marL="0" indent="0" algn="l" latinLnBrk="0" hangingPunct="1">
+              <a:buFontTx/>
+              <a:buNone/>
+            </a:pPr>
+            <a:r>
+              <a:rPr lang="ko-KR" sz="1800">
+                <a:latin typeface="맑은 고딕" charset="0"/>
+                <a:ea typeface="맑은 고딕" charset="0"/>
+              </a:rPr>
+              <a:t>그런 다음 파일의 경로를 지정하기 위한 string 변수도 배열로 선언합니다.</a:t>
+            </a:r>
+            <a:endParaRPr lang="ko-KR" altLang="en-US" sz="1800">
+              <a:latin typeface="맑은 고딕" charset="0"/>
+              <a:ea typeface="맑은 고딕" charset="0"/>
+            </a:endParaRPr>
+          </a:p>
+          <a:p>
+            <a:pPr marL="0" indent="0" algn="l" latinLnBrk="0" hangingPunct="1">
+              <a:buFontTx/>
+              <a:buNone/>
+            </a:pPr>
+            <a:endParaRPr lang="ko-KR" altLang="en-US" sz="1800">
+              <a:latin typeface="맑은 고딕" charset="0"/>
+              <a:ea typeface="맑은 고딕" charset="0"/>
+            </a:endParaRPr>
+          </a:p>
+          <a:p>
+            <a:pPr marL="0" indent="0" algn="l" latinLnBrk="0" hangingPunct="1">
+              <a:buFontTx/>
+              <a:buNone/>
+            </a:pPr>
+            <a:r>
+              <a:rPr lang="ko-KR" sz="1800">
+                <a:latin typeface="맑은 고딕" charset="0"/>
+                <a:ea typeface="맑은 고딕" charset="0"/>
+              </a:rPr>
+              <a:t>그다음 Start( ) 함수에서 텍스트 배열의 길이만큼 텍스트 파일에 저장한 데이터를 출력하도록 설정합니다.</a:t>
+            </a:r>
+            <a:endParaRPr lang="ko-KR" altLang="en-US" sz="1800">
+              <a:latin typeface="맑은 고딕" charset="0"/>
+              <a:ea typeface="맑은 고딕" charset="0"/>
+            </a:endParaRPr>
+          </a:p>
+        </p:txBody>
+      </p:sp>
+      <p:pic>
+        <p:nvPicPr>
+          <p:cNvPr id="92" name="그림 1" descr="C:/Users/Admin1/AppData/Roaming/PolarisOffice/ETemp/4076_20445776/fImage769224541.png"/>
+          <p:cNvPicPr>
+            <a:picLocks noChangeAspect="1"/>
+          </p:cNvPicPr>
+          <p:nvPr/>
+        </p:nvPicPr>
+        <p:blipFill rotWithShape="1">
+          <a:blip r:embed="rId2" cstate="hqprint">
+            <a:extLst>
+              <a:ext uri="{28A0092B-C50C-407E-A947-70E740481C1C}">
+                <a14:useLocalDpi xmlns:a14="http://schemas.microsoft.com/office/drawing/2010/main"/>
+              </a:ext>
+            </a:extLst>
+          </a:blip>
+          <a:stretch>
+            <a:fillRect/>
+          </a:stretch>
+        </p:blipFill>
+        <p:spPr>
+          <a:xfrm rot="0">
+            <a:off x="1250315" y="1390650"/>
+            <a:ext cx="4121150" cy="1835785"/>
+          </a:xfrm>
+          <a:prstGeom prst="rect"/>
+          <a:noFill/>
+        </p:spPr>
+      </p:pic>
+      <p:pic>
+        <p:nvPicPr>
+          <p:cNvPr id="93" name="그림 4"/>
+          <p:cNvPicPr>
+            <a:picLocks noChangeAspect="1"/>
+          </p:cNvPicPr>
+          <p:nvPr/>
+        </p:nvPicPr>
+        <p:blipFill rotWithShape="1">
+          <a:blip r:embed="rId3" cstate="print">
+            <a:extLst>
+              <a:ext uri="{28A0092B-C50C-407E-A947-70E740481C1C}">
+                <a14:useLocalDpi xmlns:a14="http://schemas.microsoft.com/office/drawing/2010/main" val="0"/>
+              </a:ext>
+            </a:extLst>
+          </a:blip>
+          <a:stretch>
+            <a:fillRect/>
+          </a:stretch>
+        </p:blipFill>
+        <p:spPr>
+          <a:xfrm rot="0">
+            <a:off x="8121650" y="1390015"/>
+            <a:ext cx="2854960" cy="1379855"/>
+          </a:xfrm>
+          <a:prstGeom prst="roundRect"/>
+          <a:solidFill>
+            <a:srgbClr val="EDEDED"/>
+          </a:solidFill>
+        </p:spPr>
+      </p:pic>
+      <p:pic>
+        <p:nvPicPr>
+          <p:cNvPr id="94" name="그림 7"/>
+          <p:cNvPicPr>
+            <a:picLocks noChangeAspect="1"/>
+          </p:cNvPicPr>
+          <p:nvPr/>
+        </p:nvPicPr>
+        <p:blipFill rotWithShape="1">
+          <a:blip r:embed="rId4" cstate="print">
+            <a:extLst>
+              <a:ext uri="{28A0092B-C50C-407E-A947-70E740481C1C}">
+                <a14:useLocalDpi xmlns:a14="http://schemas.microsoft.com/office/drawing/2010/main" val="0"/>
+              </a:ext>
+            </a:extLst>
+          </a:blip>
+          <a:stretch>
+            <a:fillRect/>
+          </a:stretch>
+        </p:blipFill>
+        <p:spPr>
+          <a:xfrm rot="0">
+            <a:off x="6819900" y="1393190"/>
+            <a:ext cx="1136650" cy="1368425"/>
+          </a:xfrm>
+          <a:prstGeom prst="roundRect"/>
+          <a:solidFill>
+            <a:srgbClr val="EDEDED"/>
+          </a:solidFill>
+        </p:spPr>
+      </p:pic>
+      <p:cxnSp>
+        <p:nvCxnSpPr>
+          <p:cNvPr id="95" name="도형 10"/>
+          <p:cNvCxnSpPr/>
+          <p:nvPr/>
+        </p:nvCxnSpPr>
+        <p:spPr>
+          <a:xfrm rot="0" flipV="1">
+            <a:off x="7714615" y="1912620"/>
+            <a:ext cx="3209290" cy="283210"/>
+          </a:xfrm>
+          <a:prstGeom prst="straightConnector1"/>
+          <a:ln w="6350" cap="flat" cmpd="sng">
+            <a:prstDash/>
+            <a:tailEnd type="triangle" w="med" len="med"/>
+          </a:ln>
+        </p:spPr>
+        <p:style>
+          <a:lnRef idx="1">
+            <a:schemeClr val="accent1"/>
+          </a:lnRef>
+          <a:fillRef idx="0">
+            <a:schemeClr val="accent1"/>
+          </a:fillRef>
+          <a:effectRef idx="0">
+            <a:schemeClr val="accent1"/>
+          </a:effectRef>
+          <a:fontRef idx="minor">
+            <a:schemeClr val="tx1"/>
+          </a:fontRef>
+        </p:style>
+      </p:cxnSp>
+      <p:cxnSp>
+        <p:nvCxnSpPr>
+          <p:cNvPr id="96" name="도형 11"/>
+          <p:cNvCxnSpPr/>
+          <p:nvPr/>
+        </p:nvCxnSpPr>
+        <p:spPr>
+          <a:xfrm rot="0">
+            <a:off x="7914005" y="2070735"/>
+            <a:ext cx="3009900" cy="75565"/>
+          </a:xfrm>
+          <a:prstGeom prst="straightConnector1"/>
+          <a:ln w="6350" cap="flat" cmpd="sng">
+            <a:prstDash/>
+            <a:tailEnd type="triangle" w="med" len="med"/>
+          </a:ln>
+        </p:spPr>
+        <p:style>
+          <a:lnRef idx="1">
+            <a:schemeClr val="accent1"/>
+          </a:lnRef>
+          <a:fillRef idx="0">
+            <a:schemeClr val="accent1"/>
+          </a:fillRef>
+          <a:effectRef idx="0">
+            <a:schemeClr val="accent1"/>
+          </a:effectRef>
+          <a:fontRef idx="minor">
+            <a:schemeClr val="tx1"/>
+          </a:fontRef>
+        </p:style>
+      </p:cxnSp>
+      <p:cxnSp>
+        <p:nvCxnSpPr>
+          <p:cNvPr id="97" name="도형 12"/>
+          <p:cNvCxnSpPr/>
+          <p:nvPr/>
+        </p:nvCxnSpPr>
+        <p:spPr>
+          <a:xfrm rot="0" flipV="1">
+            <a:off x="7789545" y="2020570"/>
+            <a:ext cx="3134360" cy="416560"/>
+          </a:xfrm>
+          <a:prstGeom prst="straightConnector1"/>
+          <a:ln w="6350" cap="flat" cmpd="sng">
+            <a:prstDash/>
+            <a:tailEnd type="triangle" w="med" len="med"/>
+          </a:ln>
+        </p:spPr>
+        <p:style>
+          <a:lnRef idx="1">
+            <a:schemeClr val="accent1"/>
+          </a:lnRef>
+          <a:fillRef idx="0">
+            <a:schemeClr val="accent1"/>
+          </a:fillRef>
+          <a:effectRef idx="0">
+            <a:schemeClr val="accent1"/>
+          </a:effectRef>
+          <a:fontRef idx="minor">
+            <a:schemeClr val="tx1"/>
+          </a:fontRef>
+        </p:style>
+      </p:cxnSp>
+      <p:pic>
+        <p:nvPicPr>
+          <p:cNvPr id="98" name="그림 16"/>
+          <p:cNvPicPr>
+            <a:picLocks noChangeAspect="1"/>
+          </p:cNvPicPr>
+          <p:nvPr/>
+        </p:nvPicPr>
+        <p:blipFill rotWithShape="1">
+          <a:blip r:embed="rId5" cstate="print">
+            <a:extLst>
+              <a:ext uri="{28A0092B-C50C-407E-A947-70E740481C1C}">
+                <a14:useLocalDpi xmlns:a14="http://schemas.microsoft.com/office/drawing/2010/main" val="0"/>
+              </a:ext>
+            </a:extLst>
+          </a:blip>
+          <a:stretch>
+            <a:fillRect/>
+          </a:stretch>
+        </p:blipFill>
+        <p:spPr>
+          <a:xfrm rot="0">
+            <a:off x="6816725" y="2950845"/>
+            <a:ext cx="4161155" cy="2112645"/>
+          </a:xfrm>
+          <a:prstGeom prst="roundRect"/>
+          <a:solidFill>
+            <a:srgbClr val="EDEDED"/>
+          </a:solidFill>
+        </p:spPr>
+      </p:pic>
+    </p:spTree>
+  </p:cSld>
+  <p:clrMapOvr>
+    <a:masterClrMapping/>
+  </p:clrMapOvr>
+  <mc:AlternateContent xmlns:mc="http://schemas.openxmlformats.org/markup-compatibility/2006">
+    <mc:Choice xmlns:p14="http://schemas.microsoft.com/office/powerpoint/2010/main" Requires="p14">
+      <p:transition spd="slow" p14:dur="2000"/>
+    </mc:Choice>
+    <mc:Fallback>
+      <p:transition spd="slow"/>
+    </mc:Fallback>
+  </mc:AlternateContent>
+  <p:timing>
+    <p:tnLst>
+      <p:par>
+        <p:cTn id="1" dur="indefinite" restart="never" nodeType="tmRoot"/>
+      </p:par>
+    </p:tnLst>
+  </p:timing>
+</p:sld>
+</file>
+
+<file path=ppt/slides/slide16.xml><?xml version="1.0" encoding="utf-8"?>
+<p:sld xmlns:a="http://schemas.openxmlformats.org/drawingml/2006/main" xmlns:r="http://schemas.openxmlformats.org/officeDocument/2006/relationships" xmlns:p="http://schemas.openxmlformats.org/presentationml/2006/main" xmlns:p14="http://schemas.microsoft.com/office/powerpoint/2010/main">
+  <p:cSld>
+    <p:spTree>
+      <p:nvGrpSpPr>
+        <p:cNvPr id="1" name=""/>
+        <p:cNvGrpSpPr/>
+        <p:nvPr/>
+      </p:nvGrpSpPr>
+      <p:grpSpPr>
+        <a:xfrm>
+          <a:off x="0" y="0"/>
+          <a:ext cx="0" cy="0"/>
+          <a:chOff x="0" y="0"/>
+          <a:chExt cx="0" cy="0"/>
+        </a:xfrm>
+      </p:grpSpPr>
+      <p:sp>
+        <p:nvSpPr>
+          <p:cNvPr id="22" name="Rect 0"/>
+          <p:cNvSpPr txBox="1">
+            <a:spLocks/>
+          </p:cNvSpPr>
+          <p:nvPr/>
+        </p:nvSpPr>
+        <p:spPr>
+          <a:xfrm rot="0">
+            <a:off x="4111625" y="433705"/>
+            <a:ext cx="3975735" cy="554990"/>
+          </a:xfrm>
+          <a:prstGeom prst="rect"/>
+          <a:noFill/>
+          <a:ln w="0">
+            <a:noFill/>
+            <a:prstDash/>
+          </a:ln>
+        </p:spPr>
+        <p:txBody>
+          <a:bodyPr wrap="square" lIns="89535" tIns="46355" rIns="89535" bIns="46355" numCol="1" vert="horz" anchor="t">
+            <a:spAutoFit/>
+          </a:bodyPr>
+          <a:lstStyle/>
+          <a:p>
+            <a:pPr marL="0" indent="0" algn="l" latinLnBrk="0" hangingPunct="1">
+              <a:buFontTx/>
+              <a:buNone/>
+            </a:pPr>
+            <a:r>
+              <a:rPr lang="ko-KR" sz="3000" b="1">
+                <a:latin typeface="맑은 고딕" charset="0"/>
+                <a:ea typeface="맑은 고딕" charset="0"/>
+              </a:rPr>
+              <a:t>열</a:t>
+            </a:r>
+            <a:r>
+              <a:rPr lang="ko-KR" sz="3000" b="1">
+                <a:latin typeface="맑은 고딕" charset="0"/>
+                <a:ea typeface="맑은 고딕" charset="0"/>
+              </a:rPr>
+              <a:t>여섯</a:t>
+            </a:r>
+            <a:r>
+              <a:rPr lang="ko-KR" sz="3000" b="1">
+                <a:latin typeface="맑은 고딕" charset="0"/>
+                <a:ea typeface="맑은 고딕" charset="0"/>
+              </a:rPr>
+              <a:t> 번째 튜토리얼 </a:t>
+            </a:r>
+            <a:endParaRPr lang="ko-KR" altLang="en-US" sz="3000" b="1">
+              <a:latin typeface="맑은 고딕" charset="0"/>
+              <a:ea typeface="맑은 고딕" charset="0"/>
+            </a:endParaRPr>
+          </a:p>
+        </p:txBody>
+      </p:sp>
+      <p:sp>
+        <p:nvSpPr>
+          <p:cNvPr id="83" name="Rect 0"/>
+          <p:cNvSpPr txBox="1">
+            <a:spLocks/>
+          </p:cNvSpPr>
+          <p:nvPr/>
+        </p:nvSpPr>
+        <p:spPr>
+          <a:xfrm>
+            <a:off x="6808470" y="4871720"/>
+            <a:ext cx="4043680" cy="1231265"/>
+          </a:xfrm>
+          <a:prstGeom prst="rect"/>
+          <a:noFill/>
+          <a:ln w="0">
+            <a:noFill/>
+            <a:prstDash/>
+          </a:ln>
+        </p:spPr>
+        <p:txBody>
+          <a:bodyPr wrap="square" lIns="89535" tIns="46355" rIns="89535" bIns="46355" numCol="1" vert="horz" anchor="t">
+            <a:spAutoFit/>
+          </a:bodyPr>
+          <a:lstStyle/>
+          <a:p>
+            <a:pPr marL="0" indent="0" algn="l" latinLnBrk="0" hangingPunct="1">
+              <a:buFontTx/>
+              <a:buNone/>
+            </a:pPr>
+            <a:r>
+              <a:rPr lang="ko-KR" sz="2000" b="1">
+                <a:solidFill>
+                  <a:srgbClr val="0611F2"/>
+                </a:solidFill>
+                <a:latin typeface="맑은 고딕" charset="0"/>
+                <a:ea typeface="맑은 고딕" charset="0"/>
+              </a:rPr>
+              <a:t>43</a:t>
+            </a:r>
+            <a:r>
+              <a:rPr lang="ko-KR" sz="2000" b="1">
+                <a:solidFill>
+                  <a:srgbClr val="0611F2"/>
+                </a:solidFill>
+                <a:latin typeface="맑은 고딕" charset="0"/>
+                <a:ea typeface="맑은 고딕" charset="0"/>
+              </a:rPr>
+              <a:t>.</a:t>
+            </a:r>
+            <a:r>
+              <a:rPr lang="ko-KR" sz="2000">
+                <a:solidFill>
+                  <a:srgbClr val="0611F2"/>
+                </a:solidFill>
+                <a:latin typeface="맑은 고딕" charset="0"/>
+                <a:ea typeface="맑은 고딕" charset="0"/>
+              </a:rPr>
+              <a:t> </a:t>
+            </a:r>
+            <a:r>
+              <a:rPr lang="ko-KR" sz="1800">
+                <a:latin typeface="맑은 고딕" charset="0"/>
+                <a:ea typeface="맑은 고딕" charset="0"/>
+              </a:rPr>
+              <a:t>마지막으로 Window 오브젝트를 선택하고 Source Image에 Project 폴더에 있는 Texture의 Window를 넣어줍니다.</a:t>
+            </a:r>
+            <a:endParaRPr lang="ko-KR" altLang="en-US" sz="1800">
+              <a:latin typeface="맑은 고딕" charset="0"/>
+              <a:ea typeface="맑은 고딕" charset="0"/>
+            </a:endParaRPr>
+          </a:p>
+        </p:txBody>
+      </p:sp>
+      <p:sp>
+        <p:nvSpPr>
+          <p:cNvPr id="91" name="Rect 0"/>
+          <p:cNvSpPr txBox="1">
+            <a:spLocks/>
+          </p:cNvSpPr>
+          <p:nvPr/>
+        </p:nvSpPr>
+        <p:spPr>
+          <a:xfrm>
+            <a:off x="1240790" y="4036695"/>
+            <a:ext cx="4130675" cy="2061845"/>
+          </a:xfrm>
+          <a:prstGeom prst="rect"/>
+          <a:noFill/>
+          <a:ln w="0">
+            <a:noFill/>
+            <a:prstDash/>
+          </a:ln>
+        </p:spPr>
+        <p:txBody>
+          <a:bodyPr wrap="square" lIns="89535" tIns="46355" rIns="89535" bIns="46355" numCol="1" vert="horz" anchor="t">
+            <a:spAutoFit/>
+          </a:bodyPr>
+          <a:lstStyle/>
+          <a:p>
+            <a:pPr marL="0" indent="0" algn="l" latinLnBrk="0" hangingPunct="1">
+              <a:buFontTx/>
+              <a:buNone/>
+            </a:pPr>
+            <a:r>
+              <a:rPr lang="ko-KR" sz="2000" b="1">
+                <a:solidFill>
+                  <a:srgbClr val="0611F2"/>
+                </a:solidFill>
+                <a:latin typeface="맑은 고딕" charset="0"/>
+                <a:ea typeface="맑은 고딕" charset="0"/>
+              </a:rPr>
+              <a:t>42</a:t>
+            </a:r>
+            <a:r>
+              <a:rPr lang="ko-KR" sz="2000" b="1">
+                <a:solidFill>
+                  <a:srgbClr val="0611F2"/>
+                </a:solidFill>
+                <a:latin typeface="맑은 고딕" charset="0"/>
+                <a:ea typeface="맑은 고딕" charset="0"/>
+              </a:rPr>
+              <a:t>.</a:t>
+            </a:r>
+            <a:r>
+              <a:rPr lang="ko-KR" sz="2000">
+                <a:solidFill>
+                  <a:srgbClr val="0611F2"/>
+                </a:solidFill>
+                <a:latin typeface="맑은 고딕" charset="0"/>
+                <a:ea typeface="맑은 고딕" charset="0"/>
+              </a:rPr>
+              <a:t> </a:t>
+            </a:r>
+            <a:r>
+              <a:rPr lang="ko-KR" sz="1800">
+                <a:latin typeface="맑은 고딕" charset="0"/>
+                <a:ea typeface="맑은 고딕" charset="0"/>
+              </a:rPr>
+              <a:t>그리고 텍스트 파일을 불러오기 위해 Project 폴더에서 File에 텍스트 파일을 배치합니다.</a:t>
+            </a:r>
+            <a:endParaRPr lang="ko-KR" altLang="en-US" sz="1800">
+              <a:latin typeface="맑은 고딕" charset="0"/>
+              <a:ea typeface="맑은 고딕" charset="0"/>
+            </a:endParaRPr>
+          </a:p>
+          <a:p>
+            <a:pPr marL="0" indent="0" algn="l" latinLnBrk="0" hangingPunct="1">
+              <a:buFontTx/>
+              <a:buNone/>
+            </a:pPr>
+            <a:endParaRPr lang="ko-KR" altLang="en-US" sz="1800">
+              <a:latin typeface="맑은 고딕" charset="0"/>
+              <a:ea typeface="맑은 고딕" charset="0"/>
+            </a:endParaRPr>
+          </a:p>
+          <a:p>
+            <a:pPr marL="0" indent="0" algn="l" latinLnBrk="0" hangingPunct="1">
+              <a:buFontTx/>
+              <a:buNone/>
+            </a:pPr>
+            <a:r>
+              <a:rPr lang="ko-KR" sz="1800">
+                <a:latin typeface="맑은 고딕" charset="0"/>
+                <a:ea typeface="맑은 고딕" charset="0"/>
+              </a:rPr>
+              <a:t>경로는 상대 경로로 설정하였</a:t>
+            </a:r>
+            <a:r>
+              <a:rPr lang="ko-KR" sz="1800">
+                <a:latin typeface="맑은 고딕" charset="0"/>
+                <a:ea typeface="맑은 고딕" charset="0"/>
+              </a:rPr>
+              <a:t>으며,</a:t>
+            </a:r>
+            <a:r>
+              <a:rPr lang="ko-KR" sz="1800">
+                <a:latin typeface="맑은 고딕" charset="0"/>
+                <a:ea typeface="맑은 고딕" charset="0"/>
+              </a:rPr>
+              <a:t> 파일의 이름과 폴더의 이름을 정확하게 넣어주어야 합니다. </a:t>
+            </a:r>
+            <a:endParaRPr lang="ko-KR" altLang="en-US" sz="1800">
+              <a:latin typeface="맑은 고딕" charset="0"/>
+              <a:ea typeface="맑은 고딕" charset="0"/>
+            </a:endParaRPr>
+          </a:p>
+        </p:txBody>
+      </p:sp>
+      <p:pic>
+        <p:nvPicPr>
+          <p:cNvPr id="99" name="그림 19"/>
+          <p:cNvPicPr>
+            <a:picLocks noChangeAspect="1"/>
+          </p:cNvPicPr>
+          <p:nvPr/>
+        </p:nvPicPr>
+        <p:blipFill rotWithShape="1">
+          <a:blip r:embed="rId2" cstate="print">
+            <a:extLst>
+              <a:ext uri="{28A0092B-C50C-407E-A947-70E740481C1C}">
+                <a14:useLocalDpi xmlns:a14="http://schemas.microsoft.com/office/drawing/2010/main" val="0"/>
+              </a:ext>
+            </a:extLst>
+          </a:blip>
+          <a:stretch>
+            <a:fillRect/>
+          </a:stretch>
+        </p:blipFill>
+        <p:spPr>
+          <a:xfrm rot="0">
+            <a:off x="1241425" y="1391920"/>
+            <a:ext cx="4121150" cy="2590800"/>
+          </a:xfrm>
+          <a:prstGeom prst="roundRect"/>
+          <a:solidFill>
+            <a:srgbClr val="EDEDED"/>
+          </a:solidFill>
+        </p:spPr>
+      </p:pic>
+      <p:pic>
+        <p:nvPicPr>
+          <p:cNvPr id="100" name="그림 22"/>
+          <p:cNvPicPr>
+            <a:picLocks noChangeAspect="1"/>
+          </p:cNvPicPr>
+          <p:nvPr/>
+        </p:nvPicPr>
+        <p:blipFill rotWithShape="1">
+          <a:blip r:embed="rId3" cstate="print">
+            <a:extLst>
+              <a:ext uri="{28A0092B-C50C-407E-A947-70E740481C1C}">
+                <a14:useLocalDpi xmlns:a14="http://schemas.microsoft.com/office/drawing/2010/main" val="0"/>
+              </a:ext>
+            </a:extLst>
+          </a:blip>
+          <a:stretch>
+            <a:fillRect/>
+          </a:stretch>
+        </p:blipFill>
+        <p:spPr>
+          <a:xfrm rot="0">
+            <a:off x="6817995" y="3545205"/>
+            <a:ext cx="4048125" cy="1160780"/>
+          </a:xfrm>
+          <a:prstGeom prst="roundRect"/>
+          <a:solidFill>
+            <a:srgbClr val="EDEDED"/>
+          </a:solidFill>
+        </p:spPr>
+      </p:pic>
+      <p:pic>
+        <p:nvPicPr>
+          <p:cNvPr id="101" name="그림 23"/>
           <p:cNvPicPr>
             <a:picLocks noChangeAspect="1"/>
           </p:cNvPicPr>
@@ -9018,7 +11425,7 @@
       </p:sp>
       <p:pic>
         <p:nvPicPr>
-          <p:cNvPr id="40" name="Picture "/>
+          <p:cNvPr id="40" name="Picture " descr="C:/Users/Admin1/AppData/Roaming/PolarisOffice/ETemp/4076_20445776/fImage424692249169.png"/>
           <p:cNvPicPr>
             <a:picLocks noChangeAspect="1"/>
           </p:cNvPicPr>
@@ -9038,8 +11445,8 @@
         </p:blipFill>
         <p:spPr>
           <a:xfrm rot="0">
-            <a:off x="1474470" y="1282065"/>
-            <a:ext cx="2639695" cy="3117215"/>
+            <a:off x="1366520" y="1280160"/>
+            <a:ext cx="4013835" cy="3680460"/>
           </a:xfrm>
           <a:prstGeom prst="roundRect"/>
           <a:solidFill>
@@ -9057,8 +11464,8 @@
         </p:nvSpPr>
         <p:spPr>
           <a:xfrm rot="0">
-            <a:off x="1475740" y="4462145"/>
-            <a:ext cx="3902710" cy="1784985"/>
+            <a:off x="1365885" y="5115560"/>
+            <a:ext cx="4014470" cy="954405"/>
           </a:xfrm>
           <a:prstGeom prst="rect"/>
           <a:noFill/>
@@ -9092,125 +11499,15 @@
                 <a:latin typeface="맑은 고딕" charset="0"/>
                 <a:ea typeface="맑은 고딕" charset="0"/>
               </a:rPr>
-              <a:t>그</a:t>
-            </a:r>
-            <a:r>
-              <a:rPr lang="ko-KR" sz="1800">
-                <a:latin typeface="맑은 고딕" charset="0"/>
-                <a:ea typeface="맑은 고딕" charset="0"/>
-              </a:rPr>
-              <a:t>런 다음</a:t>
-            </a:r>
-            <a:r>
-              <a:rPr lang="ko-KR" sz="1800">
-                <a:latin typeface="맑은 고딕" charset="0"/>
-                <a:ea typeface="맑은 고딕" charset="0"/>
-              </a:rPr>
-              <a:t> 애니메이터 컨트롤러를 생성</a:t>
-            </a:r>
-            <a:r>
-              <a:rPr lang="ko-KR" sz="1800">
-                <a:latin typeface="맑은 고딕" charset="0"/>
-                <a:ea typeface="맑은 고딕" charset="0"/>
-              </a:rPr>
-              <a:t>하고 이름을 Animator Controller로 정의합니다.</a:t>
+              <a:t>그런 다음 애니메이터 컨트롤러를 생성하고 이름을 Animator Controller로 정의합니다.</a:t>
             </a:r>
             <a:endParaRPr lang="ko-KR" altLang="en-US" sz="1800">
               <a:latin typeface="맑은 고딕" charset="0"/>
               <a:ea typeface="맑은 고딕" charset="0"/>
             </a:endParaRPr>
           </a:p>
-          <a:p>
-            <a:pPr marL="0" indent="0" algn="l" latinLnBrk="0" hangingPunct="1">
-              <a:buFontTx/>
-              <a:buNone/>
-            </a:pPr>
-            <a:endParaRPr lang="ko-KR" altLang="en-US" sz="1800">
-              <a:latin typeface="맑은 고딕" charset="0"/>
-              <a:ea typeface="맑은 고딕" charset="0"/>
-            </a:endParaRPr>
-          </a:p>
-          <a:p>
-            <a:pPr marL="0" indent="0" algn="l" latinLnBrk="0" hangingPunct="1">
-              <a:buFontTx/>
-              <a:buNone/>
-            </a:pPr>
-            <a:r>
-              <a:rPr lang="ko-KR" sz="1800">
-                <a:latin typeface="맑은 고딕" charset="0"/>
-                <a:ea typeface="맑은 고딕" charset="0"/>
-              </a:rPr>
-              <a:t>그리고 Window 오브젝트에 넣어줍니다.</a:t>
-            </a:r>
-            <a:endParaRPr lang="ko-KR" altLang="en-US" sz="1800">
-              <a:latin typeface="맑은 고딕" charset="0"/>
-              <a:ea typeface="맑은 고딕" charset="0"/>
-            </a:endParaRPr>
-          </a:p>
-        </p:txBody>
-      </p:sp>
-      <p:pic>
-        <p:nvPicPr>
-          <p:cNvPr id="42" name="Picture "/>
-          <p:cNvPicPr>
-            <a:picLocks noChangeAspect="1"/>
-          </p:cNvPicPr>
-          <p:nvPr/>
-        </p:nvPicPr>
-        <p:blipFill rotWithShape="1">
-          <a:blip r:embed="rId3" cstate="hqprint">
-            <a:extLst>
-              <a:ext uri="{28A0092B-C50C-407E-A947-70E740481C1C}">
-                <a14:useLocalDpi xmlns:a14="http://schemas.microsoft.com/office/drawing/2010/main"/>
-              </a:ext>
-            </a:extLst>
-          </a:blip>
-          <a:stretch>
-            <a:fillRect/>
-          </a:stretch>
-        </p:blipFill>
-        <p:spPr>
-          <a:xfrm rot="0">
-            <a:off x="4493895" y="3359785"/>
-            <a:ext cx="736600" cy="736600"/>
-          </a:xfrm>
-          <a:prstGeom prst="roundRect"/>
-          <a:solidFill>
-            <a:srgbClr val="EDEDED"/>
-          </a:solidFill>
-        </p:spPr>
-      </p:pic>
-      <p:pic>
-        <p:nvPicPr>
-          <p:cNvPr id="43" name="그림 16"/>
-          <p:cNvPicPr>
-            <a:picLocks noChangeAspect="1"/>
-          </p:cNvPicPr>
-          <p:nvPr/>
-        </p:nvPicPr>
-        <p:blipFill rotWithShape="1">
-          <a:blip r:embed="rId4" cstate="print">
-            <a:extLst>
-              <a:ext uri="{28A0092B-C50C-407E-A947-70E740481C1C}">
-                <a14:useLocalDpi xmlns:a14="http://schemas.microsoft.com/office/drawing/2010/main" val="0"/>
-              </a:ext>
-            </a:extLst>
-          </a:blip>
-          <a:stretch>
-            <a:fillRect/>
-          </a:stretch>
-        </p:blipFill>
-        <p:spPr>
-          <a:xfrm rot="0">
-            <a:off x="4346575" y="1472565"/>
-            <a:ext cx="1031240" cy="1532890"/>
-          </a:xfrm>
-          <a:prstGeom prst="roundRect"/>
-          <a:solidFill>
-            <a:srgbClr val="EDEDED"/>
-          </a:solidFill>
-        </p:spPr>
-      </p:pic>
+        </p:txBody>
+      </p:sp>
       <p:sp>
         <p:nvSpPr>
           <p:cNvPr id="45" name="텍스트 상자 23"/>
@@ -9221,8 +11518,8 @@
         </p:nvSpPr>
         <p:spPr>
           <a:xfrm rot="0">
-            <a:off x="7253605" y="5163185"/>
-            <a:ext cx="3770630" cy="954405"/>
+            <a:off x="6832600" y="5116195"/>
+            <a:ext cx="3935730" cy="954405"/>
           </a:xfrm>
           <a:prstGeom prst="rect"/>
           <a:noFill/>
@@ -9277,7 +11574,7 @@
       </p:sp>
       <p:pic>
         <p:nvPicPr>
-          <p:cNvPr id="46" name="그림 24"/>
+          <p:cNvPr id="46" name="그림 24" descr="C:/Users/Admin1/AppData/Roaming/PolarisOffice/ETemp/4076_20445776/fImage416422281478.png"/>
           <p:cNvPicPr>
             <a:picLocks noChangeAspect="1"/>
           </p:cNvPicPr>
@@ -9297,39 +11594,8 @@
         </p:blipFill>
         <p:spPr>
           <a:xfrm rot="0">
-            <a:off x="7242810" y="1283970"/>
-            <a:ext cx="3782695" cy="3721735"/>
-          </a:xfrm>
-          <a:prstGeom prst="roundRect"/>
-          <a:solidFill>
-            <a:srgbClr val="EDEDED"/>
-          </a:solidFill>
-        </p:spPr>
-      </p:pic>
-      <p:pic>
-        <p:nvPicPr>
-          <p:cNvPr id="47" name="그림 25"/>
-          <p:cNvPicPr>
-            <a:picLocks noChangeAspect="1"/>
-          </p:cNvPicPr>
-          <p:nvPr/>
-        </p:nvPicPr>
-        <p:blipFill rotWithShape="1">
-          <a:blip r:embed="rId6" cstate="hqprint">
-            <a:extLst>
-              <a:ext uri="{28A0092B-C50C-407E-A947-70E740481C1C}">
-                <a14:useLocalDpi xmlns:a14="http://schemas.microsoft.com/office/drawing/2010/main"/>
-              </a:ext>
-            </a:extLst>
-          </a:blip>
-          <a:stretch>
-            <a:fillRect/>
-          </a:stretch>
-        </p:blipFill>
-        <p:spPr>
-          <a:xfrm rot="0">
-            <a:off x="7460615" y="4226560"/>
-            <a:ext cx="1671955" cy="566420"/>
+            <a:off x="6832600" y="1283970"/>
+            <a:ext cx="3944620" cy="3688715"/>
           </a:xfrm>
           <a:prstGeom prst="roundRect"/>
           <a:solidFill>
@@ -9361,7 +11627,7 @@
 </file>
 
 <file path=ppt/slides/slide3.xml><?xml version="1.0" encoding="utf-8"?>
-<p:sld xmlns:a="http://schemas.openxmlformats.org/drawingml/2006/main" xmlns:r="http://schemas.openxmlformats.org/officeDocument/2006/relationships" xmlns:p="http://schemas.openxmlformats.org/presentationml/2006/main" xmlns:p14="http://schemas.microsoft.com/office/powerpoint/2010/main">
+<p:sld xmlns:a="http://schemas.openxmlformats.org/drawingml/2006/main" xmlns:r="http://schemas.openxmlformats.org/officeDocument/2006/relationships" xmlns:p="http://schemas.openxmlformats.org/presentationml/2006/main">
   <p:cSld>
     <p:spTree>
       <p:nvGrpSpPr>
@@ -9386,9 +11652,9 @@
           <p:nvPr/>
         </p:nvSpPr>
         <p:spPr>
-          <a:xfrm>
+          <a:xfrm rot="0">
             <a:off x="4524375" y="419735"/>
-            <a:ext cx="3130550" cy="554990"/>
+            <a:ext cx="3131185" cy="555625"/>
           </a:xfrm>
           <a:prstGeom prst="rect"/>
           <a:noFill/>
@@ -9412,14 +11678,7 @@
                 <a:latin typeface="맑은 고딕" charset="0"/>
                 <a:ea typeface="맑은 고딕" charset="0"/>
               </a:rPr>
-              <a:t>세</a:t>
-            </a:r>
-            <a:r>
-              <a:rPr lang="ko-KR" sz="3000" b="1">
-                <a:latin typeface="맑은 고딕" charset="0"/>
-                <a:ea typeface="맑은 고딕" charset="0"/>
-              </a:rPr>
-              <a:t> 번째 튜토리얼 </a:t>
+              <a:t>세 번째 튜토리얼 </a:t>
             </a:r>
             <a:endParaRPr lang="ko-KR" altLang="en-US" sz="3000" b="1">
               <a:latin typeface="맑은 고딕" charset="0"/>
@@ -9438,8 +11697,8 @@
         </p:nvSpPr>
         <p:spPr>
           <a:xfrm rot="0">
-            <a:off x="1264285" y="4471035"/>
-            <a:ext cx="4122420" cy="1784985"/>
+            <a:off x="1245235" y="5290185"/>
+            <a:ext cx="4123055" cy="954405"/>
           </a:xfrm>
           <a:prstGeom prst="rect"/>
           <a:noFill/>
@@ -9473,73 +11732,232 @@
                 <a:latin typeface="맑은 고딕" charset="0"/>
                 <a:ea typeface="맑은 고딕" charset="0"/>
               </a:rPr>
-              <a:t>그다음 Animator 컨트롤러를 선택합니다.</a:t>
+              <a:t>그다음 Animator 컨트롤러를 선택</a:t>
+            </a:r>
+            <a:r>
+              <a:rPr lang="ko-KR" sz="1800">
+                <a:latin typeface="맑은 고딕" charset="0"/>
+                <a:ea typeface="맑은 고딕" charset="0"/>
+              </a:rPr>
+              <a:t>하고 Window 오브젝트에 넣어줍니다.</a:t>
             </a:r>
             <a:endParaRPr lang="ko-KR" altLang="en-US" sz="1800">
               <a:latin typeface="맑은 고딕" charset="0"/>
               <a:ea typeface="맑은 고딕" charset="0"/>
             </a:endParaRPr>
           </a:p>
-          <a:p>
-            <a:pPr marL="0" indent="0" algn="l" latinLnBrk="0" hangingPunct="1">
-              <a:buFontTx/>
-              <a:buNone/>
-            </a:pPr>
-            <a:endParaRPr lang="ko-KR" altLang="en-US" sz="1800">
-              <a:latin typeface="맑은 고딕" charset="0"/>
-              <a:ea typeface="맑은 고딕" charset="0"/>
-            </a:endParaRPr>
-          </a:p>
-          <a:p>
-            <a:pPr marL="0" indent="0" algn="l" latinLnBrk="0" hangingPunct="1">
-              <a:buFontTx/>
-              <a:buNone/>
-            </a:pPr>
-            <a:r>
-              <a:rPr lang="ko-KR" sz="1800">
-                <a:latin typeface="맑은 고딕" charset="0"/>
-                <a:ea typeface="맑은 고딕" charset="0"/>
-              </a:rPr>
-              <a:t>이제 </a:t>
-            </a:r>
-            <a:r>
-              <a:rPr lang="ko-KR" sz="1800">
-                <a:latin typeface="맑은 고딕" charset="0"/>
-                <a:ea typeface="맑은 고딕" charset="0"/>
-              </a:rPr>
-              <a:t>Blend Layer</a:t>
-            </a:r>
-            <a:r>
-              <a:rPr lang="ko-KR" sz="1800">
-                <a:latin typeface="맑은 고딕" charset="0"/>
-                <a:ea typeface="맑은 고딕" charset="0"/>
-              </a:rPr>
-              <a:t>에서 Open 애니메이션과 Close 애니메이션을</a:t>
-            </a:r>
-            <a:r>
-              <a:rPr lang="ko-KR" sz="1800">
-                <a:latin typeface="맑은 고딕" charset="0"/>
-                <a:ea typeface="맑은 고딕" charset="0"/>
-              </a:rPr>
-              <a:t> 넣어줍니다. </a:t>
-            </a:r>
-            <a:endParaRPr lang="ko-KR" altLang="en-US" sz="1800">
-              <a:latin typeface="맑은 고딕" charset="0"/>
-              <a:ea typeface="맑은 고딕" charset="0"/>
-            </a:endParaRPr>
-          </a:p>
         </p:txBody>
       </p:sp>
       <p:pic>
         <p:nvPicPr>
-          <p:cNvPr id="39" name="그림 26"/>
+          <p:cNvPr id="45" name="그림 15" descr="C:/Users/Admin1/AppData/Roaming/PolarisOffice/ETemp/4076_20445776/fImage620527341.png"/>
           <p:cNvPicPr>
             <a:picLocks noChangeAspect="1"/>
           </p:cNvPicPr>
           <p:nvPr/>
         </p:nvPicPr>
         <p:blipFill rotWithShape="1">
-          <a:blip r:embed="rId10" cstate="hqprint">
+          <a:blip r:embed="rId2" cstate="print">
+            <a:extLst>
+              <a:ext uri="{28A0092B-C50C-407E-A947-70E740481C1C}">
+                <a14:useLocalDpi xmlns:a14="http://schemas.microsoft.com/office/drawing/2010/main" val="0"/>
+              </a:ext>
+            </a:extLst>
+          </a:blip>
+          <a:stretch>
+            <a:fillRect/>
+          </a:stretch>
+        </p:blipFill>
+        <p:spPr>
+          <a:xfrm rot="0">
+            <a:off x="1247140" y="2914650"/>
+            <a:ext cx="4114165" cy="2202815"/>
+          </a:xfrm>
+          <a:prstGeom prst="roundRect"/>
+          <a:solidFill>
+            <a:srgbClr val="EDEDED"/>
+          </a:solidFill>
+        </p:spPr>
+      </p:pic>
+      <p:pic>
+        <p:nvPicPr>
+          <p:cNvPr id="46" name="그림 18" descr="C:/Users/Admin1/AppData/Roaming/PolarisOffice/ETemp/4076_20445776/fImage55942748467.png"/>
+          <p:cNvPicPr>
+            <a:picLocks noChangeAspect="1"/>
+          </p:cNvPicPr>
+          <p:nvPr/>
+        </p:nvPicPr>
+        <p:blipFill rotWithShape="1">
+          <a:blip r:embed="rId3" cstate="print">
+            <a:extLst>
+              <a:ext uri="{28A0092B-C50C-407E-A947-70E740481C1C}">
+                <a14:useLocalDpi xmlns:a14="http://schemas.microsoft.com/office/drawing/2010/main" val="0"/>
+              </a:ext>
+            </a:extLst>
+          </a:blip>
+          <a:stretch>
+            <a:fillRect/>
+          </a:stretch>
+        </p:blipFill>
+        <p:spPr>
+          <a:xfrm rot="0">
+            <a:off x="1247775" y="1366520"/>
+            <a:ext cx="4132580" cy="1215390"/>
+          </a:xfrm>
+          <a:prstGeom prst="roundRect"/>
+          <a:solidFill>
+            <a:srgbClr val="EDEDED"/>
+          </a:solidFill>
+        </p:spPr>
+      </p:pic>
+      <p:cxnSp>
+        <p:nvCxnSpPr>
+          <p:cNvPr id="47" name="도형 21"/>
+          <p:cNvCxnSpPr/>
+          <p:nvPr/>
+        </p:nvCxnSpPr>
+        <p:spPr>
+          <a:xfrm rot="0">
+            <a:off x="2032635" y="2534285"/>
+            <a:ext cx="758825" cy="1800225"/>
+          </a:xfrm>
+          <a:prstGeom prst="straightConnector1"/>
+          <a:ln w="6350" cap="flat" cmpd="sng">
+            <a:prstDash/>
+            <a:headEnd type="none" w="med" len="med"/>
+            <a:tailEnd type="triangle" w="med" len="med"/>
+          </a:ln>
+        </p:spPr>
+        <p:style>
+          <a:lnRef idx="1">
+            <a:schemeClr val="accent1"/>
+          </a:lnRef>
+          <a:fillRef idx="0">
+            <a:schemeClr val="accent1"/>
+          </a:fillRef>
+          <a:effectRef idx="0">
+            <a:schemeClr val="accent1"/>
+          </a:effectRef>
+          <a:fontRef idx="minor">
+            <a:schemeClr val="tx1"/>
+          </a:fontRef>
+        </p:style>
+      </p:cxnSp>
+      <p:sp>
+        <p:nvSpPr>
+          <p:cNvPr id="48" name="텍스트 상자 22"/>
+          <p:cNvSpPr txBox="1">
+            <a:spLocks/>
+          </p:cNvSpPr>
+          <p:nvPr/>
+        </p:nvSpPr>
+        <p:spPr>
+          <a:xfrm rot="0">
+            <a:off x="6828790" y="4461510"/>
+            <a:ext cx="4018915" cy="1784985"/>
+          </a:xfrm>
+          <a:prstGeom prst="rect"/>
+          <a:noFill/>
+          <a:ln w="0">
+            <a:noFill/>
+            <a:prstDash/>
+          </a:ln>
+        </p:spPr>
+        <p:txBody>
+          <a:bodyPr wrap="square" lIns="89535" tIns="46355" rIns="89535" bIns="46355" numCol="1" vert="horz" anchor="t">
+            <a:spAutoFit/>
+          </a:bodyPr>
+          <a:lstStyle/>
+          <a:p>
+            <a:pPr marL="0" indent="0" algn="l" latinLnBrk="0" hangingPunct="1">
+              <a:buFontTx/>
+              <a:buNone/>
+            </a:pPr>
+            <a:r>
+              <a:rPr lang="ko-KR" sz="2000" b="1">
+                <a:solidFill>
+                  <a:srgbClr val="0611F2"/>
+                </a:solidFill>
+                <a:latin typeface="맑은 고딕" charset="0"/>
+                <a:ea typeface="맑은 고딕" charset="0"/>
+              </a:rPr>
+              <a:t>6</a:t>
+            </a:r>
+            <a:r>
+              <a:rPr lang="ko-KR" sz="2000" b="1">
+                <a:solidFill>
+                  <a:srgbClr val="0611F2"/>
+                </a:solidFill>
+                <a:latin typeface="맑은 고딕" charset="0"/>
+                <a:ea typeface="맑은 고딕" charset="0"/>
+              </a:rPr>
+              <a:t>. </a:t>
+            </a:r>
+            <a:r>
+              <a:rPr lang="ko-KR" sz="1800">
+                <a:latin typeface="맑은 고딕" charset="0"/>
+                <a:ea typeface="맑은 고딕" charset="0"/>
+              </a:rPr>
+              <a:t>이제</a:t>
+            </a:r>
+            <a:r>
+              <a:rPr lang="ko-KR" sz="1800">
+                <a:latin typeface="맑은 고딕" charset="0"/>
+                <a:ea typeface="맑은 고딕" charset="0"/>
+              </a:rPr>
+              <a:t> Animator 컨트롤러를 선택합니다.</a:t>
+            </a:r>
+            <a:endParaRPr lang="ko-KR" altLang="en-US" sz="1800">
+              <a:latin typeface="맑은 고딕" charset="0"/>
+              <a:ea typeface="맑은 고딕" charset="0"/>
+            </a:endParaRPr>
+          </a:p>
+          <a:p>
+            <a:pPr marL="0" indent="0" algn="l" latinLnBrk="0" hangingPunct="1">
+              <a:buFontTx/>
+              <a:buNone/>
+            </a:pPr>
+            <a:endParaRPr lang="ko-KR" altLang="en-US" sz="1800">
+              <a:latin typeface="맑은 고딕" charset="0"/>
+              <a:ea typeface="맑은 고딕" charset="0"/>
+            </a:endParaRPr>
+          </a:p>
+          <a:p>
+            <a:pPr marL="0" indent="0" algn="l" latinLnBrk="0" hangingPunct="1">
+              <a:buFontTx/>
+              <a:buNone/>
+            </a:pPr>
+            <a:r>
+              <a:rPr lang="ko-KR" sz="1800">
+                <a:latin typeface="맑은 고딕" charset="0"/>
+                <a:ea typeface="맑은 고딕" charset="0"/>
+              </a:rPr>
+              <a:t>그리고</a:t>
+            </a:r>
+            <a:r>
+              <a:rPr lang="ko-KR" sz="1800">
+                <a:latin typeface="맑은 고딕" charset="0"/>
+                <a:ea typeface="맑은 고딕" charset="0"/>
+              </a:rPr>
+              <a:t> Blend Layer에서 Open 애니메이션과 Close 애니메이션을 넣어줍니다. </a:t>
+            </a:r>
+            <a:endParaRPr lang="ko-KR" altLang="en-US" sz="1800">
+              <a:latin typeface="맑은 고딕" charset="0"/>
+              <a:ea typeface="맑은 고딕" charset="0"/>
+            </a:endParaRPr>
+          </a:p>
+        </p:txBody>
+      </p:sp>
+      <p:pic>
+        <p:nvPicPr>
+          <p:cNvPr id="49" name="그림 23" descr="C:/Users/Admin1/AppData/Roaming/PolarisOffice/ETemp/4076_20445776/fImage69782306962.png"/>
+          <p:cNvPicPr>
+            <a:picLocks noChangeAspect="1"/>
+          </p:cNvPicPr>
+          <p:nvPr/>
+        </p:nvPicPr>
+        <p:blipFill rotWithShape="1">
+          <a:blip r:embed="rId4" cstate="hqprint">
             <a:extLst>
               <a:ext uri="{28A0092B-C50C-407E-A947-70E740481C1C}">
                 <a14:useLocalDpi xmlns:a14="http://schemas.microsoft.com/office/drawing/2010/main"/>
@@ -9552,8 +11970,8 @@
         </p:blipFill>
         <p:spPr>
           <a:xfrm rot="0">
-            <a:off x="1264285" y="1362075"/>
-            <a:ext cx="4114165" cy="2933700"/>
+            <a:off x="6829425" y="2790825"/>
+            <a:ext cx="4010660" cy="1486535"/>
           </a:xfrm>
           <a:prstGeom prst="roundRect"/>
           <a:solidFill>
@@ -9563,14 +11981,14 @@
       </p:pic>
       <p:pic>
         <p:nvPicPr>
-          <p:cNvPr id="40" name="그림 26"/>
+          <p:cNvPr id="50" name="그림 24" descr="C:/Users/Admin1/AppData/Roaming/PolarisOffice/ETemp/4076_20445776/fImage57202786334.png"/>
           <p:cNvPicPr>
             <a:picLocks noChangeAspect="1"/>
           </p:cNvPicPr>
           <p:nvPr/>
         </p:nvPicPr>
         <p:blipFill rotWithShape="1">
-          <a:blip r:embed="rId11" cstate="print">
+          <a:blip r:embed="rId5" cstate="print">
             <a:extLst>
               <a:ext uri="{28A0092B-C50C-407E-A947-70E740481C1C}">
                 <a14:useLocalDpi xmlns:a14="http://schemas.microsoft.com/office/drawing/2010/main" val="0"/>
@@ -9583,8 +12001,8 @@
         </p:blipFill>
         <p:spPr>
           <a:xfrm rot="0">
-            <a:off x="6814820" y="1356995"/>
-            <a:ext cx="4105275" cy="903605"/>
+            <a:off x="6829425" y="1362075"/>
+            <a:ext cx="4020185" cy="1219835"/>
           </a:xfrm>
           <a:prstGeom prst="roundRect"/>
           <a:solidFill>
@@ -9592,110 +12010,19 @@
           </a:solidFill>
         </p:spPr>
       </p:pic>
-      <p:sp>
-        <p:nvSpPr>
-          <p:cNvPr id="41" name="텍스트 상자 29"/>
-          <p:cNvSpPr txBox="1">
-            <a:spLocks/>
-          </p:cNvSpPr>
-          <p:nvPr/>
-        </p:nvSpPr>
-        <p:spPr>
-          <a:xfrm rot="0">
-            <a:off x="6817360" y="4464685"/>
-            <a:ext cx="4122420" cy="1784985"/>
-          </a:xfrm>
-          <a:prstGeom prst="rect"/>
-          <a:noFill/>
-          <a:ln w="0">
-            <a:noFill/>
-            <a:prstDash/>
-          </a:ln>
-        </p:spPr>
-        <p:txBody>
-          <a:bodyPr wrap="square" lIns="89535" tIns="46355" rIns="89535" bIns="46355" numCol="1" vert="horz" anchor="t">
-            <a:spAutoFit/>
-          </a:bodyPr>
-          <a:lstStyle/>
-          <a:p>
-            <a:pPr marL="0" indent="0" algn="l" latinLnBrk="0" hangingPunct="1">
-              <a:buFontTx/>
-              <a:buNone/>
-            </a:pPr>
-            <a:r>
-              <a:rPr lang="ko-KR" sz="2000" b="1">
-                <a:solidFill>
-                  <a:srgbClr val="0611F2"/>
-                </a:solidFill>
-                <a:latin typeface="맑은 고딕" charset="0"/>
-                <a:ea typeface="맑은 고딕" charset="0"/>
-              </a:rPr>
-              <a:t>6</a:t>
-            </a:r>
-            <a:r>
-              <a:rPr lang="ko-KR" sz="2000" b="1">
-                <a:solidFill>
-                  <a:srgbClr val="0611F2"/>
-                </a:solidFill>
-                <a:latin typeface="맑은 고딕" charset="0"/>
-                <a:ea typeface="맑은 고딕" charset="0"/>
-              </a:rPr>
-              <a:t>. </a:t>
-            </a:r>
-            <a:r>
-              <a:rPr lang="ko-KR" sz="1800">
-                <a:latin typeface="맑은 고딕" charset="0"/>
-                <a:ea typeface="맑은 고딕" charset="0"/>
-              </a:rPr>
-              <a:t>그리고 프로젝트 폴더에 Animator에 Open 애니메이션을 선택합니다.</a:t>
-            </a:r>
-            <a:endParaRPr lang="ko-KR" altLang="en-US" sz="1800">
-              <a:latin typeface="맑은 고딕" charset="0"/>
-              <a:ea typeface="맑은 고딕" charset="0"/>
-            </a:endParaRPr>
-          </a:p>
-          <a:p>
-            <a:pPr marL="0" indent="0" algn="l" latinLnBrk="0" hangingPunct="1">
-              <a:buFontTx/>
-              <a:buNone/>
-            </a:pPr>
-            <a:endParaRPr lang="ko-KR" altLang="en-US" sz="1800">
-              <a:latin typeface="맑은 고딕" charset="0"/>
-              <a:ea typeface="맑은 고딕" charset="0"/>
-            </a:endParaRPr>
-          </a:p>
-          <a:p>
-            <a:pPr marL="0" indent="0" algn="l" latinLnBrk="0" hangingPunct="1">
-              <a:buFontTx/>
-              <a:buNone/>
-            </a:pPr>
-            <a:r>
-              <a:rPr lang="ko-KR" sz="1800">
-                <a:latin typeface="맑은 고딕" charset="0"/>
-                <a:ea typeface="맑은 고딕" charset="0"/>
-              </a:rPr>
-              <a:t>그런 다음 Open 애니메이션의 녹화를 시작합니다.</a:t>
-            </a:r>
-            <a:endParaRPr lang="ko-KR" altLang="en-US" sz="1800">
-              <a:latin typeface="맑은 고딕" charset="0"/>
-              <a:ea typeface="맑은 고딕" charset="0"/>
-            </a:endParaRPr>
-          </a:p>
-        </p:txBody>
-      </p:sp>
       <p:pic>
         <p:nvPicPr>
-          <p:cNvPr id="42" name="그림 30"/>
+          <p:cNvPr id="51" name="그림 31" descr="C:/Users/Admin1/AppData/Roaming/PolarisOffice/ETemp/4076_20445776/fImage2098552836500.png"/>
           <p:cNvPicPr>
             <a:picLocks noChangeAspect="1"/>
           </p:cNvPicPr>
           <p:nvPr/>
         </p:nvPicPr>
         <p:blipFill rotWithShape="1">
-          <a:blip r:embed="rId12" cstate="hqprint">
+          <a:blip r:embed="rId6" cstate="print">
             <a:extLst>
               <a:ext uri="{28A0092B-C50C-407E-A947-70E740481C1C}">
-                <a14:useLocalDpi xmlns:a14="http://schemas.microsoft.com/office/drawing/2010/main"/>
+                <a14:useLocalDpi xmlns:a14="http://schemas.microsoft.com/office/drawing/2010/main" val="0"/>
               </a:ext>
             </a:extLst>
           </a:blip>
@@ -9705,8 +12032,37 @@
         </p:blipFill>
         <p:spPr>
           <a:xfrm rot="0">
-            <a:off x="6810375" y="2433320"/>
-            <a:ext cx="4109720" cy="1853565"/>
+            <a:off x="8448675" y="2562225"/>
+            <a:ext cx="572135" cy="724535"/>
+          </a:xfrm>
+          <a:prstGeom prst="rect"/>
+          <a:noFill/>
+        </p:spPr>
+      </p:pic>
+      <p:pic>
+        <p:nvPicPr>
+          <p:cNvPr id="52" name="그림 32" descr="C:/Users/Admin1/AppData/Roaming/PolarisOffice/ETemp/4076_20445776/fImage2098552849169.png"/>
+          <p:cNvPicPr>
+            <a:picLocks noChangeAspect="1"/>
+          </p:cNvPicPr>
+          <p:nvPr/>
+        </p:nvPicPr>
+        <p:blipFill rotWithShape="1">
+          <a:blip r:embed="rId7" cstate="print">
+            <a:extLst>
+              <a:ext uri="{28A0092B-C50C-407E-A947-70E740481C1C}">
+                <a14:useLocalDpi xmlns:a14="http://schemas.microsoft.com/office/drawing/2010/main" val="0"/>
+              </a:ext>
+            </a:extLst>
+          </a:blip>
+          <a:stretch>
+            <a:fillRect/>
+          </a:stretch>
+        </p:blipFill>
+        <p:spPr>
+          <a:xfrm rot="0">
+            <a:off x="9511030" y="2557780"/>
+            <a:ext cx="572135" cy="724535"/>
           </a:xfrm>
           <a:prstGeom prst="rect"/>
           <a:noFill/>
@@ -9761,9 +12117,9 @@
           <p:nvPr/>
         </p:nvSpPr>
         <p:spPr>
-          <a:xfrm rot="0">
+          <a:xfrm>
             <a:off x="4524375" y="419735"/>
-            <a:ext cx="3129915" cy="554990"/>
+            <a:ext cx="3131185" cy="554990"/>
           </a:xfrm>
           <a:prstGeom prst="rect"/>
           <a:noFill/>
@@ -9805,7 +12161,7 @@
       </p:sp>
       <p:sp>
         <p:nvSpPr>
-          <p:cNvPr id="45" name="텍스트 상자 31"/>
+          <p:cNvPr id="42" name="텍스트 상자 1"/>
           <p:cNvSpPr txBox="1">
             <a:spLocks/>
           </p:cNvSpPr>
@@ -9813,8 +12169,8 @@
         </p:nvSpPr>
         <p:spPr>
           <a:xfrm rot="0">
-            <a:off x="1182370" y="4683125"/>
-            <a:ext cx="4196080" cy="1784985"/>
+            <a:off x="1453515" y="3192145"/>
+            <a:ext cx="3916045" cy="677545"/>
           </a:xfrm>
           <a:prstGeom prst="rect"/>
           <a:noFill/>
@@ -9841,17 +12197,7 @@
                 <a:latin typeface="맑은 고딕" charset="0"/>
                 <a:ea typeface="맑은 고딕" charset="0"/>
               </a:rPr>
-              <a:t>7</a:t>
-            </a:r>
-            <a:r>
-              <a:rPr lang="ko-KR" sz="2000" b="1">
-                <a:solidFill>
-                  <a:srgbClr val="0611F2"/>
-                </a:solidFill>
-                <a:latin typeface="맑은 고딕" charset="0"/>
-                <a:ea typeface="맑은 고딕" charset="0"/>
-              </a:rPr>
-              <a:t>.</a:t>
+              <a:t>7.</a:t>
             </a:r>
             <a:r>
               <a:rPr lang="ko-KR" sz="2000">
@@ -9875,256 +12221,46 @@
                 <a:latin typeface="맑은 고딕" charset="0"/>
                 <a:ea typeface="맑은 고딕" charset="0"/>
               </a:rPr>
-              <a:t>다음</a:t>
+              <a:t>런 다음</a:t>
             </a:r>
             <a:r>
               <a:rPr lang="ko-KR" sz="1800">
                 <a:latin typeface="맑은 고딕" charset="0"/>
                 <a:ea typeface="맑은 고딕" charset="0"/>
               </a:rPr>
-              <a:t> 마우스로 키 프레임</a:t>
+              <a:t> </a:t>
             </a:r>
             <a:r>
               <a:rPr lang="ko-KR" sz="1800">
                 <a:latin typeface="맑은 고딕" charset="0"/>
                 <a:ea typeface="맑은 고딕" charset="0"/>
               </a:rPr>
-              <a:t>을</a:t>
+              <a:t>Open 얘니메이션을 열어줍니다.</a:t>
             </a:r>
             <a:r>
               <a:rPr lang="ko-KR" sz="1800">
                 <a:latin typeface="맑은 고딕" charset="0"/>
                 <a:ea typeface="맑은 고딕" charset="0"/>
               </a:rPr>
-              <a:t> 선택</a:t>
-            </a:r>
-            <a:r>
-              <a:rPr lang="ko-KR" sz="1800">
-                <a:latin typeface="맑은 고딕" charset="0"/>
-                <a:ea typeface="맑은 고딕" charset="0"/>
-              </a:rPr>
-              <a:t>합니다.</a:t>
+              <a:t> </a:t>
             </a:r>
             <a:endParaRPr lang="ko-KR" altLang="en-US" sz="1800">
               <a:latin typeface="맑은 고딕" charset="0"/>
               <a:ea typeface="맑은 고딕" charset="0"/>
             </a:endParaRPr>
           </a:p>
-          <a:p>
-            <a:pPr marL="0" indent="0" algn="l" latinLnBrk="0" hangingPunct="1">
-              <a:buFontTx/>
-              <a:buNone/>
-            </a:pPr>
-            <a:endParaRPr lang="ko-KR" altLang="en-US" sz="1800">
-              <a:latin typeface="맑은 고딕" charset="0"/>
-              <a:ea typeface="맑은 고딕" charset="0"/>
-            </a:endParaRPr>
-          </a:p>
-          <a:p>
-            <a:pPr marL="0" indent="0" algn="l" latinLnBrk="0" hangingPunct="1">
-              <a:buFontTx/>
-              <a:buNone/>
-            </a:pPr>
-            <a:r>
-              <a:rPr lang="ko-KR" sz="1800">
-                <a:latin typeface="맑은 고딕" charset="0"/>
-                <a:ea typeface="맑은 고딕" charset="0"/>
-              </a:rPr>
-              <a:t>키 프레임 단위</a:t>
-            </a:r>
-            <a:r>
-              <a:rPr lang="ko-KR" sz="1800">
-                <a:latin typeface="맑은 고딕" charset="0"/>
-                <a:ea typeface="맑은 고딕" charset="0"/>
-              </a:rPr>
-              <a:t>는</a:t>
-            </a:r>
-            <a:r>
-              <a:rPr lang="ko-KR" sz="1800">
-                <a:latin typeface="맑은 고딕" charset="0"/>
-                <a:ea typeface="맑은 고딕" charset="0"/>
-              </a:rPr>
-              <a:t> 0초일 때 크기를 0,0,0으로 설정하고 0.45초일 때 1,1,1로 설정합니다.</a:t>
-            </a:r>
-            <a:endParaRPr lang="ko-KR" altLang="en-US" sz="1800">
-              <a:latin typeface="맑은 고딕" charset="0"/>
-              <a:ea typeface="맑은 고딕" charset="0"/>
-            </a:endParaRPr>
-          </a:p>
         </p:txBody>
       </p:sp>
       <p:pic>
         <p:nvPicPr>
-          <p:cNvPr id="50" name="그림 47"/>
+          <p:cNvPr id="43" name="그림 3" descr="C:/Users/Admin1/AppData/Roaming/PolarisOffice/ETemp/4076_20445776/fImage121731895724.png"/>
           <p:cNvPicPr>
             <a:picLocks noChangeAspect="1"/>
           </p:cNvPicPr>
           <p:nvPr/>
         </p:nvPicPr>
         <p:blipFill rotWithShape="1">
-          <a:blip r:embed="rId9" cstate="hqprint">
-            <a:extLst>
-              <a:ext uri="{28A0092B-C50C-407E-A947-70E740481C1C}">
-                <a14:useLocalDpi xmlns:a14="http://schemas.microsoft.com/office/drawing/2010/main"/>
-              </a:ext>
-            </a:extLst>
-          </a:blip>
-          <a:stretch>
-            <a:fillRect/>
-          </a:stretch>
-        </p:blipFill>
-        <p:spPr>
-          <a:xfrm rot="0">
-            <a:off x="1185545" y="1388110"/>
-            <a:ext cx="4184015" cy="1539240"/>
-          </a:xfrm>
-          <a:prstGeom prst="rect"/>
-          <a:noFill/>
-        </p:spPr>
-      </p:pic>
-      <p:pic>
-        <p:nvPicPr>
-          <p:cNvPr id="51" name="그림 48"/>
-          <p:cNvPicPr>
-            <a:picLocks noChangeAspect="1"/>
-          </p:cNvPicPr>
-          <p:nvPr/>
-        </p:nvPicPr>
-        <p:blipFill rotWithShape="1">
-          <a:blip r:embed="rId10" cstate="hqprint">
-            <a:extLst>
-              <a:ext uri="{28A0092B-C50C-407E-A947-70E740481C1C}">
-                <a14:useLocalDpi xmlns:a14="http://schemas.microsoft.com/office/drawing/2010/main"/>
-              </a:ext>
-            </a:extLst>
-          </a:blip>
-          <a:stretch>
-            <a:fillRect/>
-          </a:stretch>
-        </p:blipFill>
-        <p:spPr>
-          <a:xfrm rot="0">
-            <a:off x="1186180" y="3108960"/>
-            <a:ext cx="4183380" cy="1431290"/>
-          </a:xfrm>
-          <a:prstGeom prst="roundRect"/>
-          <a:solidFill>
-            <a:srgbClr val="EDEDED"/>
-          </a:solidFill>
-        </p:spPr>
-      </p:pic>
-      <p:sp>
-        <p:nvSpPr>
-          <p:cNvPr id="52" name="텍스트 상자 42"/>
-          <p:cNvSpPr txBox="1">
-            <a:spLocks/>
-          </p:cNvSpPr>
-          <p:nvPr/>
-        </p:nvSpPr>
-        <p:spPr>
-          <a:xfrm rot="0">
-            <a:off x="6832600" y="2976245"/>
-            <a:ext cx="4001135" cy="954405"/>
-          </a:xfrm>
-          <a:prstGeom prst="rect"/>
-          <a:noFill/>
-          <a:ln w="0">
-            <a:noFill/>
-            <a:prstDash/>
-          </a:ln>
-        </p:spPr>
-        <p:txBody>
-          <a:bodyPr wrap="square" lIns="89535" tIns="46355" rIns="89535" bIns="46355" numCol="1" vert="horz" anchor="t">
-            <a:spAutoFit/>
-          </a:bodyPr>
-          <a:lstStyle/>
-          <a:p>
-            <a:pPr marL="0" indent="0" algn="l" latinLnBrk="0" hangingPunct="1">
-              <a:buFontTx/>
-              <a:buNone/>
-            </a:pPr>
-            <a:r>
-              <a:rPr lang="ko-KR" sz="2000" b="1">
-                <a:solidFill>
-                  <a:srgbClr val="0611F2"/>
-                </a:solidFill>
-                <a:latin typeface="맑은 고딕" charset="0"/>
-                <a:ea typeface="맑은 고딕" charset="0"/>
-              </a:rPr>
-              <a:t>8</a:t>
-            </a:r>
-            <a:r>
-              <a:rPr lang="ko-KR" sz="2000" b="1">
-                <a:solidFill>
-                  <a:srgbClr val="0611F2"/>
-                </a:solidFill>
-                <a:latin typeface="맑은 고딕" charset="0"/>
-                <a:ea typeface="맑은 고딕" charset="0"/>
-              </a:rPr>
-              <a:t>.</a:t>
-            </a:r>
-            <a:r>
-              <a:rPr lang="ko-KR" sz="2000">
-                <a:solidFill>
-                  <a:srgbClr val="0611F2"/>
-                </a:solidFill>
-                <a:latin typeface="맑은 고딕" charset="0"/>
-                <a:ea typeface="맑은 고딕" charset="0"/>
-              </a:rPr>
-              <a:t> </a:t>
-            </a:r>
-            <a:r>
-              <a:rPr lang="ko-KR" sz="1800">
-                <a:latin typeface="맑은 고딕" charset="0"/>
-                <a:ea typeface="맑은 고딕" charset="0"/>
-              </a:rPr>
-              <a:t>그다음 </a:t>
-            </a:r>
-            <a:r>
-              <a:rPr lang="ko-KR" sz="1800">
-                <a:latin typeface="맑은 고딕" charset="0"/>
-                <a:ea typeface="맑은 고딕" charset="0"/>
-              </a:rPr>
-              <a:t>Open 애니메이션의 </a:t>
-            </a:r>
-            <a:r>
-              <a:rPr lang="ko-KR" sz="1800">
-                <a:latin typeface="맑은 고딕" charset="0"/>
-                <a:ea typeface="맑은 고딕" charset="0"/>
-              </a:rPr>
-              <a:t>녹화를 종료하고 </a:t>
-            </a:r>
-            <a:r>
-              <a:rPr lang="ko-KR" sz="1800">
-                <a:latin typeface="맑은 고딕" charset="0"/>
-                <a:ea typeface="맑은 고딕" charset="0"/>
-              </a:rPr>
-              <a:t>애니메이션을 </a:t>
-            </a:r>
-            <a:r>
-              <a:rPr lang="ko-KR" sz="1800">
-                <a:latin typeface="맑은 고딕" charset="0"/>
-                <a:ea typeface="맑은 고딕" charset="0"/>
-              </a:rPr>
-              <a:t>Close로 설정합니다.</a:t>
-            </a:r>
-            <a:endParaRPr lang="ko-KR" altLang="en-US" sz="1800">
-              <a:latin typeface="맑은 고딕" charset="0"/>
-              <a:ea typeface="맑은 고딕" charset="0"/>
-            </a:endParaRPr>
-          </a:p>
-        </p:txBody>
-      </p:sp>
-      <p:pic>
-        <p:nvPicPr>
-          <p:cNvPr id="53" name="그림 43"/>
-          <p:cNvPicPr>
-            <a:picLocks noChangeAspect="1"/>
-          </p:cNvPicPr>
-          <p:nvPr/>
-        </p:nvPicPr>
-        <p:blipFill rotWithShape="1">
-          <a:blip r:embed="rId11" cstate="print">
+          <a:blip r:embed="rId13" cstate="print">
             <a:extLst>
               <a:ext uri="{28A0092B-C50C-407E-A947-70E740481C1C}">
                 <a14:useLocalDpi xmlns:a14="http://schemas.microsoft.com/office/drawing/2010/main" val="0"/>
@@ -10137,8 +12273,8 @@
         </p:blipFill>
         <p:spPr>
           <a:xfrm rot="0">
-            <a:off x="6823710" y="1386205"/>
-            <a:ext cx="4009390" cy="1524000"/>
+            <a:off x="1457325" y="1409700"/>
+            <a:ext cx="3924935" cy="1715135"/>
           </a:xfrm>
           <a:prstGeom prst="rect"/>
           <a:noFill/>
@@ -10146,14 +12282,14 @@
       </p:pic>
       <p:pic>
         <p:nvPicPr>
-          <p:cNvPr id="54" name="그림 44"/>
+          <p:cNvPr id="44" name="그림 33" descr="C:/Users/Admin1/AppData/Roaming/PolarisOffice/ETemp/4076_20445776/fImage124762851478.png"/>
           <p:cNvPicPr>
             <a:picLocks noChangeAspect="1"/>
           </p:cNvPicPr>
           <p:nvPr/>
         </p:nvPicPr>
         <p:blipFill rotWithShape="1">
-          <a:blip r:embed="rId12" cstate="print">
+          <a:blip r:embed="rId14" cstate="print">
             <a:extLst>
               <a:ext uri="{28A0092B-C50C-407E-A947-70E740481C1C}">
                 <a14:useLocalDpi xmlns:a14="http://schemas.microsoft.com/office/drawing/2010/main" val="0"/>
@@ -10166,8 +12302,8 @@
         </p:blipFill>
         <p:spPr>
           <a:xfrm rot="0">
-            <a:off x="6831330" y="4041140"/>
-            <a:ext cx="4001770" cy="1285240"/>
+            <a:off x="6838950" y="1409700"/>
+            <a:ext cx="4020185" cy="1810385"/>
           </a:xfrm>
           <a:prstGeom prst="roundRect"/>
           <a:solidFill>
@@ -10177,7 +12313,7 @@
       </p:pic>
       <p:sp>
         <p:nvSpPr>
-          <p:cNvPr id="55" name="텍스트 상자 45"/>
+          <p:cNvPr id="45" name="텍스트 상자 38"/>
           <p:cNvSpPr txBox="1">
             <a:spLocks/>
           </p:cNvSpPr>
@@ -10185,8 +12321,8 @@
         </p:nvSpPr>
         <p:spPr>
           <a:xfrm rot="0">
-            <a:off x="6835140" y="5507355"/>
-            <a:ext cx="4001135" cy="677545"/>
+            <a:off x="6845935" y="5154295"/>
+            <a:ext cx="4013200" cy="954405"/>
           </a:xfrm>
           <a:prstGeom prst="rect"/>
           <a:noFill/>
@@ -10240,14 +12376,150 @@
                 <a:latin typeface="맑은 고딕" charset="0"/>
                 <a:ea typeface="맑은 고딕" charset="0"/>
               </a:rPr>
-              <a:t>이제 Close 버튼의 앵커와 크기를 설정합니다</a:t>
+              <a:t>이제 Window 오브젝트를 선택하고 Open Animation에서 Add Property를 추가합니다.</a:t>
+            </a:r>
+            <a:endParaRPr lang="ko-KR" altLang="en-US" sz="1800">
+              <a:latin typeface="맑은 고딕" charset="0"/>
+              <a:ea typeface="맑은 고딕" charset="0"/>
+            </a:endParaRPr>
+          </a:p>
+        </p:txBody>
+      </p:sp>
+      <p:pic>
+        <p:nvPicPr>
+          <p:cNvPr id="46" name="그림 39" descr="C:/Users/Admin1/AppData/Roaming/PolarisOffice/ETemp/4076_20445776/fImage62052879358.png"/>
+          <p:cNvPicPr>
+            <a:picLocks noChangeAspect="1"/>
+          </p:cNvPicPr>
+          <p:nvPr/>
+        </p:nvPicPr>
+        <p:blipFill rotWithShape="1">
+          <a:blip r:embed="rId15" cstate="print">
+            <a:extLst>
+              <a:ext uri="{28A0092B-C50C-407E-A947-70E740481C1C}">
+                <a14:useLocalDpi xmlns:a14="http://schemas.microsoft.com/office/drawing/2010/main" val="0"/>
+              </a:ext>
+            </a:extLst>
+          </a:blip>
+          <a:stretch>
+            <a:fillRect/>
+          </a:stretch>
+        </p:blipFill>
+        <p:spPr>
+          <a:xfrm rot="0">
+            <a:off x="6838315" y="3429000"/>
+            <a:ext cx="4020820" cy="1638935"/>
+          </a:xfrm>
+          <a:prstGeom prst="roundRect"/>
+          <a:solidFill>
+            <a:srgbClr val="EDEDED"/>
+          </a:solidFill>
+        </p:spPr>
+      </p:pic>
+      <p:pic>
+        <p:nvPicPr>
+          <p:cNvPr id="47" name="그림 53" descr="C:/Users/Admin1/AppData/Roaming/PolarisOffice/ETemp/4076_20445776/fImage122303016962.png"/>
+          <p:cNvPicPr>
+            <a:picLocks noChangeAspect="1"/>
+          </p:cNvPicPr>
+          <p:nvPr/>
+        </p:nvPicPr>
+        <p:blipFill rotWithShape="1">
+          <a:blip r:embed="rId16" cstate="print">
+            <a:extLst>
+              <a:ext uri="{28A0092B-C50C-407E-A947-70E740481C1C}">
+                <a14:useLocalDpi xmlns:a14="http://schemas.microsoft.com/office/drawing/2010/main" val="0"/>
+              </a:ext>
+            </a:extLst>
+          </a:blip>
+          <a:stretch>
+            <a:fillRect/>
+          </a:stretch>
+        </p:blipFill>
+        <p:spPr>
+          <a:xfrm rot="0">
+            <a:off x="1466850" y="4004945"/>
+            <a:ext cx="3905885" cy="1310640"/>
+          </a:xfrm>
+          <a:prstGeom prst="roundRect"/>
+          <a:solidFill>
+            <a:srgbClr val="EDEDED"/>
+          </a:solidFill>
+        </p:spPr>
+      </p:pic>
+      <p:sp>
+        <p:nvSpPr>
+          <p:cNvPr id="48" name="텍스트 상자 56"/>
+          <p:cNvSpPr txBox="1">
+            <a:spLocks/>
+          </p:cNvSpPr>
+          <p:nvPr/>
+        </p:nvSpPr>
+        <p:spPr>
+          <a:xfrm rot="0">
+            <a:off x="1458595" y="5430520"/>
+            <a:ext cx="3904615" cy="677545"/>
+          </a:xfrm>
+          <a:prstGeom prst="rect"/>
+          <a:noFill/>
+          <a:ln w="0">
+            <a:noFill/>
+            <a:prstDash/>
+          </a:ln>
+        </p:spPr>
+        <p:txBody>
+          <a:bodyPr wrap="square" lIns="89535" tIns="46355" rIns="89535" bIns="46355" numCol="1" vert="horz" anchor="t">
+            <a:spAutoFit/>
+          </a:bodyPr>
+          <a:lstStyle/>
+          <a:p>
+            <a:pPr marL="0" indent="0" algn="l" latinLnBrk="0" hangingPunct="1">
+              <a:buFontTx/>
+              <a:buNone/>
+            </a:pPr>
+            <a:r>
+              <a:rPr lang="ko-KR" sz="2000" b="1">
+                <a:solidFill>
+                  <a:srgbClr val="0611F2"/>
+                </a:solidFill>
+                <a:latin typeface="맑은 고딕" charset="0"/>
+                <a:ea typeface="맑은 고딕" charset="0"/>
+              </a:rPr>
+              <a:t>8</a:t>
+            </a:r>
+            <a:r>
+              <a:rPr lang="ko-KR" sz="2000" b="1">
+                <a:solidFill>
+                  <a:srgbClr val="0611F2"/>
+                </a:solidFill>
+                <a:latin typeface="맑은 고딕" charset="0"/>
+                <a:ea typeface="맑은 고딕" charset="0"/>
+              </a:rPr>
+              <a:t>.</a:t>
+            </a:r>
+            <a:r>
+              <a:rPr lang="ko-KR" sz="2000">
+                <a:solidFill>
+                  <a:srgbClr val="0611F2"/>
+                </a:solidFill>
+                <a:latin typeface="맑은 고딕" charset="0"/>
+                <a:ea typeface="맑은 고딕" charset="0"/>
+              </a:rPr>
+              <a:t> </a:t>
             </a:r>
             <a:r>
               <a:rPr lang="ko-KR" sz="1800">
                 <a:latin typeface="맑은 고딕" charset="0"/>
                 <a:ea typeface="맑은 고딕" charset="0"/>
               </a:rPr>
-              <a:t>.</a:t>
+              <a:t>그</a:t>
+            </a:r>
+            <a:r>
+              <a:rPr lang="ko-KR" sz="1800">
+                <a:latin typeface="맑은 고딕" charset="0"/>
+                <a:ea typeface="맑은 고딕" charset="0"/>
+              </a:rPr>
+              <a:t>다음으로 Window 오브젝트의 크기를 설정합니다.</a:t>
             </a:r>
             <a:endParaRPr lang="ko-KR" altLang="en-US" sz="1800">
               <a:latin typeface="맑은 고딕" charset="0"/>
@@ -10306,8 +12578,8 @@
         </p:nvSpPr>
         <p:spPr>
           <a:xfrm rot="0">
-            <a:off x="4349750" y="452755"/>
-            <a:ext cx="3498215" cy="554990"/>
+            <a:off x="4324350" y="448310"/>
+            <a:ext cx="3553460" cy="554990"/>
           </a:xfrm>
           <a:prstGeom prst="rect"/>
           <a:noFill/>
@@ -10347,246 +12619,171 @@
           </a:p>
         </p:txBody>
       </p:sp>
+      <p:sp>
+        <p:nvSpPr>
+          <p:cNvPr id="45" name="텍스트 상자 31"/>
+          <p:cNvSpPr txBox="1">
+            <a:spLocks/>
+          </p:cNvSpPr>
+          <p:nvPr/>
+        </p:nvSpPr>
+        <p:spPr>
+          <a:xfrm rot="0">
+            <a:off x="1490345" y="5077460"/>
+            <a:ext cx="3867150" cy="954405"/>
+          </a:xfrm>
+          <a:prstGeom prst="rect"/>
+          <a:noFill/>
+          <a:ln w="0">
+            <a:noFill/>
+            <a:prstDash/>
+          </a:ln>
+        </p:spPr>
+        <p:txBody>
+          <a:bodyPr wrap="square" lIns="89535" tIns="46355" rIns="89535" bIns="46355" numCol="1" vert="horz" anchor="t">
+            <a:spAutoFit/>
+          </a:bodyPr>
+          <a:lstStyle/>
+          <a:p>
+            <a:pPr marL="0" indent="0" algn="l" latinLnBrk="0" hangingPunct="1">
+              <a:buFontTx/>
+              <a:buNone/>
+            </a:pPr>
+            <a:r>
+              <a:rPr lang="ko-KR" sz="2000" b="1">
+                <a:solidFill>
+                  <a:srgbClr val="0611F2"/>
+                </a:solidFill>
+                <a:latin typeface="맑은 고딕" charset="0"/>
+                <a:ea typeface="맑은 고딕" charset="0"/>
+              </a:rPr>
+              <a:t>10</a:t>
+            </a:r>
+            <a:r>
+              <a:rPr lang="ko-KR" sz="2000" b="1">
+                <a:solidFill>
+                  <a:srgbClr val="0611F2"/>
+                </a:solidFill>
+                <a:latin typeface="맑은 고딕" charset="0"/>
+                <a:ea typeface="맑은 고딕" charset="0"/>
+              </a:rPr>
+              <a:t>.</a:t>
+            </a:r>
+            <a:r>
+              <a:rPr lang="ko-KR" sz="2000">
+                <a:solidFill>
+                  <a:srgbClr val="0611F2"/>
+                </a:solidFill>
+                <a:latin typeface="맑은 고딕" charset="0"/>
+                <a:ea typeface="맑은 고딕" charset="0"/>
+              </a:rPr>
+              <a:t> </a:t>
+            </a:r>
+            <a:r>
+              <a:rPr lang="ko-KR" sz="1800">
+                <a:latin typeface="맑은 고딕" charset="0"/>
+                <a:ea typeface="맑은 고딕" charset="0"/>
+              </a:rPr>
+              <a:t>그다음</a:t>
+            </a:r>
+            <a:r>
+              <a:rPr lang="ko-KR" sz="1800">
+                <a:latin typeface="맑은 고딕" charset="0"/>
+                <a:ea typeface="맑은 고딕" charset="0"/>
+              </a:rPr>
+              <a:t>으로 Add Property에서 Rect Transform에 Scale을 선택합니다.</a:t>
+            </a:r>
+            <a:endParaRPr lang="ko-KR" altLang="en-US" sz="1800">
+              <a:latin typeface="맑은 고딕" charset="0"/>
+              <a:ea typeface="맑은 고딕" charset="0"/>
+            </a:endParaRPr>
+          </a:p>
+        </p:txBody>
+      </p:sp>
+      <p:sp>
+        <p:nvSpPr>
+          <p:cNvPr id="55" name="텍스트 상자 45"/>
+          <p:cNvSpPr txBox="1">
+            <a:spLocks/>
+          </p:cNvSpPr>
+          <p:nvPr/>
+        </p:nvSpPr>
+        <p:spPr>
+          <a:xfrm rot="0">
+            <a:off x="6830695" y="2951480"/>
+            <a:ext cx="4015105" cy="677545"/>
+          </a:xfrm>
+          <a:prstGeom prst="rect"/>
+          <a:noFill/>
+          <a:ln w="0">
+            <a:noFill/>
+            <a:prstDash/>
+          </a:ln>
+        </p:spPr>
+        <p:txBody>
+          <a:bodyPr wrap="square" lIns="89535" tIns="46355" rIns="89535" bIns="46355" numCol="1" vert="horz" anchor="t">
+            <a:spAutoFit/>
+          </a:bodyPr>
+          <a:lstStyle/>
+          <a:p>
+            <a:pPr marL="0" indent="0" algn="l" latinLnBrk="0" hangingPunct="1">
+              <a:buFontTx/>
+              <a:buNone/>
+            </a:pPr>
+            <a:r>
+              <a:rPr lang="ko-KR" sz="2000" b="1">
+                <a:solidFill>
+                  <a:srgbClr val="0611F2"/>
+                </a:solidFill>
+                <a:latin typeface="맑은 고딕" charset="0"/>
+                <a:ea typeface="맑은 고딕" charset="0"/>
+              </a:rPr>
+              <a:t>11</a:t>
+            </a:r>
+            <a:r>
+              <a:rPr lang="ko-KR" sz="2000" b="1">
+                <a:solidFill>
+                  <a:srgbClr val="0611F2"/>
+                </a:solidFill>
+                <a:latin typeface="맑은 고딕" charset="0"/>
+                <a:ea typeface="맑은 고딕" charset="0"/>
+              </a:rPr>
+              <a:t>.</a:t>
+            </a:r>
+            <a:r>
+              <a:rPr lang="ko-KR" sz="2000">
+                <a:solidFill>
+                  <a:srgbClr val="0611F2"/>
+                </a:solidFill>
+                <a:latin typeface="맑은 고딕" charset="0"/>
+                <a:ea typeface="맑은 고딕" charset="0"/>
+              </a:rPr>
+              <a:t> </a:t>
+            </a:r>
+            <a:r>
+              <a:rPr lang="ko-KR" sz="1800">
+                <a:latin typeface="맑은 고딕" charset="0"/>
+                <a:ea typeface="맑은 고딕" charset="0"/>
+              </a:rPr>
+              <a:t>그런 다음 Open Animation의 Key Frame을 확인합니다.</a:t>
+            </a:r>
+            <a:endParaRPr lang="ko-KR" altLang="en-US" sz="1800">
+              <a:latin typeface="맑은 고딕" charset="0"/>
+              <a:ea typeface="맑은 고딕" charset="0"/>
+            </a:endParaRPr>
+          </a:p>
+        </p:txBody>
+      </p:sp>
       <p:pic>
         <p:nvPicPr>
-          <p:cNvPr id="27" name="그림 54"/>
+          <p:cNvPr id="56" name="그림 57" descr="C:/Users/Admin1/AppData/Roaming/PolarisOffice/ETemp/4076_20445776/fImage84683034464.png"/>
           <p:cNvPicPr>
             <a:picLocks noChangeAspect="1"/>
           </p:cNvPicPr>
           <p:nvPr/>
         </p:nvPicPr>
         <p:blipFill rotWithShape="1">
-          <a:blip r:embed="rId8" cstate="hqprint">
-            <a:extLst>
-              <a:ext uri="{28A0092B-C50C-407E-A947-70E740481C1C}">
-                <a14:useLocalDpi xmlns:a14="http://schemas.microsoft.com/office/drawing/2010/main"/>
-              </a:ext>
-            </a:extLst>
-          </a:blip>
-          <a:stretch>
-            <a:fillRect/>
-          </a:stretch>
-        </p:blipFill>
-        <p:spPr>
-          <a:xfrm rot="0">
-            <a:off x="1377950" y="1385570"/>
-            <a:ext cx="3991610" cy="1394460"/>
-          </a:xfrm>
-          <a:prstGeom prst="rect"/>
-          <a:noFill/>
-        </p:spPr>
-      </p:pic>
-      <p:pic>
-        <p:nvPicPr>
-          <p:cNvPr id="28" name="그림 55"/>
-          <p:cNvPicPr>
-            <a:picLocks noChangeAspect="1"/>
-          </p:cNvPicPr>
-          <p:nvPr/>
-        </p:nvPicPr>
-        <p:blipFill rotWithShape="1">
-          <a:blip r:embed="rId9" cstate="hqprint">
-            <a:extLst>
-              <a:ext uri="{28A0092B-C50C-407E-A947-70E740481C1C}">
-                <a14:useLocalDpi xmlns:a14="http://schemas.microsoft.com/office/drawing/2010/main"/>
-              </a:ext>
-            </a:extLst>
-          </a:blip>
-          <a:stretch>
-            <a:fillRect/>
-          </a:stretch>
-        </p:blipFill>
-        <p:spPr>
-          <a:xfrm rot="0">
-            <a:off x="1385570" y="2985135"/>
-            <a:ext cx="3964940" cy="1301750"/>
-          </a:xfrm>
-          <a:prstGeom prst="roundRect"/>
-          <a:solidFill>
-            <a:srgbClr val="EDEDED"/>
-          </a:solidFill>
-        </p:spPr>
-      </p:pic>
-      <p:sp>
-        <p:nvSpPr>
-          <p:cNvPr id="29" name="텍스트 상자 56"/>
-          <p:cNvSpPr txBox="1">
-            <a:spLocks/>
-          </p:cNvSpPr>
-          <p:nvPr/>
-        </p:nvSpPr>
-        <p:spPr>
-          <a:xfrm rot="0">
-            <a:off x="1386840" y="4401185"/>
-            <a:ext cx="3973830" cy="1784985"/>
-          </a:xfrm>
-          <a:prstGeom prst="rect"/>
-          <a:noFill/>
-          <a:ln w="0">
-            <a:noFill/>
-            <a:prstDash/>
-          </a:ln>
-        </p:spPr>
-        <p:txBody>
-          <a:bodyPr wrap="square" lIns="89535" tIns="46355" rIns="89535" bIns="46355" numCol="1" vert="horz" anchor="t">
-            <a:spAutoFit/>
-          </a:bodyPr>
-          <a:lstStyle/>
-          <a:p>
-            <a:pPr marL="0" indent="0" algn="l" latinLnBrk="0" hangingPunct="1">
-              <a:buFontTx/>
-              <a:buNone/>
-            </a:pPr>
-            <a:r>
-              <a:rPr lang="ko-KR" sz="2000" b="1">
-                <a:solidFill>
-                  <a:srgbClr val="0611F2"/>
-                </a:solidFill>
-                <a:latin typeface="맑은 고딕" charset="0"/>
-                <a:ea typeface="맑은 고딕" charset="0"/>
-              </a:rPr>
-              <a:t>1</a:t>
-            </a:r>
-            <a:r>
-              <a:rPr lang="ko-KR" sz="2000" b="1">
-                <a:solidFill>
-                  <a:srgbClr val="0611F2"/>
-                </a:solidFill>
-                <a:latin typeface="맑은 고딕" charset="0"/>
-                <a:ea typeface="맑은 고딕" charset="0"/>
-              </a:rPr>
-              <a:t>0</a:t>
-            </a:r>
-            <a:r>
-              <a:rPr lang="ko-KR" sz="2000" b="1">
-                <a:solidFill>
-                  <a:srgbClr val="0611F2"/>
-                </a:solidFill>
-                <a:latin typeface="맑은 고딕" charset="0"/>
-                <a:ea typeface="맑은 고딕" charset="0"/>
-              </a:rPr>
-              <a:t>.</a:t>
-            </a:r>
-            <a:r>
-              <a:rPr lang="ko-KR" sz="2000">
-                <a:solidFill>
-                  <a:srgbClr val="0611F2"/>
-                </a:solidFill>
-                <a:latin typeface="맑은 고딕" charset="0"/>
-                <a:ea typeface="맑은 고딕" charset="0"/>
-              </a:rPr>
-              <a:t> </a:t>
-            </a:r>
-            <a:r>
-              <a:rPr lang="ko-KR" sz="1800">
-                <a:latin typeface="맑은 고딕" charset="0"/>
-                <a:ea typeface="맑은 고딕" charset="0"/>
-              </a:rPr>
-              <a:t>그런 다음</a:t>
-            </a:r>
-            <a:r>
-              <a:rPr lang="ko-KR" sz="1800">
-                <a:latin typeface="맑은 고딕" charset="0"/>
-                <a:ea typeface="맑은 고딕" charset="0"/>
-              </a:rPr>
-              <a:t> 마우스로 키 프레임을 선택</a:t>
-            </a:r>
-            <a:r>
-              <a:rPr lang="ko-KR" sz="1800">
-                <a:latin typeface="맑은 고딕" charset="0"/>
-                <a:ea typeface="맑은 고딕" charset="0"/>
-              </a:rPr>
-              <a:t>합니다.</a:t>
-            </a:r>
-            <a:endParaRPr lang="ko-KR" altLang="en-US" sz="1800">
-              <a:latin typeface="맑은 고딕" charset="0"/>
-              <a:ea typeface="맑은 고딕" charset="0"/>
-            </a:endParaRPr>
-          </a:p>
-          <a:p>
-            <a:pPr marL="0" indent="0" algn="l" latinLnBrk="0" hangingPunct="1">
-              <a:buFontTx/>
-              <a:buNone/>
-            </a:pPr>
-            <a:endParaRPr lang="ko-KR" altLang="en-US" sz="1800">
-              <a:latin typeface="맑은 고딕" charset="0"/>
-              <a:ea typeface="맑은 고딕" charset="0"/>
-            </a:endParaRPr>
-          </a:p>
-          <a:p>
-            <a:pPr marL="0" indent="0" algn="l" latinLnBrk="0" hangingPunct="1">
-              <a:buFontTx/>
-              <a:buNone/>
-            </a:pPr>
-            <a:r>
-              <a:rPr lang="ko-KR" sz="1800">
-                <a:latin typeface="맑은 고딕" charset="0"/>
-                <a:ea typeface="맑은 고딕" charset="0"/>
-              </a:rPr>
-              <a:t>키 프레임 단위</a:t>
-            </a:r>
-            <a:r>
-              <a:rPr lang="ko-KR" sz="1800">
-                <a:latin typeface="맑은 고딕" charset="0"/>
-                <a:ea typeface="맑은 고딕" charset="0"/>
-              </a:rPr>
-              <a:t>는</a:t>
-            </a:r>
-            <a:r>
-              <a:rPr lang="ko-KR" sz="1800">
-                <a:latin typeface="맑은 고딕" charset="0"/>
-                <a:ea typeface="맑은 고딕" charset="0"/>
-              </a:rPr>
-              <a:t> 0초일 때 크기를 1,1,1로 설정하고 0.3초일 때 0,0,0으로 설정합니다.</a:t>
-            </a:r>
-            <a:endParaRPr lang="ko-KR" altLang="en-US" sz="1800">
-              <a:latin typeface="맑은 고딕" charset="0"/>
-              <a:ea typeface="맑은 고딕" charset="0"/>
-            </a:endParaRPr>
-          </a:p>
-        </p:txBody>
-      </p:sp>
-      <p:pic>
-        <p:nvPicPr>
-          <p:cNvPr id="30" name="그림 48"/>
-          <p:cNvPicPr>
-            <a:picLocks noChangeAspect="1"/>
-          </p:cNvPicPr>
-          <p:nvPr/>
-        </p:nvPicPr>
-        <p:blipFill rotWithShape="1">
-          <a:blip r:embed="rId10" cstate="hqprint">
-            <a:extLst>
-              <a:ext uri="{28A0092B-C50C-407E-A947-70E740481C1C}">
-                <a14:useLocalDpi xmlns:a14="http://schemas.microsoft.com/office/drawing/2010/main"/>
-              </a:ext>
-            </a:extLst>
-          </a:blip>
-          <a:stretch>
-            <a:fillRect/>
-          </a:stretch>
-        </p:blipFill>
-        <p:spPr>
-          <a:xfrm rot="0">
-            <a:off x="6814820" y="1385570"/>
-            <a:ext cx="2520950" cy="3178810"/>
-          </a:xfrm>
-          <a:prstGeom prst="roundRect"/>
-          <a:solidFill>
-            <a:srgbClr val="EDEDED"/>
-          </a:solidFill>
-        </p:spPr>
-      </p:pic>
-      <p:pic>
-        <p:nvPicPr>
-          <p:cNvPr id="31" name="그림 49"/>
-          <p:cNvPicPr>
-            <a:picLocks noChangeAspect="1"/>
-          </p:cNvPicPr>
-          <p:nvPr/>
-        </p:nvPicPr>
-        <p:blipFill rotWithShape="1">
-          <a:blip r:embed="rId11" cstate="print">
+          <a:blip r:embed="rId13" cstate="print">
             <a:extLst>
               <a:ext uri="{28A0092B-C50C-407E-A947-70E740481C1C}">
                 <a14:useLocalDpi xmlns:a14="http://schemas.microsoft.com/office/drawing/2010/main" val="0"/>
@@ -10599,8 +12796,8 @@
         </p:blipFill>
         <p:spPr>
           <a:xfrm rot="0">
-            <a:off x="9577705" y="2216785"/>
-            <a:ext cx="1210310" cy="1550670"/>
+            <a:off x="1488440" y="1524000"/>
+            <a:ext cx="3881755" cy="3448050"/>
           </a:xfrm>
           <a:prstGeom prst="roundRect"/>
           <a:solidFill>
@@ -10608,9 +12805,71 @@
           </a:solidFill>
         </p:spPr>
       </p:pic>
-      <p:sp>
-        <p:nvSpPr>
-          <p:cNvPr id="32" name="텍스트 상자 52"/>
+      <p:pic>
+        <p:nvPicPr>
+          <p:cNvPr id="57" name="그림 60" descr="C:/Users/Admin1/AppData/Roaming/PolarisOffice/ETemp/4076_20445776/fImage190833235705.png"/>
+          <p:cNvPicPr>
+            <a:picLocks noChangeAspect="1"/>
+          </p:cNvPicPr>
+          <p:nvPr/>
+        </p:nvPicPr>
+        <p:blipFill rotWithShape="1">
+          <a:blip r:embed="rId14" cstate="print">
+            <a:extLst>
+              <a:ext uri="{28A0092B-C50C-407E-A947-70E740481C1C}">
+                <a14:useLocalDpi xmlns:a14="http://schemas.microsoft.com/office/drawing/2010/main" val="0"/>
+              </a:ext>
+            </a:extLst>
+          </a:blip>
+          <a:stretch>
+            <a:fillRect/>
+          </a:stretch>
+        </p:blipFill>
+        <p:spPr>
+          <a:xfrm rot="0">
+            <a:off x="6833870" y="1524000"/>
+            <a:ext cx="4017645" cy="1316990"/>
+          </a:xfrm>
+          <a:prstGeom prst="roundRect"/>
+          <a:solidFill>
+            <a:srgbClr val="EDEDED"/>
+          </a:solidFill>
+        </p:spPr>
+      </p:pic>
+      <p:pic>
+        <p:nvPicPr>
+          <p:cNvPr id="58" name="그림 71" descr="C:/Users/Admin1/AppData/Roaming/PolarisOffice/ETemp/4076_20445776/fImage196923288145.png"/>
+          <p:cNvPicPr>
+            <a:picLocks noChangeAspect="1"/>
+          </p:cNvPicPr>
+          <p:nvPr/>
+        </p:nvPicPr>
+        <p:blipFill rotWithShape="1">
+          <a:blip r:embed="rId15" cstate="print">
+            <a:extLst>
+              <a:ext uri="{28A0092B-C50C-407E-A947-70E740481C1C}">
+                <a14:useLocalDpi xmlns:a14="http://schemas.microsoft.com/office/drawing/2010/main" val="0"/>
+              </a:ext>
+            </a:extLst>
+          </a:blip>
+          <a:stretch>
+            <a:fillRect/>
+          </a:stretch>
+        </p:blipFill>
+        <p:spPr>
+          <a:xfrm rot="0">
+            <a:off x="6838950" y="3766820"/>
+            <a:ext cx="4015105" cy="1453515"/>
+          </a:xfrm>
+          <a:prstGeom prst="roundRect"/>
+          <a:solidFill>
+            <a:srgbClr val="EDEDED"/>
+          </a:solidFill>
+        </p:spPr>
+      </p:pic>
+      <p:sp>
+        <p:nvSpPr>
+          <p:cNvPr id="59" name="텍스트 상자 74"/>
           <p:cNvSpPr txBox="1">
             <a:spLocks/>
           </p:cNvSpPr>
@@ -10618,8 +12877,8 @@
         </p:nvSpPr>
         <p:spPr>
           <a:xfrm rot="0">
-            <a:off x="6818630" y="4671695"/>
-            <a:ext cx="3973830" cy="1508125"/>
+            <a:off x="6848475" y="5349240"/>
+            <a:ext cx="4029710" cy="677545"/>
           </a:xfrm>
           <a:prstGeom prst="rect"/>
           <a:noFill/>
@@ -10646,7 +12905,7 @@
                 <a:latin typeface="맑은 고딕" charset="0"/>
                 <a:ea typeface="맑은 고딕" charset="0"/>
               </a:rPr>
-              <a:t>1</a:t>
+              <a:t>12</a:t>
             </a:r>
             <a:r>
               <a:rPr lang="ko-KR" sz="2000" b="1">
@@ -10656,8 +12915,69 @@
                 <a:latin typeface="맑은 고딕" charset="0"/>
                 <a:ea typeface="맑은 고딕" charset="0"/>
               </a:rPr>
-              <a:t>1</a:t>
-            </a:r>
+              <a:t>.</a:t>
+            </a:r>
+            <a:r>
+              <a:rPr lang="ko-KR" sz="2000">
+                <a:solidFill>
+                  <a:srgbClr val="0611F2"/>
+                </a:solidFill>
+                <a:latin typeface="맑은 고딕" charset="0"/>
+                <a:ea typeface="맑은 고딕" charset="0"/>
+              </a:rPr>
+              <a:t> </a:t>
+            </a:r>
+            <a:r>
+              <a:rPr lang="ko-KR" sz="1800">
+                <a:latin typeface="맑은 고딕" charset="0"/>
+                <a:ea typeface="맑은 고딕" charset="0"/>
+              </a:rPr>
+              <a:t>그</a:t>
+            </a:r>
+            <a:r>
+              <a:rPr lang="ko-KR" sz="1800">
+                <a:latin typeface="맑은 고딕" charset="0"/>
+                <a:ea typeface="맑은 고딕" charset="0"/>
+              </a:rPr>
+              <a:t>리고 Key Frame을 1 : 00에서 0 : 45로 이동시킵니다.</a:t>
+            </a:r>
+            <a:endParaRPr lang="ko-KR" altLang="en-US" sz="1800">
+              <a:latin typeface="맑은 고딕" charset="0"/>
+              <a:ea typeface="맑은 고딕" charset="0"/>
+            </a:endParaRPr>
+          </a:p>
+        </p:txBody>
+      </p:sp>
+      <p:sp>
+        <p:nvSpPr>
+          <p:cNvPr id="60" name="텍스트 상자 93"/>
+          <p:cNvSpPr txBox="1">
+            <a:spLocks/>
+          </p:cNvSpPr>
+          <p:nvPr/>
+        </p:nvSpPr>
+        <p:spPr>
+          <a:xfrm rot="0">
+            <a:off x="1490345" y="5077460"/>
+            <a:ext cx="3867150" cy="954405"/>
+          </a:xfrm>
+          <a:prstGeom prst="rect"/>
+          <a:noFill/>
+          <a:ln w="0">
+            <a:noFill/>
+            <a:prstDash/>
+          </a:ln>
+        </p:spPr>
+        <p:txBody>
+          <a:bodyPr wrap="square" lIns="89535" tIns="46355" rIns="89535" bIns="46355" numCol="1" vert="horz" anchor="t">
+            <a:spAutoFit/>
+          </a:bodyPr>
+          <a:lstStyle/>
+          <a:p>
+            <a:pPr marL="0" indent="0" algn="l" latinLnBrk="0" hangingPunct="1">
+              <a:buFontTx/>
+              <a:buNone/>
+            </a:pPr>
             <a:r>
               <a:rPr lang="ko-KR" sz="2000" b="1">
                 <a:solidFill>
@@ -10666,6 +12986,16 @@
                 <a:latin typeface="맑은 고딕" charset="0"/>
                 <a:ea typeface="맑은 고딕" charset="0"/>
               </a:rPr>
+              <a:t>10</a:t>
+            </a:r>
+            <a:r>
+              <a:rPr lang="ko-KR" sz="2000" b="1">
+                <a:solidFill>
+                  <a:srgbClr val="0611F2"/>
+                </a:solidFill>
+                <a:latin typeface="맑은 고딕" charset="0"/>
+                <a:ea typeface="맑은 고딕" charset="0"/>
+              </a:rPr>
               <a:t>.</a:t>
             </a:r>
             <a:r>
@@ -10683,42 +13013,53 @@
                 <a:latin typeface="맑은 고딕" charset="0"/>
                 <a:ea typeface="맑은 고딕" charset="0"/>
               </a:rPr>
-              <a:t>이제 UI 에서 Button을 생성합니다.</a:t>
+              <a:t>그다음</a:t>
+            </a:r>
+            <a:r>
+              <a:rPr lang="ko-KR" sz="1800">
+                <a:latin typeface="맑은 고딕" charset="0"/>
+                <a:ea typeface="맑은 고딕" charset="0"/>
+              </a:rPr>
+              <a:t>으로 Add Property에서 Rect Transform에 Scale을 선택합니다.</a:t>
             </a:r>
             <a:endParaRPr lang="ko-KR" altLang="en-US" sz="1800">
               <a:latin typeface="맑은 고딕" charset="0"/>
               <a:ea typeface="맑은 고딕" charset="0"/>
             </a:endParaRPr>
           </a:p>
-          <a:p>
-            <a:pPr marL="0" indent="0" algn="l" latinLnBrk="0" hangingPunct="1">
-              <a:buFontTx/>
-              <a:buNone/>
-            </a:pPr>
-            <a:endParaRPr lang="ko-KR" altLang="en-US" sz="1800">
-              <a:latin typeface="맑은 고딕" charset="0"/>
-              <a:ea typeface="맑은 고딕" charset="0"/>
-            </a:endParaRPr>
-          </a:p>
-          <a:p>
-            <a:pPr marL="0" indent="0" algn="l" latinLnBrk="0" hangingPunct="1">
-              <a:buFontTx/>
-              <a:buNone/>
-            </a:pPr>
-            <a:r>
-              <a:rPr lang="ko-KR" sz="1800">
-                <a:latin typeface="맑은 고딕" charset="0"/>
-                <a:ea typeface="맑은 고딕" charset="0"/>
-              </a:rPr>
-              <a:t>Button의 이름은 Open Button으로 정의합니다.</a:t>
-            </a:r>
-            <a:endParaRPr lang="ko-KR" altLang="en-US" sz="1800">
-              <a:latin typeface="맑은 고딕" charset="0"/>
-              <a:ea typeface="맑은 고딕" charset="0"/>
-            </a:endParaRPr>
-          </a:p>
-        </p:txBody>
-      </p:sp>
+        </p:txBody>
+      </p:sp>
+      <p:pic>
+        <p:nvPicPr>
+          <p:cNvPr id="61" name="그림 94" descr="C:/Users/Admin1/AppData/Roaming/PolarisOffice/ETemp/4076_20445776/fImage84683513281.png"/>
+          <p:cNvPicPr>
+            <a:picLocks noChangeAspect="1"/>
+          </p:cNvPicPr>
+          <p:nvPr/>
+        </p:nvPicPr>
+        <p:blipFill rotWithShape="1">
+          <a:blip r:embed="rId16" cstate="print">
+            <a:extLst>
+              <a:ext uri="{28A0092B-C50C-407E-A947-70E740481C1C}">
+                <a14:useLocalDpi xmlns:a14="http://schemas.microsoft.com/office/drawing/2010/main" val="0"/>
+              </a:ext>
+            </a:extLst>
+          </a:blip>
+          <a:stretch>
+            <a:fillRect/>
+          </a:stretch>
+        </p:blipFill>
+        <p:spPr>
+          <a:xfrm rot="0">
+            <a:off x="1488440" y="1524000"/>
+            <a:ext cx="3881755" cy="3448050"/>
+          </a:xfrm>
+          <a:prstGeom prst="roundRect"/>
+          <a:solidFill>
+            <a:srgbClr val="EDEDED"/>
+          </a:solidFill>
+        </p:spPr>
+      </p:pic>
     </p:spTree>
   </p:cSld>
   <p:clrMapOvr>
@@ -10743,7 +13084,7 @@
 </file>
 
 <file path=ppt/slides/slide6.xml><?xml version="1.0" encoding="utf-8"?>
-<p:sld xmlns:a="http://schemas.openxmlformats.org/drawingml/2006/main" xmlns:r="http://schemas.openxmlformats.org/officeDocument/2006/relationships" xmlns:p="http://schemas.openxmlformats.org/presentationml/2006/main" xmlns:p14="http://schemas.microsoft.com/office/powerpoint/2010/main">
+<p:sld xmlns:a="http://schemas.openxmlformats.org/drawingml/2006/main" xmlns:r="http://schemas.openxmlformats.org/officeDocument/2006/relationships" xmlns:p="http://schemas.openxmlformats.org/presentationml/2006/main">
   <p:cSld>
     <p:spTree>
       <p:nvGrpSpPr>
@@ -10769,8 +13110,8 @@
         </p:nvSpPr>
         <p:spPr>
           <a:xfrm rot="0">
-            <a:off x="4349750" y="452755"/>
-            <a:ext cx="3498850" cy="554990"/>
+            <a:off x="4324350" y="448310"/>
+            <a:ext cx="3553460" cy="554990"/>
           </a:xfrm>
           <a:prstGeom prst="rect"/>
           <a:noFill/>
@@ -10794,14 +13135,14 @@
                 <a:latin typeface="맑은 고딕" charset="0"/>
                 <a:ea typeface="맑은 고딕" charset="0"/>
               </a:rPr>
-              <a:t>여</a:t>
+              <a:t>여섯</a:t>
             </a:r>
             <a:r>
               <a:rPr lang="ko-KR" sz="3000" b="1">
                 <a:latin typeface="맑은 고딕" charset="0"/>
                 <a:ea typeface="맑은 고딕" charset="0"/>
               </a:rPr>
-              <a:t>섯 번째 튜토리얼 </a:t>
+              <a:t> 번째 튜토리얼 </a:t>
             </a:r>
             <a:endParaRPr lang="ko-KR" altLang="en-US" sz="3000" b="1">
               <a:latin typeface="맑은 고딕" charset="0"/>
@@ -10812,7 +13153,7 @@
       </p:sp>
       <p:sp>
         <p:nvSpPr>
-          <p:cNvPr id="27" name="Rect 0"/>
+          <p:cNvPr id="45" name="Rect 0"/>
           <p:cNvSpPr txBox="1">
             <a:spLocks/>
           </p:cNvSpPr>
@@ -10820,8 +13161,8 @@
         </p:nvSpPr>
         <p:spPr>
           <a:xfrm rot="0">
-            <a:off x="1388110" y="2785110"/>
-            <a:ext cx="3975100" cy="954405"/>
+            <a:off x="1169035" y="2925445"/>
+            <a:ext cx="4194175" cy="954405"/>
           </a:xfrm>
           <a:prstGeom prst="rect"/>
           <a:noFill/>
@@ -10848,7 +13189,17 @@
                 <a:latin typeface="맑은 고딕" charset="0"/>
                 <a:ea typeface="맑은 고딕" charset="0"/>
               </a:rPr>
-              <a:t>12.</a:t>
+              <a:t>13</a:t>
+            </a:r>
+            <a:r>
+              <a:rPr lang="ko-KR" sz="2000" b="1">
+                <a:solidFill>
+                  <a:srgbClr val="0611F2"/>
+                </a:solidFill>
+                <a:latin typeface="맑은 고딕" charset="0"/>
+                <a:ea typeface="맑은 고딕" charset="0"/>
+              </a:rPr>
+              <a:t>.</a:t>
             </a:r>
             <a:r>
               <a:rPr lang="ko-KR" sz="2000">
@@ -10865,28 +13216,7 @@
                 <a:latin typeface="맑은 고딕" charset="0"/>
                 <a:ea typeface="맑은 고딕" charset="0"/>
               </a:rPr>
-              <a:t>그</a:t>
-            </a:r>
-            <a:r>
-              <a:rPr lang="ko-KR" sz="1800">
-                <a:latin typeface="맑은 고딕" charset="0"/>
-                <a:ea typeface="맑은 고딕" charset="0"/>
-              </a:rPr>
-              <a:t>리고</a:t>
-            </a:r>
-            <a:r>
-              <a:rPr lang="ko-KR" sz="1800">
-                <a:latin typeface="맑은 고딕" charset="0"/>
-                <a:ea typeface="맑은 고딕" charset="0"/>
-              </a:rPr>
-              <a:t> PopUp이라는 스크립트를 생성하고 </a:t>
-            </a:r>
-            <a:r>
-              <a:rPr lang="ko-KR" sz="1800">
-                <a:latin typeface="맑은 고딕" charset="0"/>
-                <a:ea typeface="맑은 고딕" charset="0"/>
-              </a:rPr>
-              <a:t>Open Button과 Close Button 오브젝트에 넣어줍니다.</a:t>
+              <a:t>이제 Open 애니메이션 키 프레임 0 : 00 위치에 Scale x, y, z 값을 0으로 설정합니다.</a:t>
             </a:r>
             <a:endParaRPr lang="ko-KR" altLang="en-US" sz="1800">
               <a:latin typeface="맑은 고딕" charset="0"/>
@@ -10897,7 +13227,7 @@
       </p:sp>
       <p:sp>
         <p:nvSpPr>
-          <p:cNvPr id="52" name="텍스트 상자 11"/>
+          <p:cNvPr id="52" name="Rect 0"/>
           <p:cNvSpPr txBox="1">
             <a:spLocks/>
           </p:cNvSpPr>
@@ -10905,8 +13235,8 @@
         </p:nvSpPr>
         <p:spPr>
           <a:xfrm rot="0">
-            <a:off x="6838315" y="5086350"/>
-            <a:ext cx="3976370" cy="954405"/>
+            <a:off x="6832600" y="2919095"/>
+            <a:ext cx="4007485" cy="677545"/>
           </a:xfrm>
           <a:prstGeom prst="rect"/>
           <a:noFill/>
@@ -10933,7 +13263,17 @@
                 <a:latin typeface="맑은 고딕" charset="0"/>
                 <a:ea typeface="맑은 고딕" charset="0"/>
               </a:rPr>
-              <a:t>13.</a:t>
+              <a:t>15</a:t>
+            </a:r>
+            <a:r>
+              <a:rPr lang="ko-KR" sz="2000" b="1">
+                <a:solidFill>
+                  <a:srgbClr val="0611F2"/>
+                </a:solidFill>
+                <a:latin typeface="맑은 고딕" charset="0"/>
+                <a:ea typeface="맑은 고딕" charset="0"/>
+              </a:rPr>
+              <a:t>.</a:t>
             </a:r>
             <a:r>
               <a:rPr lang="ko-KR" sz="2000">
@@ -10950,28 +13290,42 @@
                 <a:latin typeface="맑은 고딕" charset="0"/>
                 <a:ea typeface="맑은 고딕" charset="0"/>
               </a:rPr>
-              <a:t>이제 A</a:t>
+              <a:t>그</a:t>
             </a:r>
             <a:r>
               <a:rPr lang="ko-KR" sz="1800">
                 <a:latin typeface="맑은 고딕" charset="0"/>
                 <a:ea typeface="맑은 고딕" charset="0"/>
               </a:rPr>
-              <a:t>nimator Controller</a:t>
+              <a:t>런 다음</a:t>
             </a:r>
             <a:r>
               <a:rPr lang="ko-KR" sz="1800">
                 <a:latin typeface="맑은 고딕" charset="0"/>
                 <a:ea typeface="맑은 고딕" charset="0"/>
               </a:rPr>
-              <a:t>에서</a:t>
+              <a:t> </a:t>
             </a:r>
             <a:r>
               <a:rPr lang="ko-KR" sz="1800">
                 <a:latin typeface="맑은 고딕" charset="0"/>
                 <a:ea typeface="맑은 고딕" charset="0"/>
               </a:rPr>
-              <a:t> Open에 Make Transition을 Close 애니메이션에 연결합니다.</a:t>
+              <a:t>Close</a:t>
+            </a:r>
+            <a:r>
+              <a:rPr lang="ko-KR" sz="1800">
+                <a:latin typeface="맑은 고딕" charset="0"/>
+                <a:ea typeface="맑은 고딕" charset="0"/>
+              </a:rPr>
+              <a:t> 애니메이션</a:t>
+            </a:r>
+            <a:r>
+              <a:rPr lang="ko-KR" sz="1800">
+                <a:latin typeface="맑은 고딕" charset="0"/>
+                <a:ea typeface="맑은 고딕" charset="0"/>
+              </a:rPr>
+              <a:t>을 열어줍니다.</a:t>
             </a:r>
             <a:endParaRPr lang="ko-KR" altLang="en-US" sz="1800">
               <a:latin typeface="맑은 고딕" charset="0"/>
@@ -10982,14 +13336,14 @@
       </p:sp>
       <p:pic>
         <p:nvPicPr>
-          <p:cNvPr id="53" name="그림 1"/>
+          <p:cNvPr id="54" name="Picture " descr="C:/Users/Admin1/AppData/Roaming/PolarisOffice/ETemp/4076_20445776/fImage131882455724.png"/>
           <p:cNvPicPr>
             <a:picLocks noChangeAspect="1"/>
           </p:cNvPicPr>
           <p:nvPr/>
         </p:nvPicPr>
         <p:blipFill rotWithShape="1">
-          <a:blip r:embed="rId7" cstate="hqprint">
+          <a:blip r:embed="rId2" cstate="hqprint">
             <a:extLst>
               <a:ext uri="{28A0092B-C50C-407E-A947-70E740481C1C}">
                 <a14:useLocalDpi xmlns:a14="http://schemas.microsoft.com/office/drawing/2010/main"/>
@@ -11002,8 +13356,8 @@
         </p:blipFill>
         <p:spPr>
           <a:xfrm rot="0">
-            <a:off x="4666615" y="1512570"/>
-            <a:ext cx="694055" cy="896620"/>
+            <a:off x="1173480" y="4003040"/>
+            <a:ext cx="4189730" cy="1436370"/>
           </a:xfrm>
           <a:prstGeom prst="roundRect"/>
           <a:solidFill>
@@ -11011,47 +13365,97 @@
           </a:solidFill>
         </p:spPr>
       </p:pic>
+      <p:sp>
+        <p:nvSpPr>
+          <p:cNvPr id="55" name="Rect 0"/>
+          <p:cNvSpPr txBox="1">
+            <a:spLocks/>
+          </p:cNvSpPr>
+          <p:nvPr/>
+        </p:nvSpPr>
+        <p:spPr>
+          <a:xfrm rot="0">
+            <a:off x="1167765" y="5526405"/>
+            <a:ext cx="4195445" cy="677545"/>
+          </a:xfrm>
+          <a:prstGeom prst="rect"/>
+          <a:noFill/>
+          <a:ln w="0">
+            <a:noFill/>
+            <a:prstDash/>
+          </a:ln>
+        </p:spPr>
+        <p:txBody>
+          <a:bodyPr wrap="square" lIns="89535" tIns="46355" rIns="89535" bIns="46355" numCol="1" vert="horz" anchor="t">
+            <a:spAutoFit/>
+          </a:bodyPr>
+          <a:lstStyle/>
+          <a:p>
+            <a:pPr marL="0" indent="0" algn="l" latinLnBrk="0" hangingPunct="1">
+              <a:buFontTx/>
+              <a:buNone/>
+            </a:pPr>
+            <a:r>
+              <a:rPr lang="ko-KR" sz="2000" b="1">
+                <a:solidFill>
+                  <a:srgbClr val="0611F2"/>
+                </a:solidFill>
+                <a:latin typeface="맑은 고딕" charset="0"/>
+                <a:ea typeface="맑은 고딕" charset="0"/>
+              </a:rPr>
+              <a:t>14</a:t>
+            </a:r>
+            <a:r>
+              <a:rPr lang="ko-KR" sz="2000" b="1">
+                <a:solidFill>
+                  <a:srgbClr val="0611F2"/>
+                </a:solidFill>
+                <a:latin typeface="맑은 고딕" charset="0"/>
+                <a:ea typeface="맑은 고딕" charset="0"/>
+              </a:rPr>
+              <a:t>.</a:t>
+            </a:r>
+            <a:r>
+              <a:rPr lang="ko-KR" sz="2000">
+                <a:solidFill>
+                  <a:srgbClr val="0611F2"/>
+                </a:solidFill>
+                <a:latin typeface="맑은 고딕" charset="0"/>
+                <a:ea typeface="맑은 고딕" charset="0"/>
+              </a:rPr>
+              <a:t> </a:t>
+            </a:r>
+            <a:r>
+              <a:rPr lang="ko-KR" sz="1800">
+                <a:latin typeface="맑은 고딕" charset="0"/>
+                <a:ea typeface="맑은 고딕" charset="0"/>
+              </a:rPr>
+              <a:t>그다음</a:t>
+            </a:r>
+            <a:r>
+              <a:rPr lang="ko-KR" sz="1800">
+                <a:latin typeface="맑은 고딕" charset="0"/>
+                <a:ea typeface="맑은 고딕" charset="0"/>
+              </a:rPr>
+              <a:t> Close 버튼의 앵커와 크기를 설정합니다.</a:t>
+            </a:r>
+            <a:endParaRPr lang="ko-KR" altLang="en-US" sz="1800">
+              <a:latin typeface="맑은 고딕" charset="0"/>
+              <a:ea typeface="맑은 고딕" charset="0"/>
+            </a:endParaRPr>
+          </a:p>
+        </p:txBody>
+      </p:sp>
       <p:pic>
         <p:nvPicPr>
-          <p:cNvPr id="57" name="그림 10"/>
+          <p:cNvPr id="56" name="그림 76" descr="C:/Users/Admin1/AppData/Roaming/PolarisOffice/ETemp/4076_20445776/fImage197343306827.png"/>
           <p:cNvPicPr>
             <a:picLocks noChangeAspect="1"/>
           </p:cNvPicPr>
           <p:nvPr/>
         </p:nvPicPr>
         <p:blipFill rotWithShape="1">
-          <a:blip r:embed="rId8" cstate="hqprint">
-            <a:extLst>
-              <a:ext uri="{28A0092B-C50C-407E-A947-70E740481C1C}">
-                <a14:useLocalDpi xmlns:a14="http://schemas.microsoft.com/office/drawing/2010/main"/>
-              </a:ext>
-            </a:extLst>
-          </a:blip>
-          <a:stretch>
-            <a:fillRect/>
-          </a:stretch>
-        </p:blipFill>
-        <p:spPr>
-          <a:xfrm rot="0">
-            <a:off x="6841490" y="1303655"/>
-            <a:ext cx="3975100" cy="3632835"/>
-          </a:xfrm>
-          <a:prstGeom prst="roundRect"/>
-          <a:solidFill>
-            <a:srgbClr val="EDEDED"/>
-          </a:solidFill>
-        </p:spPr>
-      </p:pic>
-      <p:pic>
-        <p:nvPicPr>
-          <p:cNvPr id="58" name="그림 53"/>
-          <p:cNvPicPr>
-            <a:picLocks noChangeAspect="1"/>
-          </p:cNvPicPr>
-          <p:nvPr/>
-        </p:nvPicPr>
-        <p:blipFill rotWithShape="1">
-          <a:blip r:embed="rId11" cstate="print">
+          <a:blip r:embed="rId3" cstate="print">
             <a:extLst>
               <a:ext uri="{28A0092B-C50C-407E-A947-70E740481C1C}">
                 <a14:useLocalDpi xmlns:a14="http://schemas.microsoft.com/office/drawing/2010/main" val="0"/>
@@ -11064,8 +13468,8 @@
         </p:blipFill>
         <p:spPr>
           <a:xfrm rot="0">
-            <a:off x="1377950" y="1295400"/>
-            <a:ext cx="2510790" cy="1389380"/>
+            <a:off x="1171575" y="1442720"/>
+            <a:ext cx="4201160" cy="1386840"/>
           </a:xfrm>
           <a:prstGeom prst="roundRect"/>
           <a:solidFill>
@@ -11073,84 +13477,16 @@
           </a:solidFill>
         </p:spPr>
       </p:pic>
-      <p:cxnSp>
-        <p:nvCxnSpPr>
-          <p:cNvPr id="55" name="도형 7"/>
-          <p:cNvCxnSpPr>
-            <a:stCxn id="53" idx="1"/>
-          </p:cNvCxnSpPr>
-          <p:nvPr/>
-        </p:nvCxnSpPr>
-        <p:spPr>
-          <a:xfrm rot="0" flipH="1">
-            <a:off x="3844925" y="1960245"/>
-            <a:ext cx="822325" cy="352425"/>
-          </a:xfrm>
-          <a:prstGeom prst="straightConnector1"/>
-          <a:ln w="6350" cap="flat" cmpd="sng">
-            <a:prstDash/>
-            <a:tailEnd type="triangle" w="med" len="med"/>
-          </a:ln>
-        </p:spPr>
-        <p:style>
-          <a:lnRef idx="1">
-            <a:schemeClr val="accent1"/>
-          </a:lnRef>
-          <a:fillRef idx="0">
-            <a:schemeClr val="accent1"/>
-          </a:fillRef>
-          <a:effectRef idx="0">
-            <a:schemeClr val="accent1"/>
-          </a:effectRef>
-          <a:fontRef idx="minor">
-            <a:schemeClr val="tx1"/>
-          </a:fontRef>
-        </p:style>
-      </p:cxnSp>
-      <p:cxnSp>
-        <p:nvCxnSpPr>
-          <p:cNvPr id="59" name="도형 56"/>
-          <p:cNvCxnSpPr>
-            <a:stCxn id="53" idx="1"/>
-          </p:cNvCxnSpPr>
-          <p:nvPr/>
-        </p:nvCxnSpPr>
-        <p:spPr>
-          <a:xfrm rot="0" flipH="1">
-            <a:off x="3559175" y="1960245"/>
-            <a:ext cx="1108075" cy="612140"/>
-          </a:xfrm>
-          <a:prstGeom prst="straightConnector1"/>
-          <a:ln w="6350" cap="flat" cmpd="sng">
-            <a:prstDash/>
-            <a:tailEnd type="triangle" w="med" len="med"/>
-          </a:ln>
-        </p:spPr>
-        <p:style>
-          <a:lnRef idx="1">
-            <a:schemeClr val="accent1"/>
-          </a:lnRef>
-          <a:fillRef idx="0">
-            <a:schemeClr val="accent1"/>
-          </a:fillRef>
-          <a:effectRef idx="0">
-            <a:schemeClr val="accent1"/>
-          </a:effectRef>
-          <a:fontRef idx="minor">
-            <a:schemeClr val="tx1"/>
-          </a:fontRef>
-        </p:style>
-      </p:cxnSp>
       <p:pic>
         <p:nvPicPr>
-          <p:cNvPr id="60" name="그림 57"/>
+          <p:cNvPr id="57" name="그림 80" descr="C:/Users/Admin1/AppData/Roaming/PolarisOffice/ETemp/4076_20445776/fImage106083319961.png"/>
           <p:cNvPicPr>
             <a:picLocks noChangeAspect="1"/>
           </p:cNvPicPr>
           <p:nvPr/>
         </p:nvPicPr>
         <p:blipFill rotWithShape="1">
-          <a:blip r:embed="rId12" cstate="print">
+          <a:blip r:embed="rId4" cstate="print">
             <a:extLst>
               <a:ext uri="{28A0092B-C50C-407E-A947-70E740481C1C}">
                 <a14:useLocalDpi xmlns:a14="http://schemas.microsoft.com/office/drawing/2010/main" val="0"/>
@@ -11163,8 +13499,8 @@
         </p:blipFill>
         <p:spPr>
           <a:xfrm rot="0">
-            <a:off x="1383665" y="3908425"/>
-            <a:ext cx="3977005" cy="1296670"/>
+            <a:off x="6819900" y="1442720"/>
+            <a:ext cx="4020185" cy="1386840"/>
           </a:xfrm>
           <a:prstGeom prst="roundRect"/>
           <a:solidFill>
@@ -11174,7 +13510,7 @@
       </p:pic>
       <p:sp>
         <p:nvSpPr>
-          <p:cNvPr id="61" name="텍스트 상자 60"/>
+          <p:cNvPr id="59" name="텍스트 상자 87"/>
           <p:cNvSpPr txBox="1">
             <a:spLocks/>
           </p:cNvSpPr>
@@ -11182,8 +13518,8 @@
         </p:nvSpPr>
         <p:spPr>
           <a:xfrm rot="0">
-            <a:off x="1381760" y="5376545"/>
-            <a:ext cx="3975100" cy="677545"/>
+            <a:off x="6830695" y="5236210"/>
+            <a:ext cx="4018915" cy="954405"/>
           </a:xfrm>
           <a:prstGeom prst="rect"/>
           <a:noFill/>
@@ -11210,7 +13546,17 @@
                 <a:latin typeface="맑은 고딕" charset="0"/>
                 <a:ea typeface="맑은 고딕" charset="0"/>
               </a:rPr>
-              <a:t>12.</a:t>
+              <a:t>16</a:t>
+            </a:r>
+            <a:r>
+              <a:rPr lang="ko-KR" sz="2000" b="1">
+                <a:solidFill>
+                  <a:srgbClr val="0611F2"/>
+                </a:solidFill>
+                <a:latin typeface="맑은 고딕" charset="0"/>
+                <a:ea typeface="맑은 고딕" charset="0"/>
+              </a:rPr>
+              <a:t>.</a:t>
             </a:r>
             <a:r>
               <a:rPr lang="ko-KR" sz="2000">
@@ -11227,21 +13573,21 @@
                 <a:latin typeface="맑은 고딕" charset="0"/>
                 <a:ea typeface="맑은 고딕" charset="0"/>
               </a:rPr>
-              <a:t>그다음</a:t>
+              <a:t>그리고</a:t>
             </a:r>
             <a:r>
               <a:rPr lang="ko-KR" sz="1800">
                 <a:latin typeface="맑은 고딕" charset="0"/>
                 <a:ea typeface="맑은 고딕" charset="0"/>
               </a:rPr>
-              <a:t> </a:t>
+              <a:t> Close</a:t>
             </a:r>
             <a:r>
               <a:rPr lang="ko-KR" sz="1800">
                 <a:latin typeface="맑은 고딕" charset="0"/>
                 <a:ea typeface="맑은 고딕" charset="0"/>
               </a:rPr>
-              <a:t>Open Button의 앵커와 크기를 설정합니다.</a:t>
+              <a:t> Button의 하위 오브젝트에 있는 Close Text의 설정을 변경합니다.</a:t>
             </a:r>
             <a:endParaRPr lang="ko-KR" altLang="en-US" sz="1800">
               <a:latin typeface="맑은 고딕" charset="0"/>
@@ -11250,6 +13596,37 @@
           </a:p>
         </p:txBody>
       </p:sp>
+      <p:pic>
+        <p:nvPicPr>
+          <p:cNvPr id="60" name="그림 90" descr="C:/Users/Admin1/AppData/Roaming/PolarisOffice/ETemp/4076_20445776/fImage11037349491.png"/>
+          <p:cNvPicPr>
+            <a:picLocks noChangeAspect="1"/>
+          </p:cNvPicPr>
+          <p:nvPr/>
+        </p:nvPicPr>
+        <p:blipFill rotWithShape="1">
+          <a:blip r:embed="rId5" cstate="print">
+            <a:extLst>
+              <a:ext uri="{28A0092B-C50C-407E-A947-70E740481C1C}">
+                <a14:useLocalDpi xmlns:a14="http://schemas.microsoft.com/office/drawing/2010/main" val="0"/>
+              </a:ext>
+            </a:extLst>
+          </a:blip>
+          <a:stretch>
+            <a:fillRect/>
+          </a:stretch>
+        </p:blipFill>
+        <p:spPr>
+          <a:xfrm rot="0">
+            <a:off x="6829425" y="3714750"/>
+            <a:ext cx="4010660" cy="1457960"/>
+          </a:xfrm>
+          <a:prstGeom prst="roundRect"/>
+          <a:solidFill>
+            <a:srgbClr val="EDEDED"/>
+          </a:solidFill>
+        </p:spPr>
+      </p:pic>
     </p:spTree>
   </p:cSld>
   <p:clrMapOvr>
@@ -11274,7 +13651,7 @@
 </file>
 
 <file path=ppt/slides/slide7.xml><?xml version="1.0" encoding="utf-8"?>
-<p:sld xmlns:a="http://schemas.openxmlformats.org/drawingml/2006/main" xmlns:r="http://schemas.openxmlformats.org/officeDocument/2006/relationships" xmlns:p="http://schemas.openxmlformats.org/presentationml/2006/main" xmlns:p14="http://schemas.microsoft.com/office/powerpoint/2010/main">
+<p:sld xmlns:a="http://schemas.openxmlformats.org/drawingml/2006/main" xmlns:r="http://schemas.openxmlformats.org/officeDocument/2006/relationships" xmlns:p="http://schemas.openxmlformats.org/presentationml/2006/main">
   <p:cSld>
     <p:spTree>
       <p:nvGrpSpPr>
@@ -11300,8 +13677,8 @@
         </p:nvSpPr>
         <p:spPr>
           <a:xfrm rot="0">
-            <a:off x="4349750" y="452755"/>
-            <a:ext cx="3498850" cy="554990"/>
+            <a:off x="4324350" y="448310"/>
+            <a:ext cx="3553460" cy="554990"/>
           </a:xfrm>
           <a:prstGeom prst="rect"/>
           <a:noFill/>
@@ -11341,178 +13718,16 @@
           </a:p>
         </p:txBody>
       </p:sp>
-      <p:sp>
-        <p:nvSpPr>
-          <p:cNvPr id="27" name="Rect 0"/>
-          <p:cNvSpPr txBox="1">
-            <a:spLocks/>
-          </p:cNvSpPr>
-          <p:nvPr/>
-        </p:nvSpPr>
-        <p:spPr>
-          <a:xfrm rot="0">
-            <a:off x="6806565" y="5231130"/>
-            <a:ext cx="4234815" cy="954405"/>
-          </a:xfrm>
-          <a:prstGeom prst="rect"/>
-          <a:noFill/>
-          <a:ln w="0">
-            <a:noFill/>
-            <a:prstDash/>
-          </a:ln>
-        </p:spPr>
-        <p:txBody>
-          <a:bodyPr wrap="square" lIns="89535" tIns="46355" rIns="89535" bIns="46355" numCol="1" vert="horz" anchor="t">
-            <a:spAutoFit/>
-          </a:bodyPr>
-          <a:lstStyle/>
-          <a:p>
-            <a:pPr marL="0" indent="0" algn="l" latinLnBrk="0" hangingPunct="1">
-              <a:buFontTx/>
-              <a:buNone/>
-            </a:pPr>
-            <a:r>
-              <a:rPr lang="ko-KR" sz="2000" b="1">
-                <a:solidFill>
-                  <a:srgbClr val="0611F2"/>
-                </a:solidFill>
-                <a:latin typeface="맑은 고딕" charset="0"/>
-                <a:ea typeface="맑은 고딕" charset="0"/>
-              </a:rPr>
-              <a:t>1</a:t>
-            </a:r>
-            <a:r>
-              <a:rPr lang="ko-KR" sz="2000" b="1">
-                <a:solidFill>
-                  <a:srgbClr val="0611F2"/>
-                </a:solidFill>
-                <a:latin typeface="맑은 고딕" charset="0"/>
-                <a:ea typeface="맑은 고딕" charset="0"/>
-              </a:rPr>
-              <a:t>6</a:t>
-            </a:r>
-            <a:r>
-              <a:rPr lang="ko-KR" sz="2000" b="1">
-                <a:solidFill>
-                  <a:srgbClr val="0611F2"/>
-                </a:solidFill>
-                <a:latin typeface="맑은 고딕" charset="0"/>
-                <a:ea typeface="맑은 고딕" charset="0"/>
-              </a:rPr>
-              <a:t>.</a:t>
-            </a:r>
-            <a:r>
-              <a:rPr lang="ko-KR" sz="2000">
-                <a:solidFill>
-                  <a:srgbClr val="0611F2"/>
-                </a:solidFill>
-                <a:latin typeface="맑은 고딕" charset="0"/>
-                <a:ea typeface="맑은 고딕" charset="0"/>
-              </a:rPr>
-              <a:t> </a:t>
-            </a:r>
-            <a:r>
-              <a:rPr lang="ko-KR" sz="1800">
-                <a:latin typeface="맑은 고딕" charset="0"/>
-                <a:ea typeface="맑은 고딕" charset="0"/>
-              </a:rPr>
-              <a:t>그다음으로 Transition을 선택하고 Has Exit Time의 설정을 해제</a:t>
-            </a:r>
-            <a:r>
-              <a:rPr lang="ko-KR" sz="1800">
-                <a:latin typeface="맑은 고딕" charset="0"/>
-                <a:ea typeface="맑은 고딕" charset="0"/>
-              </a:rPr>
-              <a:t>한 다음 Conditions을 추가합니다.</a:t>
-            </a:r>
-            <a:endParaRPr lang="ko-KR" altLang="en-US" sz="1800">
-              <a:latin typeface="맑은 고딕" charset="0"/>
-              <a:ea typeface="맑은 고딕" charset="0"/>
-            </a:endParaRPr>
-          </a:p>
-        </p:txBody>
-      </p:sp>
-      <p:sp>
-        <p:nvSpPr>
-          <p:cNvPr id="64" name="텍스트 상자 14"/>
-          <p:cNvSpPr txBox="1">
-            <a:spLocks/>
-          </p:cNvSpPr>
-          <p:nvPr/>
-        </p:nvSpPr>
-        <p:spPr>
-          <a:xfrm rot="0">
-            <a:off x="1336040" y="2310130"/>
-            <a:ext cx="4051300" cy="954405"/>
-          </a:xfrm>
-          <a:prstGeom prst="rect"/>
-          <a:noFill/>
-          <a:ln w="0">
-            <a:noFill/>
-            <a:prstDash/>
-          </a:ln>
-        </p:spPr>
-        <p:txBody>
-          <a:bodyPr wrap="square" lIns="89535" tIns="46355" rIns="89535" bIns="46355" numCol="1" vert="horz" anchor="t">
-            <a:spAutoFit/>
-          </a:bodyPr>
-          <a:lstStyle/>
-          <a:p>
-            <a:pPr marL="0" indent="0" algn="l" latinLnBrk="0" hangingPunct="1">
-              <a:buFontTx/>
-              <a:buNone/>
-            </a:pPr>
-            <a:r>
-              <a:rPr lang="ko-KR" sz="2000" b="1">
-                <a:solidFill>
-                  <a:srgbClr val="0611F2"/>
-                </a:solidFill>
-                <a:latin typeface="맑은 고딕" charset="0"/>
-                <a:ea typeface="맑은 고딕" charset="0"/>
-              </a:rPr>
-              <a:t>14.</a:t>
-            </a:r>
-            <a:r>
-              <a:rPr lang="ko-KR" sz="2000">
-                <a:solidFill>
-                  <a:srgbClr val="0611F2"/>
-                </a:solidFill>
-                <a:latin typeface="맑은 고딕" charset="0"/>
-                <a:ea typeface="맑은 고딕" charset="0"/>
-              </a:rPr>
-              <a:t> </a:t>
-            </a:r>
-            <a:r>
-              <a:rPr lang="ko-KR" sz="1800">
-                <a:latin typeface="맑은 고딕" charset="0"/>
-                <a:ea typeface="맑은 고딕" charset="0"/>
-              </a:rPr>
-              <a:t>그리고 Animator Controller의 Paremeters에 Trigger 옵션을 추가</a:t>
-            </a:r>
-            <a:r>
-              <a:rPr lang="ko-KR" sz="1800">
-                <a:latin typeface="맑은 고딕" charset="0"/>
-                <a:ea typeface="맑은 고딕" charset="0"/>
-              </a:rPr>
-              <a:t>하고 이름을 Close로 정의합니다.</a:t>
-            </a:r>
-            <a:endParaRPr lang="ko-KR" altLang="en-US" sz="1800">
-              <a:latin typeface="맑은 고딕" charset="0"/>
-              <a:ea typeface="맑은 고딕" charset="0"/>
-            </a:endParaRPr>
-          </a:p>
-        </p:txBody>
-      </p:sp>
       <p:pic>
         <p:nvPicPr>
-          <p:cNvPr id="68" name="그림 61"/>
+          <p:cNvPr id="58" name="Picture " descr="C:/Users/Admin1/AppData/Roaming/PolarisOffice/ETemp/4076_20445776/fImage109923422995.png"/>
           <p:cNvPicPr>
             <a:picLocks noChangeAspect="1"/>
           </p:cNvPicPr>
           <p:nvPr/>
         </p:nvPicPr>
         <p:blipFill rotWithShape="1">
-          <a:blip r:embed="rId15" cstate="print">
+          <a:blip r:embed="rId2" cstate="print">
             <a:extLst>
               <a:ext uri="{28A0092B-C50C-407E-A947-70E740481C1C}">
                 <a14:useLocalDpi xmlns:a14="http://schemas.microsoft.com/office/drawing/2010/main" val="0"/>
@@ -11525,8 +13740,8 @@
         </p:blipFill>
         <p:spPr>
           <a:xfrm rot="0">
-            <a:off x="1329055" y="1409065"/>
-            <a:ext cx="4057650" cy="834390"/>
+            <a:off x="1421765" y="1447800"/>
+            <a:ext cx="3950970" cy="1734185"/>
           </a:xfrm>
           <a:prstGeom prst="roundRect"/>
           <a:solidFill>
@@ -11534,16 +13749,90 @@
           </a:solidFill>
         </p:spPr>
       </p:pic>
+      <p:sp>
+        <p:nvSpPr>
+          <p:cNvPr id="60" name="텍스트 상자 88"/>
+          <p:cNvSpPr txBox="1">
+            <a:spLocks/>
+          </p:cNvSpPr>
+          <p:nvPr/>
+        </p:nvSpPr>
+        <p:spPr>
+          <a:xfrm rot="0">
+            <a:off x="1428750" y="5249545"/>
+            <a:ext cx="3943350" cy="954405"/>
+          </a:xfrm>
+          <a:prstGeom prst="rect"/>
+          <a:noFill/>
+          <a:ln w="0">
+            <a:noFill/>
+            <a:prstDash/>
+          </a:ln>
+        </p:spPr>
+        <p:txBody>
+          <a:bodyPr wrap="square" lIns="89535" tIns="46355" rIns="89535" bIns="46355" numCol="1" vert="horz" anchor="t">
+            <a:spAutoFit/>
+          </a:bodyPr>
+          <a:lstStyle/>
+          <a:p>
+            <a:pPr marL="0" indent="0" algn="l" latinLnBrk="0" hangingPunct="1">
+              <a:buFontTx/>
+              <a:buNone/>
+            </a:pPr>
+            <a:r>
+              <a:rPr lang="ko-KR" sz="2000" b="1">
+                <a:solidFill>
+                  <a:srgbClr val="0611F2"/>
+                </a:solidFill>
+                <a:latin typeface="맑은 고딕" charset="0"/>
+                <a:ea typeface="맑은 고딕" charset="0"/>
+              </a:rPr>
+              <a:t>17</a:t>
+            </a:r>
+            <a:r>
+              <a:rPr lang="ko-KR" sz="2000" b="1">
+                <a:solidFill>
+                  <a:srgbClr val="0611F2"/>
+                </a:solidFill>
+                <a:latin typeface="맑은 고딕" charset="0"/>
+                <a:ea typeface="맑은 고딕" charset="0"/>
+              </a:rPr>
+              <a:t>.</a:t>
+            </a:r>
+            <a:r>
+              <a:rPr lang="ko-KR" sz="2000">
+                <a:solidFill>
+                  <a:srgbClr val="0611F2"/>
+                </a:solidFill>
+                <a:latin typeface="맑은 고딕" charset="0"/>
+                <a:ea typeface="맑은 고딕" charset="0"/>
+              </a:rPr>
+              <a:t> </a:t>
+            </a:r>
+            <a:r>
+              <a:rPr lang="ko-KR" sz="1800">
+                <a:latin typeface="맑은 고딕" charset="0"/>
+                <a:ea typeface="맑은 고딕" charset="0"/>
+              </a:rPr>
+              <a:t>이제 Window 오브젝트를 선택하고 Close Animation에서 Add Property를 추가합니다.</a:t>
+            </a:r>
+            <a:endParaRPr lang="ko-KR" altLang="en-US" sz="1800">
+              <a:latin typeface="맑은 고딕" charset="0"/>
+              <a:ea typeface="맑은 고딕" charset="0"/>
+            </a:endParaRPr>
+          </a:p>
+        </p:txBody>
+      </p:sp>
       <p:pic>
         <p:nvPicPr>
-          <p:cNvPr id="69" name="그림 64"/>
+          <p:cNvPr id="61" name="그림 89" descr="C:/Users/Admin1/AppData/Roaming/PolarisOffice/ETemp/4076_20445776/fImage62053481942.png"/>
           <p:cNvPicPr>
             <a:picLocks noChangeAspect="1"/>
           </p:cNvPicPr>
           <p:nvPr/>
         </p:nvPicPr>
         <p:blipFill rotWithShape="1">
-          <a:blip r:embed="rId16" cstate="print">
+          <a:blip r:embed="rId3" cstate="print">
             <a:extLst>
               <a:ext uri="{28A0092B-C50C-407E-A947-70E740481C1C}">
                 <a14:useLocalDpi xmlns:a14="http://schemas.microsoft.com/office/drawing/2010/main" val="0"/>
@@ -11556,8 +13845,8 @@
         </p:blipFill>
         <p:spPr>
           <a:xfrm rot="0">
-            <a:off x="3542030" y="3541395"/>
-            <a:ext cx="1844675" cy="1403350"/>
+            <a:off x="1421130" y="3381375"/>
+            <a:ext cx="3951605" cy="1743710"/>
           </a:xfrm>
           <a:prstGeom prst="roundRect"/>
           <a:solidFill>
@@ -11565,132 +13854,97 @@
           </a:solidFill>
         </p:spPr>
       </p:pic>
+      <p:sp>
+        <p:nvSpPr>
+          <p:cNvPr id="62" name="텍스트 상자 95"/>
+          <p:cNvSpPr txBox="1">
+            <a:spLocks/>
+          </p:cNvSpPr>
+          <p:nvPr/>
+        </p:nvSpPr>
+        <p:spPr>
+          <a:xfrm rot="0">
+            <a:off x="6840855" y="5248910"/>
+            <a:ext cx="3907790" cy="954405"/>
+          </a:xfrm>
+          <a:prstGeom prst="rect"/>
+          <a:noFill/>
+          <a:ln w="0">
+            <a:noFill/>
+            <a:prstDash/>
+          </a:ln>
+        </p:spPr>
+        <p:txBody>
+          <a:bodyPr wrap="square" lIns="89535" tIns="46355" rIns="89535" bIns="46355" numCol="1" vert="horz" anchor="t">
+            <a:spAutoFit/>
+          </a:bodyPr>
+          <a:lstStyle/>
+          <a:p>
+            <a:pPr marL="0" indent="0" algn="l" latinLnBrk="0" hangingPunct="1">
+              <a:buFontTx/>
+              <a:buNone/>
+            </a:pPr>
+            <a:r>
+              <a:rPr lang="ko-KR" sz="2000" b="1">
+                <a:solidFill>
+                  <a:srgbClr val="0611F2"/>
+                </a:solidFill>
+                <a:latin typeface="맑은 고딕" charset="0"/>
+                <a:ea typeface="맑은 고딕" charset="0"/>
+              </a:rPr>
+              <a:t>18</a:t>
+            </a:r>
+            <a:r>
+              <a:rPr lang="ko-KR" sz="2000" b="1">
+                <a:solidFill>
+                  <a:srgbClr val="0611F2"/>
+                </a:solidFill>
+                <a:latin typeface="맑은 고딕" charset="0"/>
+                <a:ea typeface="맑은 고딕" charset="0"/>
+              </a:rPr>
+              <a:t>.</a:t>
+            </a:r>
+            <a:r>
+              <a:rPr lang="ko-KR" sz="2000">
+                <a:solidFill>
+                  <a:srgbClr val="0611F2"/>
+                </a:solidFill>
+                <a:latin typeface="맑은 고딕" charset="0"/>
+                <a:ea typeface="맑은 고딕" charset="0"/>
+              </a:rPr>
+              <a:t> </a:t>
+            </a:r>
+            <a:r>
+              <a:rPr lang="ko-KR" sz="1800">
+                <a:latin typeface="맑은 고딕" charset="0"/>
+                <a:ea typeface="맑은 고딕" charset="0"/>
+              </a:rPr>
+              <a:t>그다음</a:t>
+            </a:r>
+            <a:r>
+              <a:rPr lang="ko-KR" sz="1800">
+                <a:latin typeface="맑은 고딕" charset="0"/>
+                <a:ea typeface="맑은 고딕" charset="0"/>
+              </a:rPr>
+              <a:t>으로 Add Property에서 Rect Transform에 Scale을 선택합니다.</a:t>
+            </a:r>
+            <a:endParaRPr lang="ko-KR" altLang="en-US" sz="1800">
+              <a:latin typeface="맑은 고딕" charset="0"/>
+              <a:ea typeface="맑은 고딕" charset="0"/>
+            </a:endParaRPr>
+          </a:p>
+        </p:txBody>
+      </p:sp>
       <p:pic>
         <p:nvPicPr>
-          <p:cNvPr id="70" name="그림 68"/>
+          <p:cNvPr id="63" name="그림 96" descr="C:/Users/Admin1/AppData/Roaming/PolarisOffice/ETemp/4076_20445776/fImage84683534827.png"/>
           <p:cNvPicPr>
             <a:picLocks noChangeAspect="1"/>
           </p:cNvPicPr>
           <p:nvPr/>
         </p:nvPicPr>
         <p:blipFill rotWithShape="1">
-          <a:blip r:embed="rId17" cstate="hqprint">
-            <a:extLst>
-              <a:ext uri="{28A0092B-C50C-407E-A947-70E740481C1C}">
-                <a14:useLocalDpi xmlns:a14="http://schemas.microsoft.com/office/drawing/2010/main"/>
-              </a:ext>
-            </a:extLst>
-          </a:blip>
-          <a:stretch>
-            <a:fillRect/>
-          </a:stretch>
-        </p:blipFill>
-        <p:spPr>
-          <a:xfrm rot="0">
-            <a:off x="1336040" y="3429635"/>
-            <a:ext cx="1859915" cy="1654175"/>
-          </a:xfrm>
-          <a:prstGeom prst="roundRect"/>
-          <a:solidFill>
-            <a:srgbClr val="EDEDED"/>
-          </a:solidFill>
-        </p:spPr>
-      </p:pic>
-      <p:sp>
-        <p:nvSpPr>
-          <p:cNvPr id="71" name="텍스트 상자 69"/>
-          <p:cNvSpPr txBox="1">
-            <a:spLocks/>
-          </p:cNvSpPr>
-          <p:nvPr/>
-        </p:nvSpPr>
-        <p:spPr>
-          <a:xfrm rot="0">
-            <a:off x="1336675" y="5233670"/>
-            <a:ext cx="4058920" cy="954405"/>
-          </a:xfrm>
-          <a:prstGeom prst="rect"/>
-          <a:noFill/>
-          <a:ln w="0">
-            <a:noFill/>
-            <a:prstDash/>
-          </a:ln>
-        </p:spPr>
-        <p:txBody>
-          <a:bodyPr wrap="square" lIns="89535" tIns="46355" rIns="89535" bIns="46355" numCol="1" vert="horz" anchor="t">
-            <a:spAutoFit/>
-          </a:bodyPr>
-          <a:lstStyle/>
-          <a:p>
-            <a:pPr marL="0" indent="0" algn="l" latinLnBrk="0" hangingPunct="1">
-              <a:buFontTx/>
-              <a:buNone/>
-            </a:pPr>
-            <a:r>
-              <a:rPr lang="ko-KR" sz="2000" b="1">
-                <a:solidFill>
-                  <a:srgbClr val="0611F2"/>
-                </a:solidFill>
-                <a:latin typeface="맑은 고딕" charset="0"/>
-                <a:ea typeface="맑은 고딕" charset="0"/>
-              </a:rPr>
-              <a:t>15.</a:t>
-            </a:r>
-            <a:r>
-              <a:rPr lang="ko-KR" sz="2000">
-                <a:solidFill>
-                  <a:srgbClr val="0611F2"/>
-                </a:solidFill>
-                <a:latin typeface="맑은 고딕" charset="0"/>
-                <a:ea typeface="맑은 고딕" charset="0"/>
-              </a:rPr>
-              <a:t> </a:t>
-            </a:r>
-            <a:r>
-              <a:rPr lang="ko-KR" sz="1800">
-                <a:latin typeface="맑은 고딕" charset="0"/>
-                <a:ea typeface="맑은 고딕" charset="0"/>
-              </a:rPr>
-              <a:t>그런 다음</a:t>
-            </a:r>
-            <a:r>
-              <a:rPr lang="ko-KR" sz="1800">
-                <a:latin typeface="맑은 고딕" charset="0"/>
-                <a:ea typeface="맑은 고딕" charset="0"/>
-              </a:rPr>
-              <a:t> </a:t>
-            </a:r>
-            <a:r>
-              <a:rPr lang="ko-KR" sz="1800">
-                <a:latin typeface="맑은 고딕" charset="0"/>
-                <a:ea typeface="맑은 고딕" charset="0"/>
-              </a:rPr>
-              <a:t>빈 게임 오브젝트를 생성하고 File Manager로 이름을 정의합니다.</a:t>
-            </a:r>
-            <a:r>
-              <a:rPr lang="ko-KR" sz="1800">
-                <a:latin typeface="맑은 고딕" charset="0"/>
-                <a:ea typeface="맑은 고딕" charset="0"/>
-              </a:rPr>
-              <a:t> </a:t>
-            </a:r>
-            <a:endParaRPr lang="ko-KR" altLang="en-US" sz="1800">
-              <a:latin typeface="맑은 고딕" charset="0"/>
-              <a:ea typeface="맑은 고딕" charset="0"/>
-            </a:endParaRPr>
-          </a:p>
-        </p:txBody>
-      </p:sp>
-      <p:pic>
-        <p:nvPicPr>
-          <p:cNvPr id="72" name="그림 70"/>
-          <p:cNvPicPr>
-            <a:picLocks noChangeAspect="1"/>
-          </p:cNvPicPr>
-          <p:nvPr/>
-        </p:nvPicPr>
-        <p:blipFill rotWithShape="1">
-          <a:blip r:embed="rId18" cstate="print">
+          <a:blip r:embed="rId4" cstate="print">
             <a:extLst>
               <a:ext uri="{28A0092B-C50C-407E-A947-70E740481C1C}">
                 <a14:useLocalDpi xmlns:a14="http://schemas.microsoft.com/office/drawing/2010/main" val="0"/>
@@ -11703,11 +13957,13 @@
         </p:blipFill>
         <p:spPr>
           <a:xfrm rot="0">
-            <a:off x="6806565" y="1402715"/>
-            <a:ext cx="4234815" cy="3672205"/>
-          </a:xfrm>
-          <a:prstGeom prst="rect"/>
-          <a:noFill/>
+            <a:off x="6829425" y="1447800"/>
+            <a:ext cx="3922395" cy="3686810"/>
+          </a:xfrm>
+          <a:prstGeom prst="roundRect"/>
+          <a:solidFill>
+            <a:srgbClr val="EDEDED"/>
+          </a:solidFill>
         </p:spPr>
       </p:pic>
     </p:spTree>
@@ -11734,7 +13990,7 @@
 </file>
 
 <file path=ppt/slides/slide8.xml><?xml version="1.0" encoding="utf-8"?>
-<p:sld xmlns:a="http://schemas.openxmlformats.org/drawingml/2006/main" xmlns:r="http://schemas.openxmlformats.org/officeDocument/2006/relationships" xmlns:p="http://schemas.openxmlformats.org/presentationml/2006/main" xmlns:p14="http://schemas.microsoft.com/office/powerpoint/2010/main">
+<p:sld xmlns:a="http://schemas.openxmlformats.org/drawingml/2006/main" xmlns:r="http://schemas.openxmlformats.org/officeDocument/2006/relationships" xmlns:p="http://schemas.openxmlformats.org/presentationml/2006/main">
   <p:cSld>
     <p:spTree>
       <p:nvGrpSpPr>
@@ -11803,7 +14059,7 @@
       </p:sp>
       <p:sp>
         <p:nvSpPr>
-          <p:cNvPr id="27" name="Rect 0"/>
+          <p:cNvPr id="34" name="Rect 0"/>
           <p:cNvSpPr txBox="1">
             <a:spLocks/>
           </p:cNvSpPr>
@@ -11811,8 +14067,8 @@
         </p:nvSpPr>
         <p:spPr>
           <a:xfrm rot="0">
-            <a:off x="1312545" y="3846830"/>
-            <a:ext cx="4030980" cy="2338705"/>
+            <a:off x="1306195" y="2961005"/>
+            <a:ext cx="4066540" cy="677545"/>
           </a:xfrm>
           <a:prstGeom prst="rect"/>
           <a:noFill/>
@@ -11839,7 +14095,7 @@
                 <a:latin typeface="맑은 고딕" charset="0"/>
                 <a:ea typeface="맑은 고딕" charset="0"/>
               </a:rPr>
-              <a:t>1</a:t>
+              <a:t>19</a:t>
             </a:r>
             <a:r>
               <a:rPr lang="ko-KR" sz="2000" b="1">
@@ -11849,16 +14105,6 @@
                 <a:latin typeface="맑은 고딕" charset="0"/>
                 <a:ea typeface="맑은 고딕" charset="0"/>
               </a:rPr>
-              <a:t>7</a:t>
-            </a:r>
-            <a:r>
-              <a:rPr lang="ko-KR" sz="2000" b="1">
-                <a:solidFill>
-                  <a:srgbClr val="0611F2"/>
-                </a:solidFill>
-                <a:latin typeface="맑은 고딕" charset="0"/>
-                <a:ea typeface="맑은 고딕" charset="0"/>
-              </a:rPr>
               <a:t>.</a:t>
             </a:r>
             <a:r>
@@ -11876,52 +14122,350 @@
                 <a:latin typeface="맑은 고딕" charset="0"/>
                 <a:ea typeface="맑은 고딕" charset="0"/>
               </a:rPr>
-              <a:t>그리고 PopUp 스크립트에서 애니메이터 변수와 UI를 가져오기 위한 게임 오브젝트 변수를 선언합니다.</a:t>
+              <a:t>그런 다음 Close Animation의 Key Frame을 확인합니다.</a:t>
             </a:r>
             <a:endParaRPr lang="ko-KR" altLang="en-US" sz="1800">
               <a:latin typeface="맑은 고딕" charset="0"/>
               <a:ea typeface="맑은 고딕" charset="0"/>
             </a:endParaRPr>
           </a:p>
-          <a:p>
-            <a:pPr marL="0" indent="0" algn="l" latinLnBrk="0" hangingPunct="1">
-              <a:buFontTx/>
-              <a:buNone/>
-            </a:pPr>
-            <a:endParaRPr lang="ko-KR" altLang="en-US" sz="1800">
-              <a:latin typeface="맑은 고딕" charset="0"/>
-              <a:ea typeface="맑은 고딕" charset="0"/>
-            </a:endParaRPr>
-          </a:p>
-          <a:p>
-            <a:pPr marL="0" indent="0" algn="l" latinLnBrk="0" hangingPunct="1">
-              <a:buFontTx/>
-              <a:buNone/>
-            </a:pPr>
-            <a:r>
-              <a:rPr lang="ko-KR" sz="1800">
-                <a:latin typeface="맑은 고딕" charset="0"/>
-                <a:ea typeface="맑은 고딕" charset="0"/>
-              </a:rPr>
-              <a:t>그다음 애니메이터 변수에 게임 오브젝트가 가지고 있는 애니메이터 컴포넌트를 가져옵니다.</a:t>
-            </a:r>
-            <a:endParaRPr lang="ko-KR" altLang="en-US" sz="1800">
-              <a:latin typeface="맑은 고딕" charset="0"/>
-              <a:ea typeface="맑은 고딕" charset="0"/>
-            </a:endParaRPr>
-          </a:p>
         </p:txBody>
       </p:sp>
       <p:pic>
         <p:nvPicPr>
-          <p:cNvPr id="71" name="그림 29"/>
+          <p:cNvPr id="35" name="Picture " descr="C:/Users/Admin1/AppData/Roaming/PolarisOffice/ETemp/4076_20445776/fImage199683645436.png"/>
           <p:cNvPicPr>
             <a:picLocks noChangeAspect="1"/>
           </p:cNvPicPr>
           <p:nvPr/>
         </p:nvPicPr>
         <p:blipFill rotWithShape="1">
-          <a:blip r:embed="rId8" cstate="hqprint">
+          <a:blip r:embed="rId2" cstate="print">
+            <a:extLst>
+              <a:ext uri="{28A0092B-C50C-407E-A947-70E740481C1C}">
+                <a14:useLocalDpi xmlns:a14="http://schemas.microsoft.com/office/drawing/2010/main" val="0"/>
+              </a:ext>
+            </a:extLst>
+          </a:blip>
+          <a:stretch>
+            <a:fillRect/>
+          </a:stretch>
+        </p:blipFill>
+        <p:spPr>
+          <a:xfrm rot="0">
+            <a:off x="1304925" y="1385570"/>
+            <a:ext cx="4077335" cy="1510665"/>
+          </a:xfrm>
+          <a:prstGeom prst="roundRect"/>
+          <a:solidFill>
+            <a:srgbClr val="EDEDED"/>
+          </a:solidFill>
+        </p:spPr>
+      </p:pic>
+      <p:pic>
+        <p:nvPicPr>
+          <p:cNvPr id="36" name="Picture " descr="C:/Users/Admin1/AppData/Roaming/PolarisOffice/ETemp/4076_20445776/fImage187123652391.png"/>
+          <p:cNvPicPr>
+            <a:picLocks noChangeAspect="1"/>
+          </p:cNvPicPr>
+          <p:nvPr/>
+        </p:nvPicPr>
+        <p:blipFill rotWithShape="1">
+          <a:blip r:embed="rId3" cstate="print">
+            <a:extLst>
+              <a:ext uri="{28A0092B-C50C-407E-A947-70E740481C1C}">
+                <a14:useLocalDpi xmlns:a14="http://schemas.microsoft.com/office/drawing/2010/main" val="0"/>
+              </a:ext>
+            </a:extLst>
+          </a:blip>
+          <a:stretch>
+            <a:fillRect/>
+          </a:stretch>
+        </p:blipFill>
+        <p:spPr>
+          <a:xfrm rot="0">
+            <a:off x="1318895" y="3785870"/>
+            <a:ext cx="4053840" cy="1491615"/>
+          </a:xfrm>
+          <a:prstGeom prst="roundRect"/>
+          <a:solidFill>
+            <a:srgbClr val="EDEDED"/>
+          </a:solidFill>
+        </p:spPr>
+      </p:pic>
+      <p:sp>
+        <p:nvSpPr>
+          <p:cNvPr id="37" name="Rect 0"/>
+          <p:cNvSpPr txBox="1">
+            <a:spLocks/>
+          </p:cNvSpPr>
+          <p:nvPr/>
+        </p:nvSpPr>
+        <p:spPr>
+          <a:xfrm rot="0">
+            <a:off x="1301750" y="5366385"/>
+            <a:ext cx="4066540" cy="677545"/>
+          </a:xfrm>
+          <a:prstGeom prst="rect"/>
+          <a:noFill/>
+          <a:ln w="0">
+            <a:noFill/>
+            <a:prstDash/>
+          </a:ln>
+        </p:spPr>
+        <p:txBody>
+          <a:bodyPr wrap="square" lIns="89535" tIns="46355" rIns="89535" bIns="46355" numCol="1" vert="horz" anchor="t">
+            <a:spAutoFit/>
+          </a:bodyPr>
+          <a:lstStyle/>
+          <a:p>
+            <a:pPr marL="0" indent="0" algn="l" latinLnBrk="0" hangingPunct="1">
+              <a:buFontTx/>
+              <a:buNone/>
+            </a:pPr>
+            <a:r>
+              <a:rPr lang="ko-KR" sz="2000" b="1">
+                <a:solidFill>
+                  <a:srgbClr val="0611F2"/>
+                </a:solidFill>
+                <a:latin typeface="맑은 고딕" charset="0"/>
+                <a:ea typeface="맑은 고딕" charset="0"/>
+              </a:rPr>
+              <a:t>20</a:t>
+            </a:r>
+            <a:r>
+              <a:rPr lang="ko-KR" sz="2000" b="1">
+                <a:solidFill>
+                  <a:srgbClr val="0611F2"/>
+                </a:solidFill>
+                <a:latin typeface="맑은 고딕" charset="0"/>
+                <a:ea typeface="맑은 고딕" charset="0"/>
+              </a:rPr>
+              <a:t>.</a:t>
+            </a:r>
+            <a:r>
+              <a:rPr lang="ko-KR" sz="2000">
+                <a:solidFill>
+                  <a:srgbClr val="0611F2"/>
+                </a:solidFill>
+                <a:latin typeface="맑은 고딕" charset="0"/>
+                <a:ea typeface="맑은 고딕" charset="0"/>
+              </a:rPr>
+              <a:t> </a:t>
+            </a:r>
+            <a:r>
+              <a:rPr lang="ko-KR" sz="1800">
+                <a:latin typeface="맑은 고딕" charset="0"/>
+                <a:ea typeface="맑은 고딕" charset="0"/>
+              </a:rPr>
+              <a:t>그</a:t>
+            </a:r>
+            <a:r>
+              <a:rPr lang="ko-KR" sz="1800">
+                <a:latin typeface="맑은 고딕" charset="0"/>
+                <a:ea typeface="맑은 고딕" charset="0"/>
+              </a:rPr>
+              <a:t>리고 Key Frame을 1 : 00에서 0 : 30으로 이동시킵니다.</a:t>
+            </a:r>
+            <a:endParaRPr lang="ko-KR" altLang="en-US" sz="1800">
+              <a:latin typeface="맑은 고딕" charset="0"/>
+              <a:ea typeface="맑은 고딕" charset="0"/>
+            </a:endParaRPr>
+          </a:p>
+        </p:txBody>
+      </p:sp>
+      <p:sp>
+        <p:nvSpPr>
+          <p:cNvPr id="39" name="텍스트 상자 112"/>
+          <p:cNvSpPr txBox="1">
+            <a:spLocks/>
+          </p:cNvSpPr>
+          <p:nvPr/>
+        </p:nvSpPr>
+        <p:spPr>
+          <a:xfrm rot="0">
+            <a:off x="6819900" y="3000375"/>
+            <a:ext cx="4096385" cy="861695"/>
+          </a:xfrm>
+          <a:prstGeom prst="rect"/>
+          <a:noFill/>
+        </p:spPr>
+        <p:txBody>
+          <a:bodyPr wrap="square" lIns="0" tIns="0" rIns="0" bIns="0" vert="horz" anchor="t">
+            <a:noAutofit/>
+          </a:bodyPr>
+          <a:lstStyle/>
+          <a:p>
+            <a:pPr marL="0" indent="0" algn="l" latinLnBrk="0" hangingPunct="1">
+              <a:buFontTx/>
+              <a:buNone/>
+            </a:pPr>
+            <a:r>
+              <a:rPr lang="ko-KR" sz="2000" b="1">
+                <a:solidFill>
+                  <a:srgbClr val="0611F2"/>
+                </a:solidFill>
+                <a:latin typeface="맑은 고딕" charset="0"/>
+                <a:ea typeface="맑은 고딕" charset="0"/>
+              </a:rPr>
+              <a:t>21</a:t>
+            </a:r>
+            <a:r>
+              <a:rPr lang="ko-KR" sz="2000" b="1">
+                <a:solidFill>
+                  <a:srgbClr val="0611F2"/>
+                </a:solidFill>
+                <a:latin typeface="맑은 고딕" charset="0"/>
+                <a:ea typeface="맑은 고딕" charset="0"/>
+              </a:rPr>
+              <a:t>.</a:t>
+            </a:r>
+            <a:r>
+              <a:rPr lang="ko-KR" sz="2000">
+                <a:solidFill>
+                  <a:srgbClr val="0611F2"/>
+                </a:solidFill>
+                <a:latin typeface="맑은 고딕" charset="0"/>
+                <a:ea typeface="맑은 고딕" charset="0"/>
+              </a:rPr>
+              <a:t> </a:t>
+            </a:r>
+            <a:r>
+              <a:rPr lang="ko-KR" sz="1800">
+                <a:latin typeface="맑은 고딕" charset="0"/>
+                <a:ea typeface="맑은 고딕" charset="0"/>
+              </a:rPr>
+              <a:t>마지막 Close 애니메이션 키 프레임 0 : 30 위치에 Scale x, y, z 값을 0으로 설정합니다.</a:t>
+            </a:r>
+            <a:endParaRPr lang="ko-KR" altLang="en-US" sz="1800">
+              <a:latin typeface="맑은 고딕" charset="0"/>
+              <a:ea typeface="맑은 고딕" charset="0"/>
+            </a:endParaRPr>
+          </a:p>
+        </p:txBody>
+      </p:sp>
+      <p:pic>
+        <p:nvPicPr>
+          <p:cNvPr id="40" name="그림 113" descr="C:/Users/Admin1/AppData/Roaming/PolarisOffice/ETemp/4076_20445776/fImage208313734604.png"/>
+          <p:cNvPicPr>
+            <a:picLocks noChangeAspect="1"/>
+          </p:cNvPicPr>
+          <p:nvPr/>
+        </p:nvPicPr>
+        <p:blipFill rotWithShape="1">
+          <a:blip r:embed="rId4" cstate="print">
+            <a:extLst>
+              <a:ext uri="{28A0092B-C50C-407E-A947-70E740481C1C}">
+                <a14:useLocalDpi xmlns:a14="http://schemas.microsoft.com/office/drawing/2010/main" val="0"/>
+              </a:ext>
+            </a:extLst>
+          </a:blip>
+          <a:stretch>
+            <a:fillRect/>
+          </a:stretch>
+        </p:blipFill>
+        <p:spPr>
+          <a:xfrm rot="0">
+            <a:off x="6819900" y="1371600"/>
+            <a:ext cx="4096385" cy="1534160"/>
+          </a:xfrm>
+          <a:prstGeom prst="roundRect"/>
+          <a:solidFill>
+            <a:srgbClr val="EDEDED"/>
+          </a:solidFill>
+        </p:spPr>
+      </p:pic>
+      <p:sp>
+        <p:nvSpPr>
+          <p:cNvPr id="41" name="텍스트 상자 118"/>
+          <p:cNvSpPr txBox="1">
+            <a:spLocks/>
+          </p:cNvSpPr>
+          <p:nvPr/>
+        </p:nvSpPr>
+        <p:spPr>
+          <a:xfrm rot="0">
+            <a:off x="6831965" y="5081905"/>
+            <a:ext cx="4093845" cy="954405"/>
+          </a:xfrm>
+          <a:prstGeom prst="rect"/>
+          <a:noFill/>
+          <a:ln w="0">
+            <a:noFill/>
+            <a:prstDash/>
+          </a:ln>
+        </p:spPr>
+        <p:txBody>
+          <a:bodyPr wrap="square" lIns="89535" tIns="46355" rIns="89535" bIns="46355" numCol="1" vert="horz" anchor="t">
+            <a:spAutoFit/>
+          </a:bodyPr>
+          <a:lstStyle/>
+          <a:p>
+            <a:pPr marL="0" indent="0" algn="l" latinLnBrk="0" hangingPunct="1">
+              <a:buFontTx/>
+              <a:buNone/>
+            </a:pPr>
+            <a:r>
+              <a:rPr lang="ko-KR" sz="2000" b="1">
+                <a:solidFill>
+                  <a:srgbClr val="0611F2"/>
+                </a:solidFill>
+                <a:latin typeface="맑은 고딕" charset="0"/>
+                <a:ea typeface="맑은 고딕" charset="0"/>
+              </a:rPr>
+              <a:t>22</a:t>
+            </a:r>
+            <a:r>
+              <a:rPr lang="ko-KR" sz="2000" b="1">
+                <a:solidFill>
+                  <a:srgbClr val="0611F2"/>
+                </a:solidFill>
+                <a:latin typeface="맑은 고딕" charset="0"/>
+                <a:ea typeface="맑은 고딕" charset="0"/>
+              </a:rPr>
+              <a:t>.</a:t>
+            </a:r>
+            <a:r>
+              <a:rPr lang="ko-KR" sz="2000">
+                <a:solidFill>
+                  <a:srgbClr val="0611F2"/>
+                </a:solidFill>
+                <a:latin typeface="맑은 고딕" charset="0"/>
+                <a:ea typeface="맑은 고딕" charset="0"/>
+              </a:rPr>
+              <a:t> </a:t>
+            </a:r>
+            <a:r>
+              <a:rPr lang="ko-KR" sz="1800">
+                <a:latin typeface="맑은 고딕" charset="0"/>
+                <a:ea typeface="맑은 고딕" charset="0"/>
+              </a:rPr>
+              <a:t>이제</a:t>
+            </a:r>
+            <a:r>
+              <a:rPr lang="ko-KR" sz="1800">
+                <a:latin typeface="맑은 고딕" charset="0"/>
+                <a:ea typeface="맑은 고딕" charset="0"/>
+              </a:rPr>
+              <a:t> Animator Controller의 Paremeters에 Trigger 옵션을 추가하고 이름을 Close로 정의합니다.</a:t>
+            </a:r>
+            <a:endParaRPr lang="ko-KR" altLang="en-US" sz="1800">
+              <a:latin typeface="맑은 고딕" charset="0"/>
+              <a:ea typeface="맑은 고딕" charset="0"/>
+            </a:endParaRPr>
+          </a:p>
+        </p:txBody>
+      </p:sp>
+      <p:pic>
+        <p:nvPicPr>
+          <p:cNvPr id="42" name="그림 119" descr="C:/Users/Admin1/AppData/Roaming/PolarisOffice/ETemp/4076_20445776/fImage56242544464.png"/>
+          <p:cNvPicPr>
+            <a:picLocks noChangeAspect="1"/>
+          </p:cNvPicPr>
+          <p:nvPr/>
+        </p:nvPicPr>
+        <p:blipFill rotWithShape="1">
+          <a:blip r:embed="rId5" cstate="hqprint">
             <a:extLst>
               <a:ext uri="{28A0092B-C50C-407E-A947-70E740481C1C}">
                 <a14:useLocalDpi xmlns:a14="http://schemas.microsoft.com/office/drawing/2010/main"/>
@@ -11934,239 +14478,15 @@
         </p:blipFill>
         <p:spPr>
           <a:xfrm rot="0">
-            <a:off x="1320165" y="1377315"/>
-            <a:ext cx="4034790" cy="2320925"/>
-          </a:xfrm>
-          <a:prstGeom prst="rect"/>
-          <a:noFill/>
+            <a:off x="6815455" y="3990340"/>
+            <a:ext cx="4100195" cy="944245"/>
+          </a:xfrm>
+          <a:prstGeom prst="roundRect"/>
+          <a:solidFill>
+            <a:srgbClr val="EDEDED"/>
+          </a:solidFill>
         </p:spPr>
       </p:pic>
-      <p:pic>
-        <p:nvPicPr>
-          <p:cNvPr id="72" name="그림 30"/>
-          <p:cNvPicPr>
-            <a:picLocks noChangeAspect="1"/>
-          </p:cNvPicPr>
-          <p:nvPr/>
-        </p:nvPicPr>
-        <p:blipFill rotWithShape="1">
-          <a:blip r:embed="rId9" cstate="hqprint">
-            <a:extLst>
-              <a:ext uri="{28A0092B-C50C-407E-A947-70E740481C1C}">
-                <a14:useLocalDpi xmlns:a14="http://schemas.microsoft.com/office/drawing/2010/main"/>
-              </a:ext>
-            </a:extLst>
-          </a:blip>
-          <a:stretch>
-            <a:fillRect/>
-          </a:stretch>
-        </p:blipFill>
-        <p:spPr>
-          <a:xfrm rot="0">
-            <a:off x="6866890" y="1383030"/>
-            <a:ext cx="4032885" cy="1284605"/>
-          </a:xfrm>
-          <a:prstGeom prst="rect"/>
-          <a:noFill/>
-        </p:spPr>
-      </p:pic>
-      <p:sp>
-        <p:nvSpPr>
-          <p:cNvPr id="73" name="텍스트 상자 31"/>
-          <p:cNvSpPr txBox="1">
-            <a:spLocks/>
-          </p:cNvSpPr>
-          <p:nvPr/>
-        </p:nvSpPr>
-        <p:spPr>
-          <a:xfrm rot="0">
-            <a:off x="6863080" y="2751455"/>
-            <a:ext cx="4025265" cy="677545"/>
-          </a:xfrm>
-          <a:prstGeom prst="rect"/>
-          <a:noFill/>
-          <a:ln w="0">
-            <a:noFill/>
-            <a:prstDash/>
-          </a:ln>
-        </p:spPr>
-        <p:txBody>
-          <a:bodyPr wrap="square" lIns="89535" tIns="46355" rIns="89535" bIns="46355" numCol="1" vert="horz" anchor="t">
-            <a:spAutoFit/>
-          </a:bodyPr>
-          <a:lstStyle/>
-          <a:p>
-            <a:pPr marL="0" indent="0" algn="l" latinLnBrk="0" hangingPunct="1">
-              <a:buFontTx/>
-              <a:buNone/>
-            </a:pPr>
-            <a:r>
-              <a:rPr lang="ko-KR" sz="2000" b="1">
-                <a:solidFill>
-                  <a:srgbClr val="0611F2"/>
-                </a:solidFill>
-                <a:latin typeface="맑은 고딕" charset="0"/>
-                <a:ea typeface="맑은 고딕" charset="0"/>
-              </a:rPr>
-              <a:t>1</a:t>
-            </a:r>
-            <a:r>
-              <a:rPr lang="ko-KR" sz="2000" b="1">
-                <a:solidFill>
-                  <a:srgbClr val="0611F2"/>
-                </a:solidFill>
-                <a:latin typeface="맑은 고딕" charset="0"/>
-                <a:ea typeface="맑은 고딕" charset="0"/>
-              </a:rPr>
-              <a:t>8</a:t>
-            </a:r>
-            <a:r>
-              <a:rPr lang="ko-KR" sz="2000" b="1">
-                <a:solidFill>
-                  <a:srgbClr val="0611F2"/>
-                </a:solidFill>
-                <a:latin typeface="맑은 고딕" charset="0"/>
-                <a:ea typeface="맑은 고딕" charset="0"/>
-              </a:rPr>
-              <a:t>.</a:t>
-            </a:r>
-            <a:r>
-              <a:rPr lang="ko-KR" sz="2000">
-                <a:solidFill>
-                  <a:srgbClr val="0611F2"/>
-                </a:solidFill>
-                <a:latin typeface="맑은 고딕" charset="0"/>
-                <a:ea typeface="맑은 고딕" charset="0"/>
-              </a:rPr>
-              <a:t> </a:t>
-            </a:r>
-            <a:r>
-              <a:rPr lang="ko-KR" sz="1800">
-                <a:latin typeface="맑은 고딕" charset="0"/>
-                <a:ea typeface="맑은 고딕" charset="0"/>
-              </a:rPr>
-              <a:t>이제 팝업을 여는 함수와 팝업을 닫는 함수를 생성합니다.</a:t>
-            </a:r>
-            <a:endParaRPr lang="ko-KR" altLang="en-US" sz="1800">
-              <a:latin typeface="맑은 고딕" charset="0"/>
-              <a:ea typeface="맑은 고딕" charset="0"/>
-            </a:endParaRPr>
-          </a:p>
-        </p:txBody>
-      </p:sp>
-      <p:pic>
-        <p:nvPicPr>
-          <p:cNvPr id="74" name="그림 32"/>
-          <p:cNvPicPr>
-            <a:picLocks noChangeAspect="1"/>
-          </p:cNvPicPr>
-          <p:nvPr/>
-        </p:nvPicPr>
-        <p:blipFill rotWithShape="1">
-          <a:blip r:embed="rId10" cstate="hqprint">
-            <a:extLst>
-              <a:ext uri="{28A0092B-C50C-407E-A947-70E740481C1C}">
-                <a14:useLocalDpi xmlns:a14="http://schemas.microsoft.com/office/drawing/2010/main"/>
-              </a:ext>
-            </a:extLst>
-          </a:blip>
-          <a:stretch>
-            <a:fillRect/>
-          </a:stretch>
-        </p:blipFill>
-        <p:spPr>
-          <a:xfrm rot="0">
-            <a:off x="6875145" y="3559175"/>
-            <a:ext cx="4014470" cy="1844675"/>
-          </a:xfrm>
-          <a:prstGeom prst="rect"/>
-          <a:noFill/>
-        </p:spPr>
-      </p:pic>
-      <p:sp>
-        <p:nvSpPr>
-          <p:cNvPr id="75" name="텍스트 상자 33"/>
-          <p:cNvSpPr txBox="1">
-            <a:spLocks/>
-          </p:cNvSpPr>
-          <p:nvPr/>
-        </p:nvSpPr>
-        <p:spPr>
-          <a:xfrm rot="0">
-            <a:off x="6877050" y="5503545"/>
-            <a:ext cx="4025265" cy="677545"/>
-          </a:xfrm>
-          <a:prstGeom prst="rect"/>
-          <a:noFill/>
-          <a:ln w="0">
-            <a:noFill/>
-            <a:prstDash/>
-          </a:ln>
-        </p:spPr>
-        <p:txBody>
-          <a:bodyPr wrap="square" lIns="89535" tIns="46355" rIns="89535" bIns="46355" numCol="1" vert="horz" anchor="t">
-            <a:spAutoFit/>
-          </a:bodyPr>
-          <a:lstStyle/>
-          <a:p>
-            <a:pPr marL="0" indent="0" algn="l" latinLnBrk="0" hangingPunct="1">
-              <a:buFontTx/>
-              <a:buNone/>
-            </a:pPr>
-            <a:r>
-              <a:rPr lang="ko-KR" sz="2000" b="1">
-                <a:solidFill>
-                  <a:srgbClr val="0611F2"/>
-                </a:solidFill>
-                <a:latin typeface="맑은 고딕" charset="0"/>
-                <a:ea typeface="맑은 고딕" charset="0"/>
-              </a:rPr>
-              <a:t>1</a:t>
-            </a:r>
-            <a:r>
-              <a:rPr lang="ko-KR" sz="2000" b="1">
-                <a:solidFill>
-                  <a:srgbClr val="0611F2"/>
-                </a:solidFill>
-                <a:latin typeface="맑은 고딕" charset="0"/>
-                <a:ea typeface="맑은 고딕" charset="0"/>
-              </a:rPr>
-              <a:t>9</a:t>
-            </a:r>
-            <a:r>
-              <a:rPr lang="ko-KR" sz="2000" b="1">
-                <a:solidFill>
-                  <a:srgbClr val="0611F2"/>
-                </a:solidFill>
-                <a:latin typeface="맑은 고딕" charset="0"/>
-                <a:ea typeface="맑은 고딕" charset="0"/>
-              </a:rPr>
-              <a:t>.</a:t>
-            </a:r>
-            <a:r>
-              <a:rPr lang="ko-KR" sz="2000">
-                <a:solidFill>
-                  <a:srgbClr val="0611F2"/>
-                </a:solidFill>
-                <a:latin typeface="맑은 고딕" charset="0"/>
-                <a:ea typeface="맑은 고딕" charset="0"/>
-              </a:rPr>
-              <a:t> </a:t>
-            </a:r>
-            <a:r>
-              <a:rPr lang="ko-KR" sz="1800">
-                <a:latin typeface="맑은 고딕" charset="0"/>
-                <a:ea typeface="맑은 고딕" charset="0"/>
-              </a:rPr>
-              <a:t>마지막으로 팝업이 종료되는 조건을 업데이트 함수에 설정합니다.</a:t>
-            </a:r>
-            <a:endParaRPr lang="ko-KR" altLang="en-US" sz="1800">
-              <a:latin typeface="맑은 고딕" charset="0"/>
-              <a:ea typeface="맑은 고딕" charset="0"/>
-            </a:endParaRPr>
-          </a:p>
-        </p:txBody>
-      </p:sp>
     </p:spTree>
   </p:cSld>
   <p:clrMapOvr>
@@ -12216,7 +14536,7 @@
           <p:nvPr/>
         </p:nvSpPr>
         <p:spPr>
-          <a:xfrm rot="0">
+          <a:xfrm>
             <a:off x="4349750" y="452755"/>
             <a:ext cx="3498850" cy="554990"/>
           </a:xfrm>
@@ -12258,192 +14578,9 @@
           </a:p>
         </p:txBody>
       </p:sp>
-      <p:sp>
-        <p:nvSpPr>
-          <p:cNvPr id="67" name="텍스트 상자 61"/>
-          <p:cNvSpPr txBox="1">
-            <a:spLocks/>
-          </p:cNvSpPr>
-          <p:nvPr/>
-        </p:nvSpPr>
-        <p:spPr>
-          <a:xfrm rot="0">
-            <a:off x="1464945" y="5162550"/>
-            <a:ext cx="3926840" cy="954405"/>
-          </a:xfrm>
-          <a:prstGeom prst="rect"/>
-          <a:noFill/>
-          <a:ln w="0">
-            <a:noFill/>
-            <a:prstDash/>
-          </a:ln>
-        </p:spPr>
-        <p:txBody>
-          <a:bodyPr wrap="square" lIns="89535" tIns="46355" rIns="89535" bIns="46355" numCol="1" vert="horz" anchor="t">
-            <a:spAutoFit/>
-          </a:bodyPr>
-          <a:lstStyle/>
-          <a:p>
-            <a:pPr marL="0" indent="0" algn="l" latinLnBrk="0" hangingPunct="1">
-              <a:buFontTx/>
-              <a:buNone/>
-            </a:pPr>
-            <a:r>
-              <a:rPr lang="ko-KR" sz="2000" b="1">
-                <a:solidFill>
-                  <a:srgbClr val="0611F2"/>
-                </a:solidFill>
-                <a:latin typeface="맑은 고딕" charset="0"/>
-                <a:ea typeface="맑은 고딕" charset="0"/>
-              </a:rPr>
-              <a:t>20</a:t>
-            </a:r>
-            <a:r>
-              <a:rPr lang="ko-KR" sz="2000" b="1">
-                <a:solidFill>
-                  <a:srgbClr val="0611F2"/>
-                </a:solidFill>
-                <a:latin typeface="맑은 고딕" charset="0"/>
-                <a:ea typeface="맑은 고딕" charset="0"/>
-              </a:rPr>
-              <a:t>.</a:t>
-            </a:r>
-            <a:r>
-              <a:rPr lang="ko-KR" sz="2000">
-                <a:solidFill>
-                  <a:srgbClr val="0611F2"/>
-                </a:solidFill>
-                <a:latin typeface="맑은 고딕" charset="0"/>
-                <a:ea typeface="맑은 고딕" charset="0"/>
-              </a:rPr>
-              <a:t> </a:t>
-            </a:r>
-            <a:r>
-              <a:rPr lang="ko-KR" sz="1800">
-                <a:latin typeface="맑은 고딕" charset="0"/>
-                <a:ea typeface="맑은 고딕" charset="0"/>
-              </a:rPr>
-              <a:t>그</a:t>
-            </a:r>
-            <a:r>
-              <a:rPr lang="ko-KR" sz="1800">
-                <a:latin typeface="맑은 고딕" charset="0"/>
-                <a:ea typeface="맑은 고딕" charset="0"/>
-              </a:rPr>
-              <a:t>리고</a:t>
-            </a:r>
-            <a:r>
-              <a:rPr lang="ko-KR" sz="1800">
-                <a:latin typeface="맑은 고딕" charset="0"/>
-                <a:ea typeface="맑은 고딕" charset="0"/>
-              </a:rPr>
-              <a:t> </a:t>
-            </a:r>
-            <a:r>
-              <a:rPr lang="ko-KR" sz="1800">
-                <a:latin typeface="맑은 고딕" charset="0"/>
-                <a:ea typeface="맑은 고딕" charset="0"/>
-              </a:rPr>
-              <a:t>Close Button과 Open Button에 있는 PopUp 스크립트에 Window를 넣어줍니다.</a:t>
-            </a:r>
-            <a:endParaRPr lang="ko-KR" altLang="en-US" sz="1800">
-              <a:latin typeface="맑은 고딕" charset="0"/>
-              <a:ea typeface="맑은 고딕" charset="0"/>
-            </a:endParaRPr>
-          </a:p>
-        </p:txBody>
-      </p:sp>
-      <p:sp>
-        <p:nvSpPr>
-          <p:cNvPr id="73" name="텍스트 상자 45"/>
-          <p:cNvSpPr txBox="1">
-            <a:spLocks/>
-          </p:cNvSpPr>
-          <p:nvPr/>
-        </p:nvSpPr>
-        <p:spPr>
-          <a:xfrm rot="0">
-            <a:off x="6699250" y="3275965"/>
-            <a:ext cx="4334510" cy="677545"/>
-          </a:xfrm>
-          <a:prstGeom prst="rect"/>
-          <a:noFill/>
-          <a:ln w="0">
-            <a:noFill/>
-            <a:prstDash/>
-          </a:ln>
-        </p:spPr>
-        <p:txBody>
-          <a:bodyPr wrap="square" lIns="89535" tIns="46355" rIns="89535" bIns="46355" numCol="1" vert="horz" anchor="t">
-            <a:spAutoFit/>
-          </a:bodyPr>
-          <a:lstStyle/>
-          <a:p>
-            <a:pPr marL="0" indent="0" algn="l" latinLnBrk="0" hangingPunct="1">
-              <a:buFontTx/>
-              <a:buNone/>
-            </a:pPr>
-            <a:r>
-              <a:rPr lang="ko-KR" sz="2000" b="1">
-                <a:solidFill>
-                  <a:srgbClr val="0611F2"/>
-                </a:solidFill>
-                <a:latin typeface="맑은 고딕" charset="0"/>
-                <a:ea typeface="맑은 고딕" charset="0"/>
-              </a:rPr>
-              <a:t>21</a:t>
-            </a:r>
-            <a:r>
-              <a:rPr lang="ko-KR" sz="2000" b="1">
-                <a:solidFill>
-                  <a:srgbClr val="0611F2"/>
-                </a:solidFill>
-                <a:latin typeface="맑은 고딕" charset="0"/>
-                <a:ea typeface="맑은 고딕" charset="0"/>
-              </a:rPr>
-              <a:t>.</a:t>
-            </a:r>
-            <a:r>
-              <a:rPr lang="ko-KR" sz="2000">
-                <a:solidFill>
-                  <a:srgbClr val="0611F2"/>
-                </a:solidFill>
-                <a:latin typeface="맑은 고딕" charset="0"/>
-                <a:ea typeface="맑은 고딕" charset="0"/>
-              </a:rPr>
-              <a:t> </a:t>
-            </a:r>
-            <a:r>
-              <a:rPr lang="ko-KR" sz="1800">
-                <a:latin typeface="맑은 고딕" charset="0"/>
-                <a:ea typeface="맑은 고딕" charset="0"/>
-              </a:rPr>
-              <a:t>이제 Close Button과 Open Button에 On Click( )</a:t>
-            </a:r>
-            <a:r>
-              <a:rPr lang="ko-KR" sz="1800">
-                <a:latin typeface="맑은 고딕" charset="0"/>
-                <a:ea typeface="맑은 고딕" charset="0"/>
-              </a:rPr>
-              <a:t> </a:t>
-            </a:r>
-            <a:r>
-              <a:rPr lang="ko-KR" sz="1800">
-                <a:latin typeface="맑은 고딕" charset="0"/>
-                <a:ea typeface="맑은 고딕" charset="0"/>
-              </a:rPr>
-              <a:t>함수를 추가합니다.</a:t>
-            </a:r>
-            <a:endParaRPr lang="ko-KR" altLang="en-US" sz="1800">
-              <a:latin typeface="맑은 고딕" charset="0"/>
-              <a:ea typeface="맑은 고딕" charset="0"/>
-            </a:endParaRPr>
-          </a:p>
-        </p:txBody>
-      </p:sp>
       <p:pic>
         <p:nvPicPr>
-          <p:cNvPr id="74" name="그림 72"/>
+          <p:cNvPr id="30" name="그림 48" descr="C:/Users/Admin1/AppData/Roaming/PolarisOffice/ETemp/4076_20445776/fImage191382218467.png"/>
           <p:cNvPicPr>
             <a:picLocks noChangeAspect="1"/>
           </p:cNvPicPr>
@@ -12463,8 +14600,8 @@
         </p:blipFill>
         <p:spPr>
           <a:xfrm rot="0">
-            <a:off x="1466850" y="4114800"/>
-            <a:ext cx="3915410" cy="886460"/>
+            <a:off x="1285875" y="1385570"/>
+            <a:ext cx="2829560" cy="3148965"/>
           </a:xfrm>
           <a:prstGeom prst="roundRect"/>
           <a:solidFill>
@@ -12474,7 +14611,7 @@
       </p:pic>
       <p:pic>
         <p:nvPicPr>
-          <p:cNvPr id="75" name="그림 73"/>
+          <p:cNvPr id="31" name="그림 49" descr="C:/Users/Admin1/AppData/Roaming/PolarisOffice/ETemp/4076_20445776/fImage43432481478.png"/>
           <p:cNvPicPr>
             <a:picLocks noChangeAspect="1"/>
           </p:cNvPicPr>
@@ -12494,8 +14631,8 @@
         </p:blipFill>
         <p:spPr>
           <a:xfrm rot="0">
-            <a:off x="1457325" y="1314450"/>
-            <a:ext cx="1753235" cy="2562860"/>
+            <a:off x="4276725" y="1847850"/>
+            <a:ext cx="1105535" cy="2067560"/>
           </a:xfrm>
           <a:prstGeom prst="roundRect"/>
           <a:solidFill>
@@ -12503,19 +14640,215 @@
           </a:solidFill>
         </p:spPr>
       </p:pic>
+      <p:sp>
+        <p:nvSpPr>
+          <p:cNvPr id="32" name="텍스트 상자 52"/>
+          <p:cNvSpPr txBox="1">
+            <a:spLocks/>
+          </p:cNvSpPr>
+          <p:nvPr/>
+        </p:nvSpPr>
+        <p:spPr>
+          <a:xfrm rot="0">
+            <a:off x="1285875" y="4585970"/>
+            <a:ext cx="4086860" cy="1508125"/>
+          </a:xfrm>
+          <a:prstGeom prst="rect"/>
+          <a:noFill/>
+          <a:ln w="0">
+            <a:noFill/>
+            <a:prstDash/>
+          </a:ln>
+        </p:spPr>
+        <p:txBody>
+          <a:bodyPr wrap="square" lIns="89535" tIns="46355" rIns="89535" bIns="46355" numCol="1" vert="horz" anchor="t">
+            <a:spAutoFit/>
+          </a:bodyPr>
+          <a:lstStyle/>
+          <a:p>
+            <a:pPr marL="0" indent="0" algn="l" latinLnBrk="0" hangingPunct="1">
+              <a:buFontTx/>
+              <a:buNone/>
+            </a:pPr>
+            <a:r>
+              <a:rPr lang="ko-KR" sz="2000" b="1">
+                <a:solidFill>
+                  <a:srgbClr val="0611F2"/>
+                </a:solidFill>
+                <a:latin typeface="맑은 고딕" charset="0"/>
+                <a:ea typeface="맑은 고딕" charset="0"/>
+              </a:rPr>
+              <a:t>23</a:t>
+            </a:r>
+            <a:r>
+              <a:rPr lang="ko-KR" sz="2000" b="1">
+                <a:solidFill>
+                  <a:srgbClr val="0611F2"/>
+                </a:solidFill>
+                <a:latin typeface="맑은 고딕" charset="0"/>
+                <a:ea typeface="맑은 고딕" charset="0"/>
+              </a:rPr>
+              <a:t>.</a:t>
+            </a:r>
+            <a:r>
+              <a:rPr lang="ko-KR" sz="2000">
+                <a:solidFill>
+                  <a:srgbClr val="0611F2"/>
+                </a:solidFill>
+                <a:latin typeface="맑은 고딕" charset="0"/>
+                <a:ea typeface="맑은 고딕" charset="0"/>
+              </a:rPr>
+              <a:t> </a:t>
+            </a:r>
+            <a:r>
+              <a:rPr lang="ko-KR" sz="1800">
+                <a:latin typeface="맑은 고딕" charset="0"/>
+                <a:ea typeface="맑은 고딕" charset="0"/>
+              </a:rPr>
+              <a:t>이제 UI 에서 Button을 생성합니다.</a:t>
+            </a:r>
+            <a:endParaRPr lang="ko-KR" altLang="en-US" sz="1800">
+              <a:latin typeface="맑은 고딕" charset="0"/>
+              <a:ea typeface="맑은 고딕" charset="0"/>
+            </a:endParaRPr>
+          </a:p>
+          <a:p>
+            <a:pPr marL="0" indent="0" algn="l" latinLnBrk="0" hangingPunct="1">
+              <a:buFontTx/>
+              <a:buNone/>
+            </a:pPr>
+            <a:endParaRPr lang="ko-KR" altLang="en-US" sz="1800">
+              <a:latin typeface="맑은 고딕" charset="0"/>
+              <a:ea typeface="맑은 고딕" charset="0"/>
+            </a:endParaRPr>
+          </a:p>
+          <a:p>
+            <a:pPr marL="0" indent="0" algn="l" latinLnBrk="0" hangingPunct="1">
+              <a:buFontTx/>
+              <a:buNone/>
+            </a:pPr>
+            <a:r>
+              <a:rPr lang="ko-KR" sz="1800">
+                <a:latin typeface="맑은 고딕" charset="0"/>
+                <a:ea typeface="맑은 고딕" charset="0"/>
+              </a:rPr>
+              <a:t>그런 다음 </a:t>
+            </a:r>
+            <a:r>
+              <a:rPr lang="ko-KR" sz="1800">
+                <a:latin typeface="맑은 고딕" charset="0"/>
+                <a:ea typeface="맑은 고딕" charset="0"/>
+              </a:rPr>
+              <a:t>Button의 이름</a:t>
+            </a:r>
+            <a:r>
+              <a:rPr lang="ko-KR" sz="1800">
+                <a:latin typeface="맑은 고딕" charset="0"/>
+                <a:ea typeface="맑은 고딕" charset="0"/>
+              </a:rPr>
+              <a:t>을</a:t>
+            </a:r>
+            <a:r>
+              <a:rPr lang="ko-KR" sz="1800">
+                <a:latin typeface="맑은 고딕" charset="0"/>
+                <a:ea typeface="맑은 고딕" charset="0"/>
+              </a:rPr>
+              <a:t> Open Button으로 정의합니다.</a:t>
+            </a:r>
+            <a:endParaRPr lang="ko-KR" altLang="en-US" sz="1800">
+              <a:latin typeface="맑은 고딕" charset="0"/>
+              <a:ea typeface="맑은 고딕" charset="0"/>
+            </a:endParaRPr>
+          </a:p>
+        </p:txBody>
+      </p:sp>
+      <p:sp>
+        <p:nvSpPr>
+          <p:cNvPr id="33" name="텍스트 상자 120"/>
+          <p:cNvSpPr txBox="1">
+            <a:spLocks/>
+          </p:cNvSpPr>
+          <p:nvPr/>
+        </p:nvSpPr>
+        <p:spPr>
+          <a:xfrm rot="0">
+            <a:off x="6931660" y="2851785"/>
+            <a:ext cx="3975735" cy="954405"/>
+          </a:xfrm>
+          <a:prstGeom prst="rect"/>
+          <a:noFill/>
+          <a:ln w="0">
+            <a:noFill/>
+            <a:prstDash/>
+          </a:ln>
+        </p:spPr>
+        <p:txBody>
+          <a:bodyPr wrap="square" lIns="89535" tIns="46355" rIns="89535" bIns="46355" numCol="1" vert="horz" anchor="t">
+            <a:spAutoFit/>
+          </a:bodyPr>
+          <a:lstStyle/>
+          <a:p>
+            <a:pPr marL="0" indent="0" algn="l" latinLnBrk="0" hangingPunct="1">
+              <a:buFontTx/>
+              <a:buNone/>
+            </a:pPr>
+            <a:r>
+              <a:rPr lang="ko-KR" sz="2000" b="1">
+                <a:solidFill>
+                  <a:srgbClr val="0611F2"/>
+                </a:solidFill>
+                <a:latin typeface="맑은 고딕" charset="0"/>
+                <a:ea typeface="맑은 고딕" charset="0"/>
+              </a:rPr>
+              <a:t>24</a:t>
+            </a:r>
+            <a:r>
+              <a:rPr lang="ko-KR" sz="2000" b="1">
+                <a:solidFill>
+                  <a:srgbClr val="0611F2"/>
+                </a:solidFill>
+                <a:latin typeface="맑은 고딕" charset="0"/>
+                <a:ea typeface="맑은 고딕" charset="0"/>
+              </a:rPr>
+              <a:t>.</a:t>
+            </a:r>
+            <a:r>
+              <a:rPr lang="ko-KR" sz="2000">
+                <a:solidFill>
+                  <a:srgbClr val="0611F2"/>
+                </a:solidFill>
+                <a:latin typeface="맑은 고딕" charset="0"/>
+                <a:ea typeface="맑은 고딕" charset="0"/>
+              </a:rPr>
+              <a:t> </a:t>
+            </a:r>
+            <a:r>
+              <a:rPr lang="ko-KR" sz="1800">
+                <a:latin typeface="맑은 고딕" charset="0"/>
+                <a:ea typeface="맑은 고딕" charset="0"/>
+              </a:rPr>
+              <a:t>그리고 PopUp이라는 스크립트를 생성하고 Open Button과 Close Button 오브젝트에 넣어줍니다.</a:t>
+            </a:r>
+            <a:endParaRPr lang="ko-KR" altLang="en-US" sz="1800">
+              <a:latin typeface="맑은 고딕" charset="0"/>
+              <a:ea typeface="맑은 고딕" charset="0"/>
+            </a:endParaRPr>
+          </a:p>
+        </p:txBody>
+      </p:sp>
       <p:pic>
         <p:nvPicPr>
-          <p:cNvPr id="76" name="그림 6"/>
+          <p:cNvPr id="34" name="그림 121" descr="C:/Users/Admin1/AppData/Roaming/PolarisOffice/ETemp/4076_20445776/fImage207020141.png"/>
           <p:cNvPicPr>
             <a:picLocks noChangeAspect="1"/>
           </p:cNvPicPr>
           <p:nvPr/>
         </p:nvPicPr>
         <p:blipFill rotWithShape="1">
-          <a:blip r:embed="rId12" cstate="print">
+          <a:blip r:embed="rId12" cstate="hqprint">
             <a:extLst>
               <a:ext uri="{28A0092B-C50C-407E-A947-70E740481C1C}">
-                <a14:useLocalDpi xmlns:a14="http://schemas.microsoft.com/office/drawing/2010/main" val="0"/>
+                <a14:useLocalDpi xmlns:a14="http://schemas.microsoft.com/office/drawing/2010/main"/>
               </a:ext>
             </a:extLst>
           </a:blip>
@@ -12525,8 +14858,8 @@
         </p:blipFill>
         <p:spPr>
           <a:xfrm rot="0">
-            <a:off x="3829050" y="1514475"/>
-            <a:ext cx="1562735" cy="2181860"/>
+            <a:off x="10210165" y="1566545"/>
+            <a:ext cx="694690" cy="909955"/>
           </a:xfrm>
           <a:prstGeom prst="roundRect"/>
           <a:solidFill>
@@ -12534,21 +14867,51 @@
           </a:solidFill>
         </p:spPr>
       </p:pic>
+      <p:pic>
+        <p:nvPicPr>
+          <p:cNvPr id="35" name="그림 122" descr="C:/Users/Admin1/AppData/Roaming/PolarisOffice/ETemp/4076_20445776/fImage48432509358.png"/>
+          <p:cNvPicPr>
+            <a:picLocks noChangeAspect="1"/>
+          </p:cNvPicPr>
+          <p:nvPr/>
+        </p:nvPicPr>
+        <p:blipFill rotWithShape="1">
+          <a:blip r:embed="rId13" cstate="hqprint">
+            <a:extLst>
+              <a:ext uri="{28A0092B-C50C-407E-A947-70E740481C1C}">
+                <a14:useLocalDpi xmlns:a14="http://schemas.microsoft.com/office/drawing/2010/main"/>
+              </a:ext>
+            </a:extLst>
+          </a:blip>
+          <a:stretch>
+            <a:fillRect/>
+          </a:stretch>
+        </p:blipFill>
+        <p:spPr>
+          <a:xfrm rot="0">
+            <a:off x="6921500" y="1381125"/>
+            <a:ext cx="2511425" cy="1370965"/>
+          </a:xfrm>
+          <a:prstGeom prst="roundRect"/>
+          <a:solidFill>
+            <a:srgbClr val="EDEDED"/>
+          </a:solidFill>
+        </p:spPr>
+      </p:pic>
       <p:cxnSp>
         <p:nvCxnSpPr>
-          <p:cNvPr id="77" name="도형 9"/>
+          <p:cNvPr id="36" name="도형 123"/>
           <p:cNvCxnSpPr/>
           <p:nvPr/>
         </p:nvCxnSpPr>
         <p:spPr>
-          <a:xfrm rot="0" flipH="1" flipV="1">
-            <a:off x="2667000" y="2400300"/>
-            <a:ext cx="1505585" cy="295910"/>
+          <a:xfrm rot="0" flipH="1">
+            <a:off x="9388475" y="2021840"/>
+            <a:ext cx="822960" cy="358140"/>
           </a:xfrm>
           <a:prstGeom prst="straightConnector1"/>
           <a:ln w="6350" cap="flat" cmpd="sng">
             <a:prstDash/>
-            <a:headEnd type="none" w="med" len="med"/>
             <a:tailEnd type="triangle" w="med" len="med"/>
           </a:ln>
         </p:spPr>
@@ -12569,19 +14932,18 @@
       </p:cxnSp>
       <p:cxnSp>
         <p:nvCxnSpPr>
-          <p:cNvPr id="78" name="도형 10"/>
+          <p:cNvPr id="37" name="도형 124"/>
           <p:cNvCxnSpPr/>
           <p:nvPr/>
         </p:nvCxnSpPr>
         <p:spPr>
-          <a:xfrm rot="0" flipH="1" flipV="1">
-            <a:off x="2676525" y="2400300"/>
-            <a:ext cx="1305560" cy="600710"/>
+          <a:xfrm rot="0" flipH="1">
+            <a:off x="9102725" y="2018030"/>
+            <a:ext cx="1108710" cy="621665"/>
           </a:xfrm>
           <a:prstGeom prst="straightConnector1"/>
           <a:ln w="6350" cap="flat" cmpd="sng">
             <a:prstDash/>
-            <a:headEnd type="none" w="med" len="med"/>
             <a:tailEnd type="triangle" w="med" len="med"/>
           </a:ln>
         </p:spPr>
@@ -12602,17 +14964,17 @@
       </p:cxnSp>
       <p:pic>
         <p:nvPicPr>
-          <p:cNvPr id="79" name="그림 11"/>
+          <p:cNvPr id="38" name="그림 125" descr="C:/Users/Admin1/AppData/Roaming/PolarisOffice/ETemp/4076_20445776/fImage121222526962.png"/>
           <p:cNvPicPr>
             <a:picLocks noChangeAspect="1"/>
           </p:cNvPicPr>
           <p:nvPr/>
         </p:nvPicPr>
         <p:blipFill rotWithShape="1">
-          <a:blip r:embed="rId13" cstate="print">
+          <a:blip r:embed="rId14" cstate="hqprint">
             <a:extLst>
               <a:ext uri="{28A0092B-C50C-407E-A947-70E740481C1C}">
-                <a14:useLocalDpi xmlns:a14="http://schemas.microsoft.com/office/drawing/2010/main" val="0"/>
+                <a14:useLocalDpi xmlns:a14="http://schemas.microsoft.com/office/drawing/2010/main"/>
               </a:ext>
             </a:extLst>
           </a:blip>
@@ -12622,8 +14984,8 @@
         </p:blipFill>
         <p:spPr>
           <a:xfrm rot="0">
-            <a:off x="8020050" y="1557020"/>
-            <a:ext cx="3143885" cy="705485"/>
+            <a:off x="6917690" y="3851275"/>
+            <a:ext cx="3977640" cy="1378585"/>
           </a:xfrm>
           <a:prstGeom prst="roundRect"/>
           <a:solidFill>
@@ -12631,102 +14993,9 @@
           </a:solidFill>
         </p:spPr>
       </p:pic>
-      <p:pic>
-        <p:nvPicPr>
-          <p:cNvPr id="80" name="그림 14"/>
-          <p:cNvPicPr>
-            <a:picLocks noChangeAspect="1"/>
-          </p:cNvPicPr>
-          <p:nvPr/>
-        </p:nvPicPr>
-        <p:blipFill rotWithShape="1">
-          <a:blip r:embed="rId14" cstate="print">
-            <a:extLst>
-              <a:ext uri="{28A0092B-C50C-407E-A947-70E740481C1C}">
-                <a14:useLocalDpi xmlns:a14="http://schemas.microsoft.com/office/drawing/2010/main" val="0"/>
-              </a:ext>
-            </a:extLst>
-          </a:blip>
-          <a:stretch>
-            <a:fillRect/>
-          </a:stretch>
-        </p:blipFill>
-        <p:spPr>
-          <a:xfrm rot="0">
-            <a:off x="6701155" y="1500505"/>
-            <a:ext cx="1195705" cy="1638300"/>
-          </a:xfrm>
-          <a:prstGeom prst="roundRect"/>
-          <a:solidFill>
-            <a:srgbClr val="EDEDED"/>
-          </a:solidFill>
-        </p:spPr>
-      </p:pic>
-      <p:pic>
-        <p:nvPicPr>
-          <p:cNvPr id="81" name="그림 15"/>
-          <p:cNvPicPr>
-            <a:picLocks noChangeAspect="1"/>
-          </p:cNvPicPr>
-          <p:nvPr/>
-        </p:nvPicPr>
-        <p:blipFill rotWithShape="1">
-          <a:blip r:embed="rId15" cstate="print">
-            <a:extLst>
-              <a:ext uri="{28A0092B-C50C-407E-A947-70E740481C1C}">
-                <a14:useLocalDpi xmlns:a14="http://schemas.microsoft.com/office/drawing/2010/main" val="0"/>
-              </a:ext>
-            </a:extLst>
-          </a:blip>
-          <a:stretch>
-            <a:fillRect/>
-          </a:stretch>
-        </p:blipFill>
-        <p:spPr>
-          <a:xfrm rot="0">
-            <a:off x="8015605" y="2419350"/>
-            <a:ext cx="3143885" cy="705485"/>
-          </a:xfrm>
-          <a:prstGeom prst="roundRect"/>
-          <a:solidFill>
-            <a:srgbClr val="EDEDED"/>
-          </a:solidFill>
-        </p:spPr>
-      </p:pic>
-      <p:pic>
-        <p:nvPicPr>
-          <p:cNvPr id="82" name="그림 16"/>
-          <p:cNvPicPr>
-            <a:picLocks noChangeAspect="1"/>
-          </p:cNvPicPr>
-          <p:nvPr/>
-        </p:nvPicPr>
-        <p:blipFill rotWithShape="1">
-          <a:blip r:embed="rId16" cstate="print">
-            <a:extLst>
-              <a:ext uri="{28A0092B-C50C-407E-A947-70E740481C1C}">
-                <a14:useLocalDpi xmlns:a14="http://schemas.microsoft.com/office/drawing/2010/main" val="0"/>
-              </a:ext>
-            </a:extLst>
-          </a:blip>
-          <a:stretch>
-            <a:fillRect/>
-          </a:stretch>
-        </p:blipFill>
-        <p:spPr>
-          <a:xfrm rot="0">
-            <a:off x="6702425" y="4026535"/>
-            <a:ext cx="4467860" cy="1014095"/>
-          </a:xfrm>
-          <a:prstGeom prst="roundRect"/>
-          <a:solidFill>
-            <a:srgbClr val="EDEDED"/>
-          </a:solidFill>
-        </p:spPr>
-      </p:pic>
-      <p:sp>
-        <p:nvSpPr>
-          <p:cNvPr id="83" name="텍스트 상자 19"/>
+      <p:sp>
+        <p:nvSpPr>
+          <p:cNvPr id="39" name="텍스트 상자 126"/>
           <p:cNvSpPr txBox="1">
             <a:spLocks/>
           </p:cNvSpPr>
@@ -12734,8 +15003,8 @@
         </p:nvSpPr>
         <p:spPr>
           <a:xfrm rot="0">
-            <a:off x="6701790" y="5157470"/>
-            <a:ext cx="4460875" cy="954405"/>
+            <a:off x="6934835" y="5424170"/>
+            <a:ext cx="3975735" cy="677545"/>
           </a:xfrm>
           <a:prstGeom prst="rect"/>
           <a:noFill/>
@@ -12762,7 +15031,7 @@
                 <a:latin typeface="맑은 고딕" charset="0"/>
                 <a:ea typeface="맑은 고딕" charset="0"/>
               </a:rPr>
-              <a:t>22</a:t>
+              <a:t>25</a:t>
             </a:r>
             <a:r>
               <a:rPr lang="ko-KR" sz="2000" b="1">
@@ -12789,21 +15058,7 @@
                 <a:latin typeface="맑은 고딕" charset="0"/>
                 <a:ea typeface="맑은 고딕" charset="0"/>
               </a:rPr>
-              <a:t>그다음 Close Button의 On Click( )</a:t>
-            </a:r>
-            <a:r>
-              <a:rPr lang="ko-KR" sz="1800">
-                <a:latin typeface="맑은 고딕" charset="0"/>
-                <a:ea typeface="맑은 고딕" charset="0"/>
-              </a:rPr>
-              <a:t> </a:t>
-            </a:r>
-            <a:r>
-              <a:rPr lang="ko-KR" sz="1800">
-                <a:latin typeface="맑은 고딕" charset="0"/>
-                <a:ea typeface="맑은 고딕" charset="0"/>
-              </a:rPr>
-              <a:t>함수에 자기 자신을 넣어주고 함수를 지정합니다.</a:t>
+              <a:t>그다음 Open Button의 앵커와 크기를 설정합니다.</a:t>
             </a:r>
             <a:endParaRPr lang="ko-KR" altLang="en-US" sz="1800">
               <a:latin typeface="맑은 고딕" charset="0"/>

--- a/Assets/Class/Animation Clip/PPT Data/Animation Clip Example.pptx
+++ b/Assets/Class/Animation Clip/PPT Data/Animation Clip Example.pptx
@@ -2,28 +2,28 @@
 <file path=ppt/presentation.xml><?xml version="1.0" encoding="utf-8"?>
 <p:presentation xmlns:a="http://schemas.openxmlformats.org/drawingml/2006/main" xmlns:r="http://schemas.openxmlformats.org/officeDocument/2006/relationships" xmlns:p="http://schemas.openxmlformats.org/presentationml/2006/main" xmlns:p14="http://schemas.microsoft.com/office/powerpoint/2010/main" saveSubsetFonts="1" firstSlideNum="0">
   <p:sldMasterIdLst>
-    <p:sldMasterId id="2147486957" r:id="rId12"/>
+    <p:sldMasterId id="2147486959" r:id="rId12"/>
   </p:sldMasterIdLst>
   <p:notesMasterIdLst>
     <p:notesMasterId r:id="rId14"/>
   </p:notesMasterIdLst>
   <p:sldIdLst>
     <p:sldId id="315" r:id="rId16"/>
-    <p:sldId id="327" r:id="rId17"/>
-    <p:sldId id="331" r:id="rId18"/>
-    <p:sldId id="319" r:id="rId19"/>
-    <p:sldId id="321" r:id="rId20"/>
-    <p:sldId id="333" r:id="rId21"/>
-    <p:sldId id="334" r:id="rId22"/>
-    <p:sldId id="335" r:id="rId23"/>
-    <p:sldId id="322" r:id="rId24"/>
-    <p:sldId id="323" r:id="rId25"/>
-    <p:sldId id="324" r:id="rId26"/>
-    <p:sldId id="332" r:id="rId27"/>
-    <p:sldId id="326" r:id="rId28"/>
-    <p:sldId id="328" r:id="rId29"/>
-    <p:sldId id="329" r:id="rId30"/>
-    <p:sldId id="330" r:id="rId31"/>
+    <p:sldId id="327" r:id="rId18"/>
+    <p:sldId id="331" r:id="rId19"/>
+    <p:sldId id="319" r:id="rId21"/>
+    <p:sldId id="321" r:id="rId23"/>
+    <p:sldId id="333" r:id="rId25"/>
+    <p:sldId id="334" r:id="rId27"/>
+    <p:sldId id="335" r:id="rId29"/>
+    <p:sldId id="322" r:id="rId31"/>
+    <p:sldId id="323" r:id="rId33"/>
+    <p:sldId id="324" r:id="rId35"/>
+    <p:sldId id="332" r:id="rId37"/>
+    <p:sldId id="326" r:id="rId39"/>
+    <p:sldId id="328" r:id="rId41"/>
+    <p:sldId id="329" r:id="rId43"/>
+    <p:sldId id="330" r:id="rId45"/>
   </p:sldIdLst>
   <p:sldSz cx="12192000" cy="6858000"/>
   <p:notesSz cx="6858000" cy="9144000"/>
@@ -11425,7 +11425,7 @@
       </p:sp>
       <p:pic>
         <p:nvPicPr>
-          <p:cNvPr id="40" name="Picture " descr="C:/Users/Admin1/AppData/Roaming/PolarisOffice/ETemp/4076_20445776/fImage424692249169.png"/>
+          <p:cNvPr id="40" name="Picture "/>
           <p:cNvPicPr>
             <a:picLocks noChangeAspect="1"/>
           </p:cNvPicPr>
@@ -11574,7 +11574,7 @@
       </p:sp>
       <p:pic>
         <p:nvPicPr>
-          <p:cNvPr id="46" name="그림 24" descr="C:/Users/Admin1/AppData/Roaming/PolarisOffice/ETemp/4076_20445776/fImage416422281478.png"/>
+          <p:cNvPr id="46" name="그림 24"/>
           <p:cNvPicPr>
             <a:picLocks noChangeAspect="1"/>
           </p:cNvPicPr>

--- a/Assets/Class/Animation Clip/PPT Data/Animation Clip Example.pptx
+++ b/Assets/Class/Animation Clip/PPT Data/Animation Clip Example.pptx
@@ -2,7 +2,7 @@
 <file path=ppt/presentation.xml><?xml version="1.0" encoding="utf-8"?>
 <p:presentation xmlns:a="http://schemas.openxmlformats.org/drawingml/2006/main" xmlns:r="http://schemas.openxmlformats.org/officeDocument/2006/relationships" xmlns:p="http://schemas.openxmlformats.org/presentationml/2006/main" xmlns:p14="http://schemas.microsoft.com/office/powerpoint/2010/main" saveSubsetFonts="1" firstSlideNum="0">
   <p:sldMasterIdLst>
-    <p:sldMasterId id="2147486959" r:id="rId12"/>
+    <p:sldMasterId id="2147486969" r:id="rId12"/>
   </p:sldMasterIdLst>
   <p:notesMasterIdLst>
     <p:notesMasterId r:id="rId14"/>
@@ -10,20 +10,20 @@
   <p:sldIdLst>
     <p:sldId id="315" r:id="rId16"/>
     <p:sldId id="327" r:id="rId18"/>
-    <p:sldId id="331" r:id="rId19"/>
+    <p:sldId id="331" r:id="rId20"/>
     <p:sldId id="319" r:id="rId21"/>
     <p:sldId id="321" r:id="rId23"/>
-    <p:sldId id="333" r:id="rId25"/>
-    <p:sldId id="334" r:id="rId27"/>
-    <p:sldId id="335" r:id="rId29"/>
-    <p:sldId id="322" r:id="rId31"/>
-    <p:sldId id="323" r:id="rId33"/>
-    <p:sldId id="324" r:id="rId35"/>
-    <p:sldId id="332" r:id="rId37"/>
-    <p:sldId id="326" r:id="rId39"/>
-    <p:sldId id="328" r:id="rId41"/>
-    <p:sldId id="329" r:id="rId43"/>
-    <p:sldId id="330" r:id="rId45"/>
+    <p:sldId id="333" r:id="rId24"/>
+    <p:sldId id="334" r:id="rId25"/>
+    <p:sldId id="335" r:id="rId26"/>
+    <p:sldId id="322" r:id="rId27"/>
+    <p:sldId id="323" r:id="rId28"/>
+    <p:sldId id="324" r:id="rId30"/>
+    <p:sldId id="332" r:id="rId31"/>
+    <p:sldId id="326" r:id="rId32"/>
+    <p:sldId id="328" r:id="rId33"/>
+    <p:sldId id="329" r:id="rId34"/>
+    <p:sldId id="330" r:id="rId35"/>
   </p:sldIdLst>
   <p:sldSz cx="12192000" cy="6858000"/>
   <p:notesSz cx="6858000" cy="9144000"/>
@@ -8454,8 +8454,8 @@
         </p:nvSpPr>
         <p:spPr>
           <a:xfrm rot="0">
-            <a:off x="1333500" y="5097780"/>
-            <a:ext cx="4048760" cy="954405"/>
+            <a:off x="1238885" y="5222240"/>
+            <a:ext cx="4144010" cy="954405"/>
           </a:xfrm>
           <a:prstGeom prst="rect"/>
           <a:noFill/>
@@ -8482,17 +8482,7 @@
                 <a:latin typeface="맑은 고딕" charset="0"/>
                 <a:ea typeface="맑은 고딕" charset="0"/>
               </a:rPr>
-              <a:t>28</a:t>
-            </a:r>
-            <a:r>
-              <a:rPr lang="ko-KR" sz="2000" b="1">
-                <a:solidFill>
-                  <a:srgbClr val="0611F2"/>
-                </a:solidFill>
-                <a:latin typeface="맑은 고딕" charset="0"/>
-                <a:ea typeface="맑은 고딕" charset="0"/>
-              </a:rPr>
-              <a:t>.</a:t>
+              <a:t>28.</a:t>
             </a:r>
             <a:r>
               <a:rPr lang="ko-KR" sz="2000">
@@ -8520,7 +8510,7 @@
       </p:sp>
       <p:pic>
         <p:nvPicPr>
-          <p:cNvPr id="72" name="그림 70" descr="C:/Users/Admin1/AppData/Roaming/PolarisOffice/ETemp/4076_20445776/fImage254542603281.png"/>
+          <p:cNvPr id="72" name="그림 70" descr="C:/Users/Admin1/AppData/Roaming/PolarisOffice/ETemp/18164_10088728/fImage254542603281.png"/>
           <p:cNvPicPr>
             <a:picLocks noChangeAspect="1"/>
           </p:cNvPicPr>
@@ -8540,8 +8530,8 @@
         </p:blipFill>
         <p:spPr>
           <a:xfrm rot="0">
-            <a:off x="1333500" y="1393190"/>
-            <a:ext cx="4048760" cy="3589020"/>
+            <a:off x="1230630" y="1393190"/>
+            <a:ext cx="4152265" cy="3589655"/>
           </a:xfrm>
           <a:prstGeom prst="rect"/>
           <a:noFill/>
@@ -8557,8 +8547,8 @@
         </p:nvSpPr>
         <p:spPr>
           <a:xfrm rot="0">
-            <a:off x="6701790" y="5371465"/>
-            <a:ext cx="4157980" cy="677545"/>
+            <a:off x="6816725" y="5495925"/>
+            <a:ext cx="4132580" cy="677545"/>
           </a:xfrm>
           <a:prstGeom prst="rect"/>
           <a:noFill/>
@@ -8585,17 +8575,7 @@
                 <a:latin typeface="맑은 고딕" charset="0"/>
                 <a:ea typeface="맑은 고딕" charset="0"/>
               </a:rPr>
-              <a:t>29</a:t>
-            </a:r>
-            <a:r>
-              <a:rPr lang="ko-KR" sz="2000" b="1">
-                <a:solidFill>
-                  <a:srgbClr val="0611F2"/>
-                </a:solidFill>
-                <a:latin typeface="맑은 고딕" charset="0"/>
-                <a:ea typeface="맑은 고딕" charset="0"/>
-              </a:rPr>
-              <a:t>.</a:t>
+              <a:t>29.</a:t>
             </a:r>
             <a:r>
               <a:rPr lang="ko-KR" sz="2000">
@@ -8612,14 +8592,7 @@
                 <a:latin typeface="맑은 고딕" charset="0"/>
                 <a:ea typeface="맑은 고딕" charset="0"/>
               </a:rPr>
-              <a:t>마지막으로</a:t>
-            </a:r>
-            <a:r>
-              <a:rPr lang="ko-KR" sz="1800">
-                <a:latin typeface="맑은 고딕" charset="0"/>
-                <a:ea typeface="맑은 고딕" charset="0"/>
-              </a:rPr>
-              <a:t> UI에 Text를 생성하고 File Data라는 이름으로 정의합니다.</a:t>
+              <a:t>마지막으로 UI에 Text를 생성하고 File Data라는 이름으로 정의합니다.</a:t>
             </a:r>
             <a:endParaRPr lang="ko-KR" altLang="en-US" sz="1800">
               <a:latin typeface="맑은 고딕" charset="0"/>
@@ -8630,7 +8603,7 @@
       </p:sp>
       <p:pic>
         <p:nvPicPr>
-          <p:cNvPr id="74" name="그림 135" descr="C:/Users/Admin1/AppData/Roaming/PolarisOffice/ETemp/4076_20445776/fImage218652421478.png"/>
+          <p:cNvPr id="74" name="그림 135" descr="C:/Users/Admin1/AppData/Roaming/PolarisOffice/ETemp/18164_10088728/fImage218652421478.png"/>
           <p:cNvPicPr>
             <a:picLocks noChangeAspect="1"/>
           </p:cNvPicPr>
@@ -8650,8 +8623,8 @@
         </p:blipFill>
         <p:spPr>
           <a:xfrm rot="0">
-            <a:off x="6705600" y="1382395"/>
-            <a:ext cx="2708275" cy="3811905"/>
+            <a:off x="6824980" y="1382395"/>
+            <a:ext cx="2589530" cy="3930015"/>
           </a:xfrm>
           <a:prstGeom prst="roundRect"/>
           <a:solidFill>
@@ -8661,17 +8634,17 @@
       </p:pic>
       <p:pic>
         <p:nvPicPr>
-          <p:cNvPr id="75" name="그림 136" descr="C:/Users/Admin1/AppData/Roaming/PolarisOffice/ETemp/4076_20445776/fImage65832439358.png"/>
+          <p:cNvPr id="75" name="그림 16" descr="C:/Users/Admin1/AppData/Roaming/PolarisOffice/ETemp/18164_10088728/fImage861224441.png"/>
           <p:cNvPicPr>
             <a:picLocks noChangeAspect="1"/>
           </p:cNvPicPr>
           <p:nvPr/>
         </p:nvPicPr>
         <p:blipFill rotWithShape="1">
-          <a:blip r:embed="rId20" cstate="hqprint">
+          <a:blip r:embed="rId21" cstate="print">
             <a:extLst>
               <a:ext uri="{28A0092B-C50C-407E-A947-70E740481C1C}">
-                <a14:useLocalDpi xmlns:a14="http://schemas.microsoft.com/office/drawing/2010/main"/>
+                <a14:useLocalDpi xmlns:a14="http://schemas.microsoft.com/office/drawing/2010/main" val="0"/>
               </a:ext>
             </a:extLst>
           </a:blip>
@@ -8681,8 +8654,8 @@
         </p:blipFill>
         <p:spPr>
           <a:xfrm rot="0">
-            <a:off x="9602470" y="2127885"/>
-            <a:ext cx="1257935" cy="2364740"/>
+            <a:off x="9559925" y="2070100"/>
+            <a:ext cx="1384935" cy="2552700"/>
           </a:xfrm>
           <a:prstGeom prst="roundRect"/>
           <a:solidFill>
@@ -8714,7 +8687,7 @@
 </file>
 
 <file path=ppt/slides/slide12.xml><?xml version="1.0" encoding="utf-8"?>
-<p:sld xmlns:a="http://schemas.openxmlformats.org/drawingml/2006/main" xmlns:r="http://schemas.openxmlformats.org/officeDocument/2006/relationships" xmlns:p="http://schemas.openxmlformats.org/presentationml/2006/main">
+<p:sld xmlns:a="http://schemas.openxmlformats.org/drawingml/2006/main" xmlns:r="http://schemas.openxmlformats.org/officeDocument/2006/relationships" xmlns:p="http://schemas.openxmlformats.org/presentationml/2006/main" xmlns:p14="http://schemas.microsoft.com/office/powerpoint/2010/main">
   <p:cSld>
     <p:spTree>
       <p:nvGrpSpPr>
@@ -9020,7 +8993,7 @@
       </p:sp>
       <p:pic>
         <p:nvPicPr>
-          <p:cNvPr id="76" name="Picture " descr="C:/Users/Admin1/AppData/Roaming/PolarisOffice/ETemp/4076_20445776/fImage35042963902.png"/>
+          <p:cNvPr id="76" name="Picture "/>
           <p:cNvPicPr>
             <a:picLocks noChangeAspect="1"/>
           </p:cNvPicPr>
@@ -9051,17 +9024,17 @@
       </p:pic>
       <p:pic>
         <p:nvPicPr>
-          <p:cNvPr id="77" name="그림 44" descr="C:/Users/Admin1/AppData/Roaming/PolarisOffice/ETemp/4076_20445776/fImage4399300153.png"/>
+          <p:cNvPr id="77" name="그림 44" descr="C:/Users/Admin1/AppData/Roaming/PolarisOffice/ETemp/18164_10088728/fImage4399300153.png"/>
           <p:cNvPicPr>
             <a:picLocks noChangeAspect="1"/>
           </p:cNvPicPr>
           <p:nvPr/>
         </p:nvPicPr>
         <p:blipFill rotWithShape="1">
-          <a:blip r:embed="rId3" cstate="print">
+          <a:blip r:embed="rId3" cstate="hqprint">
             <a:extLst>
               <a:ext uri="{28A0092B-C50C-407E-A947-70E740481C1C}">
-                <a14:useLocalDpi xmlns:a14="http://schemas.microsoft.com/office/drawing/2010/main" val="0"/>
+                <a14:useLocalDpi xmlns:a14="http://schemas.microsoft.com/office/drawing/2010/main"/>
               </a:ext>
             </a:extLst>
           </a:blip>
@@ -9072,7 +9045,7 @@
         <p:spPr>
           <a:xfrm rot="0">
             <a:off x="6819900" y="1457325"/>
-            <a:ext cx="4113530" cy="2014855"/>
+            <a:ext cx="4128770" cy="2015490"/>
           </a:xfrm>
           <a:prstGeom prst="roundRect"/>
           <a:solidFill>
@@ -9082,7 +9055,7 @@
       </p:pic>
       <p:pic>
         <p:nvPicPr>
-          <p:cNvPr id="78" name="그림 67" descr="C:/Users/Admin1/AppData/Roaming/PolarisOffice/ETemp/4076_20445776/fImage12195326292.png"/>
+          <p:cNvPr id="78" name="그림 67"/>
           <p:cNvPicPr>
             <a:picLocks noChangeAspect="1"/>
           </p:cNvPicPr>
@@ -9285,9 +9258,9 @@
           <p:nvPr/>
         </p:nvSpPr>
         <p:spPr>
-          <a:xfrm>
-            <a:off x="1464945" y="5162550"/>
-            <a:ext cx="3927475" cy="954405"/>
+          <a:xfrm rot="0">
+            <a:off x="1238885" y="5295265"/>
+            <a:ext cx="4140200" cy="954405"/>
           </a:xfrm>
           <a:prstGeom prst="rect"/>
           <a:noFill/>
@@ -9314,17 +9287,7 @@
                 <a:latin typeface="맑은 고딕" charset="0"/>
                 <a:ea typeface="맑은 고딕" charset="0"/>
               </a:rPr>
-              <a:t>33</a:t>
-            </a:r>
-            <a:r>
-              <a:rPr lang="ko-KR" sz="2000" b="1">
-                <a:solidFill>
-                  <a:srgbClr val="0611F2"/>
-                </a:solidFill>
-                <a:latin typeface="맑은 고딕" charset="0"/>
-                <a:ea typeface="맑은 고딕" charset="0"/>
-              </a:rPr>
-              <a:t>.</a:t>
+              <a:t>33.</a:t>
             </a:r>
             <a:r>
               <a:rPr lang="ko-KR" sz="2000">
@@ -9359,9 +9322,9 @@
           <p:nvPr/>
         </p:nvSpPr>
         <p:spPr>
-          <a:xfrm>
-            <a:off x="6699250" y="3275965"/>
-            <a:ext cx="4335145" cy="677545"/>
+          <a:xfrm rot="0">
+            <a:off x="6808470" y="3143250"/>
+            <a:ext cx="4165600" cy="954405"/>
           </a:xfrm>
           <a:prstGeom prst="rect"/>
           <a:noFill/>
@@ -9388,17 +9351,7 @@
                 <a:latin typeface="맑은 고딕" charset="0"/>
                 <a:ea typeface="맑은 고딕" charset="0"/>
               </a:rPr>
-              <a:t>34</a:t>
-            </a:r>
-            <a:r>
-              <a:rPr lang="ko-KR" sz="2000" b="1">
-                <a:solidFill>
-                  <a:srgbClr val="0611F2"/>
-                </a:solidFill>
-                <a:latin typeface="맑은 고딕" charset="0"/>
-                <a:ea typeface="맑은 고딕" charset="0"/>
-              </a:rPr>
-              <a:t>.</a:t>
+              <a:t>34.</a:t>
             </a:r>
             <a:r>
               <a:rPr lang="ko-KR" sz="2000">
@@ -9426,14 +9379,14 @@
       </p:sp>
       <p:pic>
         <p:nvPicPr>
-          <p:cNvPr id="75" name="그림 73"/>
+          <p:cNvPr id="79" name="그림 11" descr="C:/Users/Admin1/AppData/Roaming/PolarisOffice/ETemp/18164_10088728/fImage31881478467.png"/>
           <p:cNvPicPr>
             <a:picLocks noChangeAspect="1"/>
           </p:cNvPicPr>
           <p:nvPr/>
         </p:nvPicPr>
         <p:blipFill rotWithShape="1">
-          <a:blip r:embed="rId11" cstate="hqprint">
+          <a:blip r:embed="rId13" cstate="hqprint">
             <a:extLst>
               <a:ext uri="{28A0092B-C50C-407E-A947-70E740481C1C}">
                 <a14:useLocalDpi xmlns:a14="http://schemas.microsoft.com/office/drawing/2010/main"/>
@@ -9446,8 +9399,8 @@
         </p:blipFill>
         <p:spPr>
           <a:xfrm rot="0">
-            <a:off x="1457325" y="1314450"/>
-            <a:ext cx="1753235" cy="2562860"/>
+            <a:off x="8246745" y="1315720"/>
+            <a:ext cx="2719070" cy="788035"/>
           </a:xfrm>
           <a:prstGeom prst="roundRect"/>
           <a:solidFill>
@@ -9457,14 +9410,171 @@
       </p:pic>
       <p:pic>
         <p:nvPicPr>
-          <p:cNvPr id="76" name="그림 6"/>
+          <p:cNvPr id="81" name="그림 15" descr="C:/Users/Admin1/AppData/Roaming/PolarisOffice/ETemp/18164_10088728/fImage31881496500.png"/>
           <p:cNvPicPr>
             <a:picLocks noChangeAspect="1"/>
           </p:cNvPicPr>
           <p:nvPr/>
         </p:nvPicPr>
         <p:blipFill rotWithShape="1">
-          <a:blip r:embed="rId12" cstate="print">
+          <a:blip r:embed="rId15" cstate="hqprint">
+            <a:extLst>
+              <a:ext uri="{28A0092B-C50C-407E-A947-70E740481C1C}">
+                <a14:useLocalDpi xmlns:a14="http://schemas.microsoft.com/office/drawing/2010/main"/>
+              </a:ext>
+            </a:extLst>
+          </a:blip>
+          <a:stretch>
+            <a:fillRect/>
+          </a:stretch>
+        </p:blipFill>
+        <p:spPr>
+          <a:xfrm rot="0">
+            <a:off x="8246745" y="2277745"/>
+            <a:ext cx="2727325" cy="789940"/>
+          </a:xfrm>
+          <a:prstGeom prst="roundRect"/>
+          <a:solidFill>
+            <a:srgbClr val="EDEDED"/>
+          </a:solidFill>
+        </p:spPr>
+      </p:pic>
+      <p:pic>
+        <p:nvPicPr>
+          <p:cNvPr id="82" name="그림 16" descr="C:/Users/Admin1/AppData/Roaming/PolarisOffice/ETemp/18164_10088728/fImage134151509169.png"/>
+          <p:cNvPicPr>
+            <a:picLocks noChangeAspect="1"/>
+          </p:cNvPicPr>
+          <p:nvPr/>
+        </p:nvPicPr>
+        <p:blipFill rotWithShape="1">
+          <a:blip r:embed="rId16" cstate="hqprint">
+            <a:extLst>
+              <a:ext uri="{28A0092B-C50C-407E-A947-70E740481C1C}">
+                <a14:useLocalDpi xmlns:a14="http://schemas.microsoft.com/office/drawing/2010/main"/>
+              </a:ext>
+            </a:extLst>
+          </a:blip>
+          <a:stretch>
+            <a:fillRect/>
+          </a:stretch>
+        </p:blipFill>
+        <p:spPr>
+          <a:xfrm rot="0">
+            <a:off x="6824980" y="4184015"/>
+            <a:ext cx="4146550" cy="1014730"/>
+          </a:xfrm>
+          <a:prstGeom prst="roundRect"/>
+          <a:solidFill>
+            <a:srgbClr val="EDEDED"/>
+          </a:solidFill>
+        </p:spPr>
+      </p:pic>
+      <p:sp>
+        <p:nvSpPr>
+          <p:cNvPr id="83" name="텍스트 상자 19"/>
+          <p:cNvSpPr txBox="1">
+            <a:spLocks/>
+          </p:cNvSpPr>
+          <p:nvPr/>
+        </p:nvSpPr>
+        <p:spPr>
+          <a:xfrm rot="0">
+            <a:off x="6808470" y="5298440"/>
+            <a:ext cx="4173855" cy="954405"/>
+          </a:xfrm>
+          <a:prstGeom prst="rect"/>
+          <a:noFill/>
+          <a:ln w="0">
+            <a:noFill/>
+            <a:prstDash/>
+          </a:ln>
+        </p:spPr>
+        <p:txBody>
+          <a:bodyPr wrap="square" lIns="89535" tIns="46355" rIns="89535" bIns="46355" numCol="1" vert="horz" anchor="t">
+            <a:spAutoFit/>
+          </a:bodyPr>
+          <a:lstStyle/>
+          <a:p>
+            <a:pPr marL="0" indent="0" algn="l" latinLnBrk="0" hangingPunct="1">
+              <a:buFontTx/>
+              <a:buNone/>
+            </a:pPr>
+            <a:r>
+              <a:rPr lang="ko-KR" sz="2000" b="1">
+                <a:solidFill>
+                  <a:srgbClr val="0611F2"/>
+                </a:solidFill>
+                <a:latin typeface="맑은 고딕" charset="0"/>
+                <a:ea typeface="맑은 고딕" charset="0"/>
+              </a:rPr>
+              <a:t>35.</a:t>
+            </a:r>
+            <a:r>
+              <a:rPr lang="ko-KR" sz="2000">
+                <a:solidFill>
+                  <a:srgbClr val="0611F2"/>
+                </a:solidFill>
+                <a:latin typeface="맑은 고딕" charset="0"/>
+                <a:ea typeface="맑은 고딕" charset="0"/>
+              </a:rPr>
+              <a:t> </a:t>
+            </a:r>
+            <a:r>
+              <a:rPr lang="ko-KR" sz="1800">
+                <a:latin typeface="맑은 고딕" charset="0"/>
+                <a:ea typeface="맑은 고딕" charset="0"/>
+              </a:rPr>
+              <a:t>그다음 Close Button의 On Click( ) 함수에 자기 자신을 넣어주고 함수를 지정합니다.</a:t>
+            </a:r>
+            <a:endParaRPr lang="ko-KR" altLang="en-US" sz="1800">
+              <a:latin typeface="맑은 고딕" charset="0"/>
+              <a:ea typeface="맑은 고딕" charset="0"/>
+            </a:endParaRPr>
+          </a:p>
+        </p:txBody>
+      </p:sp>
+      <p:pic>
+        <p:nvPicPr>
+          <p:cNvPr id="84" name="그림 130" descr="C:/Users/Admin1/AppData/Roaming/PolarisOffice/ETemp/18164_10088728/fImage92233882382.png"/>
+          <p:cNvPicPr>
+            <a:picLocks noChangeAspect="1"/>
+          </p:cNvPicPr>
+          <p:nvPr/>
+        </p:nvPicPr>
+        <p:blipFill rotWithShape="1">
+          <a:blip r:embed="rId17" cstate="hqprint">
+            <a:extLst>
+              <a:ext uri="{28A0092B-C50C-407E-A947-70E740481C1C}">
+                <a14:useLocalDpi xmlns:a14="http://schemas.microsoft.com/office/drawing/2010/main"/>
+              </a:ext>
+            </a:extLst>
+          </a:blip>
+          <a:stretch>
+            <a:fillRect/>
+          </a:stretch>
+        </p:blipFill>
+        <p:spPr>
+          <a:xfrm rot="0">
+            <a:off x="1247140" y="4218940"/>
+            <a:ext cx="4137025" cy="987425"/>
+          </a:xfrm>
+          <a:prstGeom prst="roundRect"/>
+          <a:solidFill>
+            <a:srgbClr val="EDEDED"/>
+          </a:solidFill>
+        </p:spPr>
+      </p:pic>
+      <p:pic>
+        <p:nvPicPr>
+          <p:cNvPr id="86" name="그림 6" descr="C:/Users/Admin1/AppData/Roaming/PolarisOffice/ETemp/18164_10088728/fImage82372418467.png"/>
+          <p:cNvPicPr>
+            <a:picLocks noChangeAspect="1"/>
+          </p:cNvPicPr>
+          <p:nvPr/>
+        </p:nvPicPr>
+        <p:blipFill rotWithShape="1">
+          <a:blip r:embed="rId18" cstate="print">
             <a:extLst>
               <a:ext uri="{28A0092B-C50C-407E-A947-70E740481C1C}">
                 <a14:useLocalDpi xmlns:a14="http://schemas.microsoft.com/office/drawing/2010/main" val="0"/>
@@ -9477,8 +9587,8 @@
         </p:blipFill>
         <p:spPr>
           <a:xfrm rot="0">
-            <a:off x="3829050" y="1514475"/>
-            <a:ext cx="1562735" cy="2181860"/>
+            <a:off x="6809740" y="1313180"/>
+            <a:ext cx="1312545" cy="1755140"/>
           </a:xfrm>
           <a:prstGeom prst="roundRect"/>
           <a:solidFill>
@@ -9488,14 +9598,14 @@
       </p:pic>
       <p:pic>
         <p:nvPicPr>
-          <p:cNvPr id="79" name="그림 11"/>
+          <p:cNvPr id="87" name="그림 9" descr="C:/Users/Admin1/AppData/Roaming/PolarisOffice/ETemp/18164_10088728/fImage82372426334.png"/>
           <p:cNvPicPr>
             <a:picLocks noChangeAspect="1"/>
           </p:cNvPicPr>
           <p:nvPr/>
         </p:nvPicPr>
         <p:blipFill rotWithShape="1">
-          <a:blip r:embed="rId13" cstate="print">
+          <a:blip r:embed="rId19" cstate="print">
             <a:extLst>
               <a:ext uri="{28A0092B-C50C-407E-A947-70E740481C1C}">
                 <a14:useLocalDpi xmlns:a14="http://schemas.microsoft.com/office/drawing/2010/main" val="0"/>
@@ -9508,8 +9618,8 @@
         </p:blipFill>
         <p:spPr>
           <a:xfrm rot="0">
-            <a:off x="8020050" y="1557020"/>
-            <a:ext cx="3143885" cy="705485"/>
+            <a:off x="3857625" y="1537970"/>
+            <a:ext cx="1526540" cy="2270125"/>
           </a:xfrm>
           <a:prstGeom prst="roundRect"/>
           <a:solidFill>
@@ -9519,14 +9629,14 @@
       </p:pic>
       <p:pic>
         <p:nvPicPr>
-          <p:cNvPr id="80" name="그림 14"/>
+          <p:cNvPr id="88" name="그림 10" descr="C:/Users/Admin1/AppData/Roaming/PolarisOffice/ETemp/18164_10088728/fImage80992436500.png"/>
           <p:cNvPicPr>
             <a:picLocks noChangeAspect="1"/>
           </p:cNvPicPr>
           <p:nvPr/>
         </p:nvPicPr>
         <p:blipFill rotWithShape="1">
-          <a:blip r:embed="rId14" cstate="print">
+          <a:blip r:embed="rId20" cstate="print">
             <a:extLst>
               <a:ext uri="{28A0092B-C50C-407E-A947-70E740481C1C}">
                 <a14:useLocalDpi xmlns:a14="http://schemas.microsoft.com/office/drawing/2010/main" val="0"/>
@@ -9539,175 +9649,8 @@
         </p:blipFill>
         <p:spPr>
           <a:xfrm rot="0">
-            <a:off x="6701155" y="1500505"/>
-            <a:ext cx="1195705" cy="1638300"/>
-          </a:xfrm>
-          <a:prstGeom prst="roundRect"/>
-          <a:solidFill>
-            <a:srgbClr val="EDEDED"/>
-          </a:solidFill>
-        </p:spPr>
-      </p:pic>
-      <p:pic>
-        <p:nvPicPr>
-          <p:cNvPr id="81" name="그림 15"/>
-          <p:cNvPicPr>
-            <a:picLocks noChangeAspect="1"/>
-          </p:cNvPicPr>
-          <p:nvPr/>
-        </p:nvPicPr>
-        <p:blipFill rotWithShape="1">
-          <a:blip r:embed="rId15" cstate="print">
-            <a:extLst>
-              <a:ext uri="{28A0092B-C50C-407E-A947-70E740481C1C}">
-                <a14:useLocalDpi xmlns:a14="http://schemas.microsoft.com/office/drawing/2010/main" val="0"/>
-              </a:ext>
-            </a:extLst>
-          </a:blip>
-          <a:stretch>
-            <a:fillRect/>
-          </a:stretch>
-        </p:blipFill>
-        <p:spPr>
-          <a:xfrm rot="0">
-            <a:off x="8015605" y="2419350"/>
-            <a:ext cx="3143885" cy="705485"/>
-          </a:xfrm>
-          <a:prstGeom prst="roundRect"/>
-          <a:solidFill>
-            <a:srgbClr val="EDEDED"/>
-          </a:solidFill>
-        </p:spPr>
-      </p:pic>
-      <p:pic>
-        <p:nvPicPr>
-          <p:cNvPr id="82" name="그림 16"/>
-          <p:cNvPicPr>
-            <a:picLocks noChangeAspect="1"/>
-          </p:cNvPicPr>
-          <p:nvPr/>
-        </p:nvPicPr>
-        <p:blipFill rotWithShape="1">
-          <a:blip r:embed="rId16" cstate="print">
-            <a:extLst>
-              <a:ext uri="{28A0092B-C50C-407E-A947-70E740481C1C}">
-                <a14:useLocalDpi xmlns:a14="http://schemas.microsoft.com/office/drawing/2010/main" val="0"/>
-              </a:ext>
-            </a:extLst>
-          </a:blip>
-          <a:stretch>
-            <a:fillRect/>
-          </a:stretch>
-        </p:blipFill>
-        <p:spPr>
-          <a:xfrm rot="0">
-            <a:off x="6702425" y="4026535"/>
-            <a:ext cx="4467860" cy="1014095"/>
-          </a:xfrm>
-          <a:prstGeom prst="roundRect"/>
-          <a:solidFill>
-            <a:srgbClr val="EDEDED"/>
-          </a:solidFill>
-        </p:spPr>
-      </p:pic>
-      <p:sp>
-        <p:nvSpPr>
-          <p:cNvPr id="83" name="텍스트 상자 19"/>
-          <p:cNvSpPr txBox="1">
-            <a:spLocks/>
-          </p:cNvSpPr>
-          <p:nvPr/>
-        </p:nvSpPr>
-        <p:spPr>
-          <a:xfrm>
-            <a:off x="6701790" y="5157470"/>
-            <a:ext cx="4461510" cy="954405"/>
-          </a:xfrm>
-          <a:prstGeom prst="rect"/>
-          <a:noFill/>
-          <a:ln w="0">
-            <a:noFill/>
-            <a:prstDash/>
-          </a:ln>
-        </p:spPr>
-        <p:txBody>
-          <a:bodyPr wrap="square" lIns="89535" tIns="46355" rIns="89535" bIns="46355" numCol="1" vert="horz" anchor="t">
-            <a:spAutoFit/>
-          </a:bodyPr>
-          <a:lstStyle/>
-          <a:p>
-            <a:pPr marL="0" indent="0" algn="l" latinLnBrk="0" hangingPunct="1">
-              <a:buFontTx/>
-              <a:buNone/>
-            </a:pPr>
-            <a:r>
-              <a:rPr lang="ko-KR" sz="2000" b="1">
-                <a:solidFill>
-                  <a:srgbClr val="0611F2"/>
-                </a:solidFill>
-                <a:latin typeface="맑은 고딕" charset="0"/>
-                <a:ea typeface="맑은 고딕" charset="0"/>
-              </a:rPr>
-              <a:t>35</a:t>
-            </a:r>
-            <a:r>
-              <a:rPr lang="ko-KR" sz="2000" b="1">
-                <a:solidFill>
-                  <a:srgbClr val="0611F2"/>
-                </a:solidFill>
-                <a:latin typeface="맑은 고딕" charset="0"/>
-                <a:ea typeface="맑은 고딕" charset="0"/>
-              </a:rPr>
-              <a:t>.</a:t>
-            </a:r>
-            <a:r>
-              <a:rPr lang="ko-KR" sz="2000">
-                <a:solidFill>
-                  <a:srgbClr val="0611F2"/>
-                </a:solidFill>
-                <a:latin typeface="맑은 고딕" charset="0"/>
-                <a:ea typeface="맑은 고딕" charset="0"/>
-              </a:rPr>
-              <a:t> </a:t>
-            </a:r>
-            <a:r>
-              <a:rPr lang="ko-KR" sz="1800">
-                <a:latin typeface="맑은 고딕" charset="0"/>
-                <a:ea typeface="맑은 고딕" charset="0"/>
-              </a:rPr>
-              <a:t>그다음 Close Button의 On Click( ) 함수에 자기 자신을 넣어주고 함수를 지정합니다.</a:t>
-            </a:r>
-            <a:endParaRPr lang="ko-KR" altLang="en-US" sz="1800">
-              <a:latin typeface="맑은 고딕" charset="0"/>
-              <a:ea typeface="맑은 고딕" charset="0"/>
-            </a:endParaRPr>
-          </a:p>
-        </p:txBody>
-      </p:sp>
-      <p:pic>
-        <p:nvPicPr>
-          <p:cNvPr id="84" name="그림 130" descr="C:/Users/Admin1/AppData/Roaming/PolarisOffice/ETemp/4076_20445776/fImage92233882382.png"/>
-          <p:cNvPicPr>
-            <a:picLocks noChangeAspect="1"/>
-          </p:cNvPicPr>
-          <p:nvPr/>
-        </p:nvPicPr>
-        <p:blipFill rotWithShape="1">
-          <a:blip r:embed="rId17" cstate="print">
-            <a:extLst>
-              <a:ext uri="{28A0092B-C50C-407E-A947-70E740481C1C}">
-                <a14:useLocalDpi xmlns:a14="http://schemas.microsoft.com/office/drawing/2010/main" val="0"/>
-              </a:ext>
-            </a:extLst>
-          </a:blip>
-          <a:stretch>
-            <a:fillRect/>
-          </a:stretch>
-        </p:blipFill>
-        <p:spPr>
-          <a:xfrm rot="0">
-            <a:off x="1471295" y="4052570"/>
-            <a:ext cx="3920490" cy="986790"/>
+            <a:off x="1247140" y="1313180"/>
+            <a:ext cx="2253615" cy="2702560"/>
           </a:xfrm>
           <a:prstGeom prst="roundRect"/>
           <a:solidFill>
@@ -9723,8 +9666,8 @@
         </p:nvCxnSpPr>
         <p:spPr>
           <a:xfrm rot="0">
-            <a:off x="2638425" y="2543175"/>
-            <a:ext cx="2629535" cy="2086610"/>
+            <a:off x="2593975" y="2585085"/>
+            <a:ext cx="2701925" cy="2237105"/>
           </a:xfrm>
           <a:prstGeom prst="straightConnector1"/>
           <a:ln w="6350" cap="flat" cmpd="sng">
@@ -9755,8 +9698,8 @@
         </p:nvCxnSpPr>
         <p:spPr>
           <a:xfrm rot="0">
-            <a:off x="2638425" y="2533650"/>
-            <a:ext cx="2658110" cy="2334260"/>
+            <a:off x="2585720" y="2602230"/>
+            <a:ext cx="2710180" cy="2435860"/>
           </a:xfrm>
           <a:prstGeom prst="straightConnector1"/>
           <a:ln w="6350" cap="flat" cmpd="sng">
@@ -9888,7 +9831,7 @@
         <p:spPr>
           <a:xfrm rot="0">
             <a:off x="6810375" y="2752090"/>
-            <a:ext cx="4049395" cy="677545"/>
+            <a:ext cx="4050030" cy="678180"/>
           </a:xfrm>
           <a:prstGeom prst="rect"/>
           <a:noFill/>
@@ -9915,17 +9858,7 @@
                 <a:latin typeface="맑은 고딕" charset="0"/>
                 <a:ea typeface="맑은 고딕" charset="0"/>
               </a:rPr>
-              <a:t>38</a:t>
-            </a:r>
-            <a:r>
-              <a:rPr lang="ko-KR" sz="2000" b="1">
-                <a:solidFill>
-                  <a:srgbClr val="0611F2"/>
-                </a:solidFill>
-                <a:latin typeface="맑은 고딕" charset="0"/>
-                <a:ea typeface="맑은 고딕" charset="0"/>
-              </a:rPr>
-              <a:t>.</a:t>
+              <a:t>38.</a:t>
             </a:r>
             <a:r>
               <a:rPr lang="ko-KR" sz="2000">
@@ -9942,14 +9875,7 @@
                 <a:latin typeface="맑은 고딕" charset="0"/>
                 <a:ea typeface="맑은 고딕" charset="0"/>
               </a:rPr>
-              <a:t>그다음으로</a:t>
-            </a:r>
-            <a:r>
-              <a:rPr lang="ko-KR" sz="1800">
-                <a:latin typeface="맑은 고딕" charset="0"/>
-                <a:ea typeface="맑은 고딕" charset="0"/>
-              </a:rPr>
-              <a:t> File Data 오브젝트의 앵커와 위치를 조절합니다.</a:t>
+              <a:t>그다음으로 File Data 오브젝트의 앵커와 위치를 조절합니다.</a:t>
             </a:r>
             <a:endParaRPr lang="ko-KR" altLang="en-US" sz="1800">
               <a:latin typeface="맑은 고딕" charset="0"/>
@@ -10065,17 +9991,17 @@
       </p:sp>
       <p:pic>
         <p:nvPicPr>
-          <p:cNvPr id="88" name="그림 30"/>
+          <p:cNvPr id="88" name="그림 30" descr="C:/Users/Admin1/AppData/Roaming/PolarisOffice/ETemp/18164_10088728/fImage20682446962.png"/>
           <p:cNvPicPr>
             <a:picLocks noChangeAspect="1"/>
           </p:cNvPicPr>
           <p:nvPr/>
         </p:nvPicPr>
         <p:blipFill rotWithShape="1">
-          <a:blip r:embed="rId5" cstate="print">
+          <a:blip r:embed="rId5" cstate="hqprint">
             <a:extLst>
               <a:ext uri="{28A0092B-C50C-407E-A947-70E740481C1C}">
-                <a14:useLocalDpi xmlns:a14="http://schemas.microsoft.com/office/drawing/2010/main" val="0"/>
+                <a14:useLocalDpi xmlns:a14="http://schemas.microsoft.com/office/drawing/2010/main"/>
               </a:ext>
             </a:extLst>
           </a:blip>
@@ -10086,7 +10012,7 @@
         <p:spPr>
           <a:xfrm rot="0">
             <a:off x="4572000" y="4044950"/>
-            <a:ext cx="802640" cy="1021715"/>
+            <a:ext cx="803275" cy="1022350"/>
           </a:xfrm>
           <a:prstGeom prst="roundRect"/>
           <a:solidFill>
@@ -10134,7 +10060,7 @@
         <p:spPr>
           <a:xfrm rot="0" flipH="1">
             <a:off x="3446780" y="4555490"/>
-            <a:ext cx="1125855" cy="615950"/>
+            <a:ext cx="1126490" cy="616585"/>
           </a:xfrm>
           <a:prstGeom prst="straightConnector1"/>
           <a:ln w="6350" cap="flat" cmpd="sng">
@@ -10166,9 +10092,9 @@
           <p:nvPr/>
         </p:nvSpPr>
         <p:spPr>
-          <a:xfrm>
+          <a:xfrm rot="0">
             <a:off x="1240790" y="5491480"/>
-            <a:ext cx="4131945" cy="677545"/>
+            <a:ext cx="4132580" cy="678180"/>
           </a:xfrm>
           <a:prstGeom prst="rect"/>
           <a:noFill/>
@@ -10195,17 +10121,7 @@
                 <a:latin typeface="맑은 고딕" charset="0"/>
                 <a:ea typeface="맑은 고딕" charset="0"/>
               </a:rPr>
-              <a:t>37</a:t>
-            </a:r>
-            <a:r>
-              <a:rPr lang="ko-KR" sz="2000" b="1">
-                <a:solidFill>
-                  <a:srgbClr val="0611F2"/>
-                </a:solidFill>
-                <a:latin typeface="맑은 고딕" charset="0"/>
-                <a:ea typeface="맑은 고딕" charset="0"/>
-              </a:rPr>
-              <a:t>.</a:t>
+              <a:t>37.</a:t>
             </a:r>
             <a:r>
               <a:rPr lang="ko-KR" sz="2000">
@@ -10233,17 +10149,17 @@
       </p:sp>
       <p:pic>
         <p:nvPicPr>
-          <p:cNvPr id="92" name="그림 137" descr="C:/Users/Admin1/AppData/Roaming/PolarisOffice/ETemp/4076_20445776/fImage124813937421.png"/>
+          <p:cNvPr id="92" name="그림 137" descr="C:/Users/Admin1/AppData/Roaming/PolarisOffice/ETemp/18164_10088728/fImage124813937421.png"/>
           <p:cNvPicPr>
             <a:picLocks noChangeAspect="1"/>
           </p:cNvPicPr>
           <p:nvPr/>
         </p:nvPicPr>
         <p:blipFill rotWithShape="1">
-          <a:blip r:embed="rId8" cstate="print">
+          <a:blip r:embed="rId8" cstate="hqprint">
             <a:extLst>
               <a:ext uri="{28A0092B-C50C-407E-A947-70E740481C1C}">
-                <a14:useLocalDpi xmlns:a14="http://schemas.microsoft.com/office/drawing/2010/main" val="0"/>
+                <a14:useLocalDpi xmlns:a14="http://schemas.microsoft.com/office/drawing/2010/main"/>
               </a:ext>
             </a:extLst>
           </a:blip>
@@ -10254,7 +10170,7 @@
         <p:spPr>
           <a:xfrm rot="0">
             <a:off x="6810375" y="1499870"/>
-            <a:ext cx="4048760" cy="1082040"/>
+            <a:ext cx="4049395" cy="1082675"/>
           </a:xfrm>
           <a:prstGeom prst="roundRect"/>
           <a:solidFill>
@@ -10264,17 +10180,17 @@
       </p:pic>
       <p:pic>
         <p:nvPicPr>
-          <p:cNvPr id="93" name="그림 143" descr="C:/Users/Admin1/AppData/Roaming/PolarisOffice/ETemp/4076_20445776/fImage111143948716.png"/>
+          <p:cNvPr id="93" name="그림 143" descr="C:/Users/Admin1/AppData/Roaming/PolarisOffice/ETemp/18164_10088728/fImage111143948716.png"/>
           <p:cNvPicPr>
             <a:picLocks noChangeAspect="1"/>
           </p:cNvPicPr>
           <p:nvPr/>
         </p:nvPicPr>
         <p:blipFill rotWithShape="1">
-          <a:blip r:embed="rId9" cstate="print">
+          <a:blip r:embed="rId9" cstate="hqprint">
             <a:extLst>
               <a:ext uri="{28A0092B-C50C-407E-A947-70E740481C1C}">
-                <a14:useLocalDpi xmlns:a14="http://schemas.microsoft.com/office/drawing/2010/main" val="0"/>
+                <a14:useLocalDpi xmlns:a14="http://schemas.microsoft.com/office/drawing/2010/main"/>
               </a:ext>
             </a:extLst>
           </a:blip>
@@ -10285,7 +10201,7 @@
         <p:spPr>
           <a:xfrm rot="0">
             <a:off x="6810375" y="3619500"/>
-            <a:ext cx="4062730" cy="1743710"/>
+            <a:ext cx="4063365" cy="1744345"/>
           </a:xfrm>
           <a:prstGeom prst="roundRect"/>
           <a:solidFill>
@@ -10304,7 +10220,7 @@
         <p:spPr>
           <a:xfrm rot="0">
             <a:off x="6805930" y="5500370"/>
-            <a:ext cx="4049395" cy="677545"/>
+            <a:ext cx="4050030" cy="678180"/>
           </a:xfrm>
           <a:prstGeom prst="rect"/>
           <a:noFill/>
@@ -10331,17 +10247,7 @@
                 <a:latin typeface="맑은 고딕" charset="0"/>
                 <a:ea typeface="맑은 고딕" charset="0"/>
               </a:rPr>
-              <a:t>39</a:t>
-            </a:r>
-            <a:r>
-              <a:rPr lang="ko-KR" sz="2000" b="1">
-                <a:solidFill>
-                  <a:srgbClr val="0611F2"/>
-                </a:solidFill>
-                <a:latin typeface="맑은 고딕" charset="0"/>
-                <a:ea typeface="맑은 고딕" charset="0"/>
-              </a:rPr>
-              <a:t>.</a:t>
+              <a:t>39.</a:t>
             </a:r>
             <a:r>
               <a:rPr lang="ko-KR" sz="2000">
@@ -10358,21 +10264,7 @@
                 <a:latin typeface="맑은 고딕" charset="0"/>
                 <a:ea typeface="맑은 고딕" charset="0"/>
               </a:rPr>
-              <a:t>마지막으로</a:t>
-            </a:r>
-            <a:r>
-              <a:rPr lang="ko-KR" sz="1800">
-                <a:latin typeface="맑은 고딕" charset="0"/>
-                <a:ea typeface="맑은 고딕" charset="0"/>
-              </a:rPr>
-              <a:t> </a:t>
-            </a:r>
-            <a:r>
-              <a:rPr lang="ko-KR" sz="1800">
-                <a:latin typeface="맑은 고딕" charset="0"/>
-                <a:ea typeface="맑은 고딕" charset="0"/>
-              </a:rPr>
-              <a:t>File Data의 텍스트의 속성을 설정합니다.</a:t>
+              <a:t>마지막으로 File Data의 텍스트의 속성을 설정합니다.</a:t>
             </a:r>
             <a:endParaRPr lang="ko-KR" altLang="en-US" sz="1800">
               <a:latin typeface="맑은 고딕" charset="0"/>
@@ -10683,7 +10575,7 @@
       </p:sp>
       <p:pic>
         <p:nvPicPr>
-          <p:cNvPr id="92" name="그림 1" descr="C:/Users/Admin1/AppData/Roaming/PolarisOffice/ETemp/4076_20445776/fImage769224541.png"/>
+          <p:cNvPr id="92" name="그림 1" descr="C:/Users/Admin1/AppData/Roaming/PolarisOffice/ETemp/18164_10088728/fImage769224541.png"/>
           <p:cNvPicPr>
             <a:picLocks noChangeAspect="1"/>
           </p:cNvPicPr>
@@ -10704,7 +10596,7 @@
         <p:spPr>
           <a:xfrm rot="0">
             <a:off x="1250315" y="1390650"/>
-            <a:ext cx="4121150" cy="1835785"/>
+            <a:ext cx="4121785" cy="1836420"/>
           </a:xfrm>
           <a:prstGeom prst="rect"/>
           <a:noFill/>
@@ -10712,17 +10604,17 @@
       </p:pic>
       <p:pic>
         <p:nvPicPr>
-          <p:cNvPr id="93" name="그림 4"/>
+          <p:cNvPr id="93" name="그림 4" descr="C:/Users/Admin1/AppData/Roaming/PolarisOffice/ETemp/18164_10088728/fImage180682468467.png"/>
           <p:cNvPicPr>
             <a:picLocks noChangeAspect="1"/>
           </p:cNvPicPr>
           <p:nvPr/>
         </p:nvPicPr>
         <p:blipFill rotWithShape="1">
-          <a:blip r:embed="rId3" cstate="print">
+          <a:blip r:embed="rId3" cstate="hqprint">
             <a:extLst>
               <a:ext uri="{28A0092B-C50C-407E-A947-70E740481C1C}">
-                <a14:useLocalDpi xmlns:a14="http://schemas.microsoft.com/office/drawing/2010/main" val="0"/>
+                <a14:useLocalDpi xmlns:a14="http://schemas.microsoft.com/office/drawing/2010/main"/>
               </a:ext>
             </a:extLst>
           </a:blip>
@@ -10733,7 +10625,7 @@
         <p:spPr>
           <a:xfrm rot="0">
             <a:off x="8121650" y="1390015"/>
-            <a:ext cx="2854960" cy="1379855"/>
+            <a:ext cx="2855595" cy="1380490"/>
           </a:xfrm>
           <a:prstGeom prst="roundRect"/>
           <a:solidFill>
@@ -10743,17 +10635,17 @@
       </p:pic>
       <p:pic>
         <p:nvPicPr>
-          <p:cNvPr id="94" name="그림 7"/>
+          <p:cNvPr id="94" name="그림 7" descr="C:/Users/Admin1/AppData/Roaming/PolarisOffice/ETemp/18164_10088728/fImage76422476334.png"/>
           <p:cNvPicPr>
             <a:picLocks noChangeAspect="1"/>
           </p:cNvPicPr>
           <p:nvPr/>
         </p:nvPicPr>
         <p:blipFill rotWithShape="1">
-          <a:blip r:embed="rId4" cstate="print">
+          <a:blip r:embed="rId4" cstate="hqprint">
             <a:extLst>
               <a:ext uri="{28A0092B-C50C-407E-A947-70E740481C1C}">
-                <a14:useLocalDpi xmlns:a14="http://schemas.microsoft.com/office/drawing/2010/main" val="0"/>
+                <a14:useLocalDpi xmlns:a14="http://schemas.microsoft.com/office/drawing/2010/main"/>
               </a:ext>
             </a:extLst>
           </a:blip>
@@ -10764,7 +10656,7 @@
         <p:spPr>
           <a:xfrm rot="0">
             <a:off x="6819900" y="1393190"/>
-            <a:ext cx="1136650" cy="1368425"/>
+            <a:ext cx="1137285" cy="1369060"/>
           </a:xfrm>
           <a:prstGeom prst="roundRect"/>
           <a:solidFill>
@@ -10781,7 +10673,7 @@
         <p:spPr>
           <a:xfrm rot="0" flipV="1">
             <a:off x="7714615" y="1912620"/>
-            <a:ext cx="3209290" cy="283210"/>
+            <a:ext cx="3209925" cy="283845"/>
           </a:xfrm>
           <a:prstGeom prst="straightConnector1"/>
           <a:ln w="6350" cap="flat" cmpd="sng">
@@ -10813,7 +10705,7 @@
         <p:spPr>
           <a:xfrm rot="0">
             <a:off x="7914005" y="2070735"/>
-            <a:ext cx="3009900" cy="75565"/>
+            <a:ext cx="3010535" cy="76200"/>
           </a:xfrm>
           <a:prstGeom prst="straightConnector1"/>
           <a:ln w="6350" cap="flat" cmpd="sng">
@@ -10845,7 +10737,7 @@
         <p:spPr>
           <a:xfrm rot="0" flipV="1">
             <a:off x="7789545" y="2020570"/>
-            <a:ext cx="3134360" cy="416560"/>
+            <a:ext cx="3134995" cy="417195"/>
           </a:xfrm>
           <a:prstGeom prst="straightConnector1"/>
           <a:ln w="6350" cap="flat" cmpd="sng">
@@ -10870,17 +10762,17 @@
       </p:cxnSp>
       <p:pic>
         <p:nvPicPr>
-          <p:cNvPr id="98" name="그림 16"/>
+          <p:cNvPr id="98" name="그림 16" descr="C:/Users/Admin1/AppData/Roaming/PolarisOffice/ETemp/18164_10088728/fImage252452526500.png"/>
           <p:cNvPicPr>
             <a:picLocks noChangeAspect="1"/>
           </p:cNvPicPr>
           <p:nvPr/>
         </p:nvPicPr>
         <p:blipFill rotWithShape="1">
-          <a:blip r:embed="rId5" cstate="print">
+          <a:blip r:embed="rId5" cstate="hqprint">
             <a:extLst>
               <a:ext uri="{28A0092B-C50C-407E-A947-70E740481C1C}">
-                <a14:useLocalDpi xmlns:a14="http://schemas.microsoft.com/office/drawing/2010/main" val="0"/>
+                <a14:useLocalDpi xmlns:a14="http://schemas.microsoft.com/office/drawing/2010/main"/>
               </a:ext>
             </a:extLst>
           </a:blip>
@@ -10891,7 +10783,7 @@
         <p:spPr>
           <a:xfrm rot="0">
             <a:off x="6816725" y="2950845"/>
-            <a:ext cx="4161155" cy="2112645"/>
+            <a:ext cx="4161790" cy="2113280"/>
           </a:xfrm>
           <a:prstGeom prst="roundRect"/>
           <a:solidFill>
@@ -11006,9 +10898,9 @@
           <p:nvPr/>
         </p:nvSpPr>
         <p:spPr>
-          <a:xfrm>
+          <a:xfrm rot="0">
             <a:off x="6808470" y="4871720"/>
-            <a:ext cx="4043680" cy="1231265"/>
+            <a:ext cx="4044315" cy="1231900"/>
           </a:xfrm>
           <a:prstGeom prst="rect"/>
           <a:noFill/>
@@ -11035,17 +10927,7 @@
                 <a:latin typeface="맑은 고딕" charset="0"/>
                 <a:ea typeface="맑은 고딕" charset="0"/>
               </a:rPr>
-              <a:t>43</a:t>
-            </a:r>
-            <a:r>
-              <a:rPr lang="ko-KR" sz="2000" b="1">
-                <a:solidFill>
-                  <a:srgbClr val="0611F2"/>
-                </a:solidFill>
-                <a:latin typeface="맑은 고딕" charset="0"/>
-                <a:ea typeface="맑은 고딕" charset="0"/>
-              </a:rPr>
-              <a:t>.</a:t>
+              <a:t>43.</a:t>
             </a:r>
             <a:r>
               <a:rPr lang="ko-KR" sz="2000">
@@ -11080,9 +10962,9 @@
           <p:nvPr/>
         </p:nvSpPr>
         <p:spPr>
-          <a:xfrm>
+          <a:xfrm rot="0">
             <a:off x="1240790" y="4036695"/>
-            <a:ext cx="4130675" cy="2061845"/>
+            <a:ext cx="4131310" cy="2062480"/>
           </a:xfrm>
           <a:prstGeom prst="rect"/>
           <a:noFill/>
@@ -11109,17 +10991,7 @@
                 <a:latin typeface="맑은 고딕" charset="0"/>
                 <a:ea typeface="맑은 고딕" charset="0"/>
               </a:rPr>
-              <a:t>42</a:t>
-            </a:r>
-            <a:r>
-              <a:rPr lang="ko-KR" sz="2000" b="1">
-                <a:solidFill>
-                  <a:srgbClr val="0611F2"/>
-                </a:solidFill>
-                <a:latin typeface="맑은 고딕" charset="0"/>
-                <a:ea typeface="맑은 고딕" charset="0"/>
-              </a:rPr>
-              <a:t>.</a:t>
+              <a:t>42.</a:t>
             </a:r>
             <a:r>
               <a:rPr lang="ko-KR" sz="2000">
@@ -11163,21 +11035,7 @@
                 <a:latin typeface="맑은 고딕" charset="0"/>
                 <a:ea typeface="맑은 고딕" charset="0"/>
               </a:rPr>
-              <a:t>경로는 상대 경로로 설정하였</a:t>
-            </a:r>
-            <a:r>
-              <a:rPr lang="ko-KR" sz="1800">
-                <a:latin typeface="맑은 고딕" charset="0"/>
-                <a:ea typeface="맑은 고딕" charset="0"/>
-              </a:rPr>
-              <a:t>으며,</a:t>
-            </a:r>
-            <a:r>
-              <a:rPr lang="ko-KR" sz="1800">
-                <a:latin typeface="맑은 고딕" charset="0"/>
-                <a:ea typeface="맑은 고딕" charset="0"/>
-              </a:rPr>
-              <a:t> 파일의 이름과 폴더의 이름을 정확하게 넣어주어야 합니다. </a:t>
+              <a:t>경로는 상대 경로로 설정하였으며, 파일의 이름과 폴더의 이름을 정확하게 넣어주어야 합니다. </a:t>
             </a:r>
             <a:endParaRPr lang="ko-KR" altLang="en-US" sz="1800">
               <a:latin typeface="맑은 고딕" charset="0"/>
@@ -11188,17 +11046,17 @@
       </p:sp>
       <p:pic>
         <p:nvPicPr>
-          <p:cNvPr id="99" name="그림 19"/>
+          <p:cNvPr id="99" name="그림 19" descr="C:/Users/Admin1/AppData/Roaming/PolarisOffice/ETemp/18164_10088728/fImage45032669169.png"/>
           <p:cNvPicPr>
             <a:picLocks noChangeAspect="1"/>
           </p:cNvPicPr>
           <p:nvPr/>
         </p:nvPicPr>
         <p:blipFill rotWithShape="1">
-          <a:blip r:embed="rId2" cstate="print">
+          <a:blip r:embed="rId2" cstate="hqprint">
             <a:extLst>
               <a:ext uri="{28A0092B-C50C-407E-A947-70E740481C1C}">
-                <a14:useLocalDpi xmlns:a14="http://schemas.microsoft.com/office/drawing/2010/main" val="0"/>
+                <a14:useLocalDpi xmlns:a14="http://schemas.microsoft.com/office/drawing/2010/main"/>
               </a:ext>
             </a:extLst>
           </a:blip>
@@ -11209,7 +11067,7 @@
         <p:spPr>
           <a:xfrm rot="0">
             <a:off x="1241425" y="1391920"/>
-            <a:ext cx="4121150" cy="2590800"/>
+            <a:ext cx="4121785" cy="2591435"/>
           </a:xfrm>
           <a:prstGeom prst="roundRect"/>
           <a:solidFill>
@@ -11219,17 +11077,17 @@
       </p:pic>
       <p:pic>
         <p:nvPicPr>
-          <p:cNvPr id="100" name="그림 22"/>
+          <p:cNvPr id="100" name="그림 22" descr="C:/Users/Admin1/AppData/Roaming/PolarisOffice/ETemp/18164_10088728/fImage44242675724.png"/>
           <p:cNvPicPr>
             <a:picLocks noChangeAspect="1"/>
           </p:cNvPicPr>
           <p:nvPr/>
         </p:nvPicPr>
         <p:blipFill rotWithShape="1">
-          <a:blip r:embed="rId3" cstate="print">
+          <a:blip r:embed="rId3" cstate="hqprint">
             <a:extLst>
               <a:ext uri="{28A0092B-C50C-407E-A947-70E740481C1C}">
-                <a14:useLocalDpi xmlns:a14="http://schemas.microsoft.com/office/drawing/2010/main" val="0"/>
+                <a14:useLocalDpi xmlns:a14="http://schemas.microsoft.com/office/drawing/2010/main"/>
               </a:ext>
             </a:extLst>
           </a:blip>
@@ -11240,7 +11098,7 @@
         <p:spPr>
           <a:xfrm rot="0">
             <a:off x="6817995" y="3545205"/>
-            <a:ext cx="4048125" cy="1160780"/>
+            <a:ext cx="4048760" cy="1161415"/>
           </a:xfrm>
           <a:prstGeom prst="roundRect"/>
           <a:solidFill>
@@ -11250,17 +11108,17 @@
       </p:pic>
       <p:pic>
         <p:nvPicPr>
-          <p:cNvPr id="101" name="그림 23"/>
+          <p:cNvPr id="101" name="그림 23" descr="C:/Users/Admin1/AppData/Roaming/PolarisOffice/ETemp/18164_10088728/fImage250552681478.png"/>
           <p:cNvPicPr>
             <a:picLocks noChangeAspect="1"/>
           </p:cNvPicPr>
           <p:nvPr/>
         </p:nvPicPr>
         <p:blipFill rotWithShape="1">
-          <a:blip r:embed="rId4" cstate="print">
+          <a:blip r:embed="rId4" cstate="hqprint">
             <a:extLst>
               <a:ext uri="{28A0092B-C50C-407E-A947-70E740481C1C}">
-                <a14:useLocalDpi xmlns:a14="http://schemas.microsoft.com/office/drawing/2010/main" val="0"/>
+                <a14:useLocalDpi xmlns:a14="http://schemas.microsoft.com/office/drawing/2010/main"/>
               </a:ext>
             </a:extLst>
           </a:blip>
@@ -11271,7 +11129,7 @@
         <p:spPr>
           <a:xfrm rot="0">
             <a:off x="6808470" y="1394460"/>
-            <a:ext cx="4052570" cy="2039620"/>
+            <a:ext cx="4053205" cy="2040255"/>
           </a:xfrm>
           <a:prstGeom prst="roundRect"/>
           <a:solidFill>
@@ -11288,7 +11146,7 @@
         <p:spPr>
           <a:xfrm rot="0" flipV="1">
             <a:off x="8138795" y="2352675"/>
-            <a:ext cx="2660650" cy="1463675"/>
+            <a:ext cx="2661285" cy="1464310"/>
           </a:xfrm>
           <a:prstGeom prst="straightConnector1"/>
           <a:ln w="6350" cap="flat" cmpd="sng">
@@ -11627,7 +11485,7 @@
 </file>
 
 <file path=ppt/slides/slide3.xml><?xml version="1.0" encoding="utf-8"?>
-<p:sld xmlns:a="http://schemas.openxmlformats.org/drawingml/2006/main" xmlns:r="http://schemas.openxmlformats.org/officeDocument/2006/relationships" xmlns:p="http://schemas.openxmlformats.org/presentationml/2006/main">
+<p:sld xmlns:a="http://schemas.openxmlformats.org/drawingml/2006/main" xmlns:r="http://schemas.openxmlformats.org/officeDocument/2006/relationships" xmlns:p="http://schemas.openxmlformats.org/presentationml/2006/main" xmlns:p14="http://schemas.microsoft.com/office/powerpoint/2010/main">
   <p:cSld>
     <p:spTree>
       <p:nvGrpSpPr>
@@ -11750,7 +11608,7 @@
       </p:sp>
       <p:pic>
         <p:nvPicPr>
-          <p:cNvPr id="45" name="그림 15" descr="C:/Users/Admin1/AppData/Roaming/PolarisOffice/ETemp/4076_20445776/fImage620527341.png"/>
+          <p:cNvPr id="45" name="그림 15"/>
           <p:cNvPicPr>
             <a:picLocks noChangeAspect="1"/>
           </p:cNvPicPr>
@@ -11781,7 +11639,7 @@
       </p:pic>
       <p:pic>
         <p:nvPicPr>
-          <p:cNvPr id="46" name="그림 18" descr="C:/Users/Admin1/AppData/Roaming/PolarisOffice/ETemp/4076_20445776/fImage55942748467.png"/>
+          <p:cNvPr id="46" name="그림 18"/>
           <p:cNvPicPr>
             <a:picLocks noChangeAspect="1"/>
           </p:cNvPicPr>
@@ -11854,7 +11712,7 @@
         <p:spPr>
           <a:xfrm rot="0">
             <a:off x="6828790" y="4461510"/>
-            <a:ext cx="4018915" cy="1784985"/>
+            <a:ext cx="4019550" cy="1784985"/>
           </a:xfrm>
           <a:prstGeom prst="rect"/>
           <a:noFill/>
@@ -11881,31 +11739,14 @@
                 <a:latin typeface="맑은 고딕" charset="0"/>
                 <a:ea typeface="맑은 고딕" charset="0"/>
               </a:rPr>
-              <a:t>6</a:t>
-            </a:r>
-            <a:r>
-              <a:rPr lang="ko-KR" sz="2000" b="1">
-                <a:solidFill>
-                  <a:srgbClr val="0611F2"/>
-                </a:solidFill>
-                <a:latin typeface="맑은 고딕" charset="0"/>
-                <a:ea typeface="맑은 고딕" charset="0"/>
-              </a:rPr>
-              <a:t>. </a:t>
+              <a:t>6. </a:t>
             </a:r>
             <a:r>
               <a:rPr lang="ko-KR" sz="1800">
                 <a:latin typeface="맑은 고딕" charset="0"/>
                 <a:ea typeface="맑은 고딕" charset="0"/>
               </a:rPr>
-              <a:t>이제</a:t>
-            </a:r>
-            <a:r>
-              <a:rPr lang="ko-KR" sz="1800">
-                <a:latin typeface="맑은 고딕" charset="0"/>
-                <a:ea typeface="맑은 고딕" charset="0"/>
-              </a:rPr>
-              <a:t> Animator 컨트롤러를 선택합니다.</a:t>
+              <a:t>이제 Animator 컨트롤러를 선택합니다.</a:t>
             </a:r>
             <a:endParaRPr lang="ko-KR" altLang="en-US" sz="1800">
               <a:latin typeface="맑은 고딕" charset="0"/>
@@ -11932,14 +11773,7 @@
                 <a:latin typeface="맑은 고딕" charset="0"/>
                 <a:ea typeface="맑은 고딕" charset="0"/>
               </a:rPr>
-              <a:t>그리고</a:t>
-            </a:r>
-            <a:r>
-              <a:rPr lang="ko-KR" sz="1800">
-                <a:latin typeface="맑은 고딕" charset="0"/>
-                <a:ea typeface="맑은 고딕" charset="0"/>
-              </a:rPr>
-              <a:t> Blend Layer에서 Open 애니메이션과 Close 애니메이션을 넣어줍니다. </a:t>
+              <a:t>그리고 Blend Layer에서 Open 애니메이션과 Close 애니메이션을 넣어줍니다. </a:t>
             </a:r>
             <a:endParaRPr lang="ko-KR" altLang="en-US" sz="1800">
               <a:latin typeface="맑은 고딕" charset="0"/>
@@ -11950,7 +11784,7 @@
       </p:sp>
       <p:pic>
         <p:nvPicPr>
-          <p:cNvPr id="49" name="그림 23" descr="C:/Users/Admin1/AppData/Roaming/PolarisOffice/ETemp/4076_20445776/fImage69782306962.png"/>
+          <p:cNvPr id="49" name="그림 23" descr="C:/Users/Admin1/AppData/Roaming/PolarisOffice/ETemp/18164_10088728/fImage69782306962.png"/>
           <p:cNvPicPr>
             <a:picLocks noChangeAspect="1"/>
           </p:cNvPicPr>
@@ -11971,7 +11805,7 @@
         <p:spPr>
           <a:xfrm rot="0">
             <a:off x="6829425" y="2790825"/>
-            <a:ext cx="4010660" cy="1486535"/>
+            <a:ext cx="4011295" cy="1487170"/>
           </a:xfrm>
           <a:prstGeom prst="roundRect"/>
           <a:solidFill>
@@ -11981,17 +11815,17 @@
       </p:pic>
       <p:pic>
         <p:nvPicPr>
-          <p:cNvPr id="50" name="그림 24" descr="C:/Users/Admin1/AppData/Roaming/PolarisOffice/ETemp/4076_20445776/fImage57202786334.png"/>
+          <p:cNvPr id="50" name="그림 24" descr="C:/Users/Admin1/AppData/Roaming/PolarisOffice/ETemp/18164_10088728/fImage57202786334.png"/>
           <p:cNvPicPr>
             <a:picLocks noChangeAspect="1"/>
           </p:cNvPicPr>
           <p:nvPr/>
         </p:nvPicPr>
         <p:blipFill rotWithShape="1">
-          <a:blip r:embed="rId5" cstate="print">
+          <a:blip r:embed="rId5" cstate="hqprint">
             <a:extLst>
               <a:ext uri="{28A0092B-C50C-407E-A947-70E740481C1C}">
-                <a14:useLocalDpi xmlns:a14="http://schemas.microsoft.com/office/drawing/2010/main" val="0"/>
+                <a14:useLocalDpi xmlns:a14="http://schemas.microsoft.com/office/drawing/2010/main"/>
               </a:ext>
             </a:extLst>
           </a:blip>
@@ -12002,7 +11836,7 @@
         <p:spPr>
           <a:xfrm rot="0">
             <a:off x="6829425" y="1362075"/>
-            <a:ext cx="4020185" cy="1219835"/>
+            <a:ext cx="4020820" cy="1220470"/>
           </a:xfrm>
           <a:prstGeom prst="roundRect"/>
           <a:solidFill>
@@ -12012,7 +11846,7 @@
       </p:pic>
       <p:pic>
         <p:nvPicPr>
-          <p:cNvPr id="51" name="그림 31" descr="C:/Users/Admin1/AppData/Roaming/PolarisOffice/ETemp/4076_20445776/fImage2098552836500.png"/>
+          <p:cNvPr id="51" name="그림 31"/>
           <p:cNvPicPr>
             <a:picLocks noChangeAspect="1"/>
           </p:cNvPicPr>
@@ -12041,7 +11875,7 @@
       </p:pic>
       <p:pic>
         <p:nvPicPr>
-          <p:cNvPr id="52" name="그림 32" descr="C:/Users/Admin1/AppData/Roaming/PolarisOffice/ETemp/4076_20445776/fImage2098552849169.png"/>
+          <p:cNvPr id="52" name="그림 32"/>
           <p:cNvPicPr>
             <a:picLocks noChangeAspect="1"/>
           </p:cNvPicPr>
@@ -12629,8 +12463,8 @@
         </p:nvSpPr>
         <p:spPr>
           <a:xfrm rot="0">
-            <a:off x="1490345" y="5077460"/>
-            <a:ext cx="3867150" cy="954405"/>
+            <a:off x="1238885" y="5343525"/>
+            <a:ext cx="4131945" cy="677545"/>
           </a:xfrm>
           <a:prstGeom prst="rect"/>
           <a:noFill/>
@@ -12657,17 +12491,7 @@
                 <a:latin typeface="맑은 고딕" charset="0"/>
                 <a:ea typeface="맑은 고딕" charset="0"/>
               </a:rPr>
-              <a:t>10</a:t>
-            </a:r>
-            <a:r>
-              <a:rPr lang="ko-KR" sz="2000" b="1">
-                <a:solidFill>
-                  <a:srgbClr val="0611F2"/>
-                </a:solidFill>
-                <a:latin typeface="맑은 고딕" charset="0"/>
-                <a:ea typeface="맑은 고딕" charset="0"/>
-              </a:rPr>
-              <a:t>.</a:t>
+              <a:t>10.</a:t>
             </a:r>
             <a:r>
               <a:rPr lang="ko-KR" sz="2000">
@@ -12684,14 +12508,7 @@
                 <a:latin typeface="맑은 고딕" charset="0"/>
                 <a:ea typeface="맑은 고딕" charset="0"/>
               </a:rPr>
-              <a:t>그다음</a:t>
-            </a:r>
-            <a:r>
-              <a:rPr lang="ko-KR" sz="1800">
-                <a:latin typeface="맑은 고딕" charset="0"/>
-                <a:ea typeface="맑은 고딕" charset="0"/>
-              </a:rPr>
-              <a:t>으로 Add Property에서 Rect Transform에 Scale을 선택합니다.</a:t>
+              <a:t>그다음으로 Add Property에서 Rect Transform에 Scale을 선택합니다.</a:t>
             </a:r>
             <a:endParaRPr lang="ko-KR" altLang="en-US" sz="1800">
               <a:latin typeface="맑은 고딕" charset="0"/>
@@ -12776,7 +12593,7 @@
       </p:sp>
       <p:pic>
         <p:nvPicPr>
-          <p:cNvPr id="56" name="그림 57" descr="C:/Users/Admin1/AppData/Roaming/PolarisOffice/ETemp/4076_20445776/fImage84683034464.png"/>
+          <p:cNvPr id="56" name="그림 57"/>
           <p:cNvPicPr>
             <a:picLocks noChangeAspect="1"/>
           </p:cNvPicPr>
@@ -12807,7 +12624,7 @@
       </p:pic>
       <p:pic>
         <p:nvPicPr>
-          <p:cNvPr id="57" name="그림 60" descr="C:/Users/Admin1/AppData/Roaming/PolarisOffice/ETemp/4076_20445776/fImage190833235705.png"/>
+          <p:cNvPr id="57" name="그림 60"/>
           <p:cNvPicPr>
             <a:picLocks noChangeAspect="1"/>
           </p:cNvPicPr>
@@ -12838,7 +12655,7 @@
       </p:pic>
       <p:pic>
         <p:nvPicPr>
-          <p:cNvPr id="58" name="그림 71" descr="C:/Users/Admin1/AppData/Roaming/PolarisOffice/ETemp/4076_20445776/fImage196923288145.png"/>
+          <p:cNvPr id="58" name="그림 71"/>
           <p:cNvPicPr>
             <a:picLocks noChangeAspect="1"/>
           </p:cNvPicPr>
@@ -12948,100 +12765,19 @@
           </a:p>
         </p:txBody>
       </p:sp>
-      <p:sp>
-        <p:nvSpPr>
-          <p:cNvPr id="60" name="텍스트 상자 93"/>
-          <p:cNvSpPr txBox="1">
-            <a:spLocks/>
-          </p:cNvSpPr>
-          <p:nvPr/>
-        </p:nvSpPr>
-        <p:spPr>
-          <a:xfrm rot="0">
-            <a:off x="1490345" y="5077460"/>
-            <a:ext cx="3867150" cy="954405"/>
-          </a:xfrm>
-          <a:prstGeom prst="rect"/>
-          <a:noFill/>
-          <a:ln w="0">
-            <a:noFill/>
-            <a:prstDash/>
-          </a:ln>
-        </p:spPr>
-        <p:txBody>
-          <a:bodyPr wrap="square" lIns="89535" tIns="46355" rIns="89535" bIns="46355" numCol="1" vert="horz" anchor="t">
-            <a:spAutoFit/>
-          </a:bodyPr>
-          <a:lstStyle/>
-          <a:p>
-            <a:pPr marL="0" indent="0" algn="l" latinLnBrk="0" hangingPunct="1">
-              <a:buFontTx/>
-              <a:buNone/>
-            </a:pPr>
-            <a:r>
-              <a:rPr lang="ko-KR" sz="2000" b="1">
-                <a:solidFill>
-                  <a:srgbClr val="0611F2"/>
-                </a:solidFill>
-                <a:latin typeface="맑은 고딕" charset="0"/>
-                <a:ea typeface="맑은 고딕" charset="0"/>
-              </a:rPr>
-              <a:t>10</a:t>
-            </a:r>
-            <a:r>
-              <a:rPr lang="ko-KR" sz="2000" b="1">
-                <a:solidFill>
-                  <a:srgbClr val="0611F2"/>
-                </a:solidFill>
-                <a:latin typeface="맑은 고딕" charset="0"/>
-                <a:ea typeface="맑은 고딕" charset="0"/>
-              </a:rPr>
-              <a:t>.</a:t>
-            </a:r>
-            <a:r>
-              <a:rPr lang="ko-KR" sz="2000">
-                <a:solidFill>
-                  <a:srgbClr val="0611F2"/>
-                </a:solidFill>
-                <a:latin typeface="맑은 고딕" charset="0"/>
-                <a:ea typeface="맑은 고딕" charset="0"/>
-              </a:rPr>
-              <a:t> </a:t>
-            </a:r>
-            <a:r>
-              <a:rPr lang="ko-KR" sz="1800">
-                <a:latin typeface="맑은 고딕" charset="0"/>
-                <a:ea typeface="맑은 고딕" charset="0"/>
-              </a:rPr>
-              <a:t>그다음</a:t>
-            </a:r>
-            <a:r>
-              <a:rPr lang="ko-KR" sz="1800">
-                <a:latin typeface="맑은 고딕" charset="0"/>
-                <a:ea typeface="맑은 고딕" charset="0"/>
-              </a:rPr>
-              <a:t>으로 Add Property에서 Rect Transform에 Scale을 선택합니다.</a:t>
-            </a:r>
-            <a:endParaRPr lang="ko-KR" altLang="en-US" sz="1800">
-              <a:latin typeface="맑은 고딕" charset="0"/>
-              <a:ea typeface="맑은 고딕" charset="0"/>
-            </a:endParaRPr>
-          </a:p>
-        </p:txBody>
-      </p:sp>
       <p:pic>
         <p:nvPicPr>
-          <p:cNvPr id="61" name="그림 94" descr="C:/Users/Admin1/AppData/Roaming/PolarisOffice/ETemp/4076_20445776/fImage84683513281.png"/>
+          <p:cNvPr id="61" name="그림 94" descr="C:/Users/Admin1/AppData/Roaming/PolarisOffice/ETemp/18164_10088728/fImage84683513281.png"/>
           <p:cNvPicPr>
             <a:picLocks noChangeAspect="1"/>
           </p:cNvPicPr>
           <p:nvPr/>
         </p:nvPicPr>
         <p:blipFill rotWithShape="1">
-          <a:blip r:embed="rId16" cstate="print">
+          <a:blip r:embed="rId16" cstate="hqprint">
             <a:extLst>
               <a:ext uri="{28A0092B-C50C-407E-A947-70E740481C1C}">
-                <a14:useLocalDpi xmlns:a14="http://schemas.microsoft.com/office/drawing/2010/main" val="0"/>
+                <a14:useLocalDpi xmlns:a14="http://schemas.microsoft.com/office/drawing/2010/main"/>
               </a:ext>
             </a:extLst>
           </a:blip>
@@ -13051,8 +12787,8 @@
         </p:blipFill>
         <p:spPr>
           <a:xfrm rot="0">
-            <a:off x="1488440" y="1524000"/>
-            <a:ext cx="3881755" cy="3448050"/>
+            <a:off x="1230630" y="1524000"/>
+            <a:ext cx="4140200" cy="3705225"/>
           </a:xfrm>
           <a:prstGeom prst="roundRect"/>
           <a:solidFill>
@@ -13084,7 +12820,7 @@
 </file>
 
 <file path=ppt/slides/slide6.xml><?xml version="1.0" encoding="utf-8"?>
-<p:sld xmlns:a="http://schemas.openxmlformats.org/drawingml/2006/main" xmlns:r="http://schemas.openxmlformats.org/officeDocument/2006/relationships" xmlns:p="http://schemas.openxmlformats.org/presentationml/2006/main">
+<p:sld xmlns:a="http://schemas.openxmlformats.org/drawingml/2006/main" xmlns:r="http://schemas.openxmlformats.org/officeDocument/2006/relationships" xmlns:p="http://schemas.openxmlformats.org/presentationml/2006/main" xmlns:p14="http://schemas.microsoft.com/office/powerpoint/2010/main">
   <p:cSld>
     <p:spTree>
       <p:nvGrpSpPr>
@@ -13236,7 +12972,7 @@
         <p:spPr>
           <a:xfrm rot="0">
             <a:off x="6832600" y="2919095"/>
-            <a:ext cx="4007485" cy="677545"/>
+            <a:ext cx="4124960" cy="677545"/>
           </a:xfrm>
           <a:prstGeom prst="rect"/>
           <a:noFill/>
@@ -13263,17 +12999,7 @@
                 <a:latin typeface="맑은 고딕" charset="0"/>
                 <a:ea typeface="맑은 고딕" charset="0"/>
               </a:rPr>
-              <a:t>15</a:t>
-            </a:r>
-            <a:r>
-              <a:rPr lang="ko-KR" sz="2000" b="1">
-                <a:solidFill>
-                  <a:srgbClr val="0611F2"/>
-                </a:solidFill>
-                <a:latin typeface="맑은 고딕" charset="0"/>
-                <a:ea typeface="맑은 고딕" charset="0"/>
-              </a:rPr>
-              <a:t>.</a:t>
+              <a:t>15.</a:t>
             </a:r>
             <a:r>
               <a:rPr lang="ko-KR" sz="2000">
@@ -13290,42 +13016,7 @@
                 <a:latin typeface="맑은 고딕" charset="0"/>
                 <a:ea typeface="맑은 고딕" charset="0"/>
               </a:rPr>
-              <a:t>그</a:t>
-            </a:r>
-            <a:r>
-              <a:rPr lang="ko-KR" sz="1800">
-                <a:latin typeface="맑은 고딕" charset="0"/>
-                <a:ea typeface="맑은 고딕" charset="0"/>
-              </a:rPr>
-              <a:t>런 다음</a:t>
-            </a:r>
-            <a:r>
-              <a:rPr lang="ko-KR" sz="1800">
-                <a:latin typeface="맑은 고딕" charset="0"/>
-                <a:ea typeface="맑은 고딕" charset="0"/>
-              </a:rPr>
-              <a:t> </a:t>
-            </a:r>
-            <a:r>
-              <a:rPr lang="ko-KR" sz="1800">
-                <a:latin typeface="맑은 고딕" charset="0"/>
-                <a:ea typeface="맑은 고딕" charset="0"/>
-              </a:rPr>
-              <a:t>Close</a:t>
-            </a:r>
-            <a:r>
-              <a:rPr lang="ko-KR" sz="1800">
-                <a:latin typeface="맑은 고딕" charset="0"/>
-                <a:ea typeface="맑은 고딕" charset="0"/>
-              </a:rPr>
-              <a:t> 애니메이션</a:t>
-            </a:r>
-            <a:r>
-              <a:rPr lang="ko-KR" sz="1800">
-                <a:latin typeface="맑은 고딕" charset="0"/>
-                <a:ea typeface="맑은 고딕" charset="0"/>
-              </a:rPr>
-              <a:t>을 열어줍니다.</a:t>
+              <a:t>그런 다음 Close 애니메이션을 열어줍니다.</a:t>
             </a:r>
             <a:endParaRPr lang="ko-KR" altLang="en-US" sz="1800">
               <a:latin typeface="맑은 고딕" charset="0"/>
@@ -13336,7 +13027,7 @@
       </p:sp>
       <p:pic>
         <p:nvPicPr>
-          <p:cNvPr id="54" name="Picture " descr="C:/Users/Admin1/AppData/Roaming/PolarisOffice/ETemp/4076_20445776/fImage131882455724.png"/>
+          <p:cNvPr id="54" name="Picture "/>
           <p:cNvPicPr>
             <a:picLocks noChangeAspect="1"/>
           </p:cNvPicPr>
@@ -13448,7 +13139,7 @@
       </p:sp>
       <p:pic>
         <p:nvPicPr>
-          <p:cNvPr id="56" name="그림 76" descr="C:/Users/Admin1/AppData/Roaming/PolarisOffice/ETemp/4076_20445776/fImage197343306827.png"/>
+          <p:cNvPr id="56" name="그림 76"/>
           <p:cNvPicPr>
             <a:picLocks noChangeAspect="1"/>
           </p:cNvPicPr>
@@ -13479,17 +13170,17 @@
       </p:pic>
       <p:pic>
         <p:nvPicPr>
-          <p:cNvPr id="57" name="그림 80" descr="C:/Users/Admin1/AppData/Roaming/PolarisOffice/ETemp/4076_20445776/fImage106083319961.png"/>
+          <p:cNvPr id="57" name="그림 80" descr="C:/Users/Admin1/AppData/Roaming/PolarisOffice/ETemp/18164_10088728/fImage106083319961.png"/>
           <p:cNvPicPr>
             <a:picLocks noChangeAspect="1"/>
           </p:cNvPicPr>
           <p:nvPr/>
         </p:nvPicPr>
         <p:blipFill rotWithShape="1">
-          <a:blip r:embed="rId4" cstate="print">
+          <a:blip r:embed="rId4" cstate="hqprint">
             <a:extLst>
               <a:ext uri="{28A0092B-C50C-407E-A947-70E740481C1C}">
-                <a14:useLocalDpi xmlns:a14="http://schemas.microsoft.com/office/drawing/2010/main" val="0"/>
+                <a14:useLocalDpi xmlns:a14="http://schemas.microsoft.com/office/drawing/2010/main"/>
               </a:ext>
             </a:extLst>
           </a:blip>
@@ -13500,7 +13191,7 @@
         <p:spPr>
           <a:xfrm rot="0">
             <a:off x="6819900" y="1442720"/>
-            <a:ext cx="4020185" cy="1386840"/>
+            <a:ext cx="4137660" cy="1387475"/>
           </a:xfrm>
           <a:prstGeom prst="roundRect"/>
           <a:solidFill>
@@ -13519,7 +13210,7 @@
         <p:spPr>
           <a:xfrm rot="0">
             <a:off x="6830695" y="5236210"/>
-            <a:ext cx="4018915" cy="954405"/>
+            <a:ext cx="4126865" cy="954405"/>
           </a:xfrm>
           <a:prstGeom prst="rect"/>
           <a:noFill/>
@@ -13546,17 +13237,7 @@
                 <a:latin typeface="맑은 고딕" charset="0"/>
                 <a:ea typeface="맑은 고딕" charset="0"/>
               </a:rPr>
-              <a:t>16</a:t>
-            </a:r>
-            <a:r>
-              <a:rPr lang="ko-KR" sz="2000" b="1">
-                <a:solidFill>
-                  <a:srgbClr val="0611F2"/>
-                </a:solidFill>
-                <a:latin typeface="맑은 고딕" charset="0"/>
-                <a:ea typeface="맑은 고딕" charset="0"/>
-              </a:rPr>
-              <a:t>.</a:t>
+              <a:t>16.</a:t>
             </a:r>
             <a:r>
               <a:rPr lang="ko-KR" sz="2000">
@@ -13573,21 +13254,7 @@
                 <a:latin typeface="맑은 고딕" charset="0"/>
                 <a:ea typeface="맑은 고딕" charset="0"/>
               </a:rPr>
-              <a:t>그리고</a:t>
-            </a:r>
-            <a:r>
-              <a:rPr lang="ko-KR" sz="1800">
-                <a:latin typeface="맑은 고딕" charset="0"/>
-                <a:ea typeface="맑은 고딕" charset="0"/>
-              </a:rPr>
-              <a:t> Close</a:t>
-            </a:r>
-            <a:r>
-              <a:rPr lang="ko-KR" sz="1800">
-                <a:latin typeface="맑은 고딕" charset="0"/>
-                <a:ea typeface="맑은 고딕" charset="0"/>
-              </a:rPr>
-              <a:t> Button의 하위 오브젝트에 있는 Close Text의 설정을 변경합니다.</a:t>
+              <a:t>그리고 Close Button의 하위 오브젝트에 있는 Close Text의 설정을 변경합니다.</a:t>
             </a:r>
             <a:endParaRPr lang="ko-KR" altLang="en-US" sz="1800">
               <a:latin typeface="맑은 고딕" charset="0"/>
@@ -13598,17 +13265,17 @@
       </p:sp>
       <p:pic>
         <p:nvPicPr>
-          <p:cNvPr id="60" name="그림 90" descr="C:/Users/Admin1/AppData/Roaming/PolarisOffice/ETemp/4076_20445776/fImage11037349491.png"/>
+          <p:cNvPr id="60" name="그림 90" descr="C:/Users/Admin1/AppData/Roaming/PolarisOffice/ETemp/18164_10088728/fImage11037349491.png"/>
           <p:cNvPicPr>
             <a:picLocks noChangeAspect="1"/>
           </p:cNvPicPr>
           <p:nvPr/>
         </p:nvPicPr>
         <p:blipFill rotWithShape="1">
-          <a:blip r:embed="rId5" cstate="print">
+          <a:blip r:embed="rId5" cstate="hqprint">
             <a:extLst>
               <a:ext uri="{28A0092B-C50C-407E-A947-70E740481C1C}">
-                <a14:useLocalDpi xmlns:a14="http://schemas.microsoft.com/office/drawing/2010/main" val="0"/>
+                <a14:useLocalDpi xmlns:a14="http://schemas.microsoft.com/office/drawing/2010/main"/>
               </a:ext>
             </a:extLst>
           </a:blip>
@@ -13619,7 +13286,7 @@
         <p:spPr>
           <a:xfrm rot="0">
             <a:off x="6829425" y="3714750"/>
-            <a:ext cx="4010660" cy="1457960"/>
+            <a:ext cx="4128135" cy="1458595"/>
           </a:xfrm>
           <a:prstGeom prst="roundRect"/>
           <a:solidFill>
@@ -13651,7 +13318,7 @@
 </file>
 
 <file path=ppt/slides/slide7.xml><?xml version="1.0" encoding="utf-8"?>
-<p:sld xmlns:a="http://schemas.openxmlformats.org/drawingml/2006/main" xmlns:r="http://schemas.openxmlformats.org/officeDocument/2006/relationships" xmlns:p="http://schemas.openxmlformats.org/presentationml/2006/main">
+<p:sld xmlns:a="http://schemas.openxmlformats.org/drawingml/2006/main" xmlns:r="http://schemas.openxmlformats.org/officeDocument/2006/relationships" xmlns:p="http://schemas.openxmlformats.org/presentationml/2006/main" xmlns:p14="http://schemas.microsoft.com/office/powerpoint/2010/main">
   <p:cSld>
     <p:spTree>
       <p:nvGrpSpPr>
@@ -13720,17 +13387,17 @@
       </p:sp>
       <p:pic>
         <p:nvPicPr>
-          <p:cNvPr id="58" name="Picture " descr="C:/Users/Admin1/AppData/Roaming/PolarisOffice/ETemp/4076_20445776/fImage109923422995.png"/>
+          <p:cNvPr id="58" name="Picture " descr="C:/Users/Admin1/AppData/Roaming/PolarisOffice/ETemp/18164_10088728/fImage109923422995.png"/>
           <p:cNvPicPr>
             <a:picLocks noChangeAspect="1"/>
           </p:cNvPicPr>
           <p:nvPr/>
         </p:nvPicPr>
         <p:blipFill rotWithShape="1">
-          <a:blip r:embed="rId2" cstate="print">
+          <a:blip r:embed="rId2" cstate="hqprint">
             <a:extLst>
               <a:ext uri="{28A0092B-C50C-407E-A947-70E740481C1C}">
-                <a14:useLocalDpi xmlns:a14="http://schemas.microsoft.com/office/drawing/2010/main" val="0"/>
+                <a14:useLocalDpi xmlns:a14="http://schemas.microsoft.com/office/drawing/2010/main"/>
               </a:ext>
             </a:extLst>
           </a:blip>
@@ -13740,8 +13407,8 @@
         </p:blipFill>
         <p:spPr>
           <a:xfrm rot="0">
-            <a:off x="1421765" y="1447800"/>
-            <a:ext cx="3950970" cy="1734185"/>
+            <a:off x="1238885" y="1447800"/>
+            <a:ext cx="4134485" cy="1734820"/>
           </a:xfrm>
           <a:prstGeom prst="roundRect"/>
           <a:solidFill>
@@ -13759,8 +13426,8 @@
         </p:nvSpPr>
         <p:spPr>
           <a:xfrm rot="0">
-            <a:off x="1428750" y="5249545"/>
-            <a:ext cx="3943350" cy="954405"/>
+            <a:off x="1247140" y="5249545"/>
+            <a:ext cx="4125595" cy="954405"/>
           </a:xfrm>
           <a:prstGeom prst="rect"/>
           <a:noFill/>
@@ -13787,17 +13454,7 @@
                 <a:latin typeface="맑은 고딕" charset="0"/>
                 <a:ea typeface="맑은 고딕" charset="0"/>
               </a:rPr>
-              <a:t>17</a:t>
-            </a:r>
-            <a:r>
-              <a:rPr lang="ko-KR" sz="2000" b="1">
-                <a:solidFill>
-                  <a:srgbClr val="0611F2"/>
-                </a:solidFill>
-                <a:latin typeface="맑은 고딕" charset="0"/>
-                <a:ea typeface="맑은 고딕" charset="0"/>
-              </a:rPr>
-              <a:t>.</a:t>
+              <a:t>17.</a:t>
             </a:r>
             <a:r>
               <a:rPr lang="ko-KR" sz="2000">
@@ -13825,17 +13482,17 @@
       </p:sp>
       <p:pic>
         <p:nvPicPr>
-          <p:cNvPr id="61" name="그림 89" descr="C:/Users/Admin1/AppData/Roaming/PolarisOffice/ETemp/4076_20445776/fImage62053481942.png"/>
+          <p:cNvPr id="61" name="그림 89" descr="C:/Users/Admin1/AppData/Roaming/PolarisOffice/ETemp/18164_10088728/fImage62053481942.png"/>
           <p:cNvPicPr>
             <a:picLocks noChangeAspect="1"/>
           </p:cNvPicPr>
           <p:nvPr/>
         </p:nvPicPr>
         <p:blipFill rotWithShape="1">
-          <a:blip r:embed="rId3" cstate="print">
+          <a:blip r:embed="rId3" cstate="hqprint">
             <a:extLst>
               <a:ext uri="{28A0092B-C50C-407E-A947-70E740481C1C}">
-                <a14:useLocalDpi xmlns:a14="http://schemas.microsoft.com/office/drawing/2010/main" val="0"/>
+                <a14:useLocalDpi xmlns:a14="http://schemas.microsoft.com/office/drawing/2010/main"/>
               </a:ext>
             </a:extLst>
           </a:blip>
@@ -13845,8 +13502,8 @@
         </p:blipFill>
         <p:spPr>
           <a:xfrm rot="0">
-            <a:off x="1421130" y="3381375"/>
-            <a:ext cx="3951605" cy="1743710"/>
+            <a:off x="1255395" y="3381375"/>
+            <a:ext cx="4117975" cy="1744345"/>
           </a:xfrm>
           <a:prstGeom prst="roundRect"/>
           <a:solidFill>
@@ -13937,7 +13594,7 @@
       </p:sp>
       <p:pic>
         <p:nvPicPr>
-          <p:cNvPr id="63" name="그림 96" descr="C:/Users/Admin1/AppData/Roaming/PolarisOffice/ETemp/4076_20445776/fImage84683534827.png"/>
+          <p:cNvPr id="63" name="그림 96"/>
           <p:cNvPicPr>
             <a:picLocks noChangeAspect="1"/>
           </p:cNvPicPr>
@@ -13990,7 +13647,7 @@
 </file>
 
 <file path=ppt/slides/slide8.xml><?xml version="1.0" encoding="utf-8"?>
-<p:sld xmlns:a="http://schemas.openxmlformats.org/drawingml/2006/main" xmlns:r="http://schemas.openxmlformats.org/officeDocument/2006/relationships" xmlns:p="http://schemas.openxmlformats.org/presentationml/2006/main">
+<p:sld xmlns:a="http://schemas.openxmlformats.org/drawingml/2006/main" xmlns:r="http://schemas.openxmlformats.org/officeDocument/2006/relationships" xmlns:p="http://schemas.openxmlformats.org/presentationml/2006/main" xmlns:p14="http://schemas.microsoft.com/office/powerpoint/2010/main">
   <p:cSld>
     <p:spTree>
       <p:nvGrpSpPr>
@@ -14067,8 +13724,8 @@
         </p:nvSpPr>
         <p:spPr>
           <a:xfrm rot="0">
-            <a:off x="1306195" y="2961005"/>
-            <a:ext cx="4066540" cy="677545"/>
+            <a:off x="1306195" y="2994025"/>
+            <a:ext cx="4067175" cy="678180"/>
           </a:xfrm>
           <a:prstGeom prst="rect"/>
           <a:noFill/>
@@ -14095,17 +13752,7 @@
                 <a:latin typeface="맑은 고딕" charset="0"/>
                 <a:ea typeface="맑은 고딕" charset="0"/>
               </a:rPr>
-              <a:t>19</a:t>
-            </a:r>
-            <a:r>
-              <a:rPr lang="ko-KR" sz="2000" b="1">
-                <a:solidFill>
-                  <a:srgbClr val="0611F2"/>
-                </a:solidFill>
-                <a:latin typeface="맑은 고딕" charset="0"/>
-                <a:ea typeface="맑은 고딕" charset="0"/>
-              </a:rPr>
-              <a:t>.</a:t>
+              <a:t>19.</a:t>
             </a:r>
             <a:r>
               <a:rPr lang="ko-KR" sz="2000">
@@ -14133,7 +13780,7 @@
       </p:sp>
       <p:pic>
         <p:nvPicPr>
-          <p:cNvPr id="35" name="Picture " descr="C:/Users/Admin1/AppData/Roaming/PolarisOffice/ETemp/4076_20445776/fImage199683645436.png"/>
+          <p:cNvPr id="35" name="Picture "/>
           <p:cNvPicPr>
             <a:picLocks noChangeAspect="1"/>
           </p:cNvPicPr>
@@ -14164,17 +13811,17 @@
       </p:pic>
       <p:pic>
         <p:nvPicPr>
-          <p:cNvPr id="36" name="Picture " descr="C:/Users/Admin1/AppData/Roaming/PolarisOffice/ETemp/4076_20445776/fImage187123652391.png"/>
+          <p:cNvPr id="36" name="Picture " descr="C:/Users/Admin1/AppData/Roaming/PolarisOffice/ETemp/18164_10088728/fImage187123652391.png"/>
           <p:cNvPicPr>
             <a:picLocks noChangeAspect="1"/>
           </p:cNvPicPr>
           <p:nvPr/>
         </p:nvPicPr>
         <p:blipFill rotWithShape="1">
-          <a:blip r:embed="rId3" cstate="print">
+          <a:blip r:embed="rId3" cstate="hqprint">
             <a:extLst>
               <a:ext uri="{28A0092B-C50C-407E-A947-70E740481C1C}">
-                <a14:useLocalDpi xmlns:a14="http://schemas.microsoft.com/office/drawing/2010/main" val="0"/>
+                <a14:useLocalDpi xmlns:a14="http://schemas.microsoft.com/office/drawing/2010/main"/>
               </a:ext>
             </a:extLst>
           </a:blip>
@@ -14185,7 +13832,7 @@
         <p:spPr>
           <a:xfrm rot="0">
             <a:off x="1318895" y="3785870"/>
-            <a:ext cx="4053840" cy="1491615"/>
+            <a:ext cx="4054475" cy="1601470"/>
           </a:xfrm>
           <a:prstGeom prst="roundRect"/>
           <a:solidFill>
@@ -14203,8 +13850,8 @@
         </p:nvSpPr>
         <p:spPr>
           <a:xfrm rot="0">
-            <a:off x="1301750" y="5366385"/>
-            <a:ext cx="4066540" cy="677545"/>
+            <a:off x="1301750" y="5499100"/>
+            <a:ext cx="4067175" cy="678180"/>
           </a:xfrm>
           <a:prstGeom prst="rect"/>
           <a:noFill/>
@@ -14231,8 +13878,58 @@
                 <a:latin typeface="맑은 고딕" charset="0"/>
                 <a:ea typeface="맑은 고딕" charset="0"/>
               </a:rPr>
-              <a:t>20</a:t>
-            </a:r>
+              <a:t>20.</a:t>
+            </a:r>
+            <a:r>
+              <a:rPr lang="ko-KR" sz="2000">
+                <a:solidFill>
+                  <a:srgbClr val="0611F2"/>
+                </a:solidFill>
+                <a:latin typeface="맑은 고딕" charset="0"/>
+                <a:ea typeface="맑은 고딕" charset="0"/>
+              </a:rPr>
+              <a:t> </a:t>
+            </a:r>
+            <a:r>
+              <a:rPr lang="ko-KR" sz="1800">
+                <a:latin typeface="맑은 고딕" charset="0"/>
+                <a:ea typeface="맑은 고딕" charset="0"/>
+              </a:rPr>
+              <a:t>그리고 Key Frame을 1 : 00에서 0 : 30으로 이동시킵니다.</a:t>
+            </a:r>
+            <a:endParaRPr lang="ko-KR" altLang="en-US" sz="1800">
+              <a:latin typeface="맑은 고딕" charset="0"/>
+              <a:ea typeface="맑은 고딕" charset="0"/>
+            </a:endParaRPr>
+          </a:p>
+        </p:txBody>
+      </p:sp>
+      <p:sp>
+        <p:nvSpPr>
+          <p:cNvPr id="39" name="텍스트 상자 112"/>
+          <p:cNvSpPr txBox="1">
+            <a:spLocks/>
+          </p:cNvSpPr>
+          <p:nvPr/>
+        </p:nvSpPr>
+        <p:spPr>
+          <a:xfrm rot="0">
+            <a:off x="6819900" y="3000375"/>
+            <a:ext cx="4096385" cy="861695"/>
+          </a:xfrm>
+          <a:prstGeom prst="rect"/>
+          <a:noFill/>
+        </p:spPr>
+        <p:txBody>
+          <a:bodyPr wrap="square" lIns="0" tIns="0" rIns="0" bIns="0" vert="horz" anchor="t">
+            <a:noAutofit/>
+          </a:bodyPr>
+          <a:lstStyle/>
+          <a:p>
+            <a:pPr marL="0" indent="0" algn="l" latinLnBrk="0" hangingPunct="1">
+              <a:buFontTx/>
+              <a:buNone/>
+            </a:pPr>
             <a:r>
               <a:rPr lang="ko-KR" sz="2000" b="1">
                 <a:solidFill>
@@ -14241,6 +13938,16 @@
                 <a:latin typeface="맑은 고딕" charset="0"/>
                 <a:ea typeface="맑은 고딕" charset="0"/>
               </a:rPr>
+              <a:t>21</a:t>
+            </a:r>
+            <a:r>
+              <a:rPr lang="ko-KR" sz="2000" b="1">
+                <a:solidFill>
+                  <a:srgbClr val="0611F2"/>
+                </a:solidFill>
+                <a:latin typeface="맑은 고딕" charset="0"/>
+                <a:ea typeface="맑은 고딕" charset="0"/>
+              </a:rPr>
               <a:t>.</a:t>
             </a:r>
             <a:r>
@@ -14258,14 +13965,7 @@
                 <a:latin typeface="맑은 고딕" charset="0"/>
                 <a:ea typeface="맑은 고딕" charset="0"/>
               </a:rPr>
-              <a:t>그</a:t>
-            </a:r>
-            <a:r>
-              <a:rPr lang="ko-KR" sz="1800">
-                <a:latin typeface="맑은 고딕" charset="0"/>
-                <a:ea typeface="맑은 고딕" charset="0"/>
-              </a:rPr>
-              <a:t>리고 Key Frame을 1 : 00에서 0 : 30으로 이동시킵니다.</a:t>
+              <a:t>마지막 Close 애니메이션 키 프레임 0 : 30 위치에 Scale x, y, z 값을 0으로 설정합니다.</a:t>
             </a:r>
             <a:endParaRPr lang="ko-KR" altLang="en-US" sz="1800">
               <a:latin typeface="맑은 고딕" charset="0"/>
@@ -14274,79 +13974,9 @@
           </a:p>
         </p:txBody>
       </p:sp>
-      <p:sp>
-        <p:nvSpPr>
-          <p:cNvPr id="39" name="텍스트 상자 112"/>
-          <p:cNvSpPr txBox="1">
-            <a:spLocks/>
-          </p:cNvSpPr>
-          <p:nvPr/>
-        </p:nvSpPr>
-        <p:spPr>
-          <a:xfrm rot="0">
-            <a:off x="6819900" y="3000375"/>
-            <a:ext cx="4096385" cy="861695"/>
-          </a:xfrm>
-          <a:prstGeom prst="rect"/>
-          <a:noFill/>
-        </p:spPr>
-        <p:txBody>
-          <a:bodyPr wrap="square" lIns="0" tIns="0" rIns="0" bIns="0" vert="horz" anchor="t">
-            <a:noAutofit/>
-          </a:bodyPr>
-          <a:lstStyle/>
-          <a:p>
-            <a:pPr marL="0" indent="0" algn="l" latinLnBrk="0" hangingPunct="1">
-              <a:buFontTx/>
-              <a:buNone/>
-            </a:pPr>
-            <a:r>
-              <a:rPr lang="ko-KR" sz="2000" b="1">
-                <a:solidFill>
-                  <a:srgbClr val="0611F2"/>
-                </a:solidFill>
-                <a:latin typeface="맑은 고딕" charset="0"/>
-                <a:ea typeface="맑은 고딕" charset="0"/>
-              </a:rPr>
-              <a:t>21</a:t>
-            </a:r>
-            <a:r>
-              <a:rPr lang="ko-KR" sz="2000" b="1">
-                <a:solidFill>
-                  <a:srgbClr val="0611F2"/>
-                </a:solidFill>
-                <a:latin typeface="맑은 고딕" charset="0"/>
-                <a:ea typeface="맑은 고딕" charset="0"/>
-              </a:rPr>
-              <a:t>.</a:t>
-            </a:r>
-            <a:r>
-              <a:rPr lang="ko-KR" sz="2000">
-                <a:solidFill>
-                  <a:srgbClr val="0611F2"/>
-                </a:solidFill>
-                <a:latin typeface="맑은 고딕" charset="0"/>
-                <a:ea typeface="맑은 고딕" charset="0"/>
-              </a:rPr>
-              <a:t> </a:t>
-            </a:r>
-            <a:r>
-              <a:rPr lang="ko-KR" sz="1800">
-                <a:latin typeface="맑은 고딕" charset="0"/>
-                <a:ea typeface="맑은 고딕" charset="0"/>
-              </a:rPr>
-              <a:t>마지막 Close 애니메이션 키 프레임 0 : 30 위치에 Scale x, y, z 값을 0으로 설정합니다.</a:t>
-            </a:r>
-            <a:endParaRPr lang="ko-KR" altLang="en-US" sz="1800">
-              <a:latin typeface="맑은 고딕" charset="0"/>
-              <a:ea typeface="맑은 고딕" charset="0"/>
-            </a:endParaRPr>
-          </a:p>
-        </p:txBody>
-      </p:sp>
       <p:pic>
         <p:nvPicPr>
-          <p:cNvPr id="40" name="그림 113" descr="C:/Users/Admin1/AppData/Roaming/PolarisOffice/ETemp/4076_20445776/fImage208313734604.png"/>
+          <p:cNvPr id="40" name="그림 113"/>
           <p:cNvPicPr>
             <a:picLocks noChangeAspect="1"/>
           </p:cNvPicPr>
@@ -14385,8 +14015,8 @@
         </p:nvSpPr>
         <p:spPr>
           <a:xfrm rot="0">
-            <a:off x="6831965" y="5081905"/>
-            <a:ext cx="4093845" cy="954405"/>
+            <a:off x="6816725" y="5231765"/>
+            <a:ext cx="4134485" cy="954405"/>
           </a:xfrm>
           <a:prstGeom prst="rect"/>
           <a:noFill/>
@@ -14413,17 +14043,7 @@
                 <a:latin typeface="맑은 고딕" charset="0"/>
                 <a:ea typeface="맑은 고딕" charset="0"/>
               </a:rPr>
-              <a:t>22</a:t>
-            </a:r>
-            <a:r>
-              <a:rPr lang="ko-KR" sz="2000" b="1">
-                <a:solidFill>
-                  <a:srgbClr val="0611F2"/>
-                </a:solidFill>
-                <a:latin typeface="맑은 고딕" charset="0"/>
-                <a:ea typeface="맑은 고딕" charset="0"/>
-              </a:rPr>
-              <a:t>.</a:t>
+              <a:t>22.</a:t>
             </a:r>
             <a:r>
               <a:rPr lang="ko-KR" sz="2000">
@@ -14440,14 +14060,7 @@
                 <a:latin typeface="맑은 고딕" charset="0"/>
                 <a:ea typeface="맑은 고딕" charset="0"/>
               </a:rPr>
-              <a:t>이제</a:t>
-            </a:r>
-            <a:r>
-              <a:rPr lang="ko-KR" sz="1800">
-                <a:latin typeface="맑은 고딕" charset="0"/>
-                <a:ea typeface="맑은 고딕" charset="0"/>
-              </a:rPr>
-              <a:t> Animator Controller의 Paremeters에 Trigger 옵션을 추가하고 이름을 Close로 정의합니다.</a:t>
+              <a:t>이제 Animator Controller의 Paremeters에 Trigger 옵션을 추가하고 이름을 Close로 정의합니다.</a:t>
             </a:r>
             <a:endParaRPr lang="ko-KR" altLang="en-US" sz="1800">
               <a:latin typeface="맑은 고딕" charset="0"/>
@@ -14458,7 +14071,7 @@
       </p:sp>
       <p:pic>
         <p:nvPicPr>
-          <p:cNvPr id="42" name="그림 119" descr="C:/Users/Admin1/AppData/Roaming/PolarisOffice/ETemp/4076_20445776/fImage56242544464.png"/>
+          <p:cNvPr id="42" name="그림 119" descr="C:/Users/Admin1/AppData/Roaming/PolarisOffice/ETemp/18164_10088728/fImage56242544464.png"/>
           <p:cNvPicPr>
             <a:picLocks noChangeAspect="1"/>
           </p:cNvPicPr>
@@ -14478,8 +14091,8 @@
         </p:blipFill>
         <p:spPr>
           <a:xfrm rot="0">
-            <a:off x="6815455" y="3990340"/>
-            <a:ext cx="4100195" cy="944245"/>
+            <a:off x="6815455" y="4006850"/>
+            <a:ext cx="4091940" cy="1147445"/>
           </a:xfrm>
           <a:prstGeom prst="roundRect"/>
           <a:solidFill>
@@ -14580,7 +14193,7 @@
       </p:sp>
       <p:pic>
         <p:nvPicPr>
-          <p:cNvPr id="30" name="그림 48" descr="C:/Users/Admin1/AppData/Roaming/PolarisOffice/ETemp/4076_20445776/fImage191382218467.png"/>
+          <p:cNvPr id="30" name="그림 48"/>
           <p:cNvPicPr>
             <a:picLocks noChangeAspect="1"/>
           </p:cNvPicPr>
@@ -14611,7 +14224,7 @@
       </p:pic>
       <p:pic>
         <p:nvPicPr>
-          <p:cNvPr id="31" name="그림 49" descr="C:/Users/Admin1/AppData/Roaming/PolarisOffice/ETemp/4076_20445776/fImage43432481478.png"/>
+          <p:cNvPr id="31" name="그림 49"/>
           <p:cNvPicPr>
             <a:picLocks noChangeAspect="1"/>
           </p:cNvPicPr>
@@ -14838,7 +14451,7 @@
       </p:sp>
       <p:pic>
         <p:nvPicPr>
-          <p:cNvPr id="34" name="그림 121" descr="C:/Users/Admin1/AppData/Roaming/PolarisOffice/ETemp/4076_20445776/fImage207020141.png"/>
+          <p:cNvPr id="34" name="그림 121"/>
           <p:cNvPicPr>
             <a:picLocks noChangeAspect="1"/>
           </p:cNvPicPr>
@@ -14869,7 +14482,7 @@
       </p:pic>
       <p:pic>
         <p:nvPicPr>
-          <p:cNvPr id="35" name="그림 122" descr="C:/Users/Admin1/AppData/Roaming/PolarisOffice/ETemp/4076_20445776/fImage48432509358.png"/>
+          <p:cNvPr id="35" name="그림 122"/>
           <p:cNvPicPr>
             <a:picLocks noChangeAspect="1"/>
           </p:cNvPicPr>
@@ -14964,7 +14577,7 @@
       </p:cxnSp>
       <p:pic>
         <p:nvPicPr>
-          <p:cNvPr id="38" name="그림 125" descr="C:/Users/Admin1/AppData/Roaming/PolarisOffice/ETemp/4076_20445776/fImage121222526962.png"/>
+          <p:cNvPr id="38" name="그림 125" descr="C:/Users/Admin1/AppData/Roaming/PolarisOffice/ETemp/18164_10088728/fImage121222526962.png"/>
           <p:cNvPicPr>
             <a:picLocks noChangeAspect="1"/>
           </p:cNvPicPr>
@@ -14984,8 +14597,8 @@
         </p:blipFill>
         <p:spPr>
           <a:xfrm rot="0">
-            <a:off x="6917690" y="3851275"/>
-            <a:ext cx="3977640" cy="1378585"/>
+            <a:off x="6917690" y="3933825"/>
+            <a:ext cx="3978275" cy="1379220"/>
           </a:xfrm>
           <a:prstGeom prst="roundRect"/>
           <a:solidFill>
